--- a/thesis/drawings.pptx
+++ b/thesis/drawings.pptx
@@ -6,6 +6,7 @@
   </p:sldMasterIdLst>
   <p:sldIdLst>
     <p:sldId id="256" r:id="rId2"/>
+    <p:sldId id="257" r:id="rId3"/>
   </p:sldIdLst>
   <p:sldSz cx="9144000" cy="6858000" type="screen4x3"/>
   <p:notesSz cx="6858000" cy="9144000"/>
@@ -288,7 +289,8 @@
           <a:p>
             <a:fld id="{BF9D0C2E-D681-4EA7-8157-3D0866D89818}" type="datetimeFigureOut">
               <a:rPr lang="de-DE" smtClean="0"/>
-              <a:t>11.03.2008</a:t>
+              <a:pPr/>
+              <a:t>13.03.2008</a:t>
             </a:fld>
             <a:endParaRPr lang="de-DE"/>
           </a:p>
@@ -330,6 +332,7 @@
           <a:p>
             <a:fld id="{44227B2F-7FA4-4547-9B13-DA7AE64A9CCB}" type="slidenum">
               <a:rPr lang="de-DE" smtClean="0"/>
+              <a:pPr/>
               <a:t>‹Nr.›</a:t>
             </a:fld>
             <a:endParaRPr lang="de-DE"/>
@@ -453,7 +456,8 @@
           <a:p>
             <a:fld id="{BF9D0C2E-D681-4EA7-8157-3D0866D89818}" type="datetimeFigureOut">
               <a:rPr lang="de-DE" smtClean="0"/>
-              <a:t>11.03.2008</a:t>
+              <a:pPr/>
+              <a:t>13.03.2008</a:t>
             </a:fld>
             <a:endParaRPr lang="de-DE"/>
           </a:p>
@@ -495,6 +499,7 @@
           <a:p>
             <a:fld id="{44227B2F-7FA4-4547-9B13-DA7AE64A9CCB}" type="slidenum">
               <a:rPr lang="de-DE" smtClean="0"/>
+              <a:pPr/>
               <a:t>‹Nr.›</a:t>
             </a:fld>
             <a:endParaRPr lang="de-DE"/>
@@ -628,7 +633,8 @@
           <a:p>
             <a:fld id="{BF9D0C2E-D681-4EA7-8157-3D0866D89818}" type="datetimeFigureOut">
               <a:rPr lang="de-DE" smtClean="0"/>
-              <a:t>11.03.2008</a:t>
+              <a:pPr/>
+              <a:t>13.03.2008</a:t>
             </a:fld>
             <a:endParaRPr lang="de-DE"/>
           </a:p>
@@ -670,6 +676,7 @@
           <a:p>
             <a:fld id="{44227B2F-7FA4-4547-9B13-DA7AE64A9CCB}" type="slidenum">
               <a:rPr lang="de-DE" smtClean="0"/>
+              <a:pPr/>
               <a:t>‹Nr.›</a:t>
             </a:fld>
             <a:endParaRPr lang="de-DE"/>
@@ -793,7 +800,8 @@
           <a:p>
             <a:fld id="{BF9D0C2E-D681-4EA7-8157-3D0866D89818}" type="datetimeFigureOut">
               <a:rPr lang="de-DE" smtClean="0"/>
-              <a:t>11.03.2008</a:t>
+              <a:pPr/>
+              <a:t>13.03.2008</a:t>
             </a:fld>
             <a:endParaRPr lang="de-DE"/>
           </a:p>
@@ -835,6 +843,7 @@
           <a:p>
             <a:fld id="{44227B2F-7FA4-4547-9B13-DA7AE64A9CCB}" type="slidenum">
               <a:rPr lang="de-DE" smtClean="0"/>
+              <a:pPr/>
               <a:t>‹Nr.›</a:t>
             </a:fld>
             <a:endParaRPr lang="de-DE"/>
@@ -1034,7 +1043,8 @@
           <a:p>
             <a:fld id="{BF9D0C2E-D681-4EA7-8157-3D0866D89818}" type="datetimeFigureOut">
               <a:rPr lang="de-DE" smtClean="0"/>
-              <a:t>11.03.2008</a:t>
+              <a:pPr/>
+              <a:t>13.03.2008</a:t>
             </a:fld>
             <a:endParaRPr lang="de-DE"/>
           </a:p>
@@ -1076,6 +1086,7 @@
           <a:p>
             <a:fld id="{44227B2F-7FA4-4547-9B13-DA7AE64A9CCB}" type="slidenum">
               <a:rPr lang="de-DE" smtClean="0"/>
+              <a:pPr/>
               <a:t>‹Nr.›</a:t>
             </a:fld>
             <a:endParaRPr lang="de-DE"/>
@@ -1317,7 +1328,8 @@
           <a:p>
             <a:fld id="{BF9D0C2E-D681-4EA7-8157-3D0866D89818}" type="datetimeFigureOut">
               <a:rPr lang="de-DE" smtClean="0"/>
-              <a:t>11.03.2008</a:t>
+              <a:pPr/>
+              <a:t>13.03.2008</a:t>
             </a:fld>
             <a:endParaRPr lang="de-DE"/>
           </a:p>
@@ -1359,6 +1371,7 @@
           <a:p>
             <a:fld id="{44227B2F-7FA4-4547-9B13-DA7AE64A9CCB}" type="slidenum">
               <a:rPr lang="de-DE" smtClean="0"/>
+              <a:pPr/>
               <a:t>‹Nr.›</a:t>
             </a:fld>
             <a:endParaRPr lang="de-DE"/>
@@ -1734,7 +1747,8 @@
           <a:p>
             <a:fld id="{BF9D0C2E-D681-4EA7-8157-3D0866D89818}" type="datetimeFigureOut">
               <a:rPr lang="de-DE" smtClean="0"/>
-              <a:t>11.03.2008</a:t>
+              <a:pPr/>
+              <a:t>13.03.2008</a:t>
             </a:fld>
             <a:endParaRPr lang="de-DE"/>
           </a:p>
@@ -1776,6 +1790,7 @@
           <a:p>
             <a:fld id="{44227B2F-7FA4-4547-9B13-DA7AE64A9CCB}" type="slidenum">
               <a:rPr lang="de-DE" smtClean="0"/>
+              <a:pPr/>
               <a:t>‹Nr.›</a:t>
             </a:fld>
             <a:endParaRPr lang="de-DE"/>
@@ -1847,7 +1862,8 @@
           <a:p>
             <a:fld id="{BF9D0C2E-D681-4EA7-8157-3D0866D89818}" type="datetimeFigureOut">
               <a:rPr lang="de-DE" smtClean="0"/>
-              <a:t>11.03.2008</a:t>
+              <a:pPr/>
+              <a:t>13.03.2008</a:t>
             </a:fld>
             <a:endParaRPr lang="de-DE"/>
           </a:p>
@@ -1889,6 +1905,7 @@
           <a:p>
             <a:fld id="{44227B2F-7FA4-4547-9B13-DA7AE64A9CCB}" type="slidenum">
               <a:rPr lang="de-DE" smtClean="0"/>
+              <a:pPr/>
               <a:t>‹Nr.›</a:t>
             </a:fld>
             <a:endParaRPr lang="de-DE"/>
@@ -1937,7 +1954,8 @@
           <a:p>
             <a:fld id="{BF9D0C2E-D681-4EA7-8157-3D0866D89818}" type="datetimeFigureOut">
               <a:rPr lang="de-DE" smtClean="0"/>
-              <a:t>11.03.2008</a:t>
+              <a:pPr/>
+              <a:t>13.03.2008</a:t>
             </a:fld>
             <a:endParaRPr lang="de-DE"/>
           </a:p>
@@ -1979,6 +1997,7 @@
           <a:p>
             <a:fld id="{44227B2F-7FA4-4547-9B13-DA7AE64A9CCB}" type="slidenum">
               <a:rPr lang="de-DE" smtClean="0"/>
+              <a:pPr/>
               <a:t>‹Nr.›</a:t>
             </a:fld>
             <a:endParaRPr lang="de-DE"/>
@@ -2209,7 +2228,8 @@
           <a:p>
             <a:fld id="{BF9D0C2E-D681-4EA7-8157-3D0866D89818}" type="datetimeFigureOut">
               <a:rPr lang="de-DE" smtClean="0"/>
-              <a:t>11.03.2008</a:t>
+              <a:pPr/>
+              <a:t>13.03.2008</a:t>
             </a:fld>
             <a:endParaRPr lang="de-DE"/>
           </a:p>
@@ -2251,6 +2271,7 @@
           <a:p>
             <a:fld id="{44227B2F-7FA4-4547-9B13-DA7AE64A9CCB}" type="slidenum">
               <a:rPr lang="de-DE" smtClean="0"/>
+              <a:pPr/>
               <a:t>‹Nr.›</a:t>
             </a:fld>
             <a:endParaRPr lang="de-DE"/>
@@ -2457,7 +2478,8 @@
           <a:p>
             <a:fld id="{BF9D0C2E-D681-4EA7-8157-3D0866D89818}" type="datetimeFigureOut">
               <a:rPr lang="de-DE" smtClean="0"/>
-              <a:t>11.03.2008</a:t>
+              <a:pPr/>
+              <a:t>13.03.2008</a:t>
             </a:fld>
             <a:endParaRPr lang="de-DE"/>
           </a:p>
@@ -2499,6 +2521,7 @@
           <a:p>
             <a:fld id="{44227B2F-7FA4-4547-9B13-DA7AE64A9CCB}" type="slidenum">
               <a:rPr lang="de-DE" smtClean="0"/>
+              <a:pPr/>
               <a:t>‹Nr.›</a:t>
             </a:fld>
             <a:endParaRPr lang="de-DE"/>
@@ -2665,7 +2688,8 @@
           <a:p>
             <a:fld id="{BF9D0C2E-D681-4EA7-8157-3D0866D89818}" type="datetimeFigureOut">
               <a:rPr lang="de-DE" smtClean="0"/>
-              <a:t>11.03.2008</a:t>
+              <a:pPr/>
+              <a:t>13.03.2008</a:t>
             </a:fld>
             <a:endParaRPr lang="de-DE"/>
           </a:p>
@@ -2743,6 +2767,7 @@
           <a:p>
             <a:fld id="{44227B2F-7FA4-4547-9B13-DA7AE64A9CCB}" type="slidenum">
               <a:rPr lang="de-DE" smtClean="0"/>
+              <a:pPr/>
               <a:t>‹Nr.›</a:t>
             </a:fld>
             <a:endParaRPr lang="de-DE"/>
@@ -5099,6 +5124,2474 @@
           </a:p>
         </p:txBody>
       </p:sp>
+    </p:spTree>
+  </p:cSld>
+  <p:clrMapOvr>
+    <a:masterClrMapping/>
+  </p:clrMapOvr>
+</p:sld>
+</file>
+
+<file path=ppt/slides/slide2.xml><?xml version="1.0" encoding="utf-8"?>
+<p:sld xmlns:a="http://schemas.openxmlformats.org/drawingml/2006/main" xmlns:r="http://schemas.openxmlformats.org/officeDocument/2006/relationships" xmlns:p="http://schemas.openxmlformats.org/presentationml/2006/main">
+  <p:cSld>
+    <p:spTree>
+      <p:nvGrpSpPr>
+        <p:cNvPr id="1" name=""/>
+        <p:cNvGrpSpPr/>
+        <p:nvPr/>
+      </p:nvGrpSpPr>
+      <p:grpSpPr>
+        <a:xfrm>
+          <a:off x="0" y="0"/>
+          <a:ext cx="0" cy="0"/>
+          <a:chOff x="0" y="0"/>
+          <a:chExt cx="0" cy="0"/>
+        </a:xfrm>
+      </p:grpSpPr>
+      <p:sp>
+        <p:nvSpPr>
+          <p:cNvPr id="5" name="Ellipse 4"/>
+          <p:cNvSpPr/>
+          <p:nvPr/>
+        </p:nvSpPr>
+        <p:spPr>
+          <a:xfrm>
+            <a:off x="4500562" y="2571744"/>
+            <a:ext cx="571504" cy="571504"/>
+          </a:xfrm>
+          <a:prstGeom prst="ellipse">
+            <a:avLst/>
+          </a:prstGeom>
+          <a:solidFill>
+            <a:schemeClr val="bg1"/>
+          </a:solidFill>
+          <a:ln>
+            <a:solidFill>
+              <a:schemeClr val="tx1"/>
+            </a:solidFill>
+          </a:ln>
+        </p:spPr>
+        <p:style>
+          <a:lnRef idx="2">
+            <a:schemeClr val="accent1">
+              <a:shade val="50000"/>
+            </a:schemeClr>
+          </a:lnRef>
+          <a:fillRef idx="1">
+            <a:schemeClr val="accent1"/>
+          </a:fillRef>
+          <a:effectRef idx="0">
+            <a:schemeClr val="accent1"/>
+          </a:effectRef>
+          <a:fontRef idx="minor">
+            <a:schemeClr val="lt1"/>
+          </a:fontRef>
+        </p:style>
+        <p:txBody>
+          <a:bodyPr rtlCol="0" anchor="ctr"/>
+          <a:lstStyle/>
+          <a:p>
+            <a:pPr algn="ctr"/>
+            <a:endParaRPr lang="de-DE"/>
+          </a:p>
+        </p:txBody>
+      </p:sp>
+      <p:sp>
+        <p:nvSpPr>
+          <p:cNvPr id="6" name="Ellipse 5"/>
+          <p:cNvSpPr/>
+          <p:nvPr/>
+        </p:nvSpPr>
+        <p:spPr>
+          <a:xfrm>
+            <a:off x="1643042" y="2571744"/>
+            <a:ext cx="571504" cy="571504"/>
+          </a:xfrm>
+          <a:prstGeom prst="ellipse">
+            <a:avLst/>
+          </a:prstGeom>
+          <a:solidFill>
+            <a:schemeClr val="bg1"/>
+          </a:solidFill>
+          <a:ln>
+            <a:solidFill>
+              <a:schemeClr val="tx1"/>
+            </a:solidFill>
+          </a:ln>
+        </p:spPr>
+        <p:style>
+          <a:lnRef idx="2">
+            <a:schemeClr val="accent1">
+              <a:shade val="50000"/>
+            </a:schemeClr>
+          </a:lnRef>
+          <a:fillRef idx="1">
+            <a:schemeClr val="accent1"/>
+          </a:fillRef>
+          <a:effectRef idx="0">
+            <a:schemeClr val="accent1"/>
+          </a:effectRef>
+          <a:fontRef idx="minor">
+            <a:schemeClr val="lt1"/>
+          </a:fontRef>
+        </p:style>
+        <p:txBody>
+          <a:bodyPr rtlCol="0" anchor="ctr"/>
+          <a:lstStyle/>
+          <a:p>
+            <a:pPr algn="ctr"/>
+            <a:endParaRPr lang="de-DE"/>
+          </a:p>
+        </p:txBody>
+      </p:sp>
+      <p:sp>
+        <p:nvSpPr>
+          <p:cNvPr id="7" name="Ellipse 6"/>
+          <p:cNvSpPr/>
+          <p:nvPr/>
+        </p:nvSpPr>
+        <p:spPr>
+          <a:xfrm>
+            <a:off x="3071802" y="2571744"/>
+            <a:ext cx="571504" cy="571504"/>
+          </a:xfrm>
+          <a:prstGeom prst="ellipse">
+            <a:avLst/>
+          </a:prstGeom>
+          <a:solidFill>
+            <a:schemeClr val="bg1"/>
+          </a:solidFill>
+          <a:ln>
+            <a:solidFill>
+              <a:schemeClr val="tx1"/>
+            </a:solidFill>
+          </a:ln>
+        </p:spPr>
+        <p:style>
+          <a:lnRef idx="2">
+            <a:schemeClr val="accent1">
+              <a:shade val="50000"/>
+            </a:schemeClr>
+          </a:lnRef>
+          <a:fillRef idx="1">
+            <a:schemeClr val="accent1"/>
+          </a:fillRef>
+          <a:effectRef idx="0">
+            <a:schemeClr val="accent1"/>
+          </a:effectRef>
+          <a:fontRef idx="minor">
+            <a:schemeClr val="lt1"/>
+          </a:fontRef>
+        </p:style>
+        <p:txBody>
+          <a:bodyPr rtlCol="0" anchor="ctr"/>
+          <a:lstStyle/>
+          <a:p>
+            <a:pPr algn="ctr"/>
+            <a:endParaRPr lang="de-DE"/>
+          </a:p>
+        </p:txBody>
+      </p:sp>
+      <p:sp>
+        <p:nvSpPr>
+          <p:cNvPr id="8" name="Ellipse 7"/>
+          <p:cNvSpPr/>
+          <p:nvPr/>
+        </p:nvSpPr>
+        <p:spPr>
+          <a:xfrm>
+            <a:off x="5929322" y="2571744"/>
+            <a:ext cx="571504" cy="571504"/>
+          </a:xfrm>
+          <a:prstGeom prst="ellipse">
+            <a:avLst/>
+          </a:prstGeom>
+          <a:solidFill>
+            <a:schemeClr val="bg1"/>
+          </a:solidFill>
+          <a:ln>
+            <a:solidFill>
+              <a:schemeClr val="tx1"/>
+            </a:solidFill>
+          </a:ln>
+        </p:spPr>
+        <p:style>
+          <a:lnRef idx="2">
+            <a:schemeClr val="accent1">
+              <a:shade val="50000"/>
+            </a:schemeClr>
+          </a:lnRef>
+          <a:fillRef idx="1">
+            <a:schemeClr val="accent1"/>
+          </a:fillRef>
+          <a:effectRef idx="0">
+            <a:schemeClr val="accent1"/>
+          </a:effectRef>
+          <a:fontRef idx="minor">
+            <a:schemeClr val="lt1"/>
+          </a:fontRef>
+        </p:style>
+        <p:txBody>
+          <a:bodyPr rtlCol="0" anchor="ctr"/>
+          <a:lstStyle/>
+          <a:p>
+            <a:pPr algn="ctr"/>
+            <a:endParaRPr lang="de-DE"/>
+          </a:p>
+        </p:txBody>
+      </p:sp>
+      <p:sp>
+        <p:nvSpPr>
+          <p:cNvPr id="9" name="Ellipse 8"/>
+          <p:cNvSpPr/>
+          <p:nvPr/>
+        </p:nvSpPr>
+        <p:spPr>
+          <a:xfrm>
+            <a:off x="7358082" y="2571744"/>
+            <a:ext cx="571504" cy="571504"/>
+          </a:xfrm>
+          <a:prstGeom prst="ellipse">
+            <a:avLst/>
+          </a:prstGeom>
+          <a:solidFill>
+            <a:schemeClr val="bg1"/>
+          </a:solidFill>
+          <a:ln>
+            <a:solidFill>
+              <a:schemeClr val="tx1"/>
+            </a:solidFill>
+          </a:ln>
+        </p:spPr>
+        <p:style>
+          <a:lnRef idx="2">
+            <a:schemeClr val="accent1">
+              <a:shade val="50000"/>
+            </a:schemeClr>
+          </a:lnRef>
+          <a:fillRef idx="1">
+            <a:schemeClr val="accent1"/>
+          </a:fillRef>
+          <a:effectRef idx="0">
+            <a:schemeClr val="accent1"/>
+          </a:effectRef>
+          <a:fontRef idx="minor">
+            <a:schemeClr val="lt1"/>
+          </a:fontRef>
+        </p:style>
+        <p:txBody>
+          <a:bodyPr rtlCol="0" anchor="ctr"/>
+          <a:lstStyle/>
+          <a:p>
+            <a:pPr algn="ctr"/>
+            <a:endParaRPr lang="de-DE"/>
+          </a:p>
+        </p:txBody>
+      </p:sp>
+      <p:sp>
+        <p:nvSpPr>
+          <p:cNvPr id="20" name="Ellipse 19"/>
+          <p:cNvSpPr/>
+          <p:nvPr/>
+        </p:nvSpPr>
+        <p:spPr>
+          <a:xfrm>
+            <a:off x="4500562" y="4000504"/>
+            <a:ext cx="571504" cy="571504"/>
+          </a:xfrm>
+          <a:prstGeom prst="ellipse">
+            <a:avLst/>
+          </a:prstGeom>
+          <a:solidFill>
+            <a:schemeClr val="bg1"/>
+          </a:solidFill>
+          <a:ln>
+            <a:solidFill>
+              <a:schemeClr val="tx1"/>
+            </a:solidFill>
+          </a:ln>
+        </p:spPr>
+        <p:style>
+          <a:lnRef idx="2">
+            <a:schemeClr val="accent1">
+              <a:shade val="50000"/>
+            </a:schemeClr>
+          </a:lnRef>
+          <a:fillRef idx="1">
+            <a:schemeClr val="accent1"/>
+          </a:fillRef>
+          <a:effectRef idx="0">
+            <a:schemeClr val="accent1"/>
+          </a:effectRef>
+          <a:fontRef idx="minor">
+            <a:schemeClr val="lt1"/>
+          </a:fontRef>
+        </p:style>
+        <p:txBody>
+          <a:bodyPr rtlCol="0" anchor="ctr"/>
+          <a:lstStyle/>
+          <a:p>
+            <a:pPr algn="ctr"/>
+            <a:endParaRPr lang="de-DE"/>
+          </a:p>
+        </p:txBody>
+      </p:sp>
+      <p:sp>
+        <p:nvSpPr>
+          <p:cNvPr id="21" name="Ellipse 20"/>
+          <p:cNvSpPr/>
+          <p:nvPr/>
+        </p:nvSpPr>
+        <p:spPr>
+          <a:xfrm>
+            <a:off x="1643042" y="4000504"/>
+            <a:ext cx="571504" cy="571504"/>
+          </a:xfrm>
+          <a:prstGeom prst="ellipse">
+            <a:avLst/>
+          </a:prstGeom>
+          <a:solidFill>
+            <a:schemeClr val="bg1"/>
+          </a:solidFill>
+          <a:ln>
+            <a:solidFill>
+              <a:schemeClr val="tx1"/>
+            </a:solidFill>
+          </a:ln>
+        </p:spPr>
+        <p:style>
+          <a:lnRef idx="2">
+            <a:schemeClr val="accent1">
+              <a:shade val="50000"/>
+            </a:schemeClr>
+          </a:lnRef>
+          <a:fillRef idx="1">
+            <a:schemeClr val="accent1"/>
+          </a:fillRef>
+          <a:effectRef idx="0">
+            <a:schemeClr val="accent1"/>
+          </a:effectRef>
+          <a:fontRef idx="minor">
+            <a:schemeClr val="lt1"/>
+          </a:fontRef>
+        </p:style>
+        <p:txBody>
+          <a:bodyPr rtlCol="0" anchor="ctr"/>
+          <a:lstStyle/>
+          <a:p>
+            <a:pPr algn="ctr"/>
+            <a:endParaRPr lang="de-DE"/>
+          </a:p>
+        </p:txBody>
+      </p:sp>
+      <p:sp>
+        <p:nvSpPr>
+          <p:cNvPr id="22" name="Ellipse 21"/>
+          <p:cNvSpPr/>
+          <p:nvPr/>
+        </p:nvSpPr>
+        <p:spPr>
+          <a:xfrm>
+            <a:off x="3071802" y="4000504"/>
+            <a:ext cx="571504" cy="571504"/>
+          </a:xfrm>
+          <a:prstGeom prst="ellipse">
+            <a:avLst/>
+          </a:prstGeom>
+          <a:solidFill>
+            <a:schemeClr val="bg1"/>
+          </a:solidFill>
+          <a:ln>
+            <a:solidFill>
+              <a:schemeClr val="tx1"/>
+            </a:solidFill>
+          </a:ln>
+        </p:spPr>
+        <p:style>
+          <a:lnRef idx="2">
+            <a:schemeClr val="accent1">
+              <a:shade val="50000"/>
+            </a:schemeClr>
+          </a:lnRef>
+          <a:fillRef idx="1">
+            <a:schemeClr val="accent1"/>
+          </a:fillRef>
+          <a:effectRef idx="0">
+            <a:schemeClr val="accent1"/>
+          </a:effectRef>
+          <a:fontRef idx="minor">
+            <a:schemeClr val="lt1"/>
+          </a:fontRef>
+        </p:style>
+        <p:txBody>
+          <a:bodyPr rtlCol="0" anchor="ctr"/>
+          <a:lstStyle/>
+          <a:p>
+            <a:pPr algn="ctr"/>
+            <a:endParaRPr lang="de-DE"/>
+          </a:p>
+        </p:txBody>
+      </p:sp>
+      <p:sp>
+        <p:nvSpPr>
+          <p:cNvPr id="23" name="Ellipse 22"/>
+          <p:cNvSpPr/>
+          <p:nvPr/>
+        </p:nvSpPr>
+        <p:spPr>
+          <a:xfrm>
+            <a:off x="5929322" y="4000504"/>
+            <a:ext cx="571504" cy="571504"/>
+          </a:xfrm>
+          <a:prstGeom prst="ellipse">
+            <a:avLst/>
+          </a:prstGeom>
+          <a:solidFill>
+            <a:schemeClr val="bg1"/>
+          </a:solidFill>
+          <a:ln>
+            <a:solidFill>
+              <a:schemeClr val="tx1"/>
+            </a:solidFill>
+          </a:ln>
+        </p:spPr>
+        <p:style>
+          <a:lnRef idx="2">
+            <a:schemeClr val="accent1">
+              <a:shade val="50000"/>
+            </a:schemeClr>
+          </a:lnRef>
+          <a:fillRef idx="1">
+            <a:schemeClr val="accent1"/>
+          </a:fillRef>
+          <a:effectRef idx="0">
+            <a:schemeClr val="accent1"/>
+          </a:effectRef>
+          <a:fontRef idx="minor">
+            <a:schemeClr val="lt1"/>
+          </a:fontRef>
+        </p:style>
+        <p:txBody>
+          <a:bodyPr rtlCol="0" anchor="ctr"/>
+          <a:lstStyle/>
+          <a:p>
+            <a:pPr algn="ctr"/>
+            <a:endParaRPr lang="de-DE"/>
+          </a:p>
+        </p:txBody>
+      </p:sp>
+      <p:sp>
+        <p:nvSpPr>
+          <p:cNvPr id="24" name="Ellipse 23"/>
+          <p:cNvSpPr/>
+          <p:nvPr/>
+        </p:nvSpPr>
+        <p:spPr>
+          <a:xfrm>
+            <a:off x="7358082" y="4000504"/>
+            <a:ext cx="571504" cy="571504"/>
+          </a:xfrm>
+          <a:prstGeom prst="ellipse">
+            <a:avLst/>
+          </a:prstGeom>
+          <a:solidFill>
+            <a:schemeClr val="bg1"/>
+          </a:solidFill>
+          <a:ln>
+            <a:solidFill>
+              <a:schemeClr val="tx1"/>
+            </a:solidFill>
+          </a:ln>
+        </p:spPr>
+        <p:style>
+          <a:lnRef idx="2">
+            <a:schemeClr val="accent1">
+              <a:shade val="50000"/>
+            </a:schemeClr>
+          </a:lnRef>
+          <a:fillRef idx="1">
+            <a:schemeClr val="accent1"/>
+          </a:fillRef>
+          <a:effectRef idx="0">
+            <a:schemeClr val="accent1"/>
+          </a:effectRef>
+          <a:fontRef idx="minor">
+            <a:schemeClr val="lt1"/>
+          </a:fontRef>
+        </p:style>
+        <p:txBody>
+          <a:bodyPr rtlCol="0" anchor="ctr"/>
+          <a:lstStyle/>
+          <a:p>
+            <a:pPr algn="ctr"/>
+            <a:endParaRPr lang="de-DE"/>
+          </a:p>
+        </p:txBody>
+      </p:sp>
+      <p:sp>
+        <p:nvSpPr>
+          <p:cNvPr id="25" name="Ellipse 24"/>
+          <p:cNvSpPr/>
+          <p:nvPr/>
+        </p:nvSpPr>
+        <p:spPr>
+          <a:xfrm>
+            <a:off x="4500562" y="5429264"/>
+            <a:ext cx="571504" cy="571504"/>
+          </a:xfrm>
+          <a:prstGeom prst="ellipse">
+            <a:avLst/>
+          </a:prstGeom>
+          <a:solidFill>
+            <a:schemeClr val="bg1"/>
+          </a:solidFill>
+          <a:ln>
+            <a:solidFill>
+              <a:schemeClr val="tx1"/>
+            </a:solidFill>
+          </a:ln>
+        </p:spPr>
+        <p:style>
+          <a:lnRef idx="2">
+            <a:schemeClr val="accent1">
+              <a:shade val="50000"/>
+            </a:schemeClr>
+          </a:lnRef>
+          <a:fillRef idx="1">
+            <a:schemeClr val="accent1"/>
+          </a:fillRef>
+          <a:effectRef idx="0">
+            <a:schemeClr val="accent1"/>
+          </a:effectRef>
+          <a:fontRef idx="minor">
+            <a:schemeClr val="lt1"/>
+          </a:fontRef>
+        </p:style>
+        <p:txBody>
+          <a:bodyPr rtlCol="0" anchor="ctr"/>
+          <a:lstStyle/>
+          <a:p>
+            <a:pPr algn="ctr"/>
+            <a:endParaRPr lang="de-DE"/>
+          </a:p>
+        </p:txBody>
+      </p:sp>
+      <p:sp>
+        <p:nvSpPr>
+          <p:cNvPr id="26" name="Ellipse 25"/>
+          <p:cNvSpPr/>
+          <p:nvPr/>
+        </p:nvSpPr>
+        <p:spPr>
+          <a:xfrm>
+            <a:off x="1643042" y="5429264"/>
+            <a:ext cx="571504" cy="571504"/>
+          </a:xfrm>
+          <a:prstGeom prst="ellipse">
+            <a:avLst/>
+          </a:prstGeom>
+          <a:solidFill>
+            <a:schemeClr val="bg1"/>
+          </a:solidFill>
+          <a:ln>
+            <a:solidFill>
+              <a:schemeClr val="tx1"/>
+            </a:solidFill>
+          </a:ln>
+        </p:spPr>
+        <p:style>
+          <a:lnRef idx="2">
+            <a:schemeClr val="accent1">
+              <a:shade val="50000"/>
+            </a:schemeClr>
+          </a:lnRef>
+          <a:fillRef idx="1">
+            <a:schemeClr val="accent1"/>
+          </a:fillRef>
+          <a:effectRef idx="0">
+            <a:schemeClr val="accent1"/>
+          </a:effectRef>
+          <a:fontRef idx="minor">
+            <a:schemeClr val="lt1"/>
+          </a:fontRef>
+        </p:style>
+        <p:txBody>
+          <a:bodyPr rtlCol="0" anchor="ctr"/>
+          <a:lstStyle/>
+          <a:p>
+            <a:pPr algn="ctr"/>
+            <a:endParaRPr lang="de-DE"/>
+          </a:p>
+        </p:txBody>
+      </p:sp>
+      <p:sp>
+        <p:nvSpPr>
+          <p:cNvPr id="27" name="Ellipse 26"/>
+          <p:cNvSpPr/>
+          <p:nvPr/>
+        </p:nvSpPr>
+        <p:spPr>
+          <a:xfrm>
+            <a:off x="3071802" y="5429264"/>
+            <a:ext cx="571504" cy="571504"/>
+          </a:xfrm>
+          <a:prstGeom prst="ellipse">
+            <a:avLst/>
+          </a:prstGeom>
+          <a:solidFill>
+            <a:schemeClr val="bg1"/>
+          </a:solidFill>
+          <a:ln>
+            <a:solidFill>
+              <a:schemeClr val="tx1"/>
+            </a:solidFill>
+          </a:ln>
+        </p:spPr>
+        <p:style>
+          <a:lnRef idx="2">
+            <a:schemeClr val="accent1">
+              <a:shade val="50000"/>
+            </a:schemeClr>
+          </a:lnRef>
+          <a:fillRef idx="1">
+            <a:schemeClr val="accent1"/>
+          </a:fillRef>
+          <a:effectRef idx="0">
+            <a:schemeClr val="accent1"/>
+          </a:effectRef>
+          <a:fontRef idx="minor">
+            <a:schemeClr val="lt1"/>
+          </a:fontRef>
+        </p:style>
+        <p:txBody>
+          <a:bodyPr rtlCol="0" anchor="ctr"/>
+          <a:lstStyle/>
+          <a:p>
+            <a:pPr algn="ctr"/>
+            <a:endParaRPr lang="de-DE"/>
+          </a:p>
+        </p:txBody>
+      </p:sp>
+      <p:sp>
+        <p:nvSpPr>
+          <p:cNvPr id="28" name="Ellipse 27"/>
+          <p:cNvSpPr/>
+          <p:nvPr/>
+        </p:nvSpPr>
+        <p:spPr>
+          <a:xfrm>
+            <a:off x="5929322" y="5429264"/>
+            <a:ext cx="571504" cy="571504"/>
+          </a:xfrm>
+          <a:prstGeom prst="ellipse">
+            <a:avLst/>
+          </a:prstGeom>
+          <a:solidFill>
+            <a:schemeClr val="bg1"/>
+          </a:solidFill>
+          <a:ln>
+            <a:solidFill>
+              <a:schemeClr val="tx1"/>
+            </a:solidFill>
+          </a:ln>
+        </p:spPr>
+        <p:style>
+          <a:lnRef idx="2">
+            <a:schemeClr val="accent1">
+              <a:shade val="50000"/>
+            </a:schemeClr>
+          </a:lnRef>
+          <a:fillRef idx="1">
+            <a:schemeClr val="accent1"/>
+          </a:fillRef>
+          <a:effectRef idx="0">
+            <a:schemeClr val="accent1"/>
+          </a:effectRef>
+          <a:fontRef idx="minor">
+            <a:schemeClr val="lt1"/>
+          </a:fontRef>
+        </p:style>
+        <p:txBody>
+          <a:bodyPr rtlCol="0" anchor="ctr"/>
+          <a:lstStyle/>
+          <a:p>
+            <a:pPr algn="ctr"/>
+            <a:endParaRPr lang="de-DE"/>
+          </a:p>
+        </p:txBody>
+      </p:sp>
+      <p:sp>
+        <p:nvSpPr>
+          <p:cNvPr id="29" name="Ellipse 28"/>
+          <p:cNvSpPr/>
+          <p:nvPr/>
+        </p:nvSpPr>
+        <p:spPr>
+          <a:xfrm>
+            <a:off x="7358082" y="5429264"/>
+            <a:ext cx="571504" cy="571504"/>
+          </a:xfrm>
+          <a:prstGeom prst="ellipse">
+            <a:avLst/>
+          </a:prstGeom>
+          <a:solidFill>
+            <a:schemeClr val="bg1"/>
+          </a:solidFill>
+          <a:ln>
+            <a:solidFill>
+              <a:schemeClr val="tx1"/>
+            </a:solidFill>
+          </a:ln>
+        </p:spPr>
+        <p:style>
+          <a:lnRef idx="2">
+            <a:schemeClr val="accent1">
+              <a:shade val="50000"/>
+            </a:schemeClr>
+          </a:lnRef>
+          <a:fillRef idx="1">
+            <a:schemeClr val="accent1"/>
+          </a:fillRef>
+          <a:effectRef idx="0">
+            <a:schemeClr val="accent1"/>
+          </a:effectRef>
+          <a:fontRef idx="minor">
+            <a:schemeClr val="lt1"/>
+          </a:fontRef>
+        </p:style>
+        <p:txBody>
+          <a:bodyPr rtlCol="0" anchor="ctr"/>
+          <a:lstStyle/>
+          <a:p>
+            <a:pPr algn="ctr"/>
+            <a:endParaRPr lang="de-DE"/>
+          </a:p>
+        </p:txBody>
+      </p:sp>
+      <p:cxnSp>
+        <p:nvCxnSpPr>
+          <p:cNvPr id="33" name="Gerade Verbindung mit Pfeil 32"/>
+          <p:cNvCxnSpPr>
+            <a:stCxn id="22" idx="6"/>
+            <a:endCxn id="20" idx="2"/>
+          </p:cNvCxnSpPr>
+          <p:nvPr/>
+        </p:nvCxnSpPr>
+        <p:spPr>
+          <a:xfrm>
+            <a:off x="3643306" y="4286256"/>
+            <a:ext cx="857256" cy="1588"/>
+          </a:xfrm>
+          <a:prstGeom prst="straightConnector1">
+            <a:avLst/>
+          </a:prstGeom>
+          <a:ln>
+            <a:solidFill>
+              <a:schemeClr val="tx1"/>
+            </a:solidFill>
+            <a:headEnd type="triangle"/>
+            <a:tailEnd type="triangle"/>
+          </a:ln>
+        </p:spPr>
+        <p:style>
+          <a:lnRef idx="1">
+            <a:schemeClr val="accent1"/>
+          </a:lnRef>
+          <a:fillRef idx="0">
+            <a:schemeClr val="accent1"/>
+          </a:fillRef>
+          <a:effectRef idx="0">
+            <a:schemeClr val="accent1"/>
+          </a:effectRef>
+          <a:fontRef idx="minor">
+            <a:schemeClr val="tx1"/>
+          </a:fontRef>
+        </p:style>
+      </p:cxnSp>
+      <p:cxnSp>
+        <p:nvCxnSpPr>
+          <p:cNvPr id="34" name="Gerade Verbindung mit Pfeil 33"/>
+          <p:cNvCxnSpPr/>
+          <p:nvPr/>
+        </p:nvCxnSpPr>
+        <p:spPr>
+          <a:xfrm>
+            <a:off x="2214546" y="4286256"/>
+            <a:ext cx="857256" cy="1588"/>
+          </a:xfrm>
+          <a:prstGeom prst="straightConnector1">
+            <a:avLst/>
+          </a:prstGeom>
+          <a:ln>
+            <a:solidFill>
+              <a:schemeClr val="tx1"/>
+            </a:solidFill>
+            <a:headEnd type="triangle"/>
+            <a:tailEnd type="triangle"/>
+          </a:ln>
+        </p:spPr>
+        <p:style>
+          <a:lnRef idx="1">
+            <a:schemeClr val="accent1"/>
+          </a:lnRef>
+          <a:fillRef idx="0">
+            <a:schemeClr val="accent1"/>
+          </a:fillRef>
+          <a:effectRef idx="0">
+            <a:schemeClr val="accent1"/>
+          </a:effectRef>
+          <a:fontRef idx="minor">
+            <a:schemeClr val="tx1"/>
+          </a:fontRef>
+        </p:style>
+      </p:cxnSp>
+      <p:cxnSp>
+        <p:nvCxnSpPr>
+          <p:cNvPr id="35" name="Gerade Verbindung mit Pfeil 34"/>
+          <p:cNvCxnSpPr/>
+          <p:nvPr/>
+        </p:nvCxnSpPr>
+        <p:spPr>
+          <a:xfrm>
+            <a:off x="5072066" y="4286256"/>
+            <a:ext cx="857256" cy="1588"/>
+          </a:xfrm>
+          <a:prstGeom prst="straightConnector1">
+            <a:avLst/>
+          </a:prstGeom>
+          <a:ln>
+            <a:solidFill>
+              <a:schemeClr val="tx1"/>
+            </a:solidFill>
+            <a:headEnd type="triangle"/>
+            <a:tailEnd type="triangle"/>
+          </a:ln>
+        </p:spPr>
+        <p:style>
+          <a:lnRef idx="1">
+            <a:schemeClr val="accent1"/>
+          </a:lnRef>
+          <a:fillRef idx="0">
+            <a:schemeClr val="accent1"/>
+          </a:fillRef>
+          <a:effectRef idx="0">
+            <a:schemeClr val="accent1"/>
+          </a:effectRef>
+          <a:fontRef idx="minor">
+            <a:schemeClr val="tx1"/>
+          </a:fontRef>
+        </p:style>
+      </p:cxnSp>
+      <p:cxnSp>
+        <p:nvCxnSpPr>
+          <p:cNvPr id="36" name="Gerade Verbindung mit Pfeil 35"/>
+          <p:cNvCxnSpPr/>
+          <p:nvPr/>
+        </p:nvCxnSpPr>
+        <p:spPr>
+          <a:xfrm>
+            <a:off x="6500826" y="4286256"/>
+            <a:ext cx="857256" cy="1588"/>
+          </a:xfrm>
+          <a:prstGeom prst="straightConnector1">
+            <a:avLst/>
+          </a:prstGeom>
+          <a:ln>
+            <a:solidFill>
+              <a:schemeClr val="tx1"/>
+            </a:solidFill>
+            <a:headEnd type="triangle"/>
+            <a:tailEnd type="triangle"/>
+          </a:ln>
+        </p:spPr>
+        <p:style>
+          <a:lnRef idx="1">
+            <a:schemeClr val="accent1"/>
+          </a:lnRef>
+          <a:fillRef idx="0">
+            <a:schemeClr val="accent1"/>
+          </a:fillRef>
+          <a:effectRef idx="0">
+            <a:schemeClr val="accent1"/>
+          </a:effectRef>
+          <a:fontRef idx="minor">
+            <a:schemeClr val="tx1"/>
+          </a:fontRef>
+        </p:style>
+      </p:cxnSp>
+      <p:cxnSp>
+        <p:nvCxnSpPr>
+          <p:cNvPr id="37" name="Gerade Verbindung mit Pfeil 36"/>
+          <p:cNvCxnSpPr/>
+          <p:nvPr/>
+        </p:nvCxnSpPr>
+        <p:spPr>
+          <a:xfrm>
+            <a:off x="3643306" y="5715016"/>
+            <a:ext cx="857256" cy="1588"/>
+          </a:xfrm>
+          <a:prstGeom prst="straightConnector1">
+            <a:avLst/>
+          </a:prstGeom>
+          <a:ln>
+            <a:solidFill>
+              <a:schemeClr val="tx1"/>
+            </a:solidFill>
+            <a:headEnd type="triangle"/>
+            <a:tailEnd type="triangle"/>
+          </a:ln>
+        </p:spPr>
+        <p:style>
+          <a:lnRef idx="1">
+            <a:schemeClr val="accent1"/>
+          </a:lnRef>
+          <a:fillRef idx="0">
+            <a:schemeClr val="accent1"/>
+          </a:fillRef>
+          <a:effectRef idx="0">
+            <a:schemeClr val="accent1"/>
+          </a:effectRef>
+          <a:fontRef idx="minor">
+            <a:schemeClr val="tx1"/>
+          </a:fontRef>
+        </p:style>
+      </p:cxnSp>
+      <p:cxnSp>
+        <p:nvCxnSpPr>
+          <p:cNvPr id="38" name="Gerade Verbindung mit Pfeil 37"/>
+          <p:cNvCxnSpPr/>
+          <p:nvPr/>
+        </p:nvCxnSpPr>
+        <p:spPr>
+          <a:xfrm>
+            <a:off x="2214546" y="5715016"/>
+            <a:ext cx="857256" cy="1588"/>
+          </a:xfrm>
+          <a:prstGeom prst="straightConnector1">
+            <a:avLst/>
+          </a:prstGeom>
+          <a:ln>
+            <a:solidFill>
+              <a:schemeClr val="tx1"/>
+            </a:solidFill>
+            <a:headEnd type="triangle"/>
+            <a:tailEnd type="triangle"/>
+          </a:ln>
+        </p:spPr>
+        <p:style>
+          <a:lnRef idx="1">
+            <a:schemeClr val="accent1"/>
+          </a:lnRef>
+          <a:fillRef idx="0">
+            <a:schemeClr val="accent1"/>
+          </a:fillRef>
+          <a:effectRef idx="0">
+            <a:schemeClr val="accent1"/>
+          </a:effectRef>
+          <a:fontRef idx="minor">
+            <a:schemeClr val="tx1"/>
+          </a:fontRef>
+        </p:style>
+      </p:cxnSp>
+      <p:cxnSp>
+        <p:nvCxnSpPr>
+          <p:cNvPr id="39" name="Gerade Verbindung mit Pfeil 38"/>
+          <p:cNvCxnSpPr/>
+          <p:nvPr/>
+        </p:nvCxnSpPr>
+        <p:spPr>
+          <a:xfrm>
+            <a:off x="5072066" y="5715016"/>
+            <a:ext cx="857256" cy="1588"/>
+          </a:xfrm>
+          <a:prstGeom prst="straightConnector1">
+            <a:avLst/>
+          </a:prstGeom>
+          <a:ln>
+            <a:solidFill>
+              <a:schemeClr val="tx1"/>
+            </a:solidFill>
+            <a:headEnd type="triangle"/>
+            <a:tailEnd type="triangle"/>
+          </a:ln>
+        </p:spPr>
+        <p:style>
+          <a:lnRef idx="1">
+            <a:schemeClr val="accent1"/>
+          </a:lnRef>
+          <a:fillRef idx="0">
+            <a:schemeClr val="accent1"/>
+          </a:fillRef>
+          <a:effectRef idx="0">
+            <a:schemeClr val="accent1"/>
+          </a:effectRef>
+          <a:fontRef idx="minor">
+            <a:schemeClr val="tx1"/>
+          </a:fontRef>
+        </p:style>
+      </p:cxnSp>
+      <p:cxnSp>
+        <p:nvCxnSpPr>
+          <p:cNvPr id="40" name="Gerade Verbindung mit Pfeil 39"/>
+          <p:cNvCxnSpPr/>
+          <p:nvPr/>
+        </p:nvCxnSpPr>
+        <p:spPr>
+          <a:xfrm>
+            <a:off x="6500826" y="5715016"/>
+            <a:ext cx="857256" cy="1588"/>
+          </a:xfrm>
+          <a:prstGeom prst="straightConnector1">
+            <a:avLst/>
+          </a:prstGeom>
+          <a:ln>
+            <a:solidFill>
+              <a:schemeClr val="tx1"/>
+            </a:solidFill>
+            <a:headEnd type="triangle"/>
+            <a:tailEnd type="triangle"/>
+          </a:ln>
+        </p:spPr>
+        <p:style>
+          <a:lnRef idx="1">
+            <a:schemeClr val="accent1"/>
+          </a:lnRef>
+          <a:fillRef idx="0">
+            <a:schemeClr val="accent1"/>
+          </a:fillRef>
+          <a:effectRef idx="0">
+            <a:schemeClr val="accent1"/>
+          </a:effectRef>
+          <a:fontRef idx="minor">
+            <a:schemeClr val="tx1"/>
+          </a:fontRef>
+        </p:style>
+      </p:cxnSp>
+      <p:cxnSp>
+        <p:nvCxnSpPr>
+          <p:cNvPr id="45" name="Gerade Verbindung mit Pfeil 44"/>
+          <p:cNvCxnSpPr/>
+          <p:nvPr/>
+        </p:nvCxnSpPr>
+        <p:spPr>
+          <a:xfrm>
+            <a:off x="3643306" y="2928934"/>
+            <a:ext cx="857256" cy="1588"/>
+          </a:xfrm>
+          <a:prstGeom prst="straightConnector1">
+            <a:avLst/>
+          </a:prstGeom>
+          <a:ln>
+            <a:solidFill>
+              <a:schemeClr val="tx1"/>
+            </a:solidFill>
+            <a:headEnd type="triangle"/>
+            <a:tailEnd type="triangle"/>
+          </a:ln>
+        </p:spPr>
+        <p:style>
+          <a:lnRef idx="1">
+            <a:schemeClr val="accent1"/>
+          </a:lnRef>
+          <a:fillRef idx="0">
+            <a:schemeClr val="accent1"/>
+          </a:fillRef>
+          <a:effectRef idx="0">
+            <a:schemeClr val="accent1"/>
+          </a:effectRef>
+          <a:fontRef idx="minor">
+            <a:schemeClr val="tx1"/>
+          </a:fontRef>
+        </p:style>
+      </p:cxnSp>
+      <p:cxnSp>
+        <p:nvCxnSpPr>
+          <p:cNvPr id="46" name="Gerade Verbindung mit Pfeil 45"/>
+          <p:cNvCxnSpPr/>
+          <p:nvPr/>
+        </p:nvCxnSpPr>
+        <p:spPr>
+          <a:xfrm>
+            <a:off x="2214546" y="2928934"/>
+            <a:ext cx="857256" cy="1588"/>
+          </a:xfrm>
+          <a:prstGeom prst="straightConnector1">
+            <a:avLst/>
+          </a:prstGeom>
+          <a:ln>
+            <a:solidFill>
+              <a:schemeClr val="tx1"/>
+            </a:solidFill>
+            <a:headEnd type="triangle"/>
+            <a:tailEnd type="triangle"/>
+          </a:ln>
+        </p:spPr>
+        <p:style>
+          <a:lnRef idx="1">
+            <a:schemeClr val="accent1"/>
+          </a:lnRef>
+          <a:fillRef idx="0">
+            <a:schemeClr val="accent1"/>
+          </a:fillRef>
+          <a:effectRef idx="0">
+            <a:schemeClr val="accent1"/>
+          </a:effectRef>
+          <a:fontRef idx="minor">
+            <a:schemeClr val="tx1"/>
+          </a:fontRef>
+        </p:style>
+      </p:cxnSp>
+      <p:cxnSp>
+        <p:nvCxnSpPr>
+          <p:cNvPr id="47" name="Gerade Verbindung mit Pfeil 46"/>
+          <p:cNvCxnSpPr/>
+          <p:nvPr/>
+        </p:nvCxnSpPr>
+        <p:spPr>
+          <a:xfrm>
+            <a:off x="5072066" y="2928934"/>
+            <a:ext cx="857256" cy="1588"/>
+          </a:xfrm>
+          <a:prstGeom prst="straightConnector1">
+            <a:avLst/>
+          </a:prstGeom>
+          <a:ln>
+            <a:solidFill>
+              <a:schemeClr val="tx1"/>
+            </a:solidFill>
+            <a:headEnd type="triangle"/>
+            <a:tailEnd type="triangle"/>
+          </a:ln>
+        </p:spPr>
+        <p:style>
+          <a:lnRef idx="1">
+            <a:schemeClr val="accent1"/>
+          </a:lnRef>
+          <a:fillRef idx="0">
+            <a:schemeClr val="accent1"/>
+          </a:fillRef>
+          <a:effectRef idx="0">
+            <a:schemeClr val="accent1"/>
+          </a:effectRef>
+          <a:fontRef idx="minor">
+            <a:schemeClr val="tx1"/>
+          </a:fontRef>
+        </p:style>
+      </p:cxnSp>
+      <p:cxnSp>
+        <p:nvCxnSpPr>
+          <p:cNvPr id="48" name="Gerade Verbindung mit Pfeil 47"/>
+          <p:cNvCxnSpPr/>
+          <p:nvPr/>
+        </p:nvCxnSpPr>
+        <p:spPr>
+          <a:xfrm>
+            <a:off x="6500826" y="2928934"/>
+            <a:ext cx="857256" cy="1588"/>
+          </a:xfrm>
+          <a:prstGeom prst="straightConnector1">
+            <a:avLst/>
+          </a:prstGeom>
+          <a:ln>
+            <a:solidFill>
+              <a:schemeClr val="tx1"/>
+            </a:solidFill>
+            <a:headEnd type="triangle"/>
+            <a:tailEnd type="triangle"/>
+          </a:ln>
+        </p:spPr>
+        <p:style>
+          <a:lnRef idx="1">
+            <a:schemeClr val="accent1"/>
+          </a:lnRef>
+          <a:fillRef idx="0">
+            <a:schemeClr val="accent1"/>
+          </a:fillRef>
+          <a:effectRef idx="0">
+            <a:schemeClr val="accent1"/>
+          </a:effectRef>
+          <a:fontRef idx="minor">
+            <a:schemeClr val="tx1"/>
+          </a:fontRef>
+        </p:style>
+      </p:cxnSp>
+      <p:cxnSp>
+        <p:nvCxnSpPr>
+          <p:cNvPr id="50" name="Gerade Verbindung mit Pfeil 49"/>
+          <p:cNvCxnSpPr>
+            <a:stCxn id="21" idx="0"/>
+            <a:endCxn id="6" idx="4"/>
+          </p:cNvCxnSpPr>
+          <p:nvPr/>
+        </p:nvCxnSpPr>
+        <p:spPr>
+          <a:xfrm rot="5400000" flipH="1" flipV="1">
+            <a:off x="1500166" y="3571876"/>
+            <a:ext cx="857256" cy="1588"/>
+          </a:xfrm>
+          <a:prstGeom prst="straightConnector1">
+            <a:avLst/>
+          </a:prstGeom>
+          <a:ln>
+            <a:solidFill>
+              <a:schemeClr val="tx1"/>
+            </a:solidFill>
+            <a:headEnd type="triangle"/>
+            <a:tailEnd type="triangle"/>
+          </a:ln>
+        </p:spPr>
+        <p:style>
+          <a:lnRef idx="1">
+            <a:schemeClr val="accent1"/>
+          </a:lnRef>
+          <a:fillRef idx="0">
+            <a:schemeClr val="accent1"/>
+          </a:fillRef>
+          <a:effectRef idx="0">
+            <a:schemeClr val="accent1"/>
+          </a:effectRef>
+          <a:fontRef idx="minor">
+            <a:schemeClr val="tx1"/>
+          </a:fontRef>
+        </p:style>
+      </p:cxnSp>
+      <p:cxnSp>
+        <p:nvCxnSpPr>
+          <p:cNvPr id="51" name="Gerade Verbindung mit Pfeil 50"/>
+          <p:cNvCxnSpPr/>
+          <p:nvPr/>
+        </p:nvCxnSpPr>
+        <p:spPr>
+          <a:xfrm rot="5400000" flipH="1" flipV="1">
+            <a:off x="2929720" y="3571876"/>
+            <a:ext cx="857256" cy="1588"/>
+          </a:xfrm>
+          <a:prstGeom prst="straightConnector1">
+            <a:avLst/>
+          </a:prstGeom>
+          <a:ln>
+            <a:solidFill>
+              <a:schemeClr val="tx1"/>
+            </a:solidFill>
+            <a:headEnd type="triangle"/>
+            <a:tailEnd type="triangle"/>
+          </a:ln>
+        </p:spPr>
+        <p:style>
+          <a:lnRef idx="1">
+            <a:schemeClr val="accent1"/>
+          </a:lnRef>
+          <a:fillRef idx="0">
+            <a:schemeClr val="accent1"/>
+          </a:fillRef>
+          <a:effectRef idx="0">
+            <a:schemeClr val="accent1"/>
+          </a:effectRef>
+          <a:fontRef idx="minor">
+            <a:schemeClr val="tx1"/>
+          </a:fontRef>
+        </p:style>
+      </p:cxnSp>
+      <p:cxnSp>
+        <p:nvCxnSpPr>
+          <p:cNvPr id="52" name="Gerade Verbindung mit Pfeil 51"/>
+          <p:cNvCxnSpPr/>
+          <p:nvPr/>
+        </p:nvCxnSpPr>
+        <p:spPr>
+          <a:xfrm rot="5400000" flipH="1" flipV="1">
+            <a:off x="4358480" y="3571876"/>
+            <a:ext cx="857256" cy="1588"/>
+          </a:xfrm>
+          <a:prstGeom prst="straightConnector1">
+            <a:avLst/>
+          </a:prstGeom>
+          <a:ln>
+            <a:solidFill>
+              <a:schemeClr val="tx1"/>
+            </a:solidFill>
+            <a:headEnd type="triangle"/>
+            <a:tailEnd type="triangle"/>
+          </a:ln>
+        </p:spPr>
+        <p:style>
+          <a:lnRef idx="1">
+            <a:schemeClr val="accent1"/>
+          </a:lnRef>
+          <a:fillRef idx="0">
+            <a:schemeClr val="accent1"/>
+          </a:fillRef>
+          <a:effectRef idx="0">
+            <a:schemeClr val="accent1"/>
+          </a:effectRef>
+          <a:fontRef idx="minor">
+            <a:schemeClr val="tx1"/>
+          </a:fontRef>
+        </p:style>
+      </p:cxnSp>
+      <p:cxnSp>
+        <p:nvCxnSpPr>
+          <p:cNvPr id="53" name="Gerade Verbindung mit Pfeil 52"/>
+          <p:cNvCxnSpPr/>
+          <p:nvPr/>
+        </p:nvCxnSpPr>
+        <p:spPr>
+          <a:xfrm rot="5400000" flipH="1" flipV="1">
+            <a:off x="5787240" y="3571876"/>
+            <a:ext cx="857256" cy="1588"/>
+          </a:xfrm>
+          <a:prstGeom prst="straightConnector1">
+            <a:avLst/>
+          </a:prstGeom>
+          <a:ln>
+            <a:solidFill>
+              <a:schemeClr val="tx1"/>
+            </a:solidFill>
+            <a:headEnd type="triangle"/>
+            <a:tailEnd type="triangle"/>
+          </a:ln>
+        </p:spPr>
+        <p:style>
+          <a:lnRef idx="1">
+            <a:schemeClr val="accent1"/>
+          </a:lnRef>
+          <a:fillRef idx="0">
+            <a:schemeClr val="accent1"/>
+          </a:fillRef>
+          <a:effectRef idx="0">
+            <a:schemeClr val="accent1"/>
+          </a:effectRef>
+          <a:fontRef idx="minor">
+            <a:schemeClr val="tx1"/>
+          </a:fontRef>
+        </p:style>
+      </p:cxnSp>
+      <p:cxnSp>
+        <p:nvCxnSpPr>
+          <p:cNvPr id="54" name="Gerade Verbindung mit Pfeil 53"/>
+          <p:cNvCxnSpPr/>
+          <p:nvPr/>
+        </p:nvCxnSpPr>
+        <p:spPr>
+          <a:xfrm rot="5400000" flipH="1" flipV="1">
+            <a:off x="7216000" y="3571876"/>
+            <a:ext cx="857256" cy="1588"/>
+          </a:xfrm>
+          <a:prstGeom prst="straightConnector1">
+            <a:avLst/>
+          </a:prstGeom>
+          <a:ln>
+            <a:solidFill>
+              <a:schemeClr val="tx1"/>
+            </a:solidFill>
+            <a:headEnd type="triangle"/>
+            <a:tailEnd type="triangle"/>
+          </a:ln>
+        </p:spPr>
+        <p:style>
+          <a:lnRef idx="1">
+            <a:schemeClr val="accent1"/>
+          </a:lnRef>
+          <a:fillRef idx="0">
+            <a:schemeClr val="accent1"/>
+          </a:fillRef>
+          <a:effectRef idx="0">
+            <a:schemeClr val="accent1"/>
+          </a:effectRef>
+          <a:fontRef idx="minor">
+            <a:schemeClr val="tx1"/>
+          </a:fontRef>
+        </p:style>
+      </p:cxnSp>
+      <p:cxnSp>
+        <p:nvCxnSpPr>
+          <p:cNvPr id="55" name="Gerade Verbindung mit Pfeil 54"/>
+          <p:cNvCxnSpPr/>
+          <p:nvPr/>
+        </p:nvCxnSpPr>
+        <p:spPr>
+          <a:xfrm rot="5400000" flipH="1" flipV="1">
+            <a:off x="1500166" y="4999842"/>
+            <a:ext cx="857256" cy="1588"/>
+          </a:xfrm>
+          <a:prstGeom prst="straightConnector1">
+            <a:avLst/>
+          </a:prstGeom>
+          <a:ln>
+            <a:solidFill>
+              <a:schemeClr val="tx1"/>
+            </a:solidFill>
+            <a:headEnd type="triangle"/>
+            <a:tailEnd type="triangle"/>
+          </a:ln>
+        </p:spPr>
+        <p:style>
+          <a:lnRef idx="1">
+            <a:schemeClr val="accent1"/>
+          </a:lnRef>
+          <a:fillRef idx="0">
+            <a:schemeClr val="accent1"/>
+          </a:fillRef>
+          <a:effectRef idx="0">
+            <a:schemeClr val="accent1"/>
+          </a:effectRef>
+          <a:fontRef idx="minor">
+            <a:schemeClr val="tx1"/>
+          </a:fontRef>
+        </p:style>
+      </p:cxnSp>
+      <p:cxnSp>
+        <p:nvCxnSpPr>
+          <p:cNvPr id="56" name="Gerade Verbindung mit Pfeil 55"/>
+          <p:cNvCxnSpPr/>
+          <p:nvPr/>
+        </p:nvCxnSpPr>
+        <p:spPr>
+          <a:xfrm rot="5400000" flipH="1" flipV="1">
+            <a:off x="2929720" y="4999842"/>
+            <a:ext cx="857256" cy="1588"/>
+          </a:xfrm>
+          <a:prstGeom prst="straightConnector1">
+            <a:avLst/>
+          </a:prstGeom>
+          <a:ln>
+            <a:solidFill>
+              <a:schemeClr val="tx1"/>
+            </a:solidFill>
+            <a:headEnd type="triangle"/>
+            <a:tailEnd type="triangle"/>
+          </a:ln>
+        </p:spPr>
+        <p:style>
+          <a:lnRef idx="1">
+            <a:schemeClr val="accent1"/>
+          </a:lnRef>
+          <a:fillRef idx="0">
+            <a:schemeClr val="accent1"/>
+          </a:fillRef>
+          <a:effectRef idx="0">
+            <a:schemeClr val="accent1"/>
+          </a:effectRef>
+          <a:fontRef idx="minor">
+            <a:schemeClr val="tx1"/>
+          </a:fontRef>
+        </p:style>
+      </p:cxnSp>
+      <p:cxnSp>
+        <p:nvCxnSpPr>
+          <p:cNvPr id="57" name="Gerade Verbindung mit Pfeil 56"/>
+          <p:cNvCxnSpPr/>
+          <p:nvPr/>
+        </p:nvCxnSpPr>
+        <p:spPr>
+          <a:xfrm rot="5400000" flipH="1" flipV="1">
+            <a:off x="4358480" y="4999842"/>
+            <a:ext cx="857256" cy="1588"/>
+          </a:xfrm>
+          <a:prstGeom prst="straightConnector1">
+            <a:avLst/>
+          </a:prstGeom>
+          <a:ln>
+            <a:solidFill>
+              <a:schemeClr val="tx1"/>
+            </a:solidFill>
+            <a:headEnd type="triangle"/>
+            <a:tailEnd type="triangle"/>
+          </a:ln>
+        </p:spPr>
+        <p:style>
+          <a:lnRef idx="1">
+            <a:schemeClr val="accent1"/>
+          </a:lnRef>
+          <a:fillRef idx="0">
+            <a:schemeClr val="accent1"/>
+          </a:fillRef>
+          <a:effectRef idx="0">
+            <a:schemeClr val="accent1"/>
+          </a:effectRef>
+          <a:fontRef idx="minor">
+            <a:schemeClr val="tx1"/>
+          </a:fontRef>
+        </p:style>
+      </p:cxnSp>
+      <p:cxnSp>
+        <p:nvCxnSpPr>
+          <p:cNvPr id="58" name="Gerade Verbindung mit Pfeil 57"/>
+          <p:cNvCxnSpPr/>
+          <p:nvPr/>
+        </p:nvCxnSpPr>
+        <p:spPr>
+          <a:xfrm rot="5400000" flipH="1" flipV="1">
+            <a:off x="5787240" y="4999842"/>
+            <a:ext cx="857256" cy="1588"/>
+          </a:xfrm>
+          <a:prstGeom prst="straightConnector1">
+            <a:avLst/>
+          </a:prstGeom>
+          <a:ln>
+            <a:solidFill>
+              <a:schemeClr val="tx1"/>
+            </a:solidFill>
+            <a:headEnd type="triangle"/>
+            <a:tailEnd type="triangle"/>
+          </a:ln>
+        </p:spPr>
+        <p:style>
+          <a:lnRef idx="1">
+            <a:schemeClr val="accent1"/>
+          </a:lnRef>
+          <a:fillRef idx="0">
+            <a:schemeClr val="accent1"/>
+          </a:fillRef>
+          <a:effectRef idx="0">
+            <a:schemeClr val="accent1"/>
+          </a:effectRef>
+          <a:fontRef idx="minor">
+            <a:schemeClr val="tx1"/>
+          </a:fontRef>
+        </p:style>
+      </p:cxnSp>
+      <p:cxnSp>
+        <p:nvCxnSpPr>
+          <p:cNvPr id="59" name="Gerade Verbindung mit Pfeil 58"/>
+          <p:cNvCxnSpPr/>
+          <p:nvPr/>
+        </p:nvCxnSpPr>
+        <p:spPr>
+          <a:xfrm rot="5400000" flipH="1" flipV="1">
+            <a:off x="7216000" y="4999842"/>
+            <a:ext cx="857256" cy="1588"/>
+          </a:xfrm>
+          <a:prstGeom prst="straightConnector1">
+            <a:avLst/>
+          </a:prstGeom>
+          <a:ln>
+            <a:solidFill>
+              <a:schemeClr val="tx1"/>
+            </a:solidFill>
+            <a:headEnd type="triangle"/>
+            <a:tailEnd type="triangle"/>
+          </a:ln>
+        </p:spPr>
+        <p:style>
+          <a:lnRef idx="1">
+            <a:schemeClr val="accent1"/>
+          </a:lnRef>
+          <a:fillRef idx="0">
+            <a:schemeClr val="accent1"/>
+          </a:fillRef>
+          <a:effectRef idx="0">
+            <a:schemeClr val="accent1"/>
+          </a:effectRef>
+          <a:fontRef idx="minor">
+            <a:schemeClr val="tx1"/>
+          </a:fontRef>
+        </p:style>
+      </p:cxnSp>
+      <p:cxnSp>
+        <p:nvCxnSpPr>
+          <p:cNvPr id="68" name="Gerade Verbindung mit Pfeil 67"/>
+          <p:cNvCxnSpPr/>
+          <p:nvPr/>
+        </p:nvCxnSpPr>
+        <p:spPr>
+          <a:xfrm>
+            <a:off x="2214546" y="2786058"/>
+            <a:ext cx="428628" cy="1588"/>
+          </a:xfrm>
+          <a:prstGeom prst="straightConnector1">
+            <a:avLst/>
+          </a:prstGeom>
+          <a:ln>
+            <a:solidFill>
+              <a:schemeClr val="tx1"/>
+            </a:solidFill>
+            <a:headEnd type="triangle"/>
+            <a:tailEnd type="triangle"/>
+          </a:ln>
+        </p:spPr>
+        <p:style>
+          <a:lnRef idx="1">
+            <a:schemeClr val="accent1"/>
+          </a:lnRef>
+          <a:fillRef idx="0">
+            <a:schemeClr val="accent1"/>
+          </a:fillRef>
+          <a:effectRef idx="0">
+            <a:schemeClr val="accent1"/>
+          </a:effectRef>
+          <a:fontRef idx="minor">
+            <a:schemeClr val="tx1"/>
+          </a:fontRef>
+        </p:style>
+      </p:cxnSp>
+      <p:cxnSp>
+        <p:nvCxnSpPr>
+          <p:cNvPr id="71" name="Gerade Verbindung mit Pfeil 70"/>
+          <p:cNvCxnSpPr/>
+          <p:nvPr/>
+        </p:nvCxnSpPr>
+        <p:spPr>
+          <a:xfrm>
+            <a:off x="2643174" y="2786058"/>
+            <a:ext cx="428628" cy="1588"/>
+          </a:xfrm>
+          <a:prstGeom prst="straightConnector1">
+            <a:avLst/>
+          </a:prstGeom>
+          <a:ln>
+            <a:solidFill>
+              <a:schemeClr val="tx1"/>
+            </a:solidFill>
+            <a:headEnd type="triangle"/>
+            <a:tailEnd type="triangle"/>
+          </a:ln>
+        </p:spPr>
+        <p:style>
+          <a:lnRef idx="1">
+            <a:schemeClr val="accent1"/>
+          </a:lnRef>
+          <a:fillRef idx="0">
+            <a:schemeClr val="accent1"/>
+          </a:fillRef>
+          <a:effectRef idx="0">
+            <a:schemeClr val="accent1"/>
+          </a:effectRef>
+          <a:fontRef idx="minor">
+            <a:schemeClr val="tx1"/>
+          </a:fontRef>
+        </p:style>
+      </p:cxnSp>
+      <p:cxnSp>
+        <p:nvCxnSpPr>
+          <p:cNvPr id="72" name="Gerade Verbindung mit Pfeil 71"/>
+          <p:cNvCxnSpPr/>
+          <p:nvPr/>
+        </p:nvCxnSpPr>
+        <p:spPr>
+          <a:xfrm>
+            <a:off x="3643306" y="2786058"/>
+            <a:ext cx="428628" cy="1588"/>
+          </a:xfrm>
+          <a:prstGeom prst="straightConnector1">
+            <a:avLst/>
+          </a:prstGeom>
+          <a:ln>
+            <a:solidFill>
+              <a:schemeClr val="tx1"/>
+            </a:solidFill>
+            <a:headEnd type="triangle"/>
+            <a:tailEnd type="triangle"/>
+          </a:ln>
+        </p:spPr>
+        <p:style>
+          <a:lnRef idx="1">
+            <a:schemeClr val="accent1"/>
+          </a:lnRef>
+          <a:fillRef idx="0">
+            <a:schemeClr val="accent1"/>
+          </a:fillRef>
+          <a:effectRef idx="0">
+            <a:schemeClr val="accent1"/>
+          </a:effectRef>
+          <a:fontRef idx="minor">
+            <a:schemeClr val="tx1"/>
+          </a:fontRef>
+        </p:style>
+      </p:cxnSp>
+      <p:cxnSp>
+        <p:nvCxnSpPr>
+          <p:cNvPr id="73" name="Gerade Verbindung mit Pfeil 72"/>
+          <p:cNvCxnSpPr/>
+          <p:nvPr/>
+        </p:nvCxnSpPr>
+        <p:spPr>
+          <a:xfrm>
+            <a:off x="4071934" y="2786058"/>
+            <a:ext cx="428628" cy="1588"/>
+          </a:xfrm>
+          <a:prstGeom prst="straightConnector1">
+            <a:avLst/>
+          </a:prstGeom>
+          <a:ln>
+            <a:solidFill>
+              <a:schemeClr val="tx1"/>
+            </a:solidFill>
+            <a:headEnd type="triangle"/>
+            <a:tailEnd type="triangle"/>
+          </a:ln>
+        </p:spPr>
+        <p:style>
+          <a:lnRef idx="1">
+            <a:schemeClr val="accent1"/>
+          </a:lnRef>
+          <a:fillRef idx="0">
+            <a:schemeClr val="accent1"/>
+          </a:fillRef>
+          <a:effectRef idx="0">
+            <a:schemeClr val="accent1"/>
+          </a:effectRef>
+          <a:fontRef idx="minor">
+            <a:schemeClr val="tx1"/>
+          </a:fontRef>
+        </p:style>
+      </p:cxnSp>
+      <p:cxnSp>
+        <p:nvCxnSpPr>
+          <p:cNvPr id="74" name="Gerade Verbindung mit Pfeil 73"/>
+          <p:cNvCxnSpPr/>
+          <p:nvPr/>
+        </p:nvCxnSpPr>
+        <p:spPr>
+          <a:xfrm>
+            <a:off x="5072066" y="2786058"/>
+            <a:ext cx="428628" cy="1588"/>
+          </a:xfrm>
+          <a:prstGeom prst="straightConnector1">
+            <a:avLst/>
+          </a:prstGeom>
+          <a:ln>
+            <a:solidFill>
+              <a:schemeClr val="tx1"/>
+            </a:solidFill>
+            <a:headEnd type="triangle"/>
+            <a:tailEnd type="triangle"/>
+          </a:ln>
+        </p:spPr>
+        <p:style>
+          <a:lnRef idx="1">
+            <a:schemeClr val="accent1"/>
+          </a:lnRef>
+          <a:fillRef idx="0">
+            <a:schemeClr val="accent1"/>
+          </a:fillRef>
+          <a:effectRef idx="0">
+            <a:schemeClr val="accent1"/>
+          </a:effectRef>
+          <a:fontRef idx="minor">
+            <a:schemeClr val="tx1"/>
+          </a:fontRef>
+        </p:style>
+      </p:cxnSp>
+      <p:cxnSp>
+        <p:nvCxnSpPr>
+          <p:cNvPr id="75" name="Gerade Verbindung mit Pfeil 74"/>
+          <p:cNvCxnSpPr/>
+          <p:nvPr/>
+        </p:nvCxnSpPr>
+        <p:spPr>
+          <a:xfrm>
+            <a:off x="5500694" y="2786058"/>
+            <a:ext cx="428628" cy="1588"/>
+          </a:xfrm>
+          <a:prstGeom prst="straightConnector1">
+            <a:avLst/>
+          </a:prstGeom>
+          <a:ln>
+            <a:solidFill>
+              <a:schemeClr val="tx1"/>
+            </a:solidFill>
+            <a:headEnd type="triangle"/>
+            <a:tailEnd type="triangle"/>
+          </a:ln>
+        </p:spPr>
+        <p:style>
+          <a:lnRef idx="1">
+            <a:schemeClr val="accent1"/>
+          </a:lnRef>
+          <a:fillRef idx="0">
+            <a:schemeClr val="accent1"/>
+          </a:fillRef>
+          <a:effectRef idx="0">
+            <a:schemeClr val="accent1"/>
+          </a:effectRef>
+          <a:fontRef idx="minor">
+            <a:schemeClr val="tx1"/>
+          </a:fontRef>
+        </p:style>
+      </p:cxnSp>
+      <p:cxnSp>
+        <p:nvCxnSpPr>
+          <p:cNvPr id="76" name="Gerade Verbindung mit Pfeil 75"/>
+          <p:cNvCxnSpPr/>
+          <p:nvPr/>
+        </p:nvCxnSpPr>
+        <p:spPr>
+          <a:xfrm>
+            <a:off x="6500826" y="2786058"/>
+            <a:ext cx="428628" cy="1588"/>
+          </a:xfrm>
+          <a:prstGeom prst="straightConnector1">
+            <a:avLst/>
+          </a:prstGeom>
+          <a:ln>
+            <a:solidFill>
+              <a:schemeClr val="tx1"/>
+            </a:solidFill>
+            <a:headEnd type="triangle"/>
+            <a:tailEnd type="triangle"/>
+          </a:ln>
+        </p:spPr>
+        <p:style>
+          <a:lnRef idx="1">
+            <a:schemeClr val="accent1"/>
+          </a:lnRef>
+          <a:fillRef idx="0">
+            <a:schemeClr val="accent1"/>
+          </a:fillRef>
+          <a:effectRef idx="0">
+            <a:schemeClr val="accent1"/>
+          </a:effectRef>
+          <a:fontRef idx="minor">
+            <a:schemeClr val="tx1"/>
+          </a:fontRef>
+        </p:style>
+      </p:cxnSp>
+      <p:cxnSp>
+        <p:nvCxnSpPr>
+          <p:cNvPr id="77" name="Gerade Verbindung mit Pfeil 76"/>
+          <p:cNvCxnSpPr/>
+          <p:nvPr/>
+        </p:nvCxnSpPr>
+        <p:spPr>
+          <a:xfrm>
+            <a:off x="6929454" y="2786058"/>
+            <a:ext cx="428628" cy="1588"/>
+          </a:xfrm>
+          <a:prstGeom prst="straightConnector1">
+            <a:avLst/>
+          </a:prstGeom>
+          <a:ln>
+            <a:solidFill>
+              <a:schemeClr val="tx1"/>
+            </a:solidFill>
+            <a:headEnd type="triangle"/>
+            <a:tailEnd type="triangle"/>
+          </a:ln>
+        </p:spPr>
+        <p:style>
+          <a:lnRef idx="1">
+            <a:schemeClr val="accent1"/>
+          </a:lnRef>
+          <a:fillRef idx="0">
+            <a:schemeClr val="accent1"/>
+          </a:fillRef>
+          <a:effectRef idx="0">
+            <a:schemeClr val="accent1"/>
+          </a:effectRef>
+          <a:fontRef idx="minor">
+            <a:schemeClr val="tx1"/>
+          </a:fontRef>
+        </p:style>
+      </p:cxnSp>
+      <p:cxnSp>
+        <p:nvCxnSpPr>
+          <p:cNvPr id="78" name="Gerade Verbindung mit Pfeil 77"/>
+          <p:cNvCxnSpPr/>
+          <p:nvPr/>
+        </p:nvCxnSpPr>
+        <p:spPr>
+          <a:xfrm rot="5400000" flipH="1" flipV="1">
+            <a:off x="4358480" y="2142322"/>
+            <a:ext cx="857256" cy="1588"/>
+          </a:xfrm>
+          <a:prstGeom prst="straightConnector1">
+            <a:avLst/>
+          </a:prstGeom>
+          <a:ln>
+            <a:solidFill>
+              <a:schemeClr val="bg1">
+                <a:lumMod val="50000"/>
+              </a:schemeClr>
+            </a:solidFill>
+            <a:headEnd type="triangle"/>
+            <a:tailEnd type="triangle"/>
+          </a:ln>
+        </p:spPr>
+        <p:style>
+          <a:lnRef idx="1">
+            <a:schemeClr val="accent1"/>
+          </a:lnRef>
+          <a:fillRef idx="0">
+            <a:schemeClr val="accent1"/>
+          </a:fillRef>
+          <a:effectRef idx="0">
+            <a:schemeClr val="accent1"/>
+          </a:effectRef>
+          <a:fontRef idx="minor">
+            <a:schemeClr val="tx1"/>
+          </a:fontRef>
+        </p:style>
+      </p:cxnSp>
+      <p:cxnSp>
+        <p:nvCxnSpPr>
+          <p:cNvPr id="82" name="Gerade Verbindung mit Pfeil 81"/>
+          <p:cNvCxnSpPr/>
+          <p:nvPr/>
+        </p:nvCxnSpPr>
+        <p:spPr>
+          <a:xfrm rot="10800000" flipV="1">
+            <a:off x="4286248" y="2357430"/>
+            <a:ext cx="428628" cy="357190"/>
+          </a:xfrm>
+          <a:prstGeom prst="straightConnector1">
+            <a:avLst/>
+          </a:prstGeom>
+          <a:ln>
+            <a:solidFill>
+              <a:schemeClr val="tx1"/>
+            </a:solidFill>
+            <a:tailEnd type="arrow"/>
+          </a:ln>
+        </p:spPr>
+        <p:style>
+          <a:lnRef idx="1">
+            <a:schemeClr val="accent1"/>
+          </a:lnRef>
+          <a:fillRef idx="0">
+            <a:schemeClr val="accent1"/>
+          </a:fillRef>
+          <a:effectRef idx="0">
+            <a:schemeClr val="accent1"/>
+          </a:effectRef>
+          <a:fontRef idx="minor">
+            <a:schemeClr val="tx1"/>
+          </a:fontRef>
+        </p:style>
+      </p:cxnSp>
+      <p:cxnSp>
+        <p:nvCxnSpPr>
+          <p:cNvPr id="84" name="Gerade Verbindung mit Pfeil 83"/>
+          <p:cNvCxnSpPr/>
+          <p:nvPr/>
+        </p:nvCxnSpPr>
+        <p:spPr>
+          <a:xfrm rot="16200000" flipH="1">
+            <a:off x="4929190" y="2357430"/>
+            <a:ext cx="357190" cy="357190"/>
+          </a:xfrm>
+          <a:prstGeom prst="straightConnector1">
+            <a:avLst/>
+          </a:prstGeom>
+          <a:ln>
+            <a:solidFill>
+              <a:schemeClr val="tx1"/>
+            </a:solidFill>
+            <a:tailEnd type="arrow"/>
+          </a:ln>
+        </p:spPr>
+        <p:style>
+          <a:lnRef idx="1">
+            <a:schemeClr val="accent1"/>
+          </a:lnRef>
+          <a:fillRef idx="0">
+            <a:schemeClr val="accent1"/>
+          </a:fillRef>
+          <a:effectRef idx="0">
+            <a:schemeClr val="accent1"/>
+          </a:effectRef>
+          <a:fontRef idx="minor">
+            <a:schemeClr val="tx1"/>
+          </a:fontRef>
+        </p:style>
+      </p:cxnSp>
+      <p:cxnSp>
+        <p:nvCxnSpPr>
+          <p:cNvPr id="85" name="Gerade Verbindung mit Pfeil 84"/>
+          <p:cNvCxnSpPr/>
+          <p:nvPr/>
+        </p:nvCxnSpPr>
+        <p:spPr>
+          <a:xfrm>
+            <a:off x="1357290" y="4286256"/>
+            <a:ext cx="285752" cy="1588"/>
+          </a:xfrm>
+          <a:prstGeom prst="straightConnector1">
+            <a:avLst/>
+          </a:prstGeom>
+          <a:ln>
+            <a:solidFill>
+              <a:schemeClr val="tx1"/>
+            </a:solidFill>
+            <a:prstDash val="dash"/>
+            <a:headEnd type="none"/>
+            <a:tailEnd type="triangle"/>
+          </a:ln>
+        </p:spPr>
+        <p:style>
+          <a:lnRef idx="1">
+            <a:schemeClr val="accent1"/>
+          </a:lnRef>
+          <a:fillRef idx="0">
+            <a:schemeClr val="accent1"/>
+          </a:fillRef>
+          <a:effectRef idx="0">
+            <a:schemeClr val="accent1"/>
+          </a:effectRef>
+          <a:fontRef idx="minor">
+            <a:schemeClr val="tx1"/>
+          </a:fontRef>
+        </p:style>
+      </p:cxnSp>
+      <p:cxnSp>
+        <p:nvCxnSpPr>
+          <p:cNvPr id="99" name="Gerade Verbindung mit Pfeil 98"/>
+          <p:cNvCxnSpPr/>
+          <p:nvPr/>
+        </p:nvCxnSpPr>
+        <p:spPr>
+          <a:xfrm>
+            <a:off x="1357290" y="2928934"/>
+            <a:ext cx="285752" cy="1588"/>
+          </a:xfrm>
+          <a:prstGeom prst="straightConnector1">
+            <a:avLst/>
+          </a:prstGeom>
+          <a:ln>
+            <a:solidFill>
+              <a:schemeClr val="tx1"/>
+            </a:solidFill>
+            <a:prstDash val="dash"/>
+            <a:headEnd type="none"/>
+            <a:tailEnd type="triangle"/>
+          </a:ln>
+        </p:spPr>
+        <p:style>
+          <a:lnRef idx="1">
+            <a:schemeClr val="accent1"/>
+          </a:lnRef>
+          <a:fillRef idx="0">
+            <a:schemeClr val="accent1"/>
+          </a:fillRef>
+          <a:effectRef idx="0">
+            <a:schemeClr val="accent1"/>
+          </a:effectRef>
+          <a:fontRef idx="minor">
+            <a:schemeClr val="tx1"/>
+          </a:fontRef>
+        </p:style>
+      </p:cxnSp>
+      <p:cxnSp>
+        <p:nvCxnSpPr>
+          <p:cNvPr id="100" name="Gerade Verbindung mit Pfeil 99"/>
+          <p:cNvCxnSpPr/>
+          <p:nvPr/>
+        </p:nvCxnSpPr>
+        <p:spPr>
+          <a:xfrm>
+            <a:off x="1357290" y="2786058"/>
+            <a:ext cx="285752" cy="1588"/>
+          </a:xfrm>
+          <a:prstGeom prst="straightConnector1">
+            <a:avLst/>
+          </a:prstGeom>
+          <a:ln>
+            <a:solidFill>
+              <a:schemeClr val="tx1"/>
+            </a:solidFill>
+            <a:prstDash val="dash"/>
+            <a:headEnd type="none"/>
+            <a:tailEnd type="triangle"/>
+          </a:ln>
+        </p:spPr>
+        <p:style>
+          <a:lnRef idx="1">
+            <a:schemeClr val="accent1"/>
+          </a:lnRef>
+          <a:fillRef idx="0">
+            <a:schemeClr val="accent1"/>
+          </a:fillRef>
+          <a:effectRef idx="0">
+            <a:schemeClr val="accent1"/>
+          </a:effectRef>
+          <a:fontRef idx="minor">
+            <a:schemeClr val="tx1"/>
+          </a:fontRef>
+        </p:style>
+      </p:cxnSp>
+      <p:cxnSp>
+        <p:nvCxnSpPr>
+          <p:cNvPr id="101" name="Gerade Verbindung mit Pfeil 100"/>
+          <p:cNvCxnSpPr/>
+          <p:nvPr/>
+        </p:nvCxnSpPr>
+        <p:spPr>
+          <a:xfrm>
+            <a:off x="1357290" y="5715016"/>
+            <a:ext cx="285752" cy="1588"/>
+          </a:xfrm>
+          <a:prstGeom prst="straightConnector1">
+            <a:avLst/>
+          </a:prstGeom>
+          <a:ln>
+            <a:solidFill>
+              <a:schemeClr val="tx1"/>
+            </a:solidFill>
+            <a:prstDash val="dash"/>
+            <a:headEnd type="none"/>
+            <a:tailEnd type="triangle"/>
+          </a:ln>
+        </p:spPr>
+        <p:style>
+          <a:lnRef idx="1">
+            <a:schemeClr val="accent1"/>
+          </a:lnRef>
+          <a:fillRef idx="0">
+            <a:schemeClr val="accent1"/>
+          </a:fillRef>
+          <a:effectRef idx="0">
+            <a:schemeClr val="accent1"/>
+          </a:effectRef>
+          <a:fontRef idx="minor">
+            <a:schemeClr val="tx1"/>
+          </a:fontRef>
+        </p:style>
+      </p:cxnSp>
+      <p:cxnSp>
+        <p:nvCxnSpPr>
+          <p:cNvPr id="102" name="Gerade Verbindung mit Pfeil 101"/>
+          <p:cNvCxnSpPr/>
+          <p:nvPr/>
+        </p:nvCxnSpPr>
+        <p:spPr>
+          <a:xfrm>
+            <a:off x="7929586" y="4286256"/>
+            <a:ext cx="285752" cy="1588"/>
+          </a:xfrm>
+          <a:prstGeom prst="straightConnector1">
+            <a:avLst/>
+          </a:prstGeom>
+          <a:ln>
+            <a:solidFill>
+              <a:schemeClr val="tx1"/>
+            </a:solidFill>
+            <a:prstDash val="dash"/>
+            <a:headEnd type="triangle"/>
+            <a:tailEnd type="none"/>
+          </a:ln>
+        </p:spPr>
+        <p:style>
+          <a:lnRef idx="1">
+            <a:schemeClr val="accent1"/>
+          </a:lnRef>
+          <a:fillRef idx="0">
+            <a:schemeClr val="accent1"/>
+          </a:fillRef>
+          <a:effectRef idx="0">
+            <a:schemeClr val="accent1"/>
+          </a:effectRef>
+          <a:fontRef idx="minor">
+            <a:schemeClr val="tx1"/>
+          </a:fontRef>
+        </p:style>
+      </p:cxnSp>
+      <p:cxnSp>
+        <p:nvCxnSpPr>
+          <p:cNvPr id="103" name="Gerade Verbindung mit Pfeil 102"/>
+          <p:cNvCxnSpPr/>
+          <p:nvPr/>
+        </p:nvCxnSpPr>
+        <p:spPr>
+          <a:xfrm>
+            <a:off x="7929586" y="2928934"/>
+            <a:ext cx="285752" cy="1588"/>
+          </a:xfrm>
+          <a:prstGeom prst="straightConnector1">
+            <a:avLst/>
+          </a:prstGeom>
+          <a:ln>
+            <a:solidFill>
+              <a:schemeClr val="tx1"/>
+            </a:solidFill>
+            <a:prstDash val="dash"/>
+            <a:headEnd type="triangle"/>
+            <a:tailEnd type="none"/>
+          </a:ln>
+        </p:spPr>
+        <p:style>
+          <a:lnRef idx="1">
+            <a:schemeClr val="accent1"/>
+          </a:lnRef>
+          <a:fillRef idx="0">
+            <a:schemeClr val="accent1"/>
+          </a:fillRef>
+          <a:effectRef idx="0">
+            <a:schemeClr val="accent1"/>
+          </a:effectRef>
+          <a:fontRef idx="minor">
+            <a:schemeClr val="tx1"/>
+          </a:fontRef>
+        </p:style>
+      </p:cxnSp>
+      <p:cxnSp>
+        <p:nvCxnSpPr>
+          <p:cNvPr id="104" name="Gerade Verbindung mit Pfeil 103"/>
+          <p:cNvCxnSpPr/>
+          <p:nvPr/>
+        </p:nvCxnSpPr>
+        <p:spPr>
+          <a:xfrm>
+            <a:off x="7929586" y="2786058"/>
+            <a:ext cx="285752" cy="1588"/>
+          </a:xfrm>
+          <a:prstGeom prst="straightConnector1">
+            <a:avLst/>
+          </a:prstGeom>
+          <a:ln>
+            <a:solidFill>
+              <a:schemeClr val="tx1"/>
+            </a:solidFill>
+            <a:prstDash val="dash"/>
+            <a:headEnd type="triangle"/>
+            <a:tailEnd type="none"/>
+          </a:ln>
+        </p:spPr>
+        <p:style>
+          <a:lnRef idx="1">
+            <a:schemeClr val="accent1"/>
+          </a:lnRef>
+          <a:fillRef idx="0">
+            <a:schemeClr val="accent1"/>
+          </a:fillRef>
+          <a:effectRef idx="0">
+            <a:schemeClr val="accent1"/>
+          </a:effectRef>
+          <a:fontRef idx="minor">
+            <a:schemeClr val="tx1"/>
+          </a:fontRef>
+        </p:style>
+      </p:cxnSp>
+      <p:cxnSp>
+        <p:nvCxnSpPr>
+          <p:cNvPr id="105" name="Gerade Verbindung mit Pfeil 104"/>
+          <p:cNvCxnSpPr/>
+          <p:nvPr/>
+        </p:nvCxnSpPr>
+        <p:spPr>
+          <a:xfrm>
+            <a:off x="7929586" y="5715016"/>
+            <a:ext cx="285752" cy="1588"/>
+          </a:xfrm>
+          <a:prstGeom prst="straightConnector1">
+            <a:avLst/>
+          </a:prstGeom>
+          <a:ln>
+            <a:solidFill>
+              <a:schemeClr val="tx1"/>
+            </a:solidFill>
+            <a:prstDash val="dash"/>
+            <a:headEnd type="triangle"/>
+            <a:tailEnd type="none"/>
+          </a:ln>
+        </p:spPr>
+        <p:style>
+          <a:lnRef idx="1">
+            <a:schemeClr val="accent1"/>
+          </a:lnRef>
+          <a:fillRef idx="0">
+            <a:schemeClr val="accent1"/>
+          </a:fillRef>
+          <a:effectRef idx="0">
+            <a:schemeClr val="accent1"/>
+          </a:effectRef>
+          <a:fontRef idx="minor">
+            <a:schemeClr val="tx1"/>
+          </a:fontRef>
+        </p:style>
+      </p:cxnSp>
+      <p:cxnSp>
+        <p:nvCxnSpPr>
+          <p:cNvPr id="106" name="Gerade Verbindung mit Pfeil 105"/>
+          <p:cNvCxnSpPr>
+            <a:stCxn id="29" idx="4"/>
+          </p:cNvCxnSpPr>
+          <p:nvPr/>
+        </p:nvCxnSpPr>
+        <p:spPr>
+          <a:xfrm rot="5400000">
+            <a:off x="7535883" y="6108719"/>
+            <a:ext cx="215902" cy="1588"/>
+          </a:xfrm>
+          <a:prstGeom prst="straightConnector1">
+            <a:avLst/>
+          </a:prstGeom>
+          <a:ln>
+            <a:solidFill>
+              <a:schemeClr val="tx1"/>
+            </a:solidFill>
+            <a:prstDash val="dash"/>
+            <a:headEnd type="triangle"/>
+            <a:tailEnd type="none"/>
+          </a:ln>
+        </p:spPr>
+        <p:style>
+          <a:lnRef idx="1">
+            <a:schemeClr val="accent1"/>
+          </a:lnRef>
+          <a:fillRef idx="0">
+            <a:schemeClr val="accent1"/>
+          </a:fillRef>
+          <a:effectRef idx="0">
+            <a:schemeClr val="accent1"/>
+          </a:effectRef>
+          <a:fontRef idx="minor">
+            <a:schemeClr val="tx1"/>
+          </a:fontRef>
+        </p:style>
+      </p:cxnSp>
+      <p:cxnSp>
+        <p:nvCxnSpPr>
+          <p:cNvPr id="108" name="Gerade Verbindung mit Pfeil 107"/>
+          <p:cNvCxnSpPr/>
+          <p:nvPr/>
+        </p:nvCxnSpPr>
+        <p:spPr>
+          <a:xfrm rot="5400000">
+            <a:off x="6107917" y="6108719"/>
+            <a:ext cx="215902" cy="1588"/>
+          </a:xfrm>
+          <a:prstGeom prst="straightConnector1">
+            <a:avLst/>
+          </a:prstGeom>
+          <a:ln>
+            <a:solidFill>
+              <a:schemeClr val="tx1"/>
+            </a:solidFill>
+            <a:prstDash val="dash"/>
+            <a:headEnd type="triangle"/>
+            <a:tailEnd type="none"/>
+          </a:ln>
+        </p:spPr>
+        <p:style>
+          <a:lnRef idx="1">
+            <a:schemeClr val="accent1"/>
+          </a:lnRef>
+          <a:fillRef idx="0">
+            <a:schemeClr val="accent1"/>
+          </a:fillRef>
+          <a:effectRef idx="0">
+            <a:schemeClr val="accent1"/>
+          </a:effectRef>
+          <a:fontRef idx="minor">
+            <a:schemeClr val="tx1"/>
+          </a:fontRef>
+        </p:style>
+      </p:cxnSp>
+      <p:cxnSp>
+        <p:nvCxnSpPr>
+          <p:cNvPr id="109" name="Gerade Verbindung mit Pfeil 108"/>
+          <p:cNvCxnSpPr/>
+          <p:nvPr/>
+        </p:nvCxnSpPr>
+        <p:spPr>
+          <a:xfrm rot="5400000">
+            <a:off x="4679157" y="6108719"/>
+            <a:ext cx="215902" cy="1588"/>
+          </a:xfrm>
+          <a:prstGeom prst="straightConnector1">
+            <a:avLst/>
+          </a:prstGeom>
+          <a:ln>
+            <a:solidFill>
+              <a:schemeClr val="tx1"/>
+            </a:solidFill>
+            <a:prstDash val="dash"/>
+            <a:headEnd type="triangle"/>
+            <a:tailEnd type="none"/>
+          </a:ln>
+        </p:spPr>
+        <p:style>
+          <a:lnRef idx="1">
+            <a:schemeClr val="accent1"/>
+          </a:lnRef>
+          <a:fillRef idx="0">
+            <a:schemeClr val="accent1"/>
+          </a:fillRef>
+          <a:effectRef idx="0">
+            <a:schemeClr val="accent1"/>
+          </a:effectRef>
+          <a:fontRef idx="minor">
+            <a:schemeClr val="tx1"/>
+          </a:fontRef>
+        </p:style>
+      </p:cxnSp>
+      <p:cxnSp>
+        <p:nvCxnSpPr>
+          <p:cNvPr id="110" name="Gerade Verbindung mit Pfeil 109"/>
+          <p:cNvCxnSpPr/>
+          <p:nvPr/>
+        </p:nvCxnSpPr>
+        <p:spPr>
+          <a:xfrm rot="5400000">
+            <a:off x="3250397" y="6108719"/>
+            <a:ext cx="215902" cy="1588"/>
+          </a:xfrm>
+          <a:prstGeom prst="straightConnector1">
+            <a:avLst/>
+          </a:prstGeom>
+          <a:ln>
+            <a:solidFill>
+              <a:schemeClr val="tx1"/>
+            </a:solidFill>
+            <a:prstDash val="dash"/>
+            <a:headEnd type="triangle"/>
+            <a:tailEnd type="none"/>
+          </a:ln>
+        </p:spPr>
+        <p:style>
+          <a:lnRef idx="1">
+            <a:schemeClr val="accent1"/>
+          </a:lnRef>
+          <a:fillRef idx="0">
+            <a:schemeClr val="accent1"/>
+          </a:fillRef>
+          <a:effectRef idx="0">
+            <a:schemeClr val="accent1"/>
+          </a:effectRef>
+          <a:fontRef idx="minor">
+            <a:schemeClr val="tx1"/>
+          </a:fontRef>
+        </p:style>
+      </p:cxnSp>
+      <p:cxnSp>
+        <p:nvCxnSpPr>
+          <p:cNvPr id="111" name="Gerade Verbindung mit Pfeil 110"/>
+          <p:cNvCxnSpPr/>
+          <p:nvPr/>
+        </p:nvCxnSpPr>
+        <p:spPr>
+          <a:xfrm rot="5400000">
+            <a:off x="1821637" y="6108719"/>
+            <a:ext cx="215902" cy="1588"/>
+          </a:xfrm>
+          <a:prstGeom prst="straightConnector1">
+            <a:avLst/>
+          </a:prstGeom>
+          <a:ln>
+            <a:solidFill>
+              <a:schemeClr val="tx1"/>
+            </a:solidFill>
+            <a:prstDash val="dash"/>
+            <a:headEnd type="triangle"/>
+            <a:tailEnd type="none"/>
+          </a:ln>
+        </p:spPr>
+        <p:style>
+          <a:lnRef idx="1">
+            <a:schemeClr val="accent1"/>
+          </a:lnRef>
+          <a:fillRef idx="0">
+            <a:schemeClr val="accent1"/>
+          </a:fillRef>
+          <a:effectRef idx="0">
+            <a:schemeClr val="accent1"/>
+          </a:effectRef>
+          <a:fontRef idx="minor">
+            <a:schemeClr val="tx1"/>
+          </a:fontRef>
+        </p:style>
+      </p:cxnSp>
     </p:spTree>
   </p:cSld>
   <p:clrMapOvr>

--- a/thesis/drawings.pptx
+++ b/thesis/drawings.pptx
@@ -7,6 +7,8 @@
   <p:sldIdLst>
     <p:sldId id="256" r:id="rId2"/>
     <p:sldId id="257" r:id="rId3"/>
+    <p:sldId id="258" r:id="rId4"/>
+    <p:sldId id="259" r:id="rId5"/>
   </p:sldIdLst>
   <p:sldSz cx="9144000" cy="6858000" type="screen4x3"/>
   <p:notesSz cx="6858000" cy="9144000"/>
@@ -290,7 +292,7 @@
             <a:fld id="{BF9D0C2E-D681-4EA7-8157-3D0866D89818}" type="datetimeFigureOut">
               <a:rPr lang="de-DE" smtClean="0"/>
               <a:pPr/>
-              <a:t>13.03.2008</a:t>
+              <a:t>19.03.2008</a:t>
             </a:fld>
             <a:endParaRPr lang="de-DE"/>
           </a:p>
@@ -457,7 +459,7 @@
             <a:fld id="{BF9D0C2E-D681-4EA7-8157-3D0866D89818}" type="datetimeFigureOut">
               <a:rPr lang="de-DE" smtClean="0"/>
               <a:pPr/>
-              <a:t>13.03.2008</a:t>
+              <a:t>19.03.2008</a:t>
             </a:fld>
             <a:endParaRPr lang="de-DE"/>
           </a:p>
@@ -634,7 +636,7 @@
             <a:fld id="{BF9D0C2E-D681-4EA7-8157-3D0866D89818}" type="datetimeFigureOut">
               <a:rPr lang="de-DE" smtClean="0"/>
               <a:pPr/>
-              <a:t>13.03.2008</a:t>
+              <a:t>19.03.2008</a:t>
             </a:fld>
             <a:endParaRPr lang="de-DE"/>
           </a:p>
@@ -801,7 +803,7 @@
             <a:fld id="{BF9D0C2E-D681-4EA7-8157-3D0866D89818}" type="datetimeFigureOut">
               <a:rPr lang="de-DE" smtClean="0"/>
               <a:pPr/>
-              <a:t>13.03.2008</a:t>
+              <a:t>19.03.2008</a:t>
             </a:fld>
             <a:endParaRPr lang="de-DE"/>
           </a:p>
@@ -1044,7 +1046,7 @@
             <a:fld id="{BF9D0C2E-D681-4EA7-8157-3D0866D89818}" type="datetimeFigureOut">
               <a:rPr lang="de-DE" smtClean="0"/>
               <a:pPr/>
-              <a:t>13.03.2008</a:t>
+              <a:t>19.03.2008</a:t>
             </a:fld>
             <a:endParaRPr lang="de-DE"/>
           </a:p>
@@ -1329,7 +1331,7 @@
             <a:fld id="{BF9D0C2E-D681-4EA7-8157-3D0866D89818}" type="datetimeFigureOut">
               <a:rPr lang="de-DE" smtClean="0"/>
               <a:pPr/>
-              <a:t>13.03.2008</a:t>
+              <a:t>19.03.2008</a:t>
             </a:fld>
             <a:endParaRPr lang="de-DE"/>
           </a:p>
@@ -1748,7 +1750,7 @@
             <a:fld id="{BF9D0C2E-D681-4EA7-8157-3D0866D89818}" type="datetimeFigureOut">
               <a:rPr lang="de-DE" smtClean="0"/>
               <a:pPr/>
-              <a:t>13.03.2008</a:t>
+              <a:t>19.03.2008</a:t>
             </a:fld>
             <a:endParaRPr lang="de-DE"/>
           </a:p>
@@ -1863,7 +1865,7 @@
             <a:fld id="{BF9D0C2E-D681-4EA7-8157-3D0866D89818}" type="datetimeFigureOut">
               <a:rPr lang="de-DE" smtClean="0"/>
               <a:pPr/>
-              <a:t>13.03.2008</a:t>
+              <a:t>19.03.2008</a:t>
             </a:fld>
             <a:endParaRPr lang="de-DE"/>
           </a:p>
@@ -1955,7 +1957,7 @@
             <a:fld id="{BF9D0C2E-D681-4EA7-8157-3D0866D89818}" type="datetimeFigureOut">
               <a:rPr lang="de-DE" smtClean="0"/>
               <a:pPr/>
-              <a:t>13.03.2008</a:t>
+              <a:t>19.03.2008</a:t>
             </a:fld>
             <a:endParaRPr lang="de-DE"/>
           </a:p>
@@ -2229,7 +2231,7 @@
             <a:fld id="{BF9D0C2E-D681-4EA7-8157-3D0866D89818}" type="datetimeFigureOut">
               <a:rPr lang="de-DE" smtClean="0"/>
               <a:pPr/>
-              <a:t>13.03.2008</a:t>
+              <a:t>19.03.2008</a:t>
             </a:fld>
             <a:endParaRPr lang="de-DE"/>
           </a:p>
@@ -2479,7 +2481,7 @@
             <a:fld id="{BF9D0C2E-D681-4EA7-8157-3D0866D89818}" type="datetimeFigureOut">
               <a:rPr lang="de-DE" smtClean="0"/>
               <a:pPr/>
-              <a:t>13.03.2008</a:t>
+              <a:t>19.03.2008</a:t>
             </a:fld>
             <a:endParaRPr lang="de-DE"/>
           </a:p>
@@ -2689,7 +2691,7 @@
             <a:fld id="{BF9D0C2E-D681-4EA7-8157-3D0866D89818}" type="datetimeFigureOut">
               <a:rPr lang="de-DE" smtClean="0"/>
               <a:pPr/>
-              <a:t>13.03.2008</a:t>
+              <a:t>19.03.2008</a:t>
             </a:fld>
             <a:endParaRPr lang="de-DE"/>
           </a:p>
@@ -7600,6 +7602,8500 @@
 </p:sld>
 </file>
 
+<file path=ppt/slides/slide3.xml><?xml version="1.0" encoding="utf-8"?>
+<p:sld xmlns:a="http://schemas.openxmlformats.org/drawingml/2006/main" xmlns:r="http://schemas.openxmlformats.org/officeDocument/2006/relationships" xmlns:p="http://schemas.openxmlformats.org/presentationml/2006/main">
+  <p:cSld>
+    <p:spTree>
+      <p:nvGrpSpPr>
+        <p:cNvPr id="1" name=""/>
+        <p:cNvGrpSpPr/>
+        <p:nvPr/>
+      </p:nvGrpSpPr>
+      <p:grpSpPr>
+        <a:xfrm>
+          <a:off x="0" y="0"/>
+          <a:ext cx="0" cy="0"/>
+          <a:chOff x="0" y="0"/>
+          <a:chExt cx="0" cy="0"/>
+        </a:xfrm>
+      </p:grpSpPr>
+      <p:sp>
+        <p:nvSpPr>
+          <p:cNvPr id="7" name="Rechteck 6"/>
+          <p:cNvSpPr/>
+          <p:nvPr/>
+        </p:nvSpPr>
+        <p:spPr>
+          <a:xfrm>
+            <a:off x="142844" y="500042"/>
+            <a:ext cx="1928826" cy="1928826"/>
+          </a:xfrm>
+          <a:prstGeom prst="rect">
+            <a:avLst/>
+          </a:prstGeom>
+          <a:noFill/>
+          <a:ln>
+            <a:solidFill>
+              <a:schemeClr val="bg1">
+                <a:lumMod val="50000"/>
+              </a:schemeClr>
+            </a:solidFill>
+          </a:ln>
+        </p:spPr>
+        <p:style>
+          <a:lnRef idx="2">
+            <a:schemeClr val="accent1">
+              <a:shade val="50000"/>
+            </a:schemeClr>
+          </a:lnRef>
+          <a:fillRef idx="1">
+            <a:schemeClr val="accent1"/>
+          </a:fillRef>
+          <a:effectRef idx="0">
+            <a:schemeClr val="accent1"/>
+          </a:effectRef>
+          <a:fontRef idx="minor">
+            <a:schemeClr val="lt1"/>
+          </a:fontRef>
+        </p:style>
+        <p:txBody>
+          <a:bodyPr rtlCol="0" anchor="ctr"/>
+          <a:lstStyle/>
+          <a:p>
+            <a:pPr algn="ctr"/>
+            <a:endParaRPr lang="de-DE"/>
+          </a:p>
+        </p:txBody>
+      </p:sp>
+      <p:sp>
+        <p:nvSpPr>
+          <p:cNvPr id="8" name="Rechteck 7"/>
+          <p:cNvSpPr/>
+          <p:nvPr/>
+        </p:nvSpPr>
+        <p:spPr>
+          <a:xfrm>
+            <a:off x="2071670" y="500042"/>
+            <a:ext cx="1928826" cy="1928826"/>
+          </a:xfrm>
+          <a:prstGeom prst="rect">
+            <a:avLst/>
+          </a:prstGeom>
+          <a:noFill/>
+          <a:ln>
+            <a:solidFill>
+              <a:schemeClr val="tx1"/>
+            </a:solidFill>
+          </a:ln>
+        </p:spPr>
+        <p:style>
+          <a:lnRef idx="2">
+            <a:schemeClr val="accent1">
+              <a:shade val="50000"/>
+            </a:schemeClr>
+          </a:lnRef>
+          <a:fillRef idx="1">
+            <a:schemeClr val="accent1"/>
+          </a:fillRef>
+          <a:effectRef idx="0">
+            <a:schemeClr val="accent1"/>
+          </a:effectRef>
+          <a:fontRef idx="minor">
+            <a:schemeClr val="lt1"/>
+          </a:fontRef>
+        </p:style>
+        <p:txBody>
+          <a:bodyPr rtlCol="0" anchor="ctr"/>
+          <a:lstStyle/>
+          <a:p>
+            <a:pPr algn="ctr"/>
+            <a:endParaRPr lang="de-DE"/>
+          </a:p>
+        </p:txBody>
+      </p:sp>
+      <p:sp>
+        <p:nvSpPr>
+          <p:cNvPr id="9" name="Rechteck 8"/>
+          <p:cNvSpPr/>
+          <p:nvPr/>
+        </p:nvSpPr>
+        <p:spPr>
+          <a:xfrm>
+            <a:off x="4000496" y="500042"/>
+            <a:ext cx="1928826" cy="1928826"/>
+          </a:xfrm>
+          <a:prstGeom prst="rect">
+            <a:avLst/>
+          </a:prstGeom>
+          <a:noFill/>
+          <a:ln>
+            <a:solidFill>
+              <a:schemeClr val="tx1"/>
+            </a:solidFill>
+          </a:ln>
+        </p:spPr>
+        <p:style>
+          <a:lnRef idx="2">
+            <a:schemeClr val="accent1">
+              <a:shade val="50000"/>
+            </a:schemeClr>
+          </a:lnRef>
+          <a:fillRef idx="1">
+            <a:schemeClr val="accent1"/>
+          </a:fillRef>
+          <a:effectRef idx="0">
+            <a:schemeClr val="accent1"/>
+          </a:effectRef>
+          <a:fontRef idx="minor">
+            <a:schemeClr val="lt1"/>
+          </a:fontRef>
+        </p:style>
+        <p:txBody>
+          <a:bodyPr rtlCol="0" anchor="ctr"/>
+          <a:lstStyle/>
+          <a:p>
+            <a:pPr algn="ctr"/>
+            <a:endParaRPr lang="de-DE"/>
+          </a:p>
+        </p:txBody>
+      </p:sp>
+      <p:sp>
+        <p:nvSpPr>
+          <p:cNvPr id="10" name="Rechteck 9"/>
+          <p:cNvSpPr/>
+          <p:nvPr/>
+        </p:nvSpPr>
+        <p:spPr>
+          <a:xfrm>
+            <a:off x="142844" y="2428868"/>
+            <a:ext cx="1928826" cy="1928826"/>
+          </a:xfrm>
+          <a:prstGeom prst="rect">
+            <a:avLst/>
+          </a:prstGeom>
+          <a:noFill/>
+          <a:ln>
+            <a:solidFill>
+              <a:schemeClr val="bg1">
+                <a:lumMod val="50000"/>
+              </a:schemeClr>
+            </a:solidFill>
+          </a:ln>
+        </p:spPr>
+        <p:style>
+          <a:lnRef idx="2">
+            <a:schemeClr val="accent1">
+              <a:shade val="50000"/>
+            </a:schemeClr>
+          </a:lnRef>
+          <a:fillRef idx="1">
+            <a:schemeClr val="accent1"/>
+          </a:fillRef>
+          <a:effectRef idx="0">
+            <a:schemeClr val="accent1"/>
+          </a:effectRef>
+          <a:fontRef idx="minor">
+            <a:schemeClr val="lt1"/>
+          </a:fontRef>
+        </p:style>
+        <p:txBody>
+          <a:bodyPr rtlCol="0" anchor="ctr"/>
+          <a:lstStyle/>
+          <a:p>
+            <a:pPr algn="ctr"/>
+            <a:endParaRPr lang="de-DE"/>
+          </a:p>
+        </p:txBody>
+      </p:sp>
+      <p:sp>
+        <p:nvSpPr>
+          <p:cNvPr id="12" name="Rechteck 11"/>
+          <p:cNvSpPr/>
+          <p:nvPr/>
+        </p:nvSpPr>
+        <p:spPr>
+          <a:xfrm>
+            <a:off x="4000496" y="2428868"/>
+            <a:ext cx="1928826" cy="1928826"/>
+          </a:xfrm>
+          <a:prstGeom prst="rect">
+            <a:avLst/>
+          </a:prstGeom>
+          <a:noFill/>
+          <a:ln>
+            <a:solidFill>
+              <a:schemeClr val="tx1"/>
+            </a:solidFill>
+          </a:ln>
+        </p:spPr>
+        <p:style>
+          <a:lnRef idx="2">
+            <a:schemeClr val="accent1">
+              <a:shade val="50000"/>
+            </a:schemeClr>
+          </a:lnRef>
+          <a:fillRef idx="1">
+            <a:schemeClr val="accent1"/>
+          </a:fillRef>
+          <a:effectRef idx="0">
+            <a:schemeClr val="accent1"/>
+          </a:effectRef>
+          <a:fontRef idx="minor">
+            <a:schemeClr val="lt1"/>
+          </a:fontRef>
+        </p:style>
+        <p:txBody>
+          <a:bodyPr rtlCol="0" anchor="ctr"/>
+          <a:lstStyle/>
+          <a:p>
+            <a:pPr algn="ctr"/>
+            <a:endParaRPr lang="de-DE"/>
+          </a:p>
+        </p:txBody>
+      </p:sp>
+      <p:sp>
+        <p:nvSpPr>
+          <p:cNvPr id="13" name="Rechteck 12"/>
+          <p:cNvSpPr/>
+          <p:nvPr/>
+        </p:nvSpPr>
+        <p:spPr>
+          <a:xfrm>
+            <a:off x="142844" y="4357694"/>
+            <a:ext cx="1928826" cy="1928826"/>
+          </a:xfrm>
+          <a:prstGeom prst="rect">
+            <a:avLst/>
+          </a:prstGeom>
+          <a:noFill/>
+          <a:ln>
+            <a:solidFill>
+              <a:schemeClr val="bg1">
+                <a:lumMod val="50000"/>
+              </a:schemeClr>
+            </a:solidFill>
+          </a:ln>
+        </p:spPr>
+        <p:style>
+          <a:lnRef idx="2">
+            <a:schemeClr val="accent1">
+              <a:shade val="50000"/>
+            </a:schemeClr>
+          </a:lnRef>
+          <a:fillRef idx="1">
+            <a:schemeClr val="accent1"/>
+          </a:fillRef>
+          <a:effectRef idx="0">
+            <a:schemeClr val="accent1"/>
+          </a:effectRef>
+          <a:fontRef idx="minor">
+            <a:schemeClr val="lt1"/>
+          </a:fontRef>
+        </p:style>
+        <p:txBody>
+          <a:bodyPr rtlCol="0" anchor="ctr"/>
+          <a:lstStyle/>
+          <a:p>
+            <a:pPr algn="ctr"/>
+            <a:endParaRPr lang="de-DE"/>
+          </a:p>
+        </p:txBody>
+      </p:sp>
+      <p:sp>
+        <p:nvSpPr>
+          <p:cNvPr id="14" name="Rechteck 13"/>
+          <p:cNvSpPr/>
+          <p:nvPr/>
+        </p:nvSpPr>
+        <p:spPr>
+          <a:xfrm>
+            <a:off x="2071670" y="4357694"/>
+            <a:ext cx="1928826" cy="1928826"/>
+          </a:xfrm>
+          <a:prstGeom prst="rect">
+            <a:avLst/>
+          </a:prstGeom>
+          <a:noFill/>
+          <a:ln>
+            <a:solidFill>
+              <a:schemeClr val="bg1">
+                <a:lumMod val="50000"/>
+              </a:schemeClr>
+            </a:solidFill>
+          </a:ln>
+        </p:spPr>
+        <p:style>
+          <a:lnRef idx="2">
+            <a:schemeClr val="accent1">
+              <a:shade val="50000"/>
+            </a:schemeClr>
+          </a:lnRef>
+          <a:fillRef idx="1">
+            <a:schemeClr val="accent1"/>
+          </a:fillRef>
+          <a:effectRef idx="0">
+            <a:schemeClr val="accent1"/>
+          </a:effectRef>
+          <a:fontRef idx="minor">
+            <a:schemeClr val="lt1"/>
+          </a:fontRef>
+        </p:style>
+        <p:txBody>
+          <a:bodyPr rtlCol="0" anchor="ctr"/>
+          <a:lstStyle/>
+          <a:p>
+            <a:pPr algn="ctr"/>
+            <a:endParaRPr lang="de-DE"/>
+          </a:p>
+        </p:txBody>
+      </p:sp>
+      <p:sp>
+        <p:nvSpPr>
+          <p:cNvPr id="15" name="Rechteck 14"/>
+          <p:cNvSpPr/>
+          <p:nvPr/>
+        </p:nvSpPr>
+        <p:spPr>
+          <a:xfrm>
+            <a:off x="4000496" y="4357694"/>
+            <a:ext cx="1928826" cy="1928826"/>
+          </a:xfrm>
+          <a:prstGeom prst="rect">
+            <a:avLst/>
+          </a:prstGeom>
+          <a:noFill/>
+          <a:ln>
+            <a:solidFill>
+              <a:schemeClr val="tx1"/>
+            </a:solidFill>
+          </a:ln>
+        </p:spPr>
+        <p:style>
+          <a:lnRef idx="2">
+            <a:schemeClr val="accent1">
+              <a:shade val="50000"/>
+            </a:schemeClr>
+          </a:lnRef>
+          <a:fillRef idx="1">
+            <a:schemeClr val="accent1"/>
+          </a:fillRef>
+          <a:effectRef idx="0">
+            <a:schemeClr val="accent1"/>
+          </a:effectRef>
+          <a:fontRef idx="minor">
+            <a:schemeClr val="lt1"/>
+          </a:fontRef>
+        </p:style>
+        <p:txBody>
+          <a:bodyPr rtlCol="0" anchor="ctr"/>
+          <a:lstStyle/>
+          <a:p>
+            <a:pPr algn="ctr"/>
+            <a:endParaRPr lang="de-DE"/>
+          </a:p>
+        </p:txBody>
+      </p:sp>
+      <p:sp>
+        <p:nvSpPr>
+          <p:cNvPr id="16" name="Ellipse 15"/>
+          <p:cNvSpPr/>
+          <p:nvPr/>
+        </p:nvSpPr>
+        <p:spPr>
+          <a:xfrm>
+            <a:off x="2357422" y="3357562"/>
+            <a:ext cx="142876" cy="142876"/>
+          </a:xfrm>
+          <a:prstGeom prst="ellipse">
+            <a:avLst/>
+          </a:prstGeom>
+          <a:solidFill>
+            <a:schemeClr val="bg1">
+              <a:lumMod val="50000"/>
+            </a:schemeClr>
+          </a:solidFill>
+          <a:ln>
+            <a:noFill/>
+          </a:ln>
+        </p:spPr>
+        <p:style>
+          <a:lnRef idx="2">
+            <a:schemeClr val="accent1">
+              <a:shade val="50000"/>
+            </a:schemeClr>
+          </a:lnRef>
+          <a:fillRef idx="1">
+            <a:schemeClr val="accent1"/>
+          </a:fillRef>
+          <a:effectRef idx="0">
+            <a:schemeClr val="accent1"/>
+          </a:effectRef>
+          <a:fontRef idx="minor">
+            <a:schemeClr val="lt1"/>
+          </a:fontRef>
+        </p:style>
+        <p:txBody>
+          <a:bodyPr rtlCol="0" anchor="ctr"/>
+          <a:lstStyle/>
+          <a:p>
+            <a:pPr algn="ctr"/>
+            <a:endParaRPr lang="de-DE"/>
+          </a:p>
+        </p:txBody>
+      </p:sp>
+      <p:sp>
+        <p:nvSpPr>
+          <p:cNvPr id="23" name="Ellipse 22"/>
+          <p:cNvSpPr/>
+          <p:nvPr/>
+        </p:nvSpPr>
+        <p:spPr>
+          <a:xfrm>
+            <a:off x="4286248" y="3357562"/>
+            <a:ext cx="142876" cy="142876"/>
+          </a:xfrm>
+          <a:prstGeom prst="ellipse">
+            <a:avLst/>
+          </a:prstGeom>
+          <a:solidFill>
+            <a:schemeClr val="tx1">
+              <a:lumMod val="95000"/>
+              <a:lumOff val="5000"/>
+            </a:schemeClr>
+          </a:solidFill>
+          <a:ln>
+            <a:noFill/>
+          </a:ln>
+        </p:spPr>
+        <p:style>
+          <a:lnRef idx="2">
+            <a:schemeClr val="accent1">
+              <a:shade val="50000"/>
+            </a:schemeClr>
+          </a:lnRef>
+          <a:fillRef idx="1">
+            <a:schemeClr val="accent1"/>
+          </a:fillRef>
+          <a:effectRef idx="0">
+            <a:schemeClr val="accent1"/>
+          </a:effectRef>
+          <a:fontRef idx="minor">
+            <a:schemeClr val="lt1"/>
+          </a:fontRef>
+        </p:style>
+        <p:txBody>
+          <a:bodyPr rtlCol="0" anchor="ctr"/>
+          <a:lstStyle/>
+          <a:p>
+            <a:pPr algn="ctr"/>
+            <a:endParaRPr lang="de-DE"/>
+          </a:p>
+        </p:txBody>
+      </p:sp>
+      <p:sp>
+        <p:nvSpPr>
+          <p:cNvPr id="44" name="Ellipse 43"/>
+          <p:cNvSpPr/>
+          <p:nvPr/>
+        </p:nvSpPr>
+        <p:spPr>
+          <a:xfrm>
+            <a:off x="4500562" y="5143512"/>
+            <a:ext cx="142876" cy="142876"/>
+          </a:xfrm>
+          <a:prstGeom prst="ellipse">
+            <a:avLst/>
+          </a:prstGeom>
+          <a:solidFill>
+            <a:schemeClr val="tx1">
+              <a:lumMod val="95000"/>
+              <a:lumOff val="5000"/>
+            </a:schemeClr>
+          </a:solidFill>
+          <a:ln>
+            <a:noFill/>
+          </a:ln>
+        </p:spPr>
+        <p:style>
+          <a:lnRef idx="2">
+            <a:schemeClr val="accent1">
+              <a:shade val="50000"/>
+            </a:schemeClr>
+          </a:lnRef>
+          <a:fillRef idx="1">
+            <a:schemeClr val="accent1"/>
+          </a:fillRef>
+          <a:effectRef idx="0">
+            <a:schemeClr val="accent1"/>
+          </a:effectRef>
+          <a:fontRef idx="minor">
+            <a:schemeClr val="lt1"/>
+          </a:fontRef>
+        </p:style>
+        <p:txBody>
+          <a:bodyPr rtlCol="0" anchor="ctr"/>
+          <a:lstStyle/>
+          <a:p>
+            <a:pPr algn="ctr"/>
+            <a:endParaRPr lang="de-DE"/>
+          </a:p>
+        </p:txBody>
+      </p:sp>
+      <p:sp>
+        <p:nvSpPr>
+          <p:cNvPr id="45" name="Ellipse 44"/>
+          <p:cNvSpPr/>
+          <p:nvPr/>
+        </p:nvSpPr>
+        <p:spPr>
+          <a:xfrm>
+            <a:off x="4929190" y="5572140"/>
+            <a:ext cx="142876" cy="142876"/>
+          </a:xfrm>
+          <a:prstGeom prst="ellipse">
+            <a:avLst/>
+          </a:prstGeom>
+          <a:solidFill>
+            <a:schemeClr val="tx1">
+              <a:lumMod val="95000"/>
+              <a:lumOff val="5000"/>
+            </a:schemeClr>
+          </a:solidFill>
+          <a:ln>
+            <a:noFill/>
+          </a:ln>
+        </p:spPr>
+        <p:style>
+          <a:lnRef idx="2">
+            <a:schemeClr val="accent1">
+              <a:shade val="50000"/>
+            </a:schemeClr>
+          </a:lnRef>
+          <a:fillRef idx="1">
+            <a:schemeClr val="accent1"/>
+          </a:fillRef>
+          <a:effectRef idx="0">
+            <a:schemeClr val="accent1"/>
+          </a:effectRef>
+          <a:fontRef idx="minor">
+            <a:schemeClr val="lt1"/>
+          </a:fontRef>
+        </p:style>
+        <p:txBody>
+          <a:bodyPr rtlCol="0" anchor="ctr"/>
+          <a:lstStyle/>
+          <a:p>
+            <a:pPr algn="ctr"/>
+            <a:endParaRPr lang="de-DE"/>
+          </a:p>
+        </p:txBody>
+      </p:sp>
+      <p:sp>
+        <p:nvSpPr>
+          <p:cNvPr id="46" name="Ellipse 45"/>
+          <p:cNvSpPr/>
+          <p:nvPr/>
+        </p:nvSpPr>
+        <p:spPr>
+          <a:xfrm>
+            <a:off x="4643438" y="5500702"/>
+            <a:ext cx="142876" cy="142876"/>
+          </a:xfrm>
+          <a:prstGeom prst="ellipse">
+            <a:avLst/>
+          </a:prstGeom>
+          <a:solidFill>
+            <a:schemeClr val="tx1">
+              <a:lumMod val="95000"/>
+              <a:lumOff val="5000"/>
+            </a:schemeClr>
+          </a:solidFill>
+          <a:ln>
+            <a:noFill/>
+          </a:ln>
+        </p:spPr>
+        <p:style>
+          <a:lnRef idx="2">
+            <a:schemeClr val="accent1">
+              <a:shade val="50000"/>
+            </a:schemeClr>
+          </a:lnRef>
+          <a:fillRef idx="1">
+            <a:schemeClr val="accent1"/>
+          </a:fillRef>
+          <a:effectRef idx="0">
+            <a:schemeClr val="accent1"/>
+          </a:effectRef>
+          <a:fontRef idx="minor">
+            <a:schemeClr val="lt1"/>
+          </a:fontRef>
+        </p:style>
+        <p:txBody>
+          <a:bodyPr rtlCol="0" anchor="ctr"/>
+          <a:lstStyle/>
+          <a:p>
+            <a:pPr algn="ctr"/>
+            <a:endParaRPr lang="de-DE"/>
+          </a:p>
+        </p:txBody>
+      </p:sp>
+      <p:sp>
+        <p:nvSpPr>
+          <p:cNvPr id="47" name="Ellipse 46"/>
+          <p:cNvSpPr/>
+          <p:nvPr/>
+        </p:nvSpPr>
+        <p:spPr>
+          <a:xfrm>
+            <a:off x="4929190" y="5000636"/>
+            <a:ext cx="142876" cy="142876"/>
+          </a:xfrm>
+          <a:prstGeom prst="ellipse">
+            <a:avLst/>
+          </a:prstGeom>
+          <a:solidFill>
+            <a:schemeClr val="tx1">
+              <a:lumMod val="95000"/>
+              <a:lumOff val="5000"/>
+            </a:schemeClr>
+          </a:solidFill>
+          <a:ln>
+            <a:noFill/>
+          </a:ln>
+        </p:spPr>
+        <p:style>
+          <a:lnRef idx="2">
+            <a:schemeClr val="accent1">
+              <a:shade val="50000"/>
+            </a:schemeClr>
+          </a:lnRef>
+          <a:fillRef idx="1">
+            <a:schemeClr val="accent1"/>
+          </a:fillRef>
+          <a:effectRef idx="0">
+            <a:schemeClr val="accent1"/>
+          </a:effectRef>
+          <a:fontRef idx="minor">
+            <a:schemeClr val="lt1"/>
+          </a:fontRef>
+        </p:style>
+        <p:txBody>
+          <a:bodyPr rtlCol="0" anchor="ctr"/>
+          <a:lstStyle/>
+          <a:p>
+            <a:pPr algn="ctr"/>
+            <a:endParaRPr lang="de-DE"/>
+          </a:p>
+        </p:txBody>
+      </p:sp>
+      <p:sp>
+        <p:nvSpPr>
+          <p:cNvPr id="48" name="Ellipse 47"/>
+          <p:cNvSpPr/>
+          <p:nvPr/>
+        </p:nvSpPr>
+        <p:spPr>
+          <a:xfrm>
+            <a:off x="4929190" y="5286388"/>
+            <a:ext cx="142876" cy="142876"/>
+          </a:xfrm>
+          <a:prstGeom prst="ellipse">
+            <a:avLst/>
+          </a:prstGeom>
+          <a:solidFill>
+            <a:schemeClr val="tx1">
+              <a:lumMod val="95000"/>
+              <a:lumOff val="5000"/>
+            </a:schemeClr>
+          </a:solidFill>
+          <a:ln>
+            <a:noFill/>
+          </a:ln>
+        </p:spPr>
+        <p:style>
+          <a:lnRef idx="2">
+            <a:schemeClr val="accent1">
+              <a:shade val="50000"/>
+            </a:schemeClr>
+          </a:lnRef>
+          <a:fillRef idx="1">
+            <a:schemeClr val="accent1"/>
+          </a:fillRef>
+          <a:effectRef idx="0">
+            <a:schemeClr val="accent1"/>
+          </a:effectRef>
+          <a:fontRef idx="minor">
+            <a:schemeClr val="lt1"/>
+          </a:fontRef>
+        </p:style>
+        <p:txBody>
+          <a:bodyPr rtlCol="0" anchor="ctr"/>
+          <a:lstStyle/>
+          <a:p>
+            <a:pPr algn="ctr"/>
+            <a:endParaRPr lang="de-DE"/>
+          </a:p>
+        </p:txBody>
+      </p:sp>
+      <p:sp>
+        <p:nvSpPr>
+          <p:cNvPr id="64" name="Ellipse 63"/>
+          <p:cNvSpPr/>
+          <p:nvPr/>
+        </p:nvSpPr>
+        <p:spPr>
+          <a:xfrm>
+            <a:off x="1714480" y="3357562"/>
+            <a:ext cx="142876" cy="142876"/>
+          </a:xfrm>
+          <a:prstGeom prst="ellipse">
+            <a:avLst/>
+          </a:prstGeom>
+          <a:solidFill>
+            <a:schemeClr val="bg1">
+              <a:lumMod val="50000"/>
+            </a:schemeClr>
+          </a:solidFill>
+          <a:ln>
+            <a:noFill/>
+          </a:ln>
+        </p:spPr>
+        <p:style>
+          <a:lnRef idx="2">
+            <a:schemeClr val="accent1">
+              <a:shade val="50000"/>
+            </a:schemeClr>
+          </a:lnRef>
+          <a:fillRef idx="1">
+            <a:schemeClr val="accent1"/>
+          </a:fillRef>
+          <a:effectRef idx="0">
+            <a:schemeClr val="accent1"/>
+          </a:effectRef>
+          <a:fontRef idx="minor">
+            <a:schemeClr val="lt1"/>
+          </a:fontRef>
+        </p:style>
+        <p:txBody>
+          <a:bodyPr rtlCol="0" anchor="ctr"/>
+          <a:lstStyle/>
+          <a:p>
+            <a:pPr algn="ctr"/>
+            <a:endParaRPr lang="de-DE"/>
+          </a:p>
+        </p:txBody>
+      </p:sp>
+      <p:sp>
+        <p:nvSpPr>
+          <p:cNvPr id="102" name="Ellipse 101"/>
+          <p:cNvSpPr/>
+          <p:nvPr/>
+        </p:nvSpPr>
+        <p:spPr>
+          <a:xfrm>
+            <a:off x="2643174" y="5143512"/>
+            <a:ext cx="142876" cy="142876"/>
+          </a:xfrm>
+          <a:prstGeom prst="ellipse">
+            <a:avLst/>
+          </a:prstGeom>
+          <a:solidFill>
+            <a:schemeClr val="bg1">
+              <a:lumMod val="50000"/>
+            </a:schemeClr>
+          </a:solidFill>
+          <a:ln>
+            <a:noFill/>
+          </a:ln>
+        </p:spPr>
+        <p:style>
+          <a:lnRef idx="2">
+            <a:schemeClr val="accent1">
+              <a:shade val="50000"/>
+            </a:schemeClr>
+          </a:lnRef>
+          <a:fillRef idx="1">
+            <a:schemeClr val="accent1"/>
+          </a:fillRef>
+          <a:effectRef idx="0">
+            <a:schemeClr val="accent1"/>
+          </a:effectRef>
+          <a:fontRef idx="minor">
+            <a:schemeClr val="lt1"/>
+          </a:fontRef>
+        </p:style>
+        <p:txBody>
+          <a:bodyPr rtlCol="0" anchor="ctr"/>
+          <a:lstStyle/>
+          <a:p>
+            <a:pPr algn="ctr"/>
+            <a:endParaRPr lang="de-DE"/>
+          </a:p>
+        </p:txBody>
+      </p:sp>
+      <p:sp>
+        <p:nvSpPr>
+          <p:cNvPr id="103" name="Ellipse 102"/>
+          <p:cNvSpPr/>
+          <p:nvPr/>
+        </p:nvSpPr>
+        <p:spPr>
+          <a:xfrm>
+            <a:off x="3071802" y="5572140"/>
+            <a:ext cx="142876" cy="142876"/>
+          </a:xfrm>
+          <a:prstGeom prst="ellipse">
+            <a:avLst/>
+          </a:prstGeom>
+          <a:solidFill>
+            <a:schemeClr val="bg1">
+              <a:lumMod val="50000"/>
+            </a:schemeClr>
+          </a:solidFill>
+          <a:ln>
+            <a:noFill/>
+          </a:ln>
+        </p:spPr>
+        <p:style>
+          <a:lnRef idx="2">
+            <a:schemeClr val="accent1">
+              <a:shade val="50000"/>
+            </a:schemeClr>
+          </a:lnRef>
+          <a:fillRef idx="1">
+            <a:schemeClr val="accent1"/>
+          </a:fillRef>
+          <a:effectRef idx="0">
+            <a:schemeClr val="accent1"/>
+          </a:effectRef>
+          <a:fontRef idx="minor">
+            <a:schemeClr val="lt1"/>
+          </a:fontRef>
+        </p:style>
+        <p:txBody>
+          <a:bodyPr rtlCol="0" anchor="ctr"/>
+          <a:lstStyle/>
+          <a:p>
+            <a:pPr algn="ctr"/>
+            <a:endParaRPr lang="de-DE"/>
+          </a:p>
+        </p:txBody>
+      </p:sp>
+      <p:sp>
+        <p:nvSpPr>
+          <p:cNvPr id="104" name="Ellipse 103"/>
+          <p:cNvSpPr/>
+          <p:nvPr/>
+        </p:nvSpPr>
+        <p:spPr>
+          <a:xfrm>
+            <a:off x="2786050" y="5500702"/>
+            <a:ext cx="142876" cy="142876"/>
+          </a:xfrm>
+          <a:prstGeom prst="ellipse">
+            <a:avLst/>
+          </a:prstGeom>
+          <a:solidFill>
+            <a:schemeClr val="bg1">
+              <a:lumMod val="50000"/>
+            </a:schemeClr>
+          </a:solidFill>
+          <a:ln>
+            <a:noFill/>
+          </a:ln>
+        </p:spPr>
+        <p:style>
+          <a:lnRef idx="2">
+            <a:schemeClr val="accent1">
+              <a:shade val="50000"/>
+            </a:schemeClr>
+          </a:lnRef>
+          <a:fillRef idx="1">
+            <a:schemeClr val="accent1"/>
+          </a:fillRef>
+          <a:effectRef idx="0">
+            <a:schemeClr val="accent1"/>
+          </a:effectRef>
+          <a:fontRef idx="minor">
+            <a:schemeClr val="lt1"/>
+          </a:fontRef>
+        </p:style>
+        <p:txBody>
+          <a:bodyPr rtlCol="0" anchor="ctr"/>
+          <a:lstStyle/>
+          <a:p>
+            <a:pPr algn="ctr"/>
+            <a:endParaRPr lang="de-DE"/>
+          </a:p>
+        </p:txBody>
+      </p:sp>
+      <p:sp>
+        <p:nvSpPr>
+          <p:cNvPr id="105" name="Ellipse 104"/>
+          <p:cNvSpPr/>
+          <p:nvPr/>
+        </p:nvSpPr>
+        <p:spPr>
+          <a:xfrm>
+            <a:off x="3071802" y="5000636"/>
+            <a:ext cx="142876" cy="142876"/>
+          </a:xfrm>
+          <a:prstGeom prst="ellipse">
+            <a:avLst/>
+          </a:prstGeom>
+          <a:solidFill>
+            <a:schemeClr val="bg1">
+              <a:lumMod val="50000"/>
+            </a:schemeClr>
+          </a:solidFill>
+          <a:ln>
+            <a:noFill/>
+          </a:ln>
+        </p:spPr>
+        <p:style>
+          <a:lnRef idx="2">
+            <a:schemeClr val="accent1">
+              <a:shade val="50000"/>
+            </a:schemeClr>
+          </a:lnRef>
+          <a:fillRef idx="1">
+            <a:schemeClr val="accent1"/>
+          </a:fillRef>
+          <a:effectRef idx="0">
+            <a:schemeClr val="accent1"/>
+          </a:effectRef>
+          <a:fontRef idx="minor">
+            <a:schemeClr val="lt1"/>
+          </a:fontRef>
+        </p:style>
+        <p:txBody>
+          <a:bodyPr rtlCol="0" anchor="ctr"/>
+          <a:lstStyle/>
+          <a:p>
+            <a:pPr algn="ctr"/>
+            <a:endParaRPr lang="de-DE"/>
+          </a:p>
+        </p:txBody>
+      </p:sp>
+      <p:sp>
+        <p:nvSpPr>
+          <p:cNvPr id="106" name="Ellipse 105"/>
+          <p:cNvSpPr/>
+          <p:nvPr/>
+        </p:nvSpPr>
+        <p:spPr>
+          <a:xfrm>
+            <a:off x="3071802" y="5286388"/>
+            <a:ext cx="142876" cy="142876"/>
+          </a:xfrm>
+          <a:prstGeom prst="ellipse">
+            <a:avLst/>
+          </a:prstGeom>
+          <a:solidFill>
+            <a:schemeClr val="bg1">
+              <a:lumMod val="50000"/>
+            </a:schemeClr>
+          </a:solidFill>
+          <a:ln>
+            <a:noFill/>
+          </a:ln>
+        </p:spPr>
+        <p:style>
+          <a:lnRef idx="2">
+            <a:schemeClr val="accent1">
+              <a:shade val="50000"/>
+            </a:schemeClr>
+          </a:lnRef>
+          <a:fillRef idx="1">
+            <a:schemeClr val="accent1"/>
+          </a:fillRef>
+          <a:effectRef idx="0">
+            <a:schemeClr val="accent1"/>
+          </a:effectRef>
+          <a:fontRef idx="minor">
+            <a:schemeClr val="lt1"/>
+          </a:fontRef>
+        </p:style>
+        <p:txBody>
+          <a:bodyPr rtlCol="0" anchor="ctr"/>
+          <a:lstStyle/>
+          <a:p>
+            <a:pPr algn="ctr"/>
+            <a:endParaRPr lang="de-DE"/>
+          </a:p>
+        </p:txBody>
+      </p:sp>
+      <p:sp>
+        <p:nvSpPr>
+          <p:cNvPr id="107" name="Ellipse 106"/>
+          <p:cNvSpPr/>
+          <p:nvPr/>
+        </p:nvSpPr>
+        <p:spPr>
+          <a:xfrm>
+            <a:off x="2571736" y="3143248"/>
+            <a:ext cx="285752" cy="285752"/>
+          </a:xfrm>
+          <a:prstGeom prst="ellipse">
+            <a:avLst/>
+          </a:prstGeom>
+          <a:solidFill>
+            <a:schemeClr val="tx1">
+              <a:lumMod val="95000"/>
+              <a:lumOff val="5000"/>
+            </a:schemeClr>
+          </a:solidFill>
+          <a:ln>
+            <a:noFill/>
+          </a:ln>
+        </p:spPr>
+        <p:style>
+          <a:lnRef idx="2">
+            <a:schemeClr val="accent1">
+              <a:shade val="50000"/>
+            </a:schemeClr>
+          </a:lnRef>
+          <a:fillRef idx="1">
+            <a:schemeClr val="accent1"/>
+          </a:fillRef>
+          <a:effectRef idx="0">
+            <a:schemeClr val="accent1"/>
+          </a:effectRef>
+          <a:fontRef idx="minor">
+            <a:schemeClr val="lt1"/>
+          </a:fontRef>
+        </p:style>
+        <p:txBody>
+          <a:bodyPr rtlCol="0" anchor="ctr"/>
+          <a:lstStyle/>
+          <a:p>
+            <a:pPr algn="ctr"/>
+            <a:endParaRPr lang="de-DE"/>
+          </a:p>
+        </p:txBody>
+      </p:sp>
+      <p:sp>
+        <p:nvSpPr>
+          <p:cNvPr id="108" name="Ellipse 107"/>
+          <p:cNvSpPr/>
+          <p:nvPr/>
+        </p:nvSpPr>
+        <p:spPr>
+          <a:xfrm>
+            <a:off x="3000364" y="3571876"/>
+            <a:ext cx="285752" cy="285752"/>
+          </a:xfrm>
+          <a:prstGeom prst="ellipse">
+            <a:avLst/>
+          </a:prstGeom>
+          <a:solidFill>
+            <a:schemeClr val="tx1">
+              <a:lumMod val="95000"/>
+              <a:lumOff val="5000"/>
+            </a:schemeClr>
+          </a:solidFill>
+          <a:ln>
+            <a:noFill/>
+          </a:ln>
+        </p:spPr>
+        <p:style>
+          <a:lnRef idx="2">
+            <a:schemeClr val="accent1">
+              <a:shade val="50000"/>
+            </a:schemeClr>
+          </a:lnRef>
+          <a:fillRef idx="1">
+            <a:schemeClr val="accent1"/>
+          </a:fillRef>
+          <a:effectRef idx="0">
+            <a:schemeClr val="accent1"/>
+          </a:effectRef>
+          <a:fontRef idx="minor">
+            <a:schemeClr val="lt1"/>
+          </a:fontRef>
+        </p:style>
+        <p:txBody>
+          <a:bodyPr rtlCol="0" anchor="ctr"/>
+          <a:lstStyle/>
+          <a:p>
+            <a:pPr algn="ctr"/>
+            <a:endParaRPr lang="de-DE"/>
+          </a:p>
+        </p:txBody>
+      </p:sp>
+      <p:sp>
+        <p:nvSpPr>
+          <p:cNvPr id="109" name="Ellipse 108"/>
+          <p:cNvSpPr/>
+          <p:nvPr/>
+        </p:nvSpPr>
+        <p:spPr>
+          <a:xfrm>
+            <a:off x="2714612" y="3500438"/>
+            <a:ext cx="285752" cy="285752"/>
+          </a:xfrm>
+          <a:prstGeom prst="ellipse">
+            <a:avLst/>
+          </a:prstGeom>
+          <a:solidFill>
+            <a:schemeClr val="tx1">
+              <a:lumMod val="95000"/>
+              <a:lumOff val="5000"/>
+            </a:schemeClr>
+          </a:solidFill>
+          <a:ln>
+            <a:noFill/>
+          </a:ln>
+        </p:spPr>
+        <p:style>
+          <a:lnRef idx="2">
+            <a:schemeClr val="accent1">
+              <a:shade val="50000"/>
+            </a:schemeClr>
+          </a:lnRef>
+          <a:fillRef idx="1">
+            <a:schemeClr val="accent1"/>
+          </a:fillRef>
+          <a:effectRef idx="0">
+            <a:schemeClr val="accent1"/>
+          </a:effectRef>
+          <a:fontRef idx="minor">
+            <a:schemeClr val="lt1"/>
+          </a:fontRef>
+        </p:style>
+        <p:txBody>
+          <a:bodyPr rtlCol="0" anchor="ctr"/>
+          <a:lstStyle/>
+          <a:p>
+            <a:pPr algn="ctr"/>
+            <a:endParaRPr lang="de-DE"/>
+          </a:p>
+        </p:txBody>
+      </p:sp>
+      <p:sp>
+        <p:nvSpPr>
+          <p:cNvPr id="110" name="Ellipse 109"/>
+          <p:cNvSpPr/>
+          <p:nvPr/>
+        </p:nvSpPr>
+        <p:spPr>
+          <a:xfrm>
+            <a:off x="3000364" y="3000372"/>
+            <a:ext cx="285752" cy="285752"/>
+          </a:xfrm>
+          <a:prstGeom prst="ellipse">
+            <a:avLst/>
+          </a:prstGeom>
+          <a:solidFill>
+            <a:schemeClr val="tx1">
+              <a:lumMod val="95000"/>
+              <a:lumOff val="5000"/>
+            </a:schemeClr>
+          </a:solidFill>
+          <a:ln>
+            <a:noFill/>
+          </a:ln>
+        </p:spPr>
+        <p:style>
+          <a:lnRef idx="2">
+            <a:schemeClr val="accent1">
+              <a:shade val="50000"/>
+            </a:schemeClr>
+          </a:lnRef>
+          <a:fillRef idx="1">
+            <a:schemeClr val="accent1"/>
+          </a:fillRef>
+          <a:effectRef idx="0">
+            <a:schemeClr val="accent1"/>
+          </a:effectRef>
+          <a:fontRef idx="minor">
+            <a:schemeClr val="lt1"/>
+          </a:fontRef>
+        </p:style>
+        <p:txBody>
+          <a:bodyPr rtlCol="0" anchor="ctr"/>
+          <a:lstStyle/>
+          <a:p>
+            <a:pPr algn="ctr"/>
+            <a:endParaRPr lang="de-DE"/>
+          </a:p>
+        </p:txBody>
+      </p:sp>
+      <p:sp>
+        <p:nvSpPr>
+          <p:cNvPr id="111" name="Ellipse 110"/>
+          <p:cNvSpPr/>
+          <p:nvPr/>
+        </p:nvSpPr>
+        <p:spPr>
+          <a:xfrm>
+            <a:off x="3000364" y="3286124"/>
+            <a:ext cx="285752" cy="285752"/>
+          </a:xfrm>
+          <a:prstGeom prst="ellipse">
+            <a:avLst/>
+          </a:prstGeom>
+          <a:solidFill>
+            <a:schemeClr val="tx1">
+              <a:lumMod val="95000"/>
+              <a:lumOff val="5000"/>
+            </a:schemeClr>
+          </a:solidFill>
+          <a:ln>
+            <a:noFill/>
+          </a:ln>
+        </p:spPr>
+        <p:style>
+          <a:lnRef idx="2">
+            <a:schemeClr val="accent1">
+              <a:shade val="50000"/>
+            </a:schemeClr>
+          </a:lnRef>
+          <a:fillRef idx="1">
+            <a:schemeClr val="accent1"/>
+          </a:fillRef>
+          <a:effectRef idx="0">
+            <a:schemeClr val="accent1"/>
+          </a:effectRef>
+          <a:fontRef idx="minor">
+            <a:schemeClr val="lt1"/>
+          </a:fontRef>
+        </p:style>
+        <p:txBody>
+          <a:bodyPr rtlCol="0" anchor="ctr"/>
+          <a:lstStyle/>
+          <a:p>
+            <a:pPr algn="ctr"/>
+            <a:endParaRPr lang="de-DE"/>
+          </a:p>
+        </p:txBody>
+      </p:sp>
+      <p:sp>
+        <p:nvSpPr>
+          <p:cNvPr id="112" name="Ellipse 111"/>
+          <p:cNvSpPr/>
+          <p:nvPr/>
+        </p:nvSpPr>
+        <p:spPr>
+          <a:xfrm>
+            <a:off x="4572000" y="3214686"/>
+            <a:ext cx="142876" cy="142876"/>
+          </a:xfrm>
+          <a:prstGeom prst="ellipse">
+            <a:avLst/>
+          </a:prstGeom>
+          <a:solidFill>
+            <a:schemeClr val="tx1">
+              <a:lumMod val="95000"/>
+              <a:lumOff val="5000"/>
+            </a:schemeClr>
+          </a:solidFill>
+          <a:ln>
+            <a:noFill/>
+          </a:ln>
+        </p:spPr>
+        <p:style>
+          <a:lnRef idx="2">
+            <a:schemeClr val="accent1">
+              <a:shade val="50000"/>
+            </a:schemeClr>
+          </a:lnRef>
+          <a:fillRef idx="1">
+            <a:schemeClr val="accent1"/>
+          </a:fillRef>
+          <a:effectRef idx="0">
+            <a:schemeClr val="accent1"/>
+          </a:effectRef>
+          <a:fontRef idx="minor">
+            <a:schemeClr val="lt1"/>
+          </a:fontRef>
+        </p:style>
+        <p:txBody>
+          <a:bodyPr rtlCol="0" anchor="ctr"/>
+          <a:lstStyle/>
+          <a:p>
+            <a:pPr algn="ctr"/>
+            <a:endParaRPr lang="de-DE"/>
+          </a:p>
+        </p:txBody>
+      </p:sp>
+      <p:sp>
+        <p:nvSpPr>
+          <p:cNvPr id="113" name="Ellipse 112"/>
+          <p:cNvSpPr/>
+          <p:nvPr/>
+        </p:nvSpPr>
+        <p:spPr>
+          <a:xfrm>
+            <a:off x="5000628" y="3643314"/>
+            <a:ext cx="142876" cy="142876"/>
+          </a:xfrm>
+          <a:prstGeom prst="ellipse">
+            <a:avLst/>
+          </a:prstGeom>
+          <a:solidFill>
+            <a:schemeClr val="tx1">
+              <a:lumMod val="95000"/>
+              <a:lumOff val="5000"/>
+            </a:schemeClr>
+          </a:solidFill>
+          <a:ln>
+            <a:noFill/>
+          </a:ln>
+        </p:spPr>
+        <p:style>
+          <a:lnRef idx="2">
+            <a:schemeClr val="accent1">
+              <a:shade val="50000"/>
+            </a:schemeClr>
+          </a:lnRef>
+          <a:fillRef idx="1">
+            <a:schemeClr val="accent1"/>
+          </a:fillRef>
+          <a:effectRef idx="0">
+            <a:schemeClr val="accent1"/>
+          </a:effectRef>
+          <a:fontRef idx="minor">
+            <a:schemeClr val="lt1"/>
+          </a:fontRef>
+        </p:style>
+        <p:txBody>
+          <a:bodyPr rtlCol="0" anchor="ctr"/>
+          <a:lstStyle/>
+          <a:p>
+            <a:pPr algn="ctr"/>
+            <a:endParaRPr lang="de-DE"/>
+          </a:p>
+        </p:txBody>
+      </p:sp>
+      <p:sp>
+        <p:nvSpPr>
+          <p:cNvPr id="114" name="Ellipse 113"/>
+          <p:cNvSpPr/>
+          <p:nvPr/>
+        </p:nvSpPr>
+        <p:spPr>
+          <a:xfrm>
+            <a:off x="4714876" y="3571876"/>
+            <a:ext cx="142876" cy="142876"/>
+          </a:xfrm>
+          <a:prstGeom prst="ellipse">
+            <a:avLst/>
+          </a:prstGeom>
+          <a:solidFill>
+            <a:schemeClr val="tx1">
+              <a:lumMod val="95000"/>
+              <a:lumOff val="5000"/>
+            </a:schemeClr>
+          </a:solidFill>
+          <a:ln>
+            <a:noFill/>
+          </a:ln>
+        </p:spPr>
+        <p:style>
+          <a:lnRef idx="2">
+            <a:schemeClr val="accent1">
+              <a:shade val="50000"/>
+            </a:schemeClr>
+          </a:lnRef>
+          <a:fillRef idx="1">
+            <a:schemeClr val="accent1"/>
+          </a:fillRef>
+          <a:effectRef idx="0">
+            <a:schemeClr val="accent1"/>
+          </a:effectRef>
+          <a:fontRef idx="minor">
+            <a:schemeClr val="lt1"/>
+          </a:fontRef>
+        </p:style>
+        <p:txBody>
+          <a:bodyPr rtlCol="0" anchor="ctr"/>
+          <a:lstStyle/>
+          <a:p>
+            <a:pPr algn="ctr"/>
+            <a:endParaRPr lang="de-DE"/>
+          </a:p>
+        </p:txBody>
+      </p:sp>
+      <p:sp>
+        <p:nvSpPr>
+          <p:cNvPr id="115" name="Ellipse 114"/>
+          <p:cNvSpPr/>
+          <p:nvPr/>
+        </p:nvSpPr>
+        <p:spPr>
+          <a:xfrm>
+            <a:off x="5000628" y="3071810"/>
+            <a:ext cx="142876" cy="142876"/>
+          </a:xfrm>
+          <a:prstGeom prst="ellipse">
+            <a:avLst/>
+          </a:prstGeom>
+          <a:solidFill>
+            <a:schemeClr val="tx1">
+              <a:lumMod val="95000"/>
+              <a:lumOff val="5000"/>
+            </a:schemeClr>
+          </a:solidFill>
+          <a:ln>
+            <a:noFill/>
+          </a:ln>
+        </p:spPr>
+        <p:style>
+          <a:lnRef idx="2">
+            <a:schemeClr val="accent1">
+              <a:shade val="50000"/>
+            </a:schemeClr>
+          </a:lnRef>
+          <a:fillRef idx="1">
+            <a:schemeClr val="accent1"/>
+          </a:fillRef>
+          <a:effectRef idx="0">
+            <a:schemeClr val="accent1"/>
+          </a:effectRef>
+          <a:fontRef idx="minor">
+            <a:schemeClr val="lt1"/>
+          </a:fontRef>
+        </p:style>
+        <p:txBody>
+          <a:bodyPr rtlCol="0" anchor="ctr"/>
+          <a:lstStyle/>
+          <a:p>
+            <a:pPr algn="ctr"/>
+            <a:endParaRPr lang="de-DE"/>
+          </a:p>
+        </p:txBody>
+      </p:sp>
+      <p:sp>
+        <p:nvSpPr>
+          <p:cNvPr id="116" name="Ellipse 115"/>
+          <p:cNvSpPr/>
+          <p:nvPr/>
+        </p:nvSpPr>
+        <p:spPr>
+          <a:xfrm>
+            <a:off x="5000628" y="3357562"/>
+            <a:ext cx="142876" cy="142876"/>
+          </a:xfrm>
+          <a:prstGeom prst="ellipse">
+            <a:avLst/>
+          </a:prstGeom>
+          <a:solidFill>
+            <a:schemeClr val="tx1">
+              <a:lumMod val="95000"/>
+              <a:lumOff val="5000"/>
+            </a:schemeClr>
+          </a:solidFill>
+          <a:ln>
+            <a:noFill/>
+          </a:ln>
+        </p:spPr>
+        <p:style>
+          <a:lnRef idx="2">
+            <a:schemeClr val="accent1">
+              <a:shade val="50000"/>
+            </a:schemeClr>
+          </a:lnRef>
+          <a:fillRef idx="1">
+            <a:schemeClr val="accent1"/>
+          </a:fillRef>
+          <a:effectRef idx="0">
+            <a:schemeClr val="accent1"/>
+          </a:effectRef>
+          <a:fontRef idx="minor">
+            <a:schemeClr val="lt1"/>
+          </a:fontRef>
+        </p:style>
+        <p:txBody>
+          <a:bodyPr rtlCol="0" anchor="ctr"/>
+          <a:lstStyle/>
+          <a:p>
+            <a:pPr algn="ctr"/>
+            <a:endParaRPr lang="de-DE"/>
+          </a:p>
+        </p:txBody>
+      </p:sp>
+      <p:sp>
+        <p:nvSpPr>
+          <p:cNvPr id="117" name="Ellipse 116"/>
+          <p:cNvSpPr/>
+          <p:nvPr/>
+        </p:nvSpPr>
+        <p:spPr>
+          <a:xfrm>
+            <a:off x="785786" y="3214686"/>
+            <a:ext cx="142876" cy="142876"/>
+          </a:xfrm>
+          <a:prstGeom prst="ellipse">
+            <a:avLst/>
+          </a:prstGeom>
+          <a:solidFill>
+            <a:schemeClr val="bg1">
+              <a:lumMod val="50000"/>
+            </a:schemeClr>
+          </a:solidFill>
+          <a:ln>
+            <a:noFill/>
+          </a:ln>
+        </p:spPr>
+        <p:style>
+          <a:lnRef idx="2">
+            <a:schemeClr val="accent1">
+              <a:shade val="50000"/>
+            </a:schemeClr>
+          </a:lnRef>
+          <a:fillRef idx="1">
+            <a:schemeClr val="accent1"/>
+          </a:fillRef>
+          <a:effectRef idx="0">
+            <a:schemeClr val="accent1"/>
+          </a:effectRef>
+          <a:fontRef idx="minor">
+            <a:schemeClr val="lt1"/>
+          </a:fontRef>
+        </p:style>
+        <p:txBody>
+          <a:bodyPr rtlCol="0" anchor="ctr"/>
+          <a:lstStyle/>
+          <a:p>
+            <a:pPr algn="ctr"/>
+            <a:endParaRPr lang="de-DE"/>
+          </a:p>
+        </p:txBody>
+      </p:sp>
+      <p:sp>
+        <p:nvSpPr>
+          <p:cNvPr id="118" name="Ellipse 117"/>
+          <p:cNvSpPr/>
+          <p:nvPr/>
+        </p:nvSpPr>
+        <p:spPr>
+          <a:xfrm>
+            <a:off x="1214414" y="3643314"/>
+            <a:ext cx="142876" cy="142876"/>
+          </a:xfrm>
+          <a:prstGeom prst="ellipse">
+            <a:avLst/>
+          </a:prstGeom>
+          <a:solidFill>
+            <a:schemeClr val="bg1">
+              <a:lumMod val="50000"/>
+            </a:schemeClr>
+          </a:solidFill>
+          <a:ln>
+            <a:noFill/>
+          </a:ln>
+        </p:spPr>
+        <p:style>
+          <a:lnRef idx="2">
+            <a:schemeClr val="accent1">
+              <a:shade val="50000"/>
+            </a:schemeClr>
+          </a:lnRef>
+          <a:fillRef idx="1">
+            <a:schemeClr val="accent1"/>
+          </a:fillRef>
+          <a:effectRef idx="0">
+            <a:schemeClr val="accent1"/>
+          </a:effectRef>
+          <a:fontRef idx="minor">
+            <a:schemeClr val="lt1"/>
+          </a:fontRef>
+        </p:style>
+        <p:txBody>
+          <a:bodyPr rtlCol="0" anchor="ctr"/>
+          <a:lstStyle/>
+          <a:p>
+            <a:pPr algn="ctr"/>
+            <a:endParaRPr lang="de-DE"/>
+          </a:p>
+        </p:txBody>
+      </p:sp>
+      <p:sp>
+        <p:nvSpPr>
+          <p:cNvPr id="119" name="Ellipse 118"/>
+          <p:cNvSpPr/>
+          <p:nvPr/>
+        </p:nvSpPr>
+        <p:spPr>
+          <a:xfrm>
+            <a:off x="928662" y="3571876"/>
+            <a:ext cx="142876" cy="142876"/>
+          </a:xfrm>
+          <a:prstGeom prst="ellipse">
+            <a:avLst/>
+          </a:prstGeom>
+          <a:solidFill>
+            <a:schemeClr val="bg1">
+              <a:lumMod val="50000"/>
+            </a:schemeClr>
+          </a:solidFill>
+          <a:ln>
+            <a:noFill/>
+          </a:ln>
+        </p:spPr>
+        <p:style>
+          <a:lnRef idx="2">
+            <a:schemeClr val="accent1">
+              <a:shade val="50000"/>
+            </a:schemeClr>
+          </a:lnRef>
+          <a:fillRef idx="1">
+            <a:schemeClr val="accent1"/>
+          </a:fillRef>
+          <a:effectRef idx="0">
+            <a:schemeClr val="accent1"/>
+          </a:effectRef>
+          <a:fontRef idx="minor">
+            <a:schemeClr val="lt1"/>
+          </a:fontRef>
+        </p:style>
+        <p:txBody>
+          <a:bodyPr rtlCol="0" anchor="ctr"/>
+          <a:lstStyle/>
+          <a:p>
+            <a:pPr algn="ctr"/>
+            <a:endParaRPr lang="de-DE"/>
+          </a:p>
+        </p:txBody>
+      </p:sp>
+      <p:sp>
+        <p:nvSpPr>
+          <p:cNvPr id="120" name="Ellipse 119"/>
+          <p:cNvSpPr/>
+          <p:nvPr/>
+        </p:nvSpPr>
+        <p:spPr>
+          <a:xfrm>
+            <a:off x="1214414" y="3071810"/>
+            <a:ext cx="142876" cy="142876"/>
+          </a:xfrm>
+          <a:prstGeom prst="ellipse">
+            <a:avLst/>
+          </a:prstGeom>
+          <a:solidFill>
+            <a:schemeClr val="bg1">
+              <a:lumMod val="50000"/>
+            </a:schemeClr>
+          </a:solidFill>
+          <a:ln>
+            <a:noFill/>
+          </a:ln>
+        </p:spPr>
+        <p:style>
+          <a:lnRef idx="2">
+            <a:schemeClr val="accent1">
+              <a:shade val="50000"/>
+            </a:schemeClr>
+          </a:lnRef>
+          <a:fillRef idx="1">
+            <a:schemeClr val="accent1"/>
+          </a:fillRef>
+          <a:effectRef idx="0">
+            <a:schemeClr val="accent1"/>
+          </a:effectRef>
+          <a:fontRef idx="minor">
+            <a:schemeClr val="lt1"/>
+          </a:fontRef>
+        </p:style>
+        <p:txBody>
+          <a:bodyPr rtlCol="0" anchor="ctr"/>
+          <a:lstStyle/>
+          <a:p>
+            <a:pPr algn="ctr"/>
+            <a:endParaRPr lang="de-DE"/>
+          </a:p>
+        </p:txBody>
+      </p:sp>
+      <p:sp>
+        <p:nvSpPr>
+          <p:cNvPr id="121" name="Ellipse 120"/>
+          <p:cNvSpPr/>
+          <p:nvPr/>
+        </p:nvSpPr>
+        <p:spPr>
+          <a:xfrm>
+            <a:off x="1214414" y="3357562"/>
+            <a:ext cx="142876" cy="142876"/>
+          </a:xfrm>
+          <a:prstGeom prst="ellipse">
+            <a:avLst/>
+          </a:prstGeom>
+          <a:solidFill>
+            <a:schemeClr val="bg1">
+              <a:lumMod val="50000"/>
+            </a:schemeClr>
+          </a:solidFill>
+          <a:ln>
+            <a:noFill/>
+          </a:ln>
+        </p:spPr>
+        <p:style>
+          <a:lnRef idx="2">
+            <a:schemeClr val="accent1">
+              <a:shade val="50000"/>
+            </a:schemeClr>
+          </a:lnRef>
+          <a:fillRef idx="1">
+            <a:schemeClr val="accent1"/>
+          </a:fillRef>
+          <a:effectRef idx="0">
+            <a:schemeClr val="accent1"/>
+          </a:effectRef>
+          <a:fontRef idx="minor">
+            <a:schemeClr val="lt1"/>
+          </a:fontRef>
+        </p:style>
+        <p:txBody>
+          <a:bodyPr rtlCol="0" anchor="ctr"/>
+          <a:lstStyle/>
+          <a:p>
+            <a:pPr algn="ctr"/>
+            <a:endParaRPr lang="de-DE"/>
+          </a:p>
+        </p:txBody>
+      </p:sp>
+      <p:sp>
+        <p:nvSpPr>
+          <p:cNvPr id="122" name="Ellipse 121"/>
+          <p:cNvSpPr/>
+          <p:nvPr/>
+        </p:nvSpPr>
+        <p:spPr>
+          <a:xfrm>
+            <a:off x="785786" y="5143512"/>
+            <a:ext cx="142876" cy="142876"/>
+          </a:xfrm>
+          <a:prstGeom prst="ellipse">
+            <a:avLst/>
+          </a:prstGeom>
+          <a:solidFill>
+            <a:schemeClr val="bg1">
+              <a:lumMod val="50000"/>
+            </a:schemeClr>
+          </a:solidFill>
+          <a:ln>
+            <a:noFill/>
+          </a:ln>
+        </p:spPr>
+        <p:style>
+          <a:lnRef idx="2">
+            <a:schemeClr val="accent1">
+              <a:shade val="50000"/>
+            </a:schemeClr>
+          </a:lnRef>
+          <a:fillRef idx="1">
+            <a:schemeClr val="accent1"/>
+          </a:fillRef>
+          <a:effectRef idx="0">
+            <a:schemeClr val="accent1"/>
+          </a:effectRef>
+          <a:fontRef idx="minor">
+            <a:schemeClr val="lt1"/>
+          </a:fontRef>
+        </p:style>
+        <p:txBody>
+          <a:bodyPr rtlCol="0" anchor="ctr"/>
+          <a:lstStyle/>
+          <a:p>
+            <a:pPr algn="ctr"/>
+            <a:endParaRPr lang="de-DE"/>
+          </a:p>
+        </p:txBody>
+      </p:sp>
+      <p:sp>
+        <p:nvSpPr>
+          <p:cNvPr id="123" name="Ellipse 122"/>
+          <p:cNvSpPr/>
+          <p:nvPr/>
+        </p:nvSpPr>
+        <p:spPr>
+          <a:xfrm>
+            <a:off x="1214414" y="5572140"/>
+            <a:ext cx="142876" cy="142876"/>
+          </a:xfrm>
+          <a:prstGeom prst="ellipse">
+            <a:avLst/>
+          </a:prstGeom>
+          <a:solidFill>
+            <a:schemeClr val="bg1">
+              <a:lumMod val="50000"/>
+            </a:schemeClr>
+          </a:solidFill>
+          <a:ln>
+            <a:noFill/>
+          </a:ln>
+        </p:spPr>
+        <p:style>
+          <a:lnRef idx="2">
+            <a:schemeClr val="accent1">
+              <a:shade val="50000"/>
+            </a:schemeClr>
+          </a:lnRef>
+          <a:fillRef idx="1">
+            <a:schemeClr val="accent1"/>
+          </a:fillRef>
+          <a:effectRef idx="0">
+            <a:schemeClr val="accent1"/>
+          </a:effectRef>
+          <a:fontRef idx="minor">
+            <a:schemeClr val="lt1"/>
+          </a:fontRef>
+        </p:style>
+        <p:txBody>
+          <a:bodyPr rtlCol="0" anchor="ctr"/>
+          <a:lstStyle/>
+          <a:p>
+            <a:pPr algn="ctr"/>
+            <a:endParaRPr lang="de-DE"/>
+          </a:p>
+        </p:txBody>
+      </p:sp>
+      <p:sp>
+        <p:nvSpPr>
+          <p:cNvPr id="124" name="Ellipse 123"/>
+          <p:cNvSpPr/>
+          <p:nvPr/>
+        </p:nvSpPr>
+        <p:spPr>
+          <a:xfrm>
+            <a:off x="928662" y="5500702"/>
+            <a:ext cx="142876" cy="142876"/>
+          </a:xfrm>
+          <a:prstGeom prst="ellipse">
+            <a:avLst/>
+          </a:prstGeom>
+          <a:solidFill>
+            <a:schemeClr val="bg1">
+              <a:lumMod val="50000"/>
+            </a:schemeClr>
+          </a:solidFill>
+          <a:ln>
+            <a:noFill/>
+          </a:ln>
+        </p:spPr>
+        <p:style>
+          <a:lnRef idx="2">
+            <a:schemeClr val="accent1">
+              <a:shade val="50000"/>
+            </a:schemeClr>
+          </a:lnRef>
+          <a:fillRef idx="1">
+            <a:schemeClr val="accent1"/>
+          </a:fillRef>
+          <a:effectRef idx="0">
+            <a:schemeClr val="accent1"/>
+          </a:effectRef>
+          <a:fontRef idx="minor">
+            <a:schemeClr val="lt1"/>
+          </a:fontRef>
+        </p:style>
+        <p:txBody>
+          <a:bodyPr rtlCol="0" anchor="ctr"/>
+          <a:lstStyle/>
+          <a:p>
+            <a:pPr algn="ctr"/>
+            <a:endParaRPr lang="de-DE"/>
+          </a:p>
+        </p:txBody>
+      </p:sp>
+      <p:sp>
+        <p:nvSpPr>
+          <p:cNvPr id="125" name="Ellipse 124"/>
+          <p:cNvSpPr/>
+          <p:nvPr/>
+        </p:nvSpPr>
+        <p:spPr>
+          <a:xfrm>
+            <a:off x="1214414" y="5000636"/>
+            <a:ext cx="142876" cy="142876"/>
+          </a:xfrm>
+          <a:prstGeom prst="ellipse">
+            <a:avLst/>
+          </a:prstGeom>
+          <a:solidFill>
+            <a:schemeClr val="bg1">
+              <a:lumMod val="50000"/>
+            </a:schemeClr>
+          </a:solidFill>
+          <a:ln>
+            <a:noFill/>
+          </a:ln>
+        </p:spPr>
+        <p:style>
+          <a:lnRef idx="2">
+            <a:schemeClr val="accent1">
+              <a:shade val="50000"/>
+            </a:schemeClr>
+          </a:lnRef>
+          <a:fillRef idx="1">
+            <a:schemeClr val="accent1"/>
+          </a:fillRef>
+          <a:effectRef idx="0">
+            <a:schemeClr val="accent1"/>
+          </a:effectRef>
+          <a:fontRef idx="minor">
+            <a:schemeClr val="lt1"/>
+          </a:fontRef>
+        </p:style>
+        <p:txBody>
+          <a:bodyPr rtlCol="0" anchor="ctr"/>
+          <a:lstStyle/>
+          <a:p>
+            <a:pPr algn="ctr"/>
+            <a:endParaRPr lang="de-DE"/>
+          </a:p>
+        </p:txBody>
+      </p:sp>
+      <p:sp>
+        <p:nvSpPr>
+          <p:cNvPr id="126" name="Ellipse 125"/>
+          <p:cNvSpPr/>
+          <p:nvPr/>
+        </p:nvSpPr>
+        <p:spPr>
+          <a:xfrm>
+            <a:off x="1214414" y="5286388"/>
+            <a:ext cx="142876" cy="142876"/>
+          </a:xfrm>
+          <a:prstGeom prst="ellipse">
+            <a:avLst/>
+          </a:prstGeom>
+          <a:solidFill>
+            <a:schemeClr val="bg1">
+              <a:lumMod val="50000"/>
+            </a:schemeClr>
+          </a:solidFill>
+          <a:ln>
+            <a:noFill/>
+          </a:ln>
+        </p:spPr>
+        <p:style>
+          <a:lnRef idx="2">
+            <a:schemeClr val="accent1">
+              <a:shade val="50000"/>
+            </a:schemeClr>
+          </a:lnRef>
+          <a:fillRef idx="1">
+            <a:schemeClr val="accent1"/>
+          </a:fillRef>
+          <a:effectRef idx="0">
+            <a:schemeClr val="accent1"/>
+          </a:effectRef>
+          <a:fontRef idx="minor">
+            <a:schemeClr val="lt1"/>
+          </a:fontRef>
+        </p:style>
+        <p:txBody>
+          <a:bodyPr rtlCol="0" anchor="ctr"/>
+          <a:lstStyle/>
+          <a:p>
+            <a:pPr algn="ctr"/>
+            <a:endParaRPr lang="de-DE"/>
+          </a:p>
+        </p:txBody>
+      </p:sp>
+      <p:sp>
+        <p:nvSpPr>
+          <p:cNvPr id="127" name="Ellipse 126"/>
+          <p:cNvSpPr/>
+          <p:nvPr/>
+        </p:nvSpPr>
+        <p:spPr>
+          <a:xfrm>
+            <a:off x="785786" y="1285860"/>
+            <a:ext cx="142876" cy="142876"/>
+          </a:xfrm>
+          <a:prstGeom prst="ellipse">
+            <a:avLst/>
+          </a:prstGeom>
+          <a:solidFill>
+            <a:schemeClr val="bg1">
+              <a:lumMod val="50000"/>
+            </a:schemeClr>
+          </a:solidFill>
+          <a:ln>
+            <a:noFill/>
+          </a:ln>
+        </p:spPr>
+        <p:style>
+          <a:lnRef idx="2">
+            <a:schemeClr val="accent1">
+              <a:shade val="50000"/>
+            </a:schemeClr>
+          </a:lnRef>
+          <a:fillRef idx="1">
+            <a:schemeClr val="accent1"/>
+          </a:fillRef>
+          <a:effectRef idx="0">
+            <a:schemeClr val="accent1"/>
+          </a:effectRef>
+          <a:fontRef idx="minor">
+            <a:schemeClr val="lt1"/>
+          </a:fontRef>
+        </p:style>
+        <p:txBody>
+          <a:bodyPr rtlCol="0" anchor="ctr"/>
+          <a:lstStyle/>
+          <a:p>
+            <a:pPr algn="ctr"/>
+            <a:endParaRPr lang="de-DE"/>
+          </a:p>
+        </p:txBody>
+      </p:sp>
+      <p:sp>
+        <p:nvSpPr>
+          <p:cNvPr id="128" name="Ellipse 127"/>
+          <p:cNvSpPr/>
+          <p:nvPr/>
+        </p:nvSpPr>
+        <p:spPr>
+          <a:xfrm>
+            <a:off x="1214414" y="1714488"/>
+            <a:ext cx="142876" cy="142876"/>
+          </a:xfrm>
+          <a:prstGeom prst="ellipse">
+            <a:avLst/>
+          </a:prstGeom>
+          <a:solidFill>
+            <a:schemeClr val="bg1">
+              <a:lumMod val="50000"/>
+            </a:schemeClr>
+          </a:solidFill>
+          <a:ln>
+            <a:noFill/>
+          </a:ln>
+        </p:spPr>
+        <p:style>
+          <a:lnRef idx="2">
+            <a:schemeClr val="accent1">
+              <a:shade val="50000"/>
+            </a:schemeClr>
+          </a:lnRef>
+          <a:fillRef idx="1">
+            <a:schemeClr val="accent1"/>
+          </a:fillRef>
+          <a:effectRef idx="0">
+            <a:schemeClr val="accent1"/>
+          </a:effectRef>
+          <a:fontRef idx="minor">
+            <a:schemeClr val="lt1"/>
+          </a:fontRef>
+        </p:style>
+        <p:txBody>
+          <a:bodyPr rtlCol="0" anchor="ctr"/>
+          <a:lstStyle/>
+          <a:p>
+            <a:pPr algn="ctr"/>
+            <a:endParaRPr lang="de-DE"/>
+          </a:p>
+        </p:txBody>
+      </p:sp>
+      <p:sp>
+        <p:nvSpPr>
+          <p:cNvPr id="129" name="Ellipse 128"/>
+          <p:cNvSpPr/>
+          <p:nvPr/>
+        </p:nvSpPr>
+        <p:spPr>
+          <a:xfrm>
+            <a:off x="928662" y="1643050"/>
+            <a:ext cx="142876" cy="142876"/>
+          </a:xfrm>
+          <a:prstGeom prst="ellipse">
+            <a:avLst/>
+          </a:prstGeom>
+          <a:solidFill>
+            <a:schemeClr val="bg1">
+              <a:lumMod val="50000"/>
+            </a:schemeClr>
+          </a:solidFill>
+          <a:ln>
+            <a:noFill/>
+          </a:ln>
+        </p:spPr>
+        <p:style>
+          <a:lnRef idx="2">
+            <a:schemeClr val="accent1">
+              <a:shade val="50000"/>
+            </a:schemeClr>
+          </a:lnRef>
+          <a:fillRef idx="1">
+            <a:schemeClr val="accent1"/>
+          </a:fillRef>
+          <a:effectRef idx="0">
+            <a:schemeClr val="accent1"/>
+          </a:effectRef>
+          <a:fontRef idx="minor">
+            <a:schemeClr val="lt1"/>
+          </a:fontRef>
+        </p:style>
+        <p:txBody>
+          <a:bodyPr rtlCol="0" anchor="ctr"/>
+          <a:lstStyle/>
+          <a:p>
+            <a:pPr algn="ctr"/>
+            <a:endParaRPr lang="de-DE"/>
+          </a:p>
+        </p:txBody>
+      </p:sp>
+      <p:sp>
+        <p:nvSpPr>
+          <p:cNvPr id="130" name="Ellipse 129"/>
+          <p:cNvSpPr/>
+          <p:nvPr/>
+        </p:nvSpPr>
+        <p:spPr>
+          <a:xfrm>
+            <a:off x="1214414" y="1142984"/>
+            <a:ext cx="142876" cy="142876"/>
+          </a:xfrm>
+          <a:prstGeom prst="ellipse">
+            <a:avLst/>
+          </a:prstGeom>
+          <a:solidFill>
+            <a:schemeClr val="bg1">
+              <a:lumMod val="50000"/>
+            </a:schemeClr>
+          </a:solidFill>
+          <a:ln>
+            <a:noFill/>
+          </a:ln>
+        </p:spPr>
+        <p:style>
+          <a:lnRef idx="2">
+            <a:schemeClr val="accent1">
+              <a:shade val="50000"/>
+            </a:schemeClr>
+          </a:lnRef>
+          <a:fillRef idx="1">
+            <a:schemeClr val="accent1"/>
+          </a:fillRef>
+          <a:effectRef idx="0">
+            <a:schemeClr val="accent1"/>
+          </a:effectRef>
+          <a:fontRef idx="minor">
+            <a:schemeClr val="lt1"/>
+          </a:fontRef>
+        </p:style>
+        <p:txBody>
+          <a:bodyPr rtlCol="0" anchor="ctr"/>
+          <a:lstStyle/>
+          <a:p>
+            <a:pPr algn="ctr"/>
+            <a:endParaRPr lang="de-DE"/>
+          </a:p>
+        </p:txBody>
+      </p:sp>
+      <p:sp>
+        <p:nvSpPr>
+          <p:cNvPr id="131" name="Ellipse 130"/>
+          <p:cNvSpPr/>
+          <p:nvPr/>
+        </p:nvSpPr>
+        <p:spPr>
+          <a:xfrm>
+            <a:off x="1214414" y="1428736"/>
+            <a:ext cx="142876" cy="142876"/>
+          </a:xfrm>
+          <a:prstGeom prst="ellipse">
+            <a:avLst/>
+          </a:prstGeom>
+          <a:solidFill>
+            <a:schemeClr val="bg1">
+              <a:lumMod val="50000"/>
+            </a:schemeClr>
+          </a:solidFill>
+          <a:ln>
+            <a:noFill/>
+          </a:ln>
+        </p:spPr>
+        <p:style>
+          <a:lnRef idx="2">
+            <a:schemeClr val="accent1">
+              <a:shade val="50000"/>
+            </a:schemeClr>
+          </a:lnRef>
+          <a:fillRef idx="1">
+            <a:schemeClr val="accent1"/>
+          </a:fillRef>
+          <a:effectRef idx="0">
+            <a:schemeClr val="accent1"/>
+          </a:effectRef>
+          <a:fontRef idx="minor">
+            <a:schemeClr val="lt1"/>
+          </a:fontRef>
+        </p:style>
+        <p:txBody>
+          <a:bodyPr rtlCol="0" anchor="ctr"/>
+          <a:lstStyle/>
+          <a:p>
+            <a:pPr algn="ctr"/>
+            <a:endParaRPr lang="de-DE"/>
+          </a:p>
+        </p:txBody>
+      </p:sp>
+      <p:sp>
+        <p:nvSpPr>
+          <p:cNvPr id="132" name="Ellipse 131"/>
+          <p:cNvSpPr/>
+          <p:nvPr/>
+        </p:nvSpPr>
+        <p:spPr>
+          <a:xfrm>
+            <a:off x="2643174" y="1285860"/>
+            <a:ext cx="142876" cy="142876"/>
+          </a:xfrm>
+          <a:prstGeom prst="ellipse">
+            <a:avLst/>
+          </a:prstGeom>
+          <a:solidFill>
+            <a:schemeClr val="tx1"/>
+          </a:solidFill>
+          <a:ln>
+            <a:noFill/>
+          </a:ln>
+        </p:spPr>
+        <p:style>
+          <a:lnRef idx="2">
+            <a:schemeClr val="accent1">
+              <a:shade val="50000"/>
+            </a:schemeClr>
+          </a:lnRef>
+          <a:fillRef idx="1">
+            <a:schemeClr val="accent1"/>
+          </a:fillRef>
+          <a:effectRef idx="0">
+            <a:schemeClr val="accent1"/>
+          </a:effectRef>
+          <a:fontRef idx="minor">
+            <a:schemeClr val="lt1"/>
+          </a:fontRef>
+        </p:style>
+        <p:txBody>
+          <a:bodyPr rtlCol="0" anchor="ctr"/>
+          <a:lstStyle/>
+          <a:p>
+            <a:pPr algn="ctr"/>
+            <a:endParaRPr lang="de-DE"/>
+          </a:p>
+        </p:txBody>
+      </p:sp>
+      <p:sp>
+        <p:nvSpPr>
+          <p:cNvPr id="133" name="Ellipse 132"/>
+          <p:cNvSpPr/>
+          <p:nvPr/>
+        </p:nvSpPr>
+        <p:spPr>
+          <a:xfrm>
+            <a:off x="3071802" y="1714488"/>
+            <a:ext cx="142876" cy="142876"/>
+          </a:xfrm>
+          <a:prstGeom prst="ellipse">
+            <a:avLst/>
+          </a:prstGeom>
+          <a:solidFill>
+            <a:schemeClr val="tx1"/>
+          </a:solidFill>
+          <a:ln>
+            <a:noFill/>
+          </a:ln>
+        </p:spPr>
+        <p:style>
+          <a:lnRef idx="2">
+            <a:schemeClr val="accent1">
+              <a:shade val="50000"/>
+            </a:schemeClr>
+          </a:lnRef>
+          <a:fillRef idx="1">
+            <a:schemeClr val="accent1"/>
+          </a:fillRef>
+          <a:effectRef idx="0">
+            <a:schemeClr val="accent1"/>
+          </a:effectRef>
+          <a:fontRef idx="minor">
+            <a:schemeClr val="lt1"/>
+          </a:fontRef>
+        </p:style>
+        <p:txBody>
+          <a:bodyPr rtlCol="0" anchor="ctr"/>
+          <a:lstStyle/>
+          <a:p>
+            <a:pPr algn="ctr"/>
+            <a:endParaRPr lang="de-DE"/>
+          </a:p>
+        </p:txBody>
+      </p:sp>
+      <p:sp>
+        <p:nvSpPr>
+          <p:cNvPr id="134" name="Ellipse 133"/>
+          <p:cNvSpPr/>
+          <p:nvPr/>
+        </p:nvSpPr>
+        <p:spPr>
+          <a:xfrm>
+            <a:off x="2786050" y="1643050"/>
+            <a:ext cx="142876" cy="142876"/>
+          </a:xfrm>
+          <a:prstGeom prst="ellipse">
+            <a:avLst/>
+          </a:prstGeom>
+          <a:solidFill>
+            <a:schemeClr val="tx1"/>
+          </a:solidFill>
+          <a:ln>
+            <a:noFill/>
+          </a:ln>
+        </p:spPr>
+        <p:style>
+          <a:lnRef idx="2">
+            <a:schemeClr val="accent1">
+              <a:shade val="50000"/>
+            </a:schemeClr>
+          </a:lnRef>
+          <a:fillRef idx="1">
+            <a:schemeClr val="accent1"/>
+          </a:fillRef>
+          <a:effectRef idx="0">
+            <a:schemeClr val="accent1"/>
+          </a:effectRef>
+          <a:fontRef idx="minor">
+            <a:schemeClr val="lt1"/>
+          </a:fontRef>
+        </p:style>
+        <p:txBody>
+          <a:bodyPr rtlCol="0" anchor="ctr"/>
+          <a:lstStyle/>
+          <a:p>
+            <a:pPr algn="ctr"/>
+            <a:endParaRPr lang="de-DE"/>
+          </a:p>
+        </p:txBody>
+      </p:sp>
+      <p:sp>
+        <p:nvSpPr>
+          <p:cNvPr id="135" name="Ellipse 134"/>
+          <p:cNvSpPr/>
+          <p:nvPr/>
+        </p:nvSpPr>
+        <p:spPr>
+          <a:xfrm>
+            <a:off x="3071802" y="1142984"/>
+            <a:ext cx="142876" cy="142876"/>
+          </a:xfrm>
+          <a:prstGeom prst="ellipse">
+            <a:avLst/>
+          </a:prstGeom>
+          <a:solidFill>
+            <a:schemeClr val="tx1"/>
+          </a:solidFill>
+          <a:ln>
+            <a:noFill/>
+          </a:ln>
+        </p:spPr>
+        <p:style>
+          <a:lnRef idx="2">
+            <a:schemeClr val="accent1">
+              <a:shade val="50000"/>
+            </a:schemeClr>
+          </a:lnRef>
+          <a:fillRef idx="1">
+            <a:schemeClr val="accent1"/>
+          </a:fillRef>
+          <a:effectRef idx="0">
+            <a:schemeClr val="accent1"/>
+          </a:effectRef>
+          <a:fontRef idx="minor">
+            <a:schemeClr val="lt1"/>
+          </a:fontRef>
+        </p:style>
+        <p:txBody>
+          <a:bodyPr rtlCol="0" anchor="ctr"/>
+          <a:lstStyle/>
+          <a:p>
+            <a:pPr algn="ctr"/>
+            <a:endParaRPr lang="de-DE"/>
+          </a:p>
+        </p:txBody>
+      </p:sp>
+      <p:sp>
+        <p:nvSpPr>
+          <p:cNvPr id="136" name="Ellipse 135"/>
+          <p:cNvSpPr/>
+          <p:nvPr/>
+        </p:nvSpPr>
+        <p:spPr>
+          <a:xfrm>
+            <a:off x="3071802" y="1428736"/>
+            <a:ext cx="142876" cy="142876"/>
+          </a:xfrm>
+          <a:prstGeom prst="ellipse">
+            <a:avLst/>
+          </a:prstGeom>
+          <a:solidFill>
+            <a:schemeClr val="tx1"/>
+          </a:solidFill>
+          <a:ln>
+            <a:noFill/>
+          </a:ln>
+        </p:spPr>
+        <p:style>
+          <a:lnRef idx="2">
+            <a:schemeClr val="accent1">
+              <a:shade val="50000"/>
+            </a:schemeClr>
+          </a:lnRef>
+          <a:fillRef idx="1">
+            <a:schemeClr val="accent1"/>
+          </a:fillRef>
+          <a:effectRef idx="0">
+            <a:schemeClr val="accent1"/>
+          </a:effectRef>
+          <a:fontRef idx="minor">
+            <a:schemeClr val="lt1"/>
+          </a:fontRef>
+        </p:style>
+        <p:txBody>
+          <a:bodyPr rtlCol="0" anchor="ctr"/>
+          <a:lstStyle/>
+          <a:p>
+            <a:pPr algn="ctr"/>
+            <a:endParaRPr lang="de-DE"/>
+          </a:p>
+        </p:txBody>
+      </p:sp>
+      <p:sp>
+        <p:nvSpPr>
+          <p:cNvPr id="137" name="Ellipse 136"/>
+          <p:cNvSpPr/>
+          <p:nvPr/>
+        </p:nvSpPr>
+        <p:spPr>
+          <a:xfrm>
+            <a:off x="4572000" y="1285860"/>
+            <a:ext cx="142876" cy="142876"/>
+          </a:xfrm>
+          <a:prstGeom prst="ellipse">
+            <a:avLst/>
+          </a:prstGeom>
+          <a:solidFill>
+            <a:schemeClr val="tx1">
+              <a:lumMod val="95000"/>
+              <a:lumOff val="5000"/>
+            </a:schemeClr>
+          </a:solidFill>
+          <a:ln>
+            <a:noFill/>
+          </a:ln>
+        </p:spPr>
+        <p:style>
+          <a:lnRef idx="2">
+            <a:schemeClr val="accent1">
+              <a:shade val="50000"/>
+            </a:schemeClr>
+          </a:lnRef>
+          <a:fillRef idx="1">
+            <a:schemeClr val="accent1"/>
+          </a:fillRef>
+          <a:effectRef idx="0">
+            <a:schemeClr val="accent1"/>
+          </a:effectRef>
+          <a:fontRef idx="minor">
+            <a:schemeClr val="lt1"/>
+          </a:fontRef>
+        </p:style>
+        <p:txBody>
+          <a:bodyPr rtlCol="0" anchor="ctr"/>
+          <a:lstStyle/>
+          <a:p>
+            <a:pPr algn="ctr"/>
+            <a:endParaRPr lang="de-DE"/>
+          </a:p>
+        </p:txBody>
+      </p:sp>
+      <p:sp>
+        <p:nvSpPr>
+          <p:cNvPr id="138" name="Ellipse 137"/>
+          <p:cNvSpPr/>
+          <p:nvPr/>
+        </p:nvSpPr>
+        <p:spPr>
+          <a:xfrm>
+            <a:off x="5000628" y="1714488"/>
+            <a:ext cx="142876" cy="142876"/>
+          </a:xfrm>
+          <a:prstGeom prst="ellipse">
+            <a:avLst/>
+          </a:prstGeom>
+          <a:solidFill>
+            <a:schemeClr val="tx1">
+              <a:lumMod val="95000"/>
+              <a:lumOff val="5000"/>
+            </a:schemeClr>
+          </a:solidFill>
+          <a:ln>
+            <a:noFill/>
+          </a:ln>
+        </p:spPr>
+        <p:style>
+          <a:lnRef idx="2">
+            <a:schemeClr val="accent1">
+              <a:shade val="50000"/>
+            </a:schemeClr>
+          </a:lnRef>
+          <a:fillRef idx="1">
+            <a:schemeClr val="accent1"/>
+          </a:fillRef>
+          <a:effectRef idx="0">
+            <a:schemeClr val="accent1"/>
+          </a:effectRef>
+          <a:fontRef idx="minor">
+            <a:schemeClr val="lt1"/>
+          </a:fontRef>
+        </p:style>
+        <p:txBody>
+          <a:bodyPr rtlCol="0" anchor="ctr"/>
+          <a:lstStyle/>
+          <a:p>
+            <a:pPr algn="ctr"/>
+            <a:endParaRPr lang="de-DE"/>
+          </a:p>
+        </p:txBody>
+      </p:sp>
+      <p:sp>
+        <p:nvSpPr>
+          <p:cNvPr id="139" name="Ellipse 138"/>
+          <p:cNvSpPr/>
+          <p:nvPr/>
+        </p:nvSpPr>
+        <p:spPr>
+          <a:xfrm>
+            <a:off x="4714876" y="1643050"/>
+            <a:ext cx="142876" cy="142876"/>
+          </a:xfrm>
+          <a:prstGeom prst="ellipse">
+            <a:avLst/>
+          </a:prstGeom>
+          <a:solidFill>
+            <a:schemeClr val="tx1">
+              <a:lumMod val="95000"/>
+              <a:lumOff val="5000"/>
+            </a:schemeClr>
+          </a:solidFill>
+          <a:ln>
+            <a:noFill/>
+          </a:ln>
+        </p:spPr>
+        <p:style>
+          <a:lnRef idx="2">
+            <a:schemeClr val="accent1">
+              <a:shade val="50000"/>
+            </a:schemeClr>
+          </a:lnRef>
+          <a:fillRef idx="1">
+            <a:schemeClr val="accent1"/>
+          </a:fillRef>
+          <a:effectRef idx="0">
+            <a:schemeClr val="accent1"/>
+          </a:effectRef>
+          <a:fontRef idx="minor">
+            <a:schemeClr val="lt1"/>
+          </a:fontRef>
+        </p:style>
+        <p:txBody>
+          <a:bodyPr rtlCol="0" anchor="ctr"/>
+          <a:lstStyle/>
+          <a:p>
+            <a:pPr algn="ctr"/>
+            <a:endParaRPr lang="de-DE"/>
+          </a:p>
+        </p:txBody>
+      </p:sp>
+      <p:sp>
+        <p:nvSpPr>
+          <p:cNvPr id="140" name="Ellipse 139"/>
+          <p:cNvSpPr/>
+          <p:nvPr/>
+        </p:nvSpPr>
+        <p:spPr>
+          <a:xfrm>
+            <a:off x="5000628" y="1142984"/>
+            <a:ext cx="142876" cy="142876"/>
+          </a:xfrm>
+          <a:prstGeom prst="ellipse">
+            <a:avLst/>
+          </a:prstGeom>
+          <a:solidFill>
+            <a:schemeClr val="tx1">
+              <a:lumMod val="95000"/>
+              <a:lumOff val="5000"/>
+            </a:schemeClr>
+          </a:solidFill>
+          <a:ln>
+            <a:noFill/>
+          </a:ln>
+        </p:spPr>
+        <p:style>
+          <a:lnRef idx="2">
+            <a:schemeClr val="accent1">
+              <a:shade val="50000"/>
+            </a:schemeClr>
+          </a:lnRef>
+          <a:fillRef idx="1">
+            <a:schemeClr val="accent1"/>
+          </a:fillRef>
+          <a:effectRef idx="0">
+            <a:schemeClr val="accent1"/>
+          </a:effectRef>
+          <a:fontRef idx="minor">
+            <a:schemeClr val="lt1"/>
+          </a:fontRef>
+        </p:style>
+        <p:txBody>
+          <a:bodyPr rtlCol="0" anchor="ctr"/>
+          <a:lstStyle/>
+          <a:p>
+            <a:pPr algn="ctr"/>
+            <a:endParaRPr lang="de-DE"/>
+          </a:p>
+        </p:txBody>
+      </p:sp>
+      <p:sp>
+        <p:nvSpPr>
+          <p:cNvPr id="141" name="Ellipse 140"/>
+          <p:cNvSpPr/>
+          <p:nvPr/>
+        </p:nvSpPr>
+        <p:spPr>
+          <a:xfrm>
+            <a:off x="5000628" y="1428736"/>
+            <a:ext cx="142876" cy="142876"/>
+          </a:xfrm>
+          <a:prstGeom prst="ellipse">
+            <a:avLst/>
+          </a:prstGeom>
+          <a:solidFill>
+            <a:schemeClr val="tx1">
+              <a:lumMod val="95000"/>
+              <a:lumOff val="5000"/>
+            </a:schemeClr>
+          </a:solidFill>
+          <a:ln>
+            <a:noFill/>
+          </a:ln>
+        </p:spPr>
+        <p:style>
+          <a:lnRef idx="2">
+            <a:schemeClr val="accent1">
+              <a:shade val="50000"/>
+            </a:schemeClr>
+          </a:lnRef>
+          <a:fillRef idx="1">
+            <a:schemeClr val="accent1"/>
+          </a:fillRef>
+          <a:effectRef idx="0">
+            <a:schemeClr val="accent1"/>
+          </a:effectRef>
+          <a:fontRef idx="minor">
+            <a:schemeClr val="lt1"/>
+          </a:fontRef>
+        </p:style>
+        <p:txBody>
+          <a:bodyPr rtlCol="0" anchor="ctr"/>
+          <a:lstStyle/>
+          <a:p>
+            <a:pPr algn="ctr"/>
+            <a:endParaRPr lang="de-DE"/>
+          </a:p>
+        </p:txBody>
+      </p:sp>
+      <p:sp>
+        <p:nvSpPr>
+          <p:cNvPr id="142" name="Textfeld 141"/>
+          <p:cNvSpPr txBox="1"/>
+          <p:nvPr/>
+        </p:nvSpPr>
+        <p:spPr>
+          <a:xfrm>
+            <a:off x="142844" y="500042"/>
+            <a:ext cx="688009" cy="369332"/>
+          </a:xfrm>
+          <a:prstGeom prst="rect">
+            <a:avLst/>
+          </a:prstGeom>
+          <a:noFill/>
+        </p:spPr>
+        <p:txBody>
+          <a:bodyPr wrap="none" rtlCol="0">
+            <a:spAutoFit/>
+          </a:bodyPr>
+          <a:lstStyle/>
+          <a:p>
+            <a:r>
+              <a:rPr lang="de-DE" dirty="0" smtClean="0">
+                <a:solidFill>
+                  <a:schemeClr val="bg1">
+                    <a:lumMod val="50000"/>
+                  </a:schemeClr>
+                </a:solidFill>
+              </a:rPr>
+              <a:t>(-1,1)</a:t>
+            </a:r>
+            <a:endParaRPr lang="de-DE" dirty="0">
+              <a:solidFill>
+                <a:schemeClr val="bg1">
+                  <a:lumMod val="50000"/>
+                </a:schemeClr>
+              </a:solidFill>
+            </a:endParaRPr>
+          </a:p>
+        </p:txBody>
+      </p:sp>
+      <p:sp>
+        <p:nvSpPr>
+          <p:cNvPr id="151" name="Textfeld 150"/>
+          <p:cNvSpPr txBox="1"/>
+          <p:nvPr/>
+        </p:nvSpPr>
+        <p:spPr>
+          <a:xfrm>
+            <a:off x="2071670" y="500042"/>
+            <a:ext cx="617477" cy="369332"/>
+          </a:xfrm>
+          <a:prstGeom prst="rect">
+            <a:avLst/>
+          </a:prstGeom>
+          <a:noFill/>
+        </p:spPr>
+        <p:txBody>
+          <a:bodyPr wrap="none" rtlCol="0">
+            <a:spAutoFit/>
+          </a:bodyPr>
+          <a:lstStyle/>
+          <a:p>
+            <a:r>
+              <a:rPr lang="de-DE" dirty="0" smtClean="0"/>
+              <a:t>(0,1)</a:t>
+            </a:r>
+            <a:endParaRPr lang="de-DE" dirty="0"/>
+          </a:p>
+        </p:txBody>
+      </p:sp>
+      <p:sp>
+        <p:nvSpPr>
+          <p:cNvPr id="152" name="Textfeld 151"/>
+          <p:cNvSpPr txBox="1"/>
+          <p:nvPr/>
+        </p:nvSpPr>
+        <p:spPr>
+          <a:xfrm>
+            <a:off x="4000496" y="500042"/>
+            <a:ext cx="617477" cy="369332"/>
+          </a:xfrm>
+          <a:prstGeom prst="rect">
+            <a:avLst/>
+          </a:prstGeom>
+          <a:noFill/>
+        </p:spPr>
+        <p:txBody>
+          <a:bodyPr wrap="none" rtlCol="0">
+            <a:spAutoFit/>
+          </a:bodyPr>
+          <a:lstStyle/>
+          <a:p>
+            <a:r>
+              <a:rPr lang="de-DE" dirty="0" smtClean="0"/>
+              <a:t>(1,1)</a:t>
+            </a:r>
+            <a:endParaRPr lang="de-DE" dirty="0"/>
+          </a:p>
+        </p:txBody>
+      </p:sp>
+      <p:sp>
+        <p:nvSpPr>
+          <p:cNvPr id="153" name="Textfeld 152"/>
+          <p:cNvSpPr txBox="1"/>
+          <p:nvPr/>
+        </p:nvSpPr>
+        <p:spPr>
+          <a:xfrm>
+            <a:off x="4000496" y="2428868"/>
+            <a:ext cx="617477" cy="369332"/>
+          </a:xfrm>
+          <a:prstGeom prst="rect">
+            <a:avLst/>
+          </a:prstGeom>
+          <a:noFill/>
+        </p:spPr>
+        <p:txBody>
+          <a:bodyPr wrap="none" rtlCol="0">
+            <a:spAutoFit/>
+          </a:bodyPr>
+          <a:lstStyle/>
+          <a:p>
+            <a:r>
+              <a:rPr lang="de-DE" dirty="0" smtClean="0"/>
+              <a:t>(1,0)</a:t>
+            </a:r>
+            <a:endParaRPr lang="de-DE" dirty="0"/>
+          </a:p>
+        </p:txBody>
+      </p:sp>
+      <p:sp>
+        <p:nvSpPr>
+          <p:cNvPr id="154" name="Textfeld 153"/>
+          <p:cNvSpPr txBox="1"/>
+          <p:nvPr/>
+        </p:nvSpPr>
+        <p:spPr>
+          <a:xfrm>
+            <a:off x="4357686" y="4357694"/>
+            <a:ext cx="688009" cy="369332"/>
+          </a:xfrm>
+          <a:prstGeom prst="rect">
+            <a:avLst/>
+          </a:prstGeom>
+          <a:noFill/>
+        </p:spPr>
+        <p:txBody>
+          <a:bodyPr wrap="none" rtlCol="0">
+            <a:spAutoFit/>
+          </a:bodyPr>
+          <a:lstStyle/>
+          <a:p>
+            <a:r>
+              <a:rPr lang="de-DE" dirty="0" smtClean="0"/>
+              <a:t>(1,-1)</a:t>
+            </a:r>
+            <a:endParaRPr lang="de-DE" dirty="0"/>
+          </a:p>
+        </p:txBody>
+      </p:sp>
+      <p:sp>
+        <p:nvSpPr>
+          <p:cNvPr id="155" name="Textfeld 154"/>
+          <p:cNvSpPr txBox="1"/>
+          <p:nvPr/>
+        </p:nvSpPr>
+        <p:spPr>
+          <a:xfrm>
+            <a:off x="2071670" y="4357694"/>
+            <a:ext cx="688009" cy="369332"/>
+          </a:xfrm>
+          <a:prstGeom prst="rect">
+            <a:avLst/>
+          </a:prstGeom>
+          <a:noFill/>
+        </p:spPr>
+        <p:txBody>
+          <a:bodyPr wrap="none" rtlCol="0">
+            <a:spAutoFit/>
+          </a:bodyPr>
+          <a:lstStyle/>
+          <a:p>
+            <a:r>
+              <a:rPr lang="de-DE" dirty="0" smtClean="0">
+                <a:solidFill>
+                  <a:schemeClr val="bg1">
+                    <a:lumMod val="50000"/>
+                  </a:schemeClr>
+                </a:solidFill>
+              </a:rPr>
+              <a:t>(0,-1)</a:t>
+            </a:r>
+            <a:endParaRPr lang="de-DE" dirty="0">
+              <a:solidFill>
+                <a:schemeClr val="bg1">
+                  <a:lumMod val="50000"/>
+                </a:schemeClr>
+              </a:solidFill>
+            </a:endParaRPr>
+          </a:p>
+        </p:txBody>
+      </p:sp>
+      <p:sp>
+        <p:nvSpPr>
+          <p:cNvPr id="156" name="Textfeld 155"/>
+          <p:cNvSpPr txBox="1"/>
+          <p:nvPr/>
+        </p:nvSpPr>
+        <p:spPr>
+          <a:xfrm>
+            <a:off x="142844" y="4357694"/>
+            <a:ext cx="758541" cy="369332"/>
+          </a:xfrm>
+          <a:prstGeom prst="rect">
+            <a:avLst/>
+          </a:prstGeom>
+          <a:noFill/>
+        </p:spPr>
+        <p:txBody>
+          <a:bodyPr wrap="none" rtlCol="0">
+            <a:spAutoFit/>
+          </a:bodyPr>
+          <a:lstStyle/>
+          <a:p>
+            <a:r>
+              <a:rPr lang="de-DE" dirty="0" smtClean="0">
+                <a:solidFill>
+                  <a:schemeClr val="bg1">
+                    <a:lumMod val="50000"/>
+                  </a:schemeClr>
+                </a:solidFill>
+              </a:rPr>
+              <a:t>(-1,-1)</a:t>
+            </a:r>
+            <a:endParaRPr lang="de-DE" dirty="0">
+              <a:solidFill>
+                <a:schemeClr val="bg1">
+                  <a:lumMod val="50000"/>
+                </a:schemeClr>
+              </a:solidFill>
+            </a:endParaRPr>
+          </a:p>
+        </p:txBody>
+      </p:sp>
+      <p:sp>
+        <p:nvSpPr>
+          <p:cNvPr id="157" name="Textfeld 156"/>
+          <p:cNvSpPr txBox="1"/>
+          <p:nvPr/>
+        </p:nvSpPr>
+        <p:spPr>
+          <a:xfrm>
+            <a:off x="142844" y="2428868"/>
+            <a:ext cx="688009" cy="369332"/>
+          </a:xfrm>
+          <a:prstGeom prst="rect">
+            <a:avLst/>
+          </a:prstGeom>
+          <a:noFill/>
+        </p:spPr>
+        <p:txBody>
+          <a:bodyPr wrap="none" rtlCol="0">
+            <a:spAutoFit/>
+          </a:bodyPr>
+          <a:lstStyle/>
+          <a:p>
+            <a:r>
+              <a:rPr lang="de-DE" dirty="0" smtClean="0">
+                <a:solidFill>
+                  <a:schemeClr val="bg1">
+                    <a:lumMod val="50000"/>
+                  </a:schemeClr>
+                </a:solidFill>
+              </a:rPr>
+              <a:t>(-1,0)</a:t>
+            </a:r>
+            <a:endParaRPr lang="de-DE" dirty="0">
+              <a:solidFill>
+                <a:schemeClr val="bg1">
+                  <a:lumMod val="50000"/>
+                </a:schemeClr>
+              </a:solidFill>
+            </a:endParaRPr>
+          </a:p>
+        </p:txBody>
+      </p:sp>
+      <p:sp>
+        <p:nvSpPr>
+          <p:cNvPr id="158" name="Textfeld 157"/>
+          <p:cNvSpPr txBox="1"/>
+          <p:nvPr/>
+        </p:nvSpPr>
+        <p:spPr>
+          <a:xfrm>
+            <a:off x="2357422" y="2786058"/>
+            <a:ext cx="617477" cy="369332"/>
+          </a:xfrm>
+          <a:prstGeom prst="rect">
+            <a:avLst/>
+          </a:prstGeom>
+          <a:noFill/>
+        </p:spPr>
+        <p:txBody>
+          <a:bodyPr wrap="none" rtlCol="0">
+            <a:spAutoFit/>
+          </a:bodyPr>
+          <a:lstStyle/>
+          <a:p>
+            <a:r>
+              <a:rPr lang="de-DE" b="1" dirty="0" smtClean="0"/>
+              <a:t>(0,0)</a:t>
+            </a:r>
+            <a:endParaRPr lang="de-DE" b="1" dirty="0"/>
+          </a:p>
+        </p:txBody>
+      </p:sp>
+      <p:sp>
+        <p:nvSpPr>
+          <p:cNvPr id="159" name="Textfeld 158"/>
+          <p:cNvSpPr txBox="1"/>
+          <p:nvPr/>
+        </p:nvSpPr>
+        <p:spPr>
+          <a:xfrm>
+            <a:off x="6143636" y="2143116"/>
+            <a:ext cx="758541" cy="2585323"/>
+          </a:xfrm>
+          <a:prstGeom prst="rect">
+            <a:avLst/>
+          </a:prstGeom>
+          <a:noFill/>
+        </p:spPr>
+        <p:txBody>
+          <a:bodyPr wrap="none" rtlCol="0">
+            <a:spAutoFit/>
+          </a:bodyPr>
+          <a:lstStyle/>
+          <a:p>
+            <a:r>
+              <a:rPr lang="de-DE" dirty="0" smtClean="0">
+                <a:solidFill>
+                  <a:schemeClr val="bg1">
+                    <a:lumMod val="50000"/>
+                  </a:schemeClr>
+                </a:solidFill>
+              </a:rPr>
+              <a:t>(-1,-1)</a:t>
+            </a:r>
+          </a:p>
+          <a:p>
+            <a:r>
+              <a:rPr lang="de-DE" dirty="0" smtClean="0">
+                <a:solidFill>
+                  <a:schemeClr val="bg1">
+                    <a:lumMod val="50000"/>
+                  </a:schemeClr>
+                </a:solidFill>
+              </a:rPr>
+              <a:t>(-1, 0)</a:t>
+            </a:r>
+          </a:p>
+          <a:p>
+            <a:r>
+              <a:rPr lang="de-DE" dirty="0" smtClean="0">
+                <a:solidFill>
+                  <a:schemeClr val="bg1">
+                    <a:lumMod val="50000"/>
+                  </a:schemeClr>
+                </a:solidFill>
+              </a:rPr>
+              <a:t>(-1, 1)</a:t>
+            </a:r>
+          </a:p>
+          <a:p>
+            <a:r>
+              <a:rPr lang="de-DE" dirty="0" smtClean="0">
+                <a:solidFill>
+                  <a:schemeClr val="bg1">
+                    <a:lumMod val="50000"/>
+                  </a:schemeClr>
+                </a:solidFill>
+              </a:rPr>
+              <a:t>( 0,-1)</a:t>
+            </a:r>
+          </a:p>
+          <a:p>
+            <a:r>
+              <a:rPr lang="de-DE" b="1" dirty="0" smtClean="0"/>
+              <a:t>( 0, 0)</a:t>
+            </a:r>
+          </a:p>
+          <a:p>
+            <a:r>
+              <a:rPr lang="de-DE" dirty="0" smtClean="0"/>
+              <a:t>( 0, 1)</a:t>
+            </a:r>
+          </a:p>
+          <a:p>
+            <a:r>
+              <a:rPr lang="de-DE" dirty="0" smtClean="0"/>
+              <a:t>( 1,-1)</a:t>
+            </a:r>
+          </a:p>
+          <a:p>
+            <a:r>
+              <a:rPr lang="de-DE" dirty="0" smtClean="0"/>
+              <a:t>( 1, 0)</a:t>
+            </a:r>
+          </a:p>
+          <a:p>
+            <a:r>
+              <a:rPr lang="de-DE" dirty="0" smtClean="0"/>
+              <a:t>( 1, 1)</a:t>
+            </a:r>
+            <a:endParaRPr lang="de-DE" dirty="0"/>
+          </a:p>
+        </p:txBody>
+      </p:sp>
+      <p:sp>
+        <p:nvSpPr>
+          <p:cNvPr id="11" name="Rechteck 10"/>
+          <p:cNvSpPr/>
+          <p:nvPr/>
+        </p:nvSpPr>
+        <p:spPr>
+          <a:xfrm>
+            <a:off x="2071670" y="2428868"/>
+            <a:ext cx="1928826" cy="1928826"/>
+          </a:xfrm>
+          <a:prstGeom prst="rect">
+            <a:avLst/>
+          </a:prstGeom>
+          <a:noFill/>
+          <a:ln w="76200">
+            <a:solidFill>
+              <a:schemeClr val="tx1"/>
+            </a:solidFill>
+          </a:ln>
+        </p:spPr>
+        <p:style>
+          <a:lnRef idx="2">
+            <a:schemeClr val="accent1">
+              <a:shade val="50000"/>
+            </a:schemeClr>
+          </a:lnRef>
+          <a:fillRef idx="1">
+            <a:schemeClr val="accent1"/>
+          </a:fillRef>
+          <a:effectRef idx="0">
+            <a:schemeClr val="accent1"/>
+          </a:effectRef>
+          <a:fontRef idx="minor">
+            <a:schemeClr val="lt1"/>
+          </a:fontRef>
+        </p:style>
+        <p:txBody>
+          <a:bodyPr rtlCol="0" anchor="ctr"/>
+          <a:lstStyle/>
+          <a:p>
+            <a:pPr algn="ctr"/>
+            <a:endParaRPr lang="de-DE"/>
+          </a:p>
+        </p:txBody>
+      </p:sp>
+      <p:sp>
+        <p:nvSpPr>
+          <p:cNvPr id="80" name="Pfeil nach oben und unten 79"/>
+          <p:cNvSpPr/>
+          <p:nvPr/>
+        </p:nvSpPr>
+        <p:spPr>
+          <a:xfrm>
+            <a:off x="2857488" y="3857628"/>
+            <a:ext cx="428628" cy="1000132"/>
+          </a:xfrm>
+          <a:prstGeom prst="upDownArrow">
+            <a:avLst/>
+          </a:prstGeom>
+          <a:solidFill>
+            <a:schemeClr val="bg1"/>
+          </a:solidFill>
+          <a:ln>
+            <a:solidFill>
+              <a:schemeClr val="bg1">
+                <a:lumMod val="50000"/>
+              </a:schemeClr>
+            </a:solidFill>
+          </a:ln>
+        </p:spPr>
+        <p:style>
+          <a:lnRef idx="2">
+            <a:schemeClr val="accent1">
+              <a:shade val="50000"/>
+            </a:schemeClr>
+          </a:lnRef>
+          <a:fillRef idx="1">
+            <a:schemeClr val="accent1"/>
+          </a:fillRef>
+          <a:effectRef idx="0">
+            <a:schemeClr val="accent1"/>
+          </a:effectRef>
+          <a:fontRef idx="minor">
+            <a:schemeClr val="lt1"/>
+          </a:fontRef>
+        </p:style>
+        <p:txBody>
+          <a:bodyPr rtlCol="0" anchor="ctr"/>
+          <a:lstStyle/>
+          <a:p>
+            <a:pPr algn="ctr"/>
+            <a:endParaRPr lang="de-DE"/>
+          </a:p>
+        </p:txBody>
+      </p:sp>
+      <p:sp>
+        <p:nvSpPr>
+          <p:cNvPr id="82" name="Pfeil nach oben und unten 81"/>
+          <p:cNvSpPr/>
+          <p:nvPr/>
+        </p:nvSpPr>
+        <p:spPr>
+          <a:xfrm rot="2700000">
+            <a:off x="1857356" y="3857628"/>
+            <a:ext cx="428628" cy="1000132"/>
+          </a:xfrm>
+          <a:prstGeom prst="upDownArrow">
+            <a:avLst/>
+          </a:prstGeom>
+          <a:solidFill>
+            <a:schemeClr val="bg1"/>
+          </a:solidFill>
+          <a:ln>
+            <a:solidFill>
+              <a:schemeClr val="bg1">
+                <a:lumMod val="50000"/>
+              </a:schemeClr>
+            </a:solidFill>
+          </a:ln>
+        </p:spPr>
+        <p:style>
+          <a:lnRef idx="2">
+            <a:schemeClr val="accent1">
+              <a:shade val="50000"/>
+            </a:schemeClr>
+          </a:lnRef>
+          <a:fillRef idx="1">
+            <a:schemeClr val="accent1"/>
+          </a:fillRef>
+          <a:effectRef idx="0">
+            <a:schemeClr val="accent1"/>
+          </a:effectRef>
+          <a:fontRef idx="minor">
+            <a:schemeClr val="lt1"/>
+          </a:fontRef>
+        </p:style>
+        <p:txBody>
+          <a:bodyPr rtlCol="0" anchor="ctr"/>
+          <a:lstStyle/>
+          <a:p>
+            <a:pPr algn="ctr"/>
+            <a:endParaRPr lang="de-DE"/>
+          </a:p>
+        </p:txBody>
+      </p:sp>
+      <p:sp>
+        <p:nvSpPr>
+          <p:cNvPr id="83" name="Pfeil nach oben und unten 82"/>
+          <p:cNvSpPr/>
+          <p:nvPr/>
+        </p:nvSpPr>
+        <p:spPr>
+          <a:xfrm rot="18900000">
+            <a:off x="3786182" y="3857628"/>
+            <a:ext cx="428628" cy="1000132"/>
+          </a:xfrm>
+          <a:prstGeom prst="upDownArrow">
+            <a:avLst/>
+          </a:prstGeom>
+          <a:solidFill>
+            <a:schemeClr val="bg1"/>
+          </a:solidFill>
+          <a:ln>
+            <a:solidFill>
+              <a:schemeClr val="tx1"/>
+            </a:solidFill>
+          </a:ln>
+        </p:spPr>
+        <p:style>
+          <a:lnRef idx="2">
+            <a:schemeClr val="accent1">
+              <a:shade val="50000"/>
+            </a:schemeClr>
+          </a:lnRef>
+          <a:fillRef idx="1">
+            <a:schemeClr val="accent1"/>
+          </a:fillRef>
+          <a:effectRef idx="0">
+            <a:schemeClr val="accent1"/>
+          </a:effectRef>
+          <a:fontRef idx="minor">
+            <a:schemeClr val="lt1"/>
+          </a:fontRef>
+        </p:style>
+        <p:txBody>
+          <a:bodyPr rtlCol="0" anchor="ctr"/>
+          <a:lstStyle/>
+          <a:p>
+            <a:pPr algn="ctr"/>
+            <a:endParaRPr lang="de-DE"/>
+          </a:p>
+        </p:txBody>
+      </p:sp>
+      <p:sp>
+        <p:nvSpPr>
+          <p:cNvPr id="87" name="Pfeil nach oben und unten 86"/>
+          <p:cNvSpPr/>
+          <p:nvPr/>
+        </p:nvSpPr>
+        <p:spPr>
+          <a:xfrm rot="5400000">
+            <a:off x="3786182" y="2928934"/>
+            <a:ext cx="428628" cy="1000132"/>
+          </a:xfrm>
+          <a:prstGeom prst="upDownArrow">
+            <a:avLst/>
+          </a:prstGeom>
+          <a:solidFill>
+            <a:schemeClr val="bg1"/>
+          </a:solidFill>
+          <a:ln>
+            <a:solidFill>
+              <a:schemeClr val="tx1"/>
+            </a:solidFill>
+          </a:ln>
+        </p:spPr>
+        <p:style>
+          <a:lnRef idx="2">
+            <a:schemeClr val="accent1">
+              <a:shade val="50000"/>
+            </a:schemeClr>
+          </a:lnRef>
+          <a:fillRef idx="1">
+            <a:schemeClr val="accent1"/>
+          </a:fillRef>
+          <a:effectRef idx="0">
+            <a:schemeClr val="accent1"/>
+          </a:effectRef>
+          <a:fontRef idx="minor">
+            <a:schemeClr val="lt1"/>
+          </a:fontRef>
+        </p:style>
+        <p:txBody>
+          <a:bodyPr rtlCol="0" anchor="ctr"/>
+          <a:lstStyle/>
+          <a:p>
+            <a:pPr algn="ctr"/>
+            <a:endParaRPr lang="de-DE"/>
+          </a:p>
+        </p:txBody>
+      </p:sp>
+      <p:sp>
+        <p:nvSpPr>
+          <p:cNvPr id="90" name="Pfeil nach oben und unten 89"/>
+          <p:cNvSpPr/>
+          <p:nvPr/>
+        </p:nvSpPr>
+        <p:spPr>
+          <a:xfrm rot="2700000">
+            <a:off x="3791259" y="1933879"/>
+            <a:ext cx="428628" cy="1000132"/>
+          </a:xfrm>
+          <a:prstGeom prst="upDownArrow">
+            <a:avLst/>
+          </a:prstGeom>
+          <a:solidFill>
+            <a:schemeClr val="bg1"/>
+          </a:solidFill>
+          <a:ln>
+            <a:solidFill>
+              <a:schemeClr val="tx1"/>
+            </a:solidFill>
+          </a:ln>
+        </p:spPr>
+        <p:style>
+          <a:lnRef idx="2">
+            <a:schemeClr val="accent1">
+              <a:shade val="50000"/>
+            </a:schemeClr>
+          </a:lnRef>
+          <a:fillRef idx="1">
+            <a:schemeClr val="accent1"/>
+          </a:fillRef>
+          <a:effectRef idx="0">
+            <a:schemeClr val="accent1"/>
+          </a:effectRef>
+          <a:fontRef idx="minor">
+            <a:schemeClr val="lt1"/>
+          </a:fontRef>
+        </p:style>
+        <p:txBody>
+          <a:bodyPr rtlCol="0" anchor="ctr"/>
+          <a:lstStyle/>
+          <a:p>
+            <a:pPr algn="ctr"/>
+            <a:endParaRPr lang="de-DE"/>
+          </a:p>
+        </p:txBody>
+      </p:sp>
+      <p:sp>
+        <p:nvSpPr>
+          <p:cNvPr id="92" name="Pfeil nach oben und unten 91"/>
+          <p:cNvSpPr/>
+          <p:nvPr/>
+        </p:nvSpPr>
+        <p:spPr>
+          <a:xfrm>
+            <a:off x="2857488" y="1928802"/>
+            <a:ext cx="428628" cy="1000132"/>
+          </a:xfrm>
+          <a:prstGeom prst="upDownArrow">
+            <a:avLst/>
+          </a:prstGeom>
+          <a:solidFill>
+            <a:schemeClr val="bg1"/>
+          </a:solidFill>
+          <a:ln>
+            <a:solidFill>
+              <a:schemeClr val="tx1"/>
+            </a:solidFill>
+          </a:ln>
+        </p:spPr>
+        <p:style>
+          <a:lnRef idx="2">
+            <a:schemeClr val="accent1">
+              <a:shade val="50000"/>
+            </a:schemeClr>
+          </a:lnRef>
+          <a:fillRef idx="1">
+            <a:schemeClr val="accent1"/>
+          </a:fillRef>
+          <a:effectRef idx="0">
+            <a:schemeClr val="accent1"/>
+          </a:effectRef>
+          <a:fontRef idx="minor">
+            <a:schemeClr val="lt1"/>
+          </a:fontRef>
+        </p:style>
+        <p:txBody>
+          <a:bodyPr rtlCol="0" anchor="ctr"/>
+          <a:lstStyle/>
+          <a:p>
+            <a:pPr algn="ctr"/>
+            <a:endParaRPr lang="de-DE"/>
+          </a:p>
+        </p:txBody>
+      </p:sp>
+      <p:sp>
+        <p:nvSpPr>
+          <p:cNvPr id="93" name="Pfeil nach oben und unten 92"/>
+          <p:cNvSpPr/>
+          <p:nvPr/>
+        </p:nvSpPr>
+        <p:spPr>
+          <a:xfrm rot="5400000">
+            <a:off x="1785918" y="2928934"/>
+            <a:ext cx="428628" cy="1000132"/>
+          </a:xfrm>
+          <a:prstGeom prst="upDownArrow">
+            <a:avLst/>
+          </a:prstGeom>
+          <a:solidFill>
+            <a:schemeClr val="bg1"/>
+          </a:solidFill>
+          <a:ln>
+            <a:solidFill>
+              <a:schemeClr val="bg1">
+                <a:lumMod val="50000"/>
+              </a:schemeClr>
+            </a:solidFill>
+          </a:ln>
+        </p:spPr>
+        <p:style>
+          <a:lnRef idx="2">
+            <a:schemeClr val="accent1">
+              <a:shade val="50000"/>
+            </a:schemeClr>
+          </a:lnRef>
+          <a:fillRef idx="1">
+            <a:schemeClr val="accent1"/>
+          </a:fillRef>
+          <a:effectRef idx="0">
+            <a:schemeClr val="accent1"/>
+          </a:effectRef>
+          <a:fontRef idx="minor">
+            <a:schemeClr val="lt1"/>
+          </a:fontRef>
+        </p:style>
+        <p:txBody>
+          <a:bodyPr rtlCol="0" anchor="ctr"/>
+          <a:lstStyle/>
+          <a:p>
+            <a:pPr algn="ctr"/>
+            <a:endParaRPr lang="de-DE"/>
+          </a:p>
+        </p:txBody>
+      </p:sp>
+      <p:sp>
+        <p:nvSpPr>
+          <p:cNvPr id="94" name="Pfeil nach oben und unten 93"/>
+          <p:cNvSpPr/>
+          <p:nvPr/>
+        </p:nvSpPr>
+        <p:spPr>
+          <a:xfrm rot="18900000">
+            <a:off x="1862432" y="1933879"/>
+            <a:ext cx="428628" cy="1000132"/>
+          </a:xfrm>
+          <a:prstGeom prst="upDownArrow">
+            <a:avLst/>
+          </a:prstGeom>
+          <a:solidFill>
+            <a:schemeClr val="bg1"/>
+          </a:solidFill>
+          <a:ln>
+            <a:solidFill>
+              <a:schemeClr val="bg1">
+                <a:lumMod val="50000"/>
+              </a:schemeClr>
+            </a:solidFill>
+          </a:ln>
+        </p:spPr>
+        <p:style>
+          <a:lnRef idx="2">
+            <a:schemeClr val="accent1">
+              <a:shade val="50000"/>
+            </a:schemeClr>
+          </a:lnRef>
+          <a:fillRef idx="1">
+            <a:schemeClr val="accent1"/>
+          </a:fillRef>
+          <a:effectRef idx="0">
+            <a:schemeClr val="accent1"/>
+          </a:effectRef>
+          <a:fontRef idx="minor">
+            <a:schemeClr val="lt1"/>
+          </a:fontRef>
+        </p:style>
+        <p:txBody>
+          <a:bodyPr rtlCol="0" anchor="ctr"/>
+          <a:lstStyle/>
+          <a:p>
+            <a:pPr algn="ctr"/>
+            <a:endParaRPr lang="de-DE"/>
+          </a:p>
+        </p:txBody>
+      </p:sp>
+      <p:cxnSp>
+        <p:nvCxnSpPr>
+          <p:cNvPr id="161" name="Gerade Verbindung mit Pfeil 160"/>
+          <p:cNvCxnSpPr/>
+          <p:nvPr/>
+        </p:nvCxnSpPr>
+        <p:spPr>
+          <a:xfrm>
+            <a:off x="6286512" y="1071546"/>
+            <a:ext cx="571504" cy="1588"/>
+          </a:xfrm>
+          <a:prstGeom prst="straightConnector1">
+            <a:avLst/>
+          </a:prstGeom>
+          <a:ln>
+            <a:solidFill>
+              <a:schemeClr val="tx1"/>
+            </a:solidFill>
+            <a:tailEnd type="arrow"/>
+          </a:ln>
+        </p:spPr>
+        <p:style>
+          <a:lnRef idx="1">
+            <a:schemeClr val="accent1"/>
+          </a:lnRef>
+          <a:fillRef idx="0">
+            <a:schemeClr val="accent1"/>
+          </a:fillRef>
+          <a:effectRef idx="0">
+            <a:schemeClr val="accent1"/>
+          </a:effectRef>
+          <a:fontRef idx="minor">
+            <a:schemeClr val="tx1"/>
+          </a:fontRef>
+        </p:style>
+      </p:cxnSp>
+      <p:cxnSp>
+        <p:nvCxnSpPr>
+          <p:cNvPr id="164" name="Gerade Verbindung mit Pfeil 163"/>
+          <p:cNvCxnSpPr/>
+          <p:nvPr/>
+        </p:nvCxnSpPr>
+        <p:spPr>
+          <a:xfrm rot="5400000" flipH="1" flipV="1">
+            <a:off x="6000760" y="785794"/>
+            <a:ext cx="571504" cy="1588"/>
+          </a:xfrm>
+          <a:prstGeom prst="straightConnector1">
+            <a:avLst/>
+          </a:prstGeom>
+          <a:ln>
+            <a:solidFill>
+              <a:schemeClr val="tx1"/>
+            </a:solidFill>
+            <a:tailEnd type="arrow"/>
+          </a:ln>
+        </p:spPr>
+        <p:style>
+          <a:lnRef idx="1">
+            <a:schemeClr val="accent1"/>
+          </a:lnRef>
+          <a:fillRef idx="0">
+            <a:schemeClr val="accent1"/>
+          </a:fillRef>
+          <a:effectRef idx="0">
+            <a:schemeClr val="accent1"/>
+          </a:effectRef>
+          <a:fontRef idx="minor">
+            <a:schemeClr val="tx1"/>
+          </a:fontRef>
+        </p:style>
+      </p:cxnSp>
+      <p:sp>
+        <p:nvSpPr>
+          <p:cNvPr id="169" name="Textfeld 168"/>
+          <p:cNvSpPr txBox="1"/>
+          <p:nvPr/>
+        </p:nvSpPr>
+        <p:spPr>
+          <a:xfrm>
+            <a:off x="6572264" y="1000108"/>
+            <a:ext cx="284052" cy="369332"/>
+          </a:xfrm>
+          <a:prstGeom prst="rect">
+            <a:avLst/>
+          </a:prstGeom>
+          <a:noFill/>
+        </p:spPr>
+        <p:txBody>
+          <a:bodyPr wrap="none" rtlCol="0">
+            <a:spAutoFit/>
+          </a:bodyPr>
+          <a:lstStyle/>
+          <a:p>
+            <a:r>
+              <a:rPr lang="de-DE" dirty="0" smtClean="0"/>
+              <a:t>x</a:t>
+            </a:r>
+            <a:endParaRPr lang="de-DE" dirty="0"/>
+          </a:p>
+        </p:txBody>
+      </p:sp>
+      <p:sp>
+        <p:nvSpPr>
+          <p:cNvPr id="170" name="Textfeld 169"/>
+          <p:cNvSpPr txBox="1"/>
+          <p:nvPr/>
+        </p:nvSpPr>
+        <p:spPr>
+          <a:xfrm>
+            <a:off x="6072198" y="500042"/>
+            <a:ext cx="288862" cy="369332"/>
+          </a:xfrm>
+          <a:prstGeom prst="rect">
+            <a:avLst/>
+          </a:prstGeom>
+          <a:noFill/>
+        </p:spPr>
+        <p:txBody>
+          <a:bodyPr wrap="none" rtlCol="0">
+            <a:spAutoFit/>
+          </a:bodyPr>
+          <a:lstStyle/>
+          <a:p>
+            <a:r>
+              <a:rPr lang="de-DE" dirty="0" smtClean="0"/>
+              <a:t>y</a:t>
+            </a:r>
+            <a:endParaRPr lang="de-DE" dirty="0"/>
+          </a:p>
+        </p:txBody>
+      </p:sp>
+      <p:sp>
+        <p:nvSpPr>
+          <p:cNvPr id="171" name="Pfeil nach oben und unten 170"/>
+          <p:cNvSpPr/>
+          <p:nvPr/>
+        </p:nvSpPr>
+        <p:spPr>
+          <a:xfrm>
+            <a:off x="6858016" y="3643314"/>
+            <a:ext cx="428628" cy="1000132"/>
+          </a:xfrm>
+          <a:prstGeom prst="upDownArrow">
+            <a:avLst/>
+          </a:prstGeom>
+          <a:solidFill>
+            <a:schemeClr val="bg1"/>
+          </a:solidFill>
+          <a:ln>
+            <a:solidFill>
+              <a:schemeClr val="tx1"/>
+            </a:solidFill>
+          </a:ln>
+        </p:spPr>
+        <p:style>
+          <a:lnRef idx="2">
+            <a:schemeClr val="accent1">
+              <a:shade val="50000"/>
+            </a:schemeClr>
+          </a:lnRef>
+          <a:fillRef idx="1">
+            <a:schemeClr val="accent1"/>
+          </a:fillRef>
+          <a:effectRef idx="0">
+            <a:schemeClr val="accent1"/>
+          </a:effectRef>
+          <a:fontRef idx="minor">
+            <a:schemeClr val="lt1"/>
+          </a:fontRef>
+        </p:style>
+        <p:txBody>
+          <a:bodyPr rtlCol="0" anchor="ctr"/>
+          <a:lstStyle/>
+          <a:p>
+            <a:pPr algn="ctr"/>
+            <a:endParaRPr lang="de-DE"/>
+          </a:p>
+        </p:txBody>
+      </p:sp>
+      <p:sp>
+        <p:nvSpPr>
+          <p:cNvPr id="172" name="Pfeil nach oben und unten 171"/>
+          <p:cNvSpPr/>
+          <p:nvPr/>
+        </p:nvSpPr>
+        <p:spPr>
+          <a:xfrm>
+            <a:off x="6858016" y="2285992"/>
+            <a:ext cx="428628" cy="1000132"/>
+          </a:xfrm>
+          <a:prstGeom prst="upDownArrow">
+            <a:avLst/>
+          </a:prstGeom>
+          <a:solidFill>
+            <a:schemeClr val="bg1"/>
+          </a:solidFill>
+          <a:ln>
+            <a:solidFill>
+              <a:schemeClr val="bg1">
+                <a:lumMod val="50000"/>
+              </a:schemeClr>
+            </a:solidFill>
+          </a:ln>
+        </p:spPr>
+        <p:style>
+          <a:lnRef idx="2">
+            <a:schemeClr val="accent1">
+              <a:shade val="50000"/>
+            </a:schemeClr>
+          </a:lnRef>
+          <a:fillRef idx="1">
+            <a:schemeClr val="accent1"/>
+          </a:fillRef>
+          <a:effectRef idx="0">
+            <a:schemeClr val="accent1"/>
+          </a:effectRef>
+          <a:fontRef idx="minor">
+            <a:schemeClr val="lt1"/>
+          </a:fontRef>
+        </p:style>
+        <p:txBody>
+          <a:bodyPr rtlCol="0" anchor="ctr"/>
+          <a:lstStyle/>
+          <a:p>
+            <a:pPr algn="ctr"/>
+            <a:endParaRPr lang="de-DE"/>
+          </a:p>
+        </p:txBody>
+      </p:sp>
+      <p:sp>
+        <p:nvSpPr>
+          <p:cNvPr id="173" name="Textfeld 172"/>
+          <p:cNvSpPr txBox="1"/>
+          <p:nvPr/>
+        </p:nvSpPr>
+        <p:spPr>
+          <a:xfrm>
+            <a:off x="7429520" y="3786190"/>
+            <a:ext cx="1105239" cy="646331"/>
+          </a:xfrm>
+          <a:prstGeom prst="rect">
+            <a:avLst/>
+          </a:prstGeom>
+          <a:noFill/>
+        </p:spPr>
+        <p:txBody>
+          <a:bodyPr wrap="none" rtlCol="0">
+            <a:spAutoFit/>
+          </a:bodyPr>
+          <a:lstStyle/>
+          <a:p>
+            <a:r>
+              <a:rPr lang="de-DE" dirty="0" err="1" smtClean="0"/>
+              <a:t>evaluated</a:t>
+            </a:r>
+            <a:r>
+              <a:rPr lang="de-DE" dirty="0" smtClean="0"/>
+              <a:t/>
+            </a:r>
+            <a:br>
+              <a:rPr lang="de-DE" dirty="0" smtClean="0"/>
+            </a:br>
+            <a:r>
+              <a:rPr lang="de-DE" dirty="0" err="1" smtClean="0"/>
+              <a:t>pairs</a:t>
+            </a:r>
+            <a:endParaRPr lang="de-DE" dirty="0"/>
+          </a:p>
+        </p:txBody>
+      </p:sp>
+      <p:sp>
+        <p:nvSpPr>
+          <p:cNvPr id="174" name="Textfeld 173"/>
+          <p:cNvSpPr txBox="1"/>
+          <p:nvPr/>
+        </p:nvSpPr>
+        <p:spPr>
+          <a:xfrm>
+            <a:off x="7429520" y="2428868"/>
+            <a:ext cx="1733873" cy="923330"/>
+          </a:xfrm>
+          <a:prstGeom prst="rect">
+            <a:avLst/>
+          </a:prstGeom>
+          <a:noFill/>
+        </p:spPr>
+        <p:txBody>
+          <a:bodyPr wrap="none" rtlCol="0">
+            <a:spAutoFit/>
+          </a:bodyPr>
+          <a:lstStyle/>
+          <a:p>
+            <a:r>
+              <a:rPr lang="de-DE" dirty="0" smtClean="0"/>
+              <a:t>not </a:t>
+            </a:r>
+            <a:r>
+              <a:rPr lang="de-DE" dirty="0" err="1" smtClean="0"/>
+              <a:t>evaluated</a:t>
+            </a:r>
+            <a:r>
+              <a:rPr lang="de-DE" dirty="0" smtClean="0"/>
+              <a:t/>
+            </a:r>
+            <a:br>
+              <a:rPr lang="de-DE" dirty="0" smtClean="0"/>
+            </a:br>
+            <a:r>
+              <a:rPr lang="de-DE" dirty="0" err="1" smtClean="0"/>
+              <a:t>pairs</a:t>
+            </a:r>
+            <a:r>
+              <a:rPr lang="de-DE" dirty="0" smtClean="0"/>
+              <a:t> </a:t>
+            </a:r>
+            <a:r>
+              <a:rPr lang="de-DE" dirty="0" err="1" smtClean="0"/>
+              <a:t>with</a:t>
+            </a:r>
+            <a:r>
+              <a:rPr lang="de-DE" dirty="0" smtClean="0"/>
+              <a:t> </a:t>
+            </a:r>
+            <a:r>
+              <a:rPr lang="de-DE" dirty="0" err="1" smtClean="0"/>
+              <a:t>cells</a:t>
+            </a:r>
+            <a:r>
+              <a:rPr lang="de-DE" dirty="0" smtClean="0"/>
+              <a:t/>
+            </a:r>
+            <a:br>
+              <a:rPr lang="de-DE" dirty="0" smtClean="0"/>
+            </a:br>
+            <a:r>
+              <a:rPr lang="de-DE" dirty="0" smtClean="0"/>
+              <a:t>on </a:t>
+            </a:r>
+            <a:r>
+              <a:rPr lang="de-DE" dirty="0" err="1" smtClean="0"/>
+              <a:t>opposite</a:t>
+            </a:r>
+            <a:r>
+              <a:rPr lang="de-DE" dirty="0" smtClean="0"/>
+              <a:t> </a:t>
+            </a:r>
+            <a:r>
+              <a:rPr lang="de-DE" dirty="0" err="1" smtClean="0"/>
+              <a:t>side</a:t>
+            </a:r>
+            <a:endParaRPr lang="de-DE" dirty="0"/>
+          </a:p>
+        </p:txBody>
+      </p:sp>
+      <p:sp>
+        <p:nvSpPr>
+          <p:cNvPr id="175" name="Textfeld 174"/>
+          <p:cNvSpPr txBox="1"/>
+          <p:nvPr/>
+        </p:nvSpPr>
+        <p:spPr>
+          <a:xfrm>
+            <a:off x="6143636" y="1857364"/>
+            <a:ext cx="753668" cy="369332"/>
+          </a:xfrm>
+          <a:prstGeom prst="rect">
+            <a:avLst/>
+          </a:prstGeom>
+          <a:noFill/>
+        </p:spPr>
+        <p:txBody>
+          <a:bodyPr wrap="none" rtlCol="0">
+            <a:spAutoFit/>
+          </a:bodyPr>
+          <a:lstStyle/>
+          <a:p>
+            <a:r>
+              <a:rPr lang="de-DE" dirty="0" smtClean="0"/>
+              <a:t>Offset</a:t>
+            </a:r>
+            <a:endParaRPr lang="de-DE" dirty="0"/>
+          </a:p>
+        </p:txBody>
+      </p:sp>
+      <p:sp>
+        <p:nvSpPr>
+          <p:cNvPr id="184" name="Geschweifte Klammer links 183"/>
+          <p:cNvSpPr/>
+          <p:nvPr/>
+        </p:nvSpPr>
+        <p:spPr>
+          <a:xfrm>
+            <a:off x="6143636" y="3143248"/>
+            <a:ext cx="71438" cy="571504"/>
+          </a:xfrm>
+          <a:prstGeom prst="leftBrace">
+            <a:avLst/>
+          </a:prstGeom>
+          <a:ln>
+            <a:solidFill>
+              <a:schemeClr val="tx1"/>
+            </a:solidFill>
+          </a:ln>
+        </p:spPr>
+        <p:style>
+          <a:lnRef idx="1">
+            <a:schemeClr val="accent1"/>
+          </a:lnRef>
+          <a:fillRef idx="0">
+            <a:schemeClr val="accent1"/>
+          </a:fillRef>
+          <a:effectRef idx="0">
+            <a:schemeClr val="accent1"/>
+          </a:effectRef>
+          <a:fontRef idx="minor">
+            <a:schemeClr val="tx1"/>
+          </a:fontRef>
+        </p:style>
+        <p:txBody>
+          <a:bodyPr rtlCol="0" anchor="ctr"/>
+          <a:lstStyle/>
+          <a:p>
+            <a:pPr algn="ctr"/>
+            <a:endParaRPr lang="de-DE"/>
+          </a:p>
+        </p:txBody>
+      </p:sp>
+      <p:sp>
+        <p:nvSpPr>
+          <p:cNvPr id="185" name="Geschweifte Klammer links 184"/>
+          <p:cNvSpPr/>
+          <p:nvPr/>
+        </p:nvSpPr>
+        <p:spPr>
+          <a:xfrm>
+            <a:off x="6000760" y="2857496"/>
+            <a:ext cx="214314" cy="1143008"/>
+          </a:xfrm>
+          <a:prstGeom prst="leftBrace">
+            <a:avLst/>
+          </a:prstGeom>
+          <a:ln>
+            <a:solidFill>
+              <a:schemeClr val="tx1"/>
+            </a:solidFill>
+          </a:ln>
+        </p:spPr>
+        <p:style>
+          <a:lnRef idx="1">
+            <a:schemeClr val="accent1"/>
+          </a:lnRef>
+          <a:fillRef idx="0">
+            <a:schemeClr val="accent1"/>
+          </a:fillRef>
+          <a:effectRef idx="0">
+            <a:schemeClr val="accent1"/>
+          </a:effectRef>
+          <a:fontRef idx="minor">
+            <a:schemeClr val="tx1"/>
+          </a:fontRef>
+        </p:style>
+        <p:txBody>
+          <a:bodyPr rtlCol="0" anchor="ctr"/>
+          <a:lstStyle/>
+          <a:p>
+            <a:pPr algn="ctr"/>
+            <a:endParaRPr lang="de-DE"/>
+          </a:p>
+        </p:txBody>
+      </p:sp>
+    </p:spTree>
+  </p:cSld>
+  <p:clrMapOvr>
+    <a:masterClrMapping/>
+  </p:clrMapOvr>
+</p:sld>
+</file>
+
+<file path=ppt/slides/slide4.xml><?xml version="1.0" encoding="utf-8"?>
+<p:sld xmlns:a="http://schemas.openxmlformats.org/drawingml/2006/main" xmlns:r="http://schemas.openxmlformats.org/officeDocument/2006/relationships" xmlns:p="http://schemas.openxmlformats.org/presentationml/2006/main">
+  <p:cSld>
+    <p:spTree>
+      <p:nvGrpSpPr>
+        <p:cNvPr id="1" name=""/>
+        <p:cNvGrpSpPr/>
+        <p:nvPr/>
+      </p:nvGrpSpPr>
+      <p:grpSpPr>
+        <a:xfrm>
+          <a:off x="0" y="0"/>
+          <a:ext cx="0" cy="0"/>
+          <a:chOff x="0" y="0"/>
+          <a:chExt cx="0" cy="0"/>
+        </a:xfrm>
+      </p:grpSpPr>
+      <p:cxnSp>
+        <p:nvCxnSpPr>
+          <p:cNvPr id="143" name="Gerade Verbindung 142"/>
+          <p:cNvCxnSpPr/>
+          <p:nvPr/>
+        </p:nvCxnSpPr>
+        <p:spPr>
+          <a:xfrm rot="10800000">
+            <a:off x="7429520" y="500042"/>
+            <a:ext cx="500066" cy="1588"/>
+          </a:xfrm>
+          <a:prstGeom prst="line">
+            <a:avLst/>
+          </a:prstGeom>
+          <a:ln w="28575">
+            <a:solidFill>
+              <a:schemeClr val="bg1">
+                <a:lumMod val="50000"/>
+              </a:schemeClr>
+            </a:solidFill>
+            <a:prstDash val="dash"/>
+          </a:ln>
+        </p:spPr>
+        <p:style>
+          <a:lnRef idx="1">
+            <a:schemeClr val="accent1"/>
+          </a:lnRef>
+          <a:fillRef idx="0">
+            <a:schemeClr val="accent1"/>
+          </a:fillRef>
+          <a:effectRef idx="0">
+            <a:schemeClr val="accent1"/>
+          </a:effectRef>
+          <a:fontRef idx="minor">
+            <a:schemeClr val="tx1"/>
+          </a:fontRef>
+        </p:style>
+      </p:cxnSp>
+      <p:cxnSp>
+        <p:nvCxnSpPr>
+          <p:cNvPr id="144" name="Gerade Verbindung 143"/>
+          <p:cNvCxnSpPr/>
+          <p:nvPr/>
+        </p:nvCxnSpPr>
+        <p:spPr>
+          <a:xfrm rot="10800000">
+            <a:off x="7429520" y="2428868"/>
+            <a:ext cx="500066" cy="1588"/>
+          </a:xfrm>
+          <a:prstGeom prst="line">
+            <a:avLst/>
+          </a:prstGeom>
+          <a:ln w="28575">
+            <a:solidFill>
+              <a:schemeClr val="bg1">
+                <a:lumMod val="50000"/>
+              </a:schemeClr>
+            </a:solidFill>
+            <a:prstDash val="dash"/>
+          </a:ln>
+        </p:spPr>
+        <p:style>
+          <a:lnRef idx="1">
+            <a:schemeClr val="accent1"/>
+          </a:lnRef>
+          <a:fillRef idx="0">
+            <a:schemeClr val="accent1"/>
+          </a:fillRef>
+          <a:effectRef idx="0">
+            <a:schemeClr val="accent1"/>
+          </a:effectRef>
+          <a:fontRef idx="minor">
+            <a:schemeClr val="tx1"/>
+          </a:fontRef>
+        </p:style>
+      </p:cxnSp>
+      <p:cxnSp>
+        <p:nvCxnSpPr>
+          <p:cNvPr id="145" name="Gerade Verbindung 144"/>
+          <p:cNvCxnSpPr/>
+          <p:nvPr/>
+        </p:nvCxnSpPr>
+        <p:spPr>
+          <a:xfrm rot="10800000">
+            <a:off x="7429520" y="4357694"/>
+            <a:ext cx="500066" cy="1588"/>
+          </a:xfrm>
+          <a:prstGeom prst="line">
+            <a:avLst/>
+          </a:prstGeom>
+          <a:ln w="28575">
+            <a:solidFill>
+              <a:schemeClr val="bg1">
+                <a:lumMod val="50000"/>
+              </a:schemeClr>
+            </a:solidFill>
+            <a:prstDash val="dash"/>
+          </a:ln>
+        </p:spPr>
+        <p:style>
+          <a:lnRef idx="1">
+            <a:schemeClr val="accent1"/>
+          </a:lnRef>
+          <a:fillRef idx="0">
+            <a:schemeClr val="accent1"/>
+          </a:fillRef>
+          <a:effectRef idx="0">
+            <a:schemeClr val="accent1"/>
+          </a:effectRef>
+          <a:fontRef idx="minor">
+            <a:schemeClr val="tx1"/>
+          </a:fontRef>
+        </p:style>
+      </p:cxnSp>
+      <p:cxnSp>
+        <p:nvCxnSpPr>
+          <p:cNvPr id="146" name="Gerade Verbindung 145"/>
+          <p:cNvCxnSpPr/>
+          <p:nvPr/>
+        </p:nvCxnSpPr>
+        <p:spPr>
+          <a:xfrm rot="10800000">
+            <a:off x="7429520" y="6286520"/>
+            <a:ext cx="500066" cy="1588"/>
+          </a:xfrm>
+          <a:prstGeom prst="line">
+            <a:avLst/>
+          </a:prstGeom>
+          <a:ln w="28575">
+            <a:solidFill>
+              <a:schemeClr val="bg1">
+                <a:lumMod val="50000"/>
+              </a:schemeClr>
+            </a:solidFill>
+            <a:prstDash val="dash"/>
+          </a:ln>
+        </p:spPr>
+        <p:style>
+          <a:lnRef idx="1">
+            <a:schemeClr val="accent1"/>
+          </a:lnRef>
+          <a:fillRef idx="0">
+            <a:schemeClr val="accent1"/>
+          </a:fillRef>
+          <a:effectRef idx="0">
+            <a:schemeClr val="accent1"/>
+          </a:effectRef>
+          <a:fontRef idx="minor">
+            <a:schemeClr val="tx1"/>
+          </a:fontRef>
+        </p:style>
+      </p:cxnSp>
+      <p:sp>
+        <p:nvSpPr>
+          <p:cNvPr id="8" name="Rechteck 7"/>
+          <p:cNvSpPr/>
+          <p:nvPr/>
+        </p:nvSpPr>
+        <p:spPr>
+          <a:xfrm>
+            <a:off x="3571868" y="2428868"/>
+            <a:ext cx="1928826" cy="1928826"/>
+          </a:xfrm>
+          <a:prstGeom prst="rect">
+            <a:avLst/>
+          </a:prstGeom>
+          <a:noFill/>
+          <a:ln w="76200">
+            <a:solidFill>
+              <a:schemeClr val="tx1"/>
+            </a:solidFill>
+          </a:ln>
+        </p:spPr>
+        <p:style>
+          <a:lnRef idx="2">
+            <a:schemeClr val="accent1">
+              <a:shade val="50000"/>
+            </a:schemeClr>
+          </a:lnRef>
+          <a:fillRef idx="1">
+            <a:schemeClr val="accent1"/>
+          </a:fillRef>
+          <a:effectRef idx="0">
+            <a:schemeClr val="accent1"/>
+          </a:effectRef>
+          <a:fontRef idx="minor">
+            <a:schemeClr val="lt1"/>
+          </a:fontRef>
+        </p:style>
+        <p:txBody>
+          <a:bodyPr rtlCol="0" anchor="ctr"/>
+          <a:lstStyle/>
+          <a:p>
+            <a:pPr algn="ctr"/>
+            <a:endParaRPr lang="de-DE"/>
+          </a:p>
+        </p:txBody>
+      </p:sp>
+      <p:sp>
+        <p:nvSpPr>
+          <p:cNvPr id="15" name="Ellipse 14"/>
+          <p:cNvSpPr/>
+          <p:nvPr/>
+        </p:nvSpPr>
+        <p:spPr>
+          <a:xfrm>
+            <a:off x="4714876" y="4000504"/>
+            <a:ext cx="285752" cy="285752"/>
+          </a:xfrm>
+          <a:prstGeom prst="ellipse">
+            <a:avLst/>
+          </a:prstGeom>
+          <a:solidFill>
+            <a:schemeClr val="tx1"/>
+          </a:solidFill>
+          <a:ln>
+            <a:noFill/>
+          </a:ln>
+        </p:spPr>
+        <p:style>
+          <a:lnRef idx="2">
+            <a:schemeClr val="accent1">
+              <a:shade val="50000"/>
+            </a:schemeClr>
+          </a:lnRef>
+          <a:fillRef idx="1">
+            <a:schemeClr val="accent1"/>
+          </a:fillRef>
+          <a:effectRef idx="0">
+            <a:schemeClr val="accent1"/>
+          </a:effectRef>
+          <a:fontRef idx="minor">
+            <a:schemeClr val="lt1"/>
+          </a:fontRef>
+        </p:style>
+        <p:txBody>
+          <a:bodyPr rtlCol="0" anchor="ctr"/>
+          <a:lstStyle/>
+          <a:p>
+            <a:pPr algn="ctr"/>
+            <a:endParaRPr lang="de-DE"/>
+          </a:p>
+        </p:txBody>
+      </p:sp>
+      <p:sp>
+        <p:nvSpPr>
+          <p:cNvPr id="16" name="Ellipse 15"/>
+          <p:cNvSpPr/>
+          <p:nvPr/>
+        </p:nvSpPr>
+        <p:spPr>
+          <a:xfrm>
+            <a:off x="3786182" y="2857496"/>
+            <a:ext cx="142876" cy="142876"/>
+          </a:xfrm>
+          <a:prstGeom prst="ellipse">
+            <a:avLst/>
+          </a:prstGeom>
+          <a:solidFill>
+            <a:schemeClr val="tx1">
+              <a:lumMod val="95000"/>
+              <a:lumOff val="5000"/>
+            </a:schemeClr>
+          </a:solidFill>
+          <a:ln>
+            <a:noFill/>
+          </a:ln>
+        </p:spPr>
+        <p:style>
+          <a:lnRef idx="2">
+            <a:schemeClr val="accent1">
+              <a:shade val="50000"/>
+            </a:schemeClr>
+          </a:lnRef>
+          <a:fillRef idx="1">
+            <a:schemeClr val="accent1"/>
+          </a:fillRef>
+          <a:effectRef idx="0">
+            <a:schemeClr val="accent1"/>
+          </a:effectRef>
+          <a:fontRef idx="minor">
+            <a:schemeClr val="lt1"/>
+          </a:fontRef>
+        </p:style>
+        <p:txBody>
+          <a:bodyPr rtlCol="0" anchor="ctr"/>
+          <a:lstStyle/>
+          <a:p>
+            <a:pPr algn="ctr"/>
+            <a:endParaRPr lang="de-DE"/>
+          </a:p>
+        </p:txBody>
+      </p:sp>
+      <p:sp>
+        <p:nvSpPr>
+          <p:cNvPr id="17" name="Ellipse 16"/>
+          <p:cNvSpPr/>
+          <p:nvPr/>
+        </p:nvSpPr>
+        <p:spPr>
+          <a:xfrm>
+            <a:off x="4000496" y="3786190"/>
+            <a:ext cx="142876" cy="142876"/>
+          </a:xfrm>
+          <a:prstGeom prst="ellipse">
+            <a:avLst/>
+          </a:prstGeom>
+          <a:solidFill>
+            <a:schemeClr val="tx1">
+              <a:lumMod val="95000"/>
+              <a:lumOff val="5000"/>
+            </a:schemeClr>
+          </a:solidFill>
+          <a:ln>
+            <a:noFill/>
+          </a:ln>
+        </p:spPr>
+        <p:style>
+          <a:lnRef idx="2">
+            <a:schemeClr val="accent1">
+              <a:shade val="50000"/>
+            </a:schemeClr>
+          </a:lnRef>
+          <a:fillRef idx="1">
+            <a:schemeClr val="accent1"/>
+          </a:fillRef>
+          <a:effectRef idx="0">
+            <a:schemeClr val="accent1"/>
+          </a:effectRef>
+          <a:fontRef idx="minor">
+            <a:schemeClr val="lt1"/>
+          </a:fontRef>
+        </p:style>
+        <p:txBody>
+          <a:bodyPr rtlCol="0" anchor="ctr"/>
+          <a:lstStyle/>
+          <a:p>
+            <a:pPr algn="ctr"/>
+            <a:endParaRPr lang="de-DE"/>
+          </a:p>
+        </p:txBody>
+      </p:sp>
+      <p:sp>
+        <p:nvSpPr>
+          <p:cNvPr id="18" name="Ellipse 17"/>
+          <p:cNvSpPr/>
+          <p:nvPr/>
+        </p:nvSpPr>
+        <p:spPr>
+          <a:xfrm>
+            <a:off x="4714876" y="2857496"/>
+            <a:ext cx="142876" cy="142876"/>
+          </a:xfrm>
+          <a:prstGeom prst="ellipse">
+            <a:avLst/>
+          </a:prstGeom>
+          <a:solidFill>
+            <a:schemeClr val="tx1">
+              <a:lumMod val="95000"/>
+              <a:lumOff val="5000"/>
+            </a:schemeClr>
+          </a:solidFill>
+          <a:ln>
+            <a:noFill/>
+          </a:ln>
+        </p:spPr>
+        <p:style>
+          <a:lnRef idx="2">
+            <a:schemeClr val="accent1">
+              <a:shade val="50000"/>
+            </a:schemeClr>
+          </a:lnRef>
+          <a:fillRef idx="1">
+            <a:schemeClr val="accent1"/>
+          </a:fillRef>
+          <a:effectRef idx="0">
+            <a:schemeClr val="accent1"/>
+          </a:effectRef>
+          <a:fontRef idx="minor">
+            <a:schemeClr val="lt1"/>
+          </a:fontRef>
+        </p:style>
+        <p:txBody>
+          <a:bodyPr rtlCol="0" anchor="ctr"/>
+          <a:lstStyle/>
+          <a:p>
+            <a:pPr algn="ctr"/>
+            <a:endParaRPr lang="de-DE"/>
+          </a:p>
+        </p:txBody>
+      </p:sp>
+      <p:sp>
+        <p:nvSpPr>
+          <p:cNvPr id="19" name="Ellipse 18"/>
+          <p:cNvSpPr/>
+          <p:nvPr/>
+        </p:nvSpPr>
+        <p:spPr>
+          <a:xfrm>
+            <a:off x="4429124" y="3429000"/>
+            <a:ext cx="142876" cy="142876"/>
+          </a:xfrm>
+          <a:prstGeom prst="ellipse">
+            <a:avLst/>
+          </a:prstGeom>
+          <a:solidFill>
+            <a:schemeClr val="tx1">
+              <a:lumMod val="95000"/>
+              <a:lumOff val="5000"/>
+            </a:schemeClr>
+          </a:solidFill>
+          <a:ln>
+            <a:noFill/>
+          </a:ln>
+        </p:spPr>
+        <p:style>
+          <a:lnRef idx="2">
+            <a:schemeClr val="accent1">
+              <a:shade val="50000"/>
+            </a:schemeClr>
+          </a:lnRef>
+          <a:fillRef idx="1">
+            <a:schemeClr val="accent1"/>
+          </a:fillRef>
+          <a:effectRef idx="0">
+            <a:schemeClr val="accent1"/>
+          </a:effectRef>
+          <a:fontRef idx="minor">
+            <a:schemeClr val="lt1"/>
+          </a:fontRef>
+        </p:style>
+        <p:txBody>
+          <a:bodyPr rtlCol="0" anchor="ctr"/>
+          <a:lstStyle/>
+          <a:p>
+            <a:pPr algn="ctr"/>
+            <a:endParaRPr lang="de-DE"/>
+          </a:p>
+        </p:txBody>
+      </p:sp>
+      <p:sp>
+        <p:nvSpPr>
+          <p:cNvPr id="20" name="Ellipse 19"/>
+          <p:cNvSpPr/>
+          <p:nvPr/>
+        </p:nvSpPr>
+        <p:spPr>
+          <a:xfrm>
+            <a:off x="5929322" y="2643182"/>
+            <a:ext cx="142876" cy="142876"/>
+          </a:xfrm>
+          <a:prstGeom prst="ellipse">
+            <a:avLst/>
+          </a:prstGeom>
+          <a:solidFill>
+            <a:schemeClr val="tx1">
+              <a:lumMod val="95000"/>
+              <a:lumOff val="5000"/>
+            </a:schemeClr>
+          </a:solidFill>
+          <a:ln>
+            <a:noFill/>
+          </a:ln>
+        </p:spPr>
+        <p:style>
+          <a:lnRef idx="2">
+            <a:schemeClr val="accent1">
+              <a:shade val="50000"/>
+            </a:schemeClr>
+          </a:lnRef>
+          <a:fillRef idx="1">
+            <a:schemeClr val="accent1"/>
+          </a:fillRef>
+          <a:effectRef idx="0">
+            <a:schemeClr val="accent1"/>
+          </a:effectRef>
+          <a:fontRef idx="minor">
+            <a:schemeClr val="lt1"/>
+          </a:fontRef>
+        </p:style>
+        <p:txBody>
+          <a:bodyPr rtlCol="0" anchor="ctr"/>
+          <a:lstStyle/>
+          <a:p>
+            <a:pPr algn="ctr"/>
+            <a:endParaRPr lang="de-DE"/>
+          </a:p>
+        </p:txBody>
+      </p:sp>
+      <p:sp>
+        <p:nvSpPr>
+          <p:cNvPr id="21" name="Ellipse 20"/>
+          <p:cNvSpPr/>
+          <p:nvPr/>
+        </p:nvSpPr>
+        <p:spPr>
+          <a:xfrm>
+            <a:off x="5715008" y="4071942"/>
+            <a:ext cx="142876" cy="142876"/>
+          </a:xfrm>
+          <a:prstGeom prst="ellipse">
+            <a:avLst/>
+          </a:prstGeom>
+          <a:solidFill>
+            <a:schemeClr val="tx1">
+              <a:lumMod val="95000"/>
+              <a:lumOff val="5000"/>
+            </a:schemeClr>
+          </a:solidFill>
+          <a:ln>
+            <a:noFill/>
+          </a:ln>
+        </p:spPr>
+        <p:style>
+          <a:lnRef idx="2">
+            <a:schemeClr val="accent1">
+              <a:shade val="50000"/>
+            </a:schemeClr>
+          </a:lnRef>
+          <a:fillRef idx="1">
+            <a:schemeClr val="accent1"/>
+          </a:fillRef>
+          <a:effectRef idx="0">
+            <a:schemeClr val="accent1"/>
+          </a:effectRef>
+          <a:fontRef idx="minor">
+            <a:schemeClr val="lt1"/>
+          </a:fontRef>
+        </p:style>
+        <p:txBody>
+          <a:bodyPr rtlCol="0" anchor="ctr"/>
+          <a:lstStyle/>
+          <a:p>
+            <a:pPr algn="ctr"/>
+            <a:endParaRPr lang="de-DE"/>
+          </a:p>
+        </p:txBody>
+      </p:sp>
+      <p:sp>
+        <p:nvSpPr>
+          <p:cNvPr id="22" name="Ellipse 21"/>
+          <p:cNvSpPr/>
+          <p:nvPr/>
+        </p:nvSpPr>
+        <p:spPr>
+          <a:xfrm>
+            <a:off x="6500826" y="3857628"/>
+            <a:ext cx="142876" cy="142876"/>
+          </a:xfrm>
+          <a:prstGeom prst="ellipse">
+            <a:avLst/>
+          </a:prstGeom>
+          <a:solidFill>
+            <a:schemeClr val="tx1">
+              <a:lumMod val="95000"/>
+              <a:lumOff val="5000"/>
+            </a:schemeClr>
+          </a:solidFill>
+          <a:ln>
+            <a:noFill/>
+          </a:ln>
+        </p:spPr>
+        <p:style>
+          <a:lnRef idx="2">
+            <a:schemeClr val="accent1">
+              <a:shade val="50000"/>
+            </a:schemeClr>
+          </a:lnRef>
+          <a:fillRef idx="1">
+            <a:schemeClr val="accent1"/>
+          </a:fillRef>
+          <a:effectRef idx="0">
+            <a:schemeClr val="accent1"/>
+          </a:effectRef>
+          <a:fontRef idx="minor">
+            <a:schemeClr val="lt1"/>
+          </a:fontRef>
+        </p:style>
+        <p:txBody>
+          <a:bodyPr rtlCol="0" anchor="ctr"/>
+          <a:lstStyle/>
+          <a:p>
+            <a:pPr algn="ctr"/>
+            <a:endParaRPr lang="de-DE"/>
+          </a:p>
+        </p:txBody>
+      </p:sp>
+      <p:sp>
+        <p:nvSpPr>
+          <p:cNvPr id="23" name="Ellipse 22"/>
+          <p:cNvSpPr/>
+          <p:nvPr/>
+        </p:nvSpPr>
+        <p:spPr>
+          <a:xfrm>
+            <a:off x="6786578" y="2714620"/>
+            <a:ext cx="142876" cy="142876"/>
+          </a:xfrm>
+          <a:prstGeom prst="ellipse">
+            <a:avLst/>
+          </a:prstGeom>
+          <a:solidFill>
+            <a:schemeClr val="bg1">
+              <a:lumMod val="50000"/>
+            </a:schemeClr>
+          </a:solidFill>
+          <a:ln>
+            <a:noFill/>
+          </a:ln>
+        </p:spPr>
+        <p:style>
+          <a:lnRef idx="2">
+            <a:schemeClr val="accent1">
+              <a:shade val="50000"/>
+            </a:schemeClr>
+          </a:lnRef>
+          <a:fillRef idx="1">
+            <a:schemeClr val="accent1"/>
+          </a:fillRef>
+          <a:effectRef idx="0">
+            <a:schemeClr val="accent1"/>
+          </a:effectRef>
+          <a:fontRef idx="minor">
+            <a:schemeClr val="lt1"/>
+          </a:fontRef>
+        </p:style>
+        <p:txBody>
+          <a:bodyPr rtlCol="0" anchor="ctr"/>
+          <a:lstStyle/>
+          <a:p>
+            <a:pPr algn="ctr"/>
+            <a:endParaRPr lang="de-DE"/>
+          </a:p>
+        </p:txBody>
+      </p:sp>
+      <p:sp>
+        <p:nvSpPr>
+          <p:cNvPr id="24" name="Ellipse 23"/>
+          <p:cNvSpPr/>
+          <p:nvPr/>
+        </p:nvSpPr>
+        <p:spPr>
+          <a:xfrm>
+            <a:off x="6072198" y="3286124"/>
+            <a:ext cx="142876" cy="142876"/>
+          </a:xfrm>
+          <a:prstGeom prst="ellipse">
+            <a:avLst/>
+          </a:prstGeom>
+          <a:solidFill>
+            <a:schemeClr val="tx1">
+              <a:lumMod val="95000"/>
+              <a:lumOff val="5000"/>
+            </a:schemeClr>
+          </a:solidFill>
+          <a:ln>
+            <a:noFill/>
+          </a:ln>
+        </p:spPr>
+        <p:style>
+          <a:lnRef idx="2">
+            <a:schemeClr val="accent1">
+              <a:shade val="50000"/>
+            </a:schemeClr>
+          </a:lnRef>
+          <a:fillRef idx="1">
+            <a:schemeClr val="accent1"/>
+          </a:fillRef>
+          <a:effectRef idx="0">
+            <a:schemeClr val="accent1"/>
+          </a:effectRef>
+          <a:fontRef idx="minor">
+            <a:schemeClr val="lt1"/>
+          </a:fontRef>
+        </p:style>
+        <p:txBody>
+          <a:bodyPr rtlCol="0" anchor="ctr"/>
+          <a:lstStyle/>
+          <a:p>
+            <a:pPr algn="ctr"/>
+            <a:endParaRPr lang="de-DE"/>
+          </a:p>
+        </p:txBody>
+      </p:sp>
+      <p:sp>
+        <p:nvSpPr>
+          <p:cNvPr id="25" name="Ellipse 24"/>
+          <p:cNvSpPr/>
+          <p:nvPr/>
+        </p:nvSpPr>
+        <p:spPr>
+          <a:xfrm>
+            <a:off x="7000892" y="4071942"/>
+            <a:ext cx="142876" cy="142876"/>
+          </a:xfrm>
+          <a:prstGeom prst="ellipse">
+            <a:avLst/>
+          </a:prstGeom>
+          <a:solidFill>
+            <a:schemeClr val="bg1">
+              <a:lumMod val="50000"/>
+            </a:schemeClr>
+          </a:solidFill>
+          <a:ln>
+            <a:noFill/>
+          </a:ln>
+        </p:spPr>
+        <p:style>
+          <a:lnRef idx="2">
+            <a:schemeClr val="accent1">
+              <a:shade val="50000"/>
+            </a:schemeClr>
+          </a:lnRef>
+          <a:fillRef idx="1">
+            <a:schemeClr val="accent1"/>
+          </a:fillRef>
+          <a:effectRef idx="0">
+            <a:schemeClr val="accent1"/>
+          </a:effectRef>
+          <a:fontRef idx="minor">
+            <a:schemeClr val="lt1"/>
+          </a:fontRef>
+        </p:style>
+        <p:txBody>
+          <a:bodyPr rtlCol="0" anchor="ctr"/>
+          <a:lstStyle/>
+          <a:p>
+            <a:pPr algn="ctr"/>
+            <a:endParaRPr lang="de-DE"/>
+          </a:p>
+        </p:txBody>
+      </p:sp>
+      <p:sp>
+        <p:nvSpPr>
+          <p:cNvPr id="26" name="Ellipse 25"/>
+          <p:cNvSpPr/>
+          <p:nvPr/>
+        </p:nvSpPr>
+        <p:spPr>
+          <a:xfrm>
+            <a:off x="7072330" y="3357562"/>
+            <a:ext cx="142876" cy="142876"/>
+          </a:xfrm>
+          <a:prstGeom prst="ellipse">
+            <a:avLst/>
+          </a:prstGeom>
+          <a:solidFill>
+            <a:schemeClr val="bg1">
+              <a:lumMod val="50000"/>
+            </a:schemeClr>
+          </a:solidFill>
+          <a:ln>
+            <a:noFill/>
+          </a:ln>
+        </p:spPr>
+        <p:style>
+          <a:lnRef idx="2">
+            <a:schemeClr val="accent1">
+              <a:shade val="50000"/>
+            </a:schemeClr>
+          </a:lnRef>
+          <a:fillRef idx="1">
+            <a:schemeClr val="accent1"/>
+          </a:fillRef>
+          <a:effectRef idx="0">
+            <a:schemeClr val="accent1"/>
+          </a:effectRef>
+          <a:fontRef idx="minor">
+            <a:schemeClr val="lt1"/>
+          </a:fontRef>
+        </p:style>
+        <p:txBody>
+          <a:bodyPr rtlCol="0" anchor="ctr"/>
+          <a:lstStyle/>
+          <a:p>
+            <a:pPr algn="ctr"/>
+            <a:endParaRPr lang="de-DE"/>
+          </a:p>
+        </p:txBody>
+      </p:sp>
+      <p:sp>
+        <p:nvSpPr>
+          <p:cNvPr id="27" name="Ellipse 26"/>
+          <p:cNvSpPr/>
+          <p:nvPr/>
+        </p:nvSpPr>
+        <p:spPr>
+          <a:xfrm>
+            <a:off x="2928926" y="4857760"/>
+            <a:ext cx="142876" cy="142876"/>
+          </a:xfrm>
+          <a:prstGeom prst="ellipse">
+            <a:avLst/>
+          </a:prstGeom>
+          <a:solidFill>
+            <a:schemeClr val="bg1">
+              <a:lumMod val="50000"/>
+            </a:schemeClr>
+          </a:solidFill>
+          <a:ln>
+            <a:noFill/>
+          </a:ln>
+        </p:spPr>
+        <p:style>
+          <a:lnRef idx="2">
+            <a:schemeClr val="accent1">
+              <a:shade val="50000"/>
+            </a:schemeClr>
+          </a:lnRef>
+          <a:fillRef idx="1">
+            <a:schemeClr val="accent1"/>
+          </a:fillRef>
+          <a:effectRef idx="0">
+            <a:schemeClr val="accent1"/>
+          </a:effectRef>
+          <a:fontRef idx="minor">
+            <a:schemeClr val="lt1"/>
+          </a:fontRef>
+        </p:style>
+        <p:txBody>
+          <a:bodyPr rtlCol="0" anchor="ctr"/>
+          <a:lstStyle/>
+          <a:p>
+            <a:pPr algn="ctr"/>
+            <a:endParaRPr lang="de-DE"/>
+          </a:p>
+        </p:txBody>
+      </p:sp>
+      <p:sp>
+        <p:nvSpPr>
+          <p:cNvPr id="28" name="Ellipse 27"/>
+          <p:cNvSpPr/>
+          <p:nvPr/>
+        </p:nvSpPr>
+        <p:spPr>
+          <a:xfrm>
+            <a:off x="2214546" y="5786454"/>
+            <a:ext cx="142876" cy="142876"/>
+          </a:xfrm>
+          <a:prstGeom prst="ellipse">
+            <a:avLst/>
+          </a:prstGeom>
+          <a:solidFill>
+            <a:schemeClr val="bg1">
+              <a:lumMod val="50000"/>
+            </a:schemeClr>
+          </a:solidFill>
+          <a:ln>
+            <a:noFill/>
+          </a:ln>
+        </p:spPr>
+        <p:style>
+          <a:lnRef idx="2">
+            <a:schemeClr val="accent1">
+              <a:shade val="50000"/>
+            </a:schemeClr>
+          </a:lnRef>
+          <a:fillRef idx="1">
+            <a:schemeClr val="accent1"/>
+          </a:fillRef>
+          <a:effectRef idx="0">
+            <a:schemeClr val="accent1"/>
+          </a:effectRef>
+          <a:fontRef idx="minor">
+            <a:schemeClr val="lt1"/>
+          </a:fontRef>
+        </p:style>
+        <p:txBody>
+          <a:bodyPr rtlCol="0" anchor="ctr"/>
+          <a:lstStyle/>
+          <a:p>
+            <a:pPr algn="ctr"/>
+            <a:endParaRPr lang="de-DE"/>
+          </a:p>
+        </p:txBody>
+      </p:sp>
+      <p:sp>
+        <p:nvSpPr>
+          <p:cNvPr id="29" name="Ellipse 28"/>
+          <p:cNvSpPr/>
+          <p:nvPr/>
+        </p:nvSpPr>
+        <p:spPr>
+          <a:xfrm>
+            <a:off x="2428860" y="4714884"/>
+            <a:ext cx="142876" cy="142876"/>
+          </a:xfrm>
+          <a:prstGeom prst="ellipse">
+            <a:avLst/>
+          </a:prstGeom>
+          <a:solidFill>
+            <a:schemeClr val="bg1">
+              <a:lumMod val="50000"/>
+            </a:schemeClr>
+          </a:solidFill>
+          <a:ln>
+            <a:noFill/>
+          </a:ln>
+        </p:spPr>
+        <p:style>
+          <a:lnRef idx="2">
+            <a:schemeClr val="accent1">
+              <a:shade val="50000"/>
+            </a:schemeClr>
+          </a:lnRef>
+          <a:fillRef idx="1">
+            <a:schemeClr val="accent1"/>
+          </a:fillRef>
+          <a:effectRef idx="0">
+            <a:schemeClr val="accent1"/>
+          </a:effectRef>
+          <a:fontRef idx="minor">
+            <a:schemeClr val="lt1"/>
+          </a:fontRef>
+        </p:style>
+        <p:txBody>
+          <a:bodyPr rtlCol="0" anchor="ctr"/>
+          <a:lstStyle/>
+          <a:p>
+            <a:pPr algn="ctr"/>
+            <a:endParaRPr lang="de-DE"/>
+          </a:p>
+        </p:txBody>
+      </p:sp>
+      <p:sp>
+        <p:nvSpPr>
+          <p:cNvPr id="31" name="Ellipse 30"/>
+          <p:cNvSpPr/>
+          <p:nvPr/>
+        </p:nvSpPr>
+        <p:spPr>
+          <a:xfrm>
+            <a:off x="2928926" y="5857892"/>
+            <a:ext cx="142876" cy="142876"/>
+          </a:xfrm>
+          <a:prstGeom prst="ellipse">
+            <a:avLst/>
+          </a:prstGeom>
+          <a:solidFill>
+            <a:schemeClr val="bg1">
+              <a:lumMod val="50000"/>
+            </a:schemeClr>
+          </a:solidFill>
+          <a:ln>
+            <a:noFill/>
+          </a:ln>
+        </p:spPr>
+        <p:style>
+          <a:lnRef idx="2">
+            <a:schemeClr val="accent1">
+              <a:shade val="50000"/>
+            </a:schemeClr>
+          </a:lnRef>
+          <a:fillRef idx="1">
+            <a:schemeClr val="accent1"/>
+          </a:fillRef>
+          <a:effectRef idx="0">
+            <a:schemeClr val="accent1"/>
+          </a:effectRef>
+          <a:fontRef idx="minor">
+            <a:schemeClr val="lt1"/>
+          </a:fontRef>
+        </p:style>
+        <p:txBody>
+          <a:bodyPr rtlCol="0" anchor="ctr"/>
+          <a:lstStyle/>
+          <a:p>
+            <a:pPr algn="ctr"/>
+            <a:endParaRPr lang="de-DE"/>
+          </a:p>
+        </p:txBody>
+      </p:sp>
+      <p:sp>
+        <p:nvSpPr>
+          <p:cNvPr id="33" name="Ellipse 32"/>
+          <p:cNvSpPr/>
+          <p:nvPr/>
+        </p:nvSpPr>
+        <p:spPr>
+          <a:xfrm>
+            <a:off x="3286116" y="4643446"/>
+            <a:ext cx="142876" cy="142876"/>
+          </a:xfrm>
+          <a:prstGeom prst="ellipse">
+            <a:avLst/>
+          </a:prstGeom>
+          <a:solidFill>
+            <a:schemeClr val="tx1">
+              <a:lumMod val="95000"/>
+              <a:lumOff val="5000"/>
+            </a:schemeClr>
+          </a:solidFill>
+          <a:ln>
+            <a:noFill/>
+          </a:ln>
+        </p:spPr>
+        <p:style>
+          <a:lnRef idx="2">
+            <a:schemeClr val="accent1">
+              <a:shade val="50000"/>
+            </a:schemeClr>
+          </a:lnRef>
+          <a:fillRef idx="1">
+            <a:schemeClr val="accent1"/>
+          </a:fillRef>
+          <a:effectRef idx="0">
+            <a:schemeClr val="accent1"/>
+          </a:effectRef>
+          <a:fontRef idx="minor">
+            <a:schemeClr val="lt1"/>
+          </a:fontRef>
+        </p:style>
+        <p:txBody>
+          <a:bodyPr rtlCol="0" anchor="ctr"/>
+          <a:lstStyle/>
+          <a:p>
+            <a:pPr algn="ctr"/>
+            <a:endParaRPr lang="de-DE"/>
+          </a:p>
+        </p:txBody>
+      </p:sp>
+      <p:sp>
+        <p:nvSpPr>
+          <p:cNvPr id="34" name="Ellipse 33"/>
+          <p:cNvSpPr/>
+          <p:nvPr/>
+        </p:nvSpPr>
+        <p:spPr>
+          <a:xfrm>
+            <a:off x="4000496" y="5143512"/>
+            <a:ext cx="142876" cy="142876"/>
+          </a:xfrm>
+          <a:prstGeom prst="ellipse">
+            <a:avLst/>
+          </a:prstGeom>
+          <a:solidFill>
+            <a:schemeClr val="tx1">
+              <a:lumMod val="95000"/>
+              <a:lumOff val="5000"/>
+            </a:schemeClr>
+          </a:solidFill>
+          <a:ln>
+            <a:noFill/>
+          </a:ln>
+        </p:spPr>
+        <p:style>
+          <a:lnRef idx="2">
+            <a:schemeClr val="accent1">
+              <a:shade val="50000"/>
+            </a:schemeClr>
+          </a:lnRef>
+          <a:fillRef idx="1">
+            <a:schemeClr val="accent1"/>
+          </a:fillRef>
+          <a:effectRef idx="0">
+            <a:schemeClr val="accent1"/>
+          </a:effectRef>
+          <a:fontRef idx="minor">
+            <a:schemeClr val="lt1"/>
+          </a:fontRef>
+        </p:style>
+        <p:txBody>
+          <a:bodyPr rtlCol="0" anchor="ctr"/>
+          <a:lstStyle/>
+          <a:p>
+            <a:pPr algn="ctr"/>
+            <a:endParaRPr lang="de-DE"/>
+          </a:p>
+        </p:txBody>
+      </p:sp>
+      <p:sp>
+        <p:nvSpPr>
+          <p:cNvPr id="35" name="Ellipse 34"/>
+          <p:cNvSpPr/>
+          <p:nvPr/>
+        </p:nvSpPr>
+        <p:spPr>
+          <a:xfrm>
+            <a:off x="3786182" y="6072206"/>
+            <a:ext cx="142876" cy="142876"/>
+          </a:xfrm>
+          <a:prstGeom prst="ellipse">
+            <a:avLst/>
+          </a:prstGeom>
+          <a:solidFill>
+            <a:schemeClr val="bg1">
+              <a:lumMod val="50000"/>
+            </a:schemeClr>
+          </a:solidFill>
+          <a:ln>
+            <a:noFill/>
+          </a:ln>
+        </p:spPr>
+        <p:style>
+          <a:lnRef idx="2">
+            <a:schemeClr val="accent1">
+              <a:shade val="50000"/>
+            </a:schemeClr>
+          </a:lnRef>
+          <a:fillRef idx="1">
+            <a:schemeClr val="accent1"/>
+          </a:fillRef>
+          <a:effectRef idx="0">
+            <a:schemeClr val="accent1"/>
+          </a:effectRef>
+          <a:fontRef idx="minor">
+            <a:schemeClr val="lt1"/>
+          </a:fontRef>
+        </p:style>
+        <p:txBody>
+          <a:bodyPr rtlCol="0" anchor="ctr"/>
+          <a:lstStyle/>
+          <a:p>
+            <a:pPr algn="ctr"/>
+            <a:endParaRPr lang="de-DE"/>
+          </a:p>
+        </p:txBody>
+      </p:sp>
+      <p:sp>
+        <p:nvSpPr>
+          <p:cNvPr id="36" name="Ellipse 35"/>
+          <p:cNvSpPr/>
+          <p:nvPr/>
+        </p:nvSpPr>
+        <p:spPr>
+          <a:xfrm>
+            <a:off x="4643438" y="4786322"/>
+            <a:ext cx="142876" cy="142876"/>
+          </a:xfrm>
+          <a:prstGeom prst="ellipse">
+            <a:avLst/>
+          </a:prstGeom>
+          <a:solidFill>
+            <a:schemeClr val="tx1">
+              <a:lumMod val="95000"/>
+              <a:lumOff val="5000"/>
+            </a:schemeClr>
+          </a:solidFill>
+          <a:ln>
+            <a:noFill/>
+          </a:ln>
+        </p:spPr>
+        <p:style>
+          <a:lnRef idx="2">
+            <a:schemeClr val="accent1">
+              <a:shade val="50000"/>
+            </a:schemeClr>
+          </a:lnRef>
+          <a:fillRef idx="1">
+            <a:schemeClr val="accent1"/>
+          </a:fillRef>
+          <a:effectRef idx="0">
+            <a:schemeClr val="accent1"/>
+          </a:effectRef>
+          <a:fontRef idx="minor">
+            <a:schemeClr val="lt1"/>
+          </a:fontRef>
+        </p:style>
+        <p:txBody>
+          <a:bodyPr rtlCol="0" anchor="ctr"/>
+          <a:lstStyle/>
+          <a:p>
+            <a:pPr algn="ctr"/>
+            <a:endParaRPr lang="de-DE"/>
+          </a:p>
+        </p:txBody>
+      </p:sp>
+      <p:sp>
+        <p:nvSpPr>
+          <p:cNvPr id="37" name="Ellipse 36"/>
+          <p:cNvSpPr/>
+          <p:nvPr/>
+        </p:nvSpPr>
+        <p:spPr>
+          <a:xfrm>
+            <a:off x="4357686" y="5857892"/>
+            <a:ext cx="142876" cy="142876"/>
+          </a:xfrm>
+          <a:prstGeom prst="ellipse">
+            <a:avLst/>
+          </a:prstGeom>
+          <a:solidFill>
+            <a:schemeClr val="tx1">
+              <a:lumMod val="95000"/>
+              <a:lumOff val="5000"/>
+            </a:schemeClr>
+          </a:solidFill>
+          <a:ln>
+            <a:noFill/>
+          </a:ln>
+        </p:spPr>
+        <p:style>
+          <a:lnRef idx="2">
+            <a:schemeClr val="accent1">
+              <a:shade val="50000"/>
+            </a:schemeClr>
+          </a:lnRef>
+          <a:fillRef idx="1">
+            <a:schemeClr val="accent1"/>
+          </a:fillRef>
+          <a:effectRef idx="0">
+            <a:schemeClr val="accent1"/>
+          </a:effectRef>
+          <a:fontRef idx="minor">
+            <a:schemeClr val="lt1"/>
+          </a:fontRef>
+        </p:style>
+        <p:txBody>
+          <a:bodyPr rtlCol="0" anchor="ctr"/>
+          <a:lstStyle/>
+          <a:p>
+            <a:pPr algn="ctr"/>
+            <a:endParaRPr lang="de-DE"/>
+          </a:p>
+        </p:txBody>
+      </p:sp>
+      <p:sp>
+        <p:nvSpPr>
+          <p:cNvPr id="39" name="Ellipse 38"/>
+          <p:cNvSpPr/>
+          <p:nvPr/>
+        </p:nvSpPr>
+        <p:spPr>
+          <a:xfrm>
+            <a:off x="5072066" y="5643578"/>
+            <a:ext cx="142876" cy="142876"/>
+          </a:xfrm>
+          <a:prstGeom prst="ellipse">
+            <a:avLst/>
+          </a:prstGeom>
+          <a:solidFill>
+            <a:schemeClr val="tx1">
+              <a:lumMod val="95000"/>
+              <a:lumOff val="5000"/>
+            </a:schemeClr>
+          </a:solidFill>
+          <a:ln>
+            <a:noFill/>
+          </a:ln>
+        </p:spPr>
+        <p:style>
+          <a:lnRef idx="2">
+            <a:schemeClr val="accent1">
+              <a:shade val="50000"/>
+            </a:schemeClr>
+          </a:lnRef>
+          <a:fillRef idx="1">
+            <a:schemeClr val="accent1"/>
+          </a:fillRef>
+          <a:effectRef idx="0">
+            <a:schemeClr val="accent1"/>
+          </a:effectRef>
+          <a:fontRef idx="minor">
+            <a:schemeClr val="lt1"/>
+          </a:fontRef>
+        </p:style>
+        <p:txBody>
+          <a:bodyPr rtlCol="0" anchor="ctr"/>
+          <a:lstStyle/>
+          <a:p>
+            <a:pPr algn="ctr"/>
+            <a:endParaRPr lang="de-DE"/>
+          </a:p>
+        </p:txBody>
+      </p:sp>
+      <p:sp>
+        <p:nvSpPr>
+          <p:cNvPr id="41" name="Ellipse 40"/>
+          <p:cNvSpPr/>
+          <p:nvPr/>
+        </p:nvSpPr>
+        <p:spPr>
+          <a:xfrm>
+            <a:off x="5715008" y="4786322"/>
+            <a:ext cx="142876" cy="142876"/>
+          </a:xfrm>
+          <a:prstGeom prst="ellipse">
+            <a:avLst/>
+          </a:prstGeom>
+          <a:solidFill>
+            <a:schemeClr val="tx1">
+              <a:lumMod val="95000"/>
+              <a:lumOff val="5000"/>
+            </a:schemeClr>
+          </a:solidFill>
+          <a:ln>
+            <a:noFill/>
+          </a:ln>
+        </p:spPr>
+        <p:style>
+          <a:lnRef idx="2">
+            <a:schemeClr val="accent1">
+              <a:shade val="50000"/>
+            </a:schemeClr>
+          </a:lnRef>
+          <a:fillRef idx="1">
+            <a:schemeClr val="accent1"/>
+          </a:fillRef>
+          <a:effectRef idx="0">
+            <a:schemeClr val="accent1"/>
+          </a:effectRef>
+          <a:fontRef idx="minor">
+            <a:schemeClr val="lt1"/>
+          </a:fontRef>
+        </p:style>
+        <p:txBody>
+          <a:bodyPr rtlCol="0" anchor="ctr"/>
+          <a:lstStyle/>
+          <a:p>
+            <a:pPr algn="ctr"/>
+            <a:endParaRPr lang="de-DE"/>
+          </a:p>
+        </p:txBody>
+      </p:sp>
+      <p:sp>
+        <p:nvSpPr>
+          <p:cNvPr id="42" name="Ellipse 41"/>
+          <p:cNvSpPr/>
+          <p:nvPr/>
+        </p:nvSpPr>
+        <p:spPr>
+          <a:xfrm>
+            <a:off x="5715008" y="6000768"/>
+            <a:ext cx="142876" cy="142876"/>
+          </a:xfrm>
+          <a:prstGeom prst="ellipse">
+            <a:avLst/>
+          </a:prstGeom>
+          <a:solidFill>
+            <a:schemeClr val="bg1">
+              <a:lumMod val="50000"/>
+            </a:schemeClr>
+          </a:solidFill>
+          <a:ln>
+            <a:noFill/>
+          </a:ln>
+        </p:spPr>
+        <p:style>
+          <a:lnRef idx="2">
+            <a:schemeClr val="accent1">
+              <a:shade val="50000"/>
+            </a:schemeClr>
+          </a:lnRef>
+          <a:fillRef idx="1">
+            <a:schemeClr val="accent1"/>
+          </a:fillRef>
+          <a:effectRef idx="0">
+            <a:schemeClr val="accent1"/>
+          </a:effectRef>
+          <a:fontRef idx="minor">
+            <a:schemeClr val="lt1"/>
+          </a:fontRef>
+        </p:style>
+        <p:txBody>
+          <a:bodyPr rtlCol="0" anchor="ctr"/>
+          <a:lstStyle/>
+          <a:p>
+            <a:pPr algn="ctr"/>
+            <a:endParaRPr lang="de-DE"/>
+          </a:p>
+        </p:txBody>
+      </p:sp>
+      <p:sp>
+        <p:nvSpPr>
+          <p:cNvPr id="43" name="Ellipse 42"/>
+          <p:cNvSpPr/>
+          <p:nvPr/>
+        </p:nvSpPr>
+        <p:spPr>
+          <a:xfrm>
+            <a:off x="6286512" y="5572140"/>
+            <a:ext cx="142876" cy="142876"/>
+          </a:xfrm>
+          <a:prstGeom prst="ellipse">
+            <a:avLst/>
+          </a:prstGeom>
+          <a:solidFill>
+            <a:schemeClr val="bg1">
+              <a:lumMod val="50000"/>
+            </a:schemeClr>
+          </a:solidFill>
+          <a:ln>
+            <a:noFill/>
+          </a:ln>
+        </p:spPr>
+        <p:style>
+          <a:lnRef idx="2">
+            <a:schemeClr val="accent1">
+              <a:shade val="50000"/>
+            </a:schemeClr>
+          </a:lnRef>
+          <a:fillRef idx="1">
+            <a:schemeClr val="accent1"/>
+          </a:fillRef>
+          <a:effectRef idx="0">
+            <a:schemeClr val="accent1"/>
+          </a:effectRef>
+          <a:fontRef idx="minor">
+            <a:schemeClr val="lt1"/>
+          </a:fontRef>
+        </p:style>
+        <p:txBody>
+          <a:bodyPr rtlCol="0" anchor="ctr"/>
+          <a:lstStyle/>
+          <a:p>
+            <a:pPr algn="ctr"/>
+            <a:endParaRPr lang="de-DE"/>
+          </a:p>
+        </p:txBody>
+      </p:sp>
+      <p:sp>
+        <p:nvSpPr>
+          <p:cNvPr id="44" name="Ellipse 43"/>
+          <p:cNvSpPr/>
+          <p:nvPr/>
+        </p:nvSpPr>
+        <p:spPr>
+          <a:xfrm>
+            <a:off x="6429388" y="4714884"/>
+            <a:ext cx="142876" cy="142876"/>
+          </a:xfrm>
+          <a:prstGeom prst="ellipse">
+            <a:avLst/>
+          </a:prstGeom>
+          <a:solidFill>
+            <a:schemeClr val="tx1">
+              <a:lumMod val="95000"/>
+              <a:lumOff val="5000"/>
+            </a:schemeClr>
+          </a:solidFill>
+          <a:ln>
+            <a:noFill/>
+          </a:ln>
+        </p:spPr>
+        <p:style>
+          <a:lnRef idx="2">
+            <a:schemeClr val="accent1">
+              <a:shade val="50000"/>
+            </a:schemeClr>
+          </a:lnRef>
+          <a:fillRef idx="1">
+            <a:schemeClr val="accent1"/>
+          </a:fillRef>
+          <a:effectRef idx="0">
+            <a:schemeClr val="accent1"/>
+          </a:effectRef>
+          <a:fontRef idx="minor">
+            <a:schemeClr val="lt1"/>
+          </a:fontRef>
+        </p:style>
+        <p:txBody>
+          <a:bodyPr rtlCol="0" anchor="ctr"/>
+          <a:lstStyle/>
+          <a:p>
+            <a:pPr algn="ctr"/>
+            <a:endParaRPr lang="de-DE"/>
+          </a:p>
+        </p:txBody>
+      </p:sp>
+      <p:sp>
+        <p:nvSpPr>
+          <p:cNvPr id="45" name="Ellipse 44"/>
+          <p:cNvSpPr/>
+          <p:nvPr/>
+        </p:nvSpPr>
+        <p:spPr>
+          <a:xfrm>
+            <a:off x="7000892" y="5857892"/>
+            <a:ext cx="142876" cy="142876"/>
+          </a:xfrm>
+          <a:prstGeom prst="ellipse">
+            <a:avLst/>
+          </a:prstGeom>
+          <a:solidFill>
+            <a:schemeClr val="bg1">
+              <a:lumMod val="50000"/>
+            </a:schemeClr>
+          </a:solidFill>
+          <a:ln>
+            <a:noFill/>
+          </a:ln>
+        </p:spPr>
+        <p:style>
+          <a:lnRef idx="2">
+            <a:schemeClr val="accent1">
+              <a:shade val="50000"/>
+            </a:schemeClr>
+          </a:lnRef>
+          <a:fillRef idx="1">
+            <a:schemeClr val="accent1"/>
+          </a:fillRef>
+          <a:effectRef idx="0">
+            <a:schemeClr val="accent1"/>
+          </a:effectRef>
+          <a:fontRef idx="minor">
+            <a:schemeClr val="lt1"/>
+          </a:fontRef>
+        </p:style>
+        <p:txBody>
+          <a:bodyPr rtlCol="0" anchor="ctr"/>
+          <a:lstStyle/>
+          <a:p>
+            <a:pPr algn="ctr"/>
+            <a:endParaRPr lang="de-DE"/>
+          </a:p>
+        </p:txBody>
+      </p:sp>
+      <p:sp>
+        <p:nvSpPr>
+          <p:cNvPr id="46" name="Ellipse 45"/>
+          <p:cNvSpPr/>
+          <p:nvPr/>
+        </p:nvSpPr>
+        <p:spPr>
+          <a:xfrm>
+            <a:off x="7143768" y="4643446"/>
+            <a:ext cx="142876" cy="142876"/>
+          </a:xfrm>
+          <a:prstGeom prst="ellipse">
+            <a:avLst/>
+          </a:prstGeom>
+          <a:solidFill>
+            <a:schemeClr val="bg1">
+              <a:lumMod val="50000"/>
+            </a:schemeClr>
+          </a:solidFill>
+          <a:ln>
+            <a:noFill/>
+          </a:ln>
+        </p:spPr>
+        <p:style>
+          <a:lnRef idx="2">
+            <a:schemeClr val="accent1">
+              <a:shade val="50000"/>
+            </a:schemeClr>
+          </a:lnRef>
+          <a:fillRef idx="1">
+            <a:schemeClr val="accent1"/>
+          </a:fillRef>
+          <a:effectRef idx="0">
+            <a:schemeClr val="accent1"/>
+          </a:effectRef>
+          <a:fontRef idx="minor">
+            <a:schemeClr val="lt1"/>
+          </a:fontRef>
+        </p:style>
+        <p:txBody>
+          <a:bodyPr rtlCol="0" anchor="ctr"/>
+          <a:lstStyle/>
+          <a:p>
+            <a:pPr algn="ctr"/>
+            <a:endParaRPr lang="de-DE"/>
+          </a:p>
+        </p:txBody>
+      </p:sp>
+      <p:sp>
+        <p:nvSpPr>
+          <p:cNvPr id="81" name="Pfeil nach unten 80"/>
+          <p:cNvSpPr/>
+          <p:nvPr/>
+        </p:nvSpPr>
+        <p:spPr>
+          <a:xfrm>
+            <a:off x="4786314" y="3857628"/>
+            <a:ext cx="142876" cy="142876"/>
+          </a:xfrm>
+          <a:prstGeom prst="downArrow">
+            <a:avLst/>
+          </a:prstGeom>
+          <a:solidFill>
+            <a:schemeClr val="tx1"/>
+          </a:solidFill>
+          <a:ln>
+            <a:noFill/>
+          </a:ln>
+        </p:spPr>
+        <p:style>
+          <a:lnRef idx="2">
+            <a:schemeClr val="accent1">
+              <a:shade val="50000"/>
+            </a:schemeClr>
+          </a:lnRef>
+          <a:fillRef idx="1">
+            <a:schemeClr val="accent1"/>
+          </a:fillRef>
+          <a:effectRef idx="0">
+            <a:schemeClr val="accent1"/>
+          </a:effectRef>
+          <a:fontRef idx="minor">
+            <a:schemeClr val="lt1"/>
+          </a:fontRef>
+        </p:style>
+        <p:txBody>
+          <a:bodyPr rtlCol="0" anchor="ctr"/>
+          <a:lstStyle/>
+          <a:p>
+            <a:pPr algn="ctr"/>
+            <a:endParaRPr lang="de-DE"/>
+          </a:p>
+        </p:txBody>
+      </p:sp>
+      <p:sp>
+        <p:nvSpPr>
+          <p:cNvPr id="82" name="Ellipse 81"/>
+          <p:cNvSpPr/>
+          <p:nvPr/>
+        </p:nvSpPr>
+        <p:spPr>
+          <a:xfrm>
+            <a:off x="2857488" y="2786058"/>
+            <a:ext cx="142876" cy="142876"/>
+          </a:xfrm>
+          <a:prstGeom prst="ellipse">
+            <a:avLst/>
+          </a:prstGeom>
+          <a:solidFill>
+            <a:schemeClr val="bg1">
+              <a:lumMod val="50000"/>
+            </a:schemeClr>
+          </a:solidFill>
+          <a:ln>
+            <a:noFill/>
+          </a:ln>
+        </p:spPr>
+        <p:style>
+          <a:lnRef idx="2">
+            <a:schemeClr val="accent1">
+              <a:shade val="50000"/>
+            </a:schemeClr>
+          </a:lnRef>
+          <a:fillRef idx="1">
+            <a:schemeClr val="accent1"/>
+          </a:fillRef>
+          <a:effectRef idx="0">
+            <a:schemeClr val="accent1"/>
+          </a:effectRef>
+          <a:fontRef idx="minor">
+            <a:schemeClr val="lt1"/>
+          </a:fontRef>
+        </p:style>
+        <p:txBody>
+          <a:bodyPr rtlCol="0" anchor="ctr"/>
+          <a:lstStyle/>
+          <a:p>
+            <a:pPr algn="ctr"/>
+            <a:endParaRPr lang="de-DE"/>
+          </a:p>
+        </p:txBody>
+      </p:sp>
+      <p:sp>
+        <p:nvSpPr>
+          <p:cNvPr id="85" name="Ellipse 84"/>
+          <p:cNvSpPr/>
+          <p:nvPr/>
+        </p:nvSpPr>
+        <p:spPr>
+          <a:xfrm>
+            <a:off x="2071670" y="3214686"/>
+            <a:ext cx="142876" cy="142876"/>
+          </a:xfrm>
+          <a:prstGeom prst="ellipse">
+            <a:avLst/>
+          </a:prstGeom>
+          <a:solidFill>
+            <a:schemeClr val="bg1">
+              <a:lumMod val="50000"/>
+            </a:schemeClr>
+          </a:solidFill>
+          <a:ln>
+            <a:noFill/>
+          </a:ln>
+        </p:spPr>
+        <p:style>
+          <a:lnRef idx="2">
+            <a:schemeClr val="accent1">
+              <a:shade val="50000"/>
+            </a:schemeClr>
+          </a:lnRef>
+          <a:fillRef idx="1">
+            <a:schemeClr val="accent1"/>
+          </a:fillRef>
+          <a:effectRef idx="0">
+            <a:schemeClr val="accent1"/>
+          </a:effectRef>
+          <a:fontRef idx="minor">
+            <a:schemeClr val="lt1"/>
+          </a:fontRef>
+        </p:style>
+        <p:txBody>
+          <a:bodyPr rtlCol="0" anchor="ctr"/>
+          <a:lstStyle/>
+          <a:p>
+            <a:pPr algn="ctr"/>
+            <a:endParaRPr lang="de-DE"/>
+          </a:p>
+        </p:txBody>
+      </p:sp>
+      <p:sp>
+        <p:nvSpPr>
+          <p:cNvPr id="86" name="Ellipse 85"/>
+          <p:cNvSpPr/>
+          <p:nvPr/>
+        </p:nvSpPr>
+        <p:spPr>
+          <a:xfrm>
+            <a:off x="3286116" y="3786190"/>
+            <a:ext cx="142876" cy="142876"/>
+          </a:xfrm>
+          <a:prstGeom prst="ellipse">
+            <a:avLst/>
+          </a:prstGeom>
+          <a:solidFill>
+            <a:schemeClr val="tx1">
+              <a:lumMod val="95000"/>
+              <a:lumOff val="5000"/>
+            </a:schemeClr>
+          </a:solidFill>
+          <a:ln>
+            <a:noFill/>
+          </a:ln>
+        </p:spPr>
+        <p:style>
+          <a:lnRef idx="2">
+            <a:schemeClr val="accent1">
+              <a:shade val="50000"/>
+            </a:schemeClr>
+          </a:lnRef>
+          <a:fillRef idx="1">
+            <a:schemeClr val="accent1"/>
+          </a:fillRef>
+          <a:effectRef idx="0">
+            <a:schemeClr val="accent1"/>
+          </a:effectRef>
+          <a:fontRef idx="minor">
+            <a:schemeClr val="lt1"/>
+          </a:fontRef>
+        </p:style>
+        <p:txBody>
+          <a:bodyPr rtlCol="0" anchor="ctr"/>
+          <a:lstStyle/>
+          <a:p>
+            <a:pPr algn="ctr"/>
+            <a:endParaRPr lang="de-DE"/>
+          </a:p>
+        </p:txBody>
+      </p:sp>
+      <p:sp>
+        <p:nvSpPr>
+          <p:cNvPr id="89" name="Ellipse 88"/>
+          <p:cNvSpPr/>
+          <p:nvPr/>
+        </p:nvSpPr>
+        <p:spPr>
+          <a:xfrm>
+            <a:off x="1857356" y="2000240"/>
+            <a:ext cx="142876" cy="142876"/>
+          </a:xfrm>
+          <a:prstGeom prst="ellipse">
+            <a:avLst/>
+          </a:prstGeom>
+          <a:solidFill>
+            <a:schemeClr val="bg1">
+              <a:lumMod val="50000"/>
+            </a:schemeClr>
+          </a:solidFill>
+          <a:ln>
+            <a:noFill/>
+          </a:ln>
+        </p:spPr>
+        <p:style>
+          <a:lnRef idx="2">
+            <a:schemeClr val="accent1">
+              <a:shade val="50000"/>
+            </a:schemeClr>
+          </a:lnRef>
+          <a:fillRef idx="1">
+            <a:schemeClr val="accent1"/>
+          </a:fillRef>
+          <a:effectRef idx="0">
+            <a:schemeClr val="accent1"/>
+          </a:effectRef>
+          <a:fontRef idx="minor">
+            <a:schemeClr val="lt1"/>
+          </a:fontRef>
+        </p:style>
+        <p:txBody>
+          <a:bodyPr rtlCol="0" anchor="ctr"/>
+          <a:lstStyle/>
+          <a:p>
+            <a:pPr algn="ctr"/>
+            <a:endParaRPr lang="de-DE"/>
+          </a:p>
+        </p:txBody>
+      </p:sp>
+      <p:sp>
+        <p:nvSpPr>
+          <p:cNvPr id="90" name="Ellipse 89"/>
+          <p:cNvSpPr/>
+          <p:nvPr/>
+        </p:nvSpPr>
+        <p:spPr>
+          <a:xfrm>
+            <a:off x="2714612" y="928670"/>
+            <a:ext cx="142876" cy="142876"/>
+          </a:xfrm>
+          <a:prstGeom prst="ellipse">
+            <a:avLst/>
+          </a:prstGeom>
+          <a:solidFill>
+            <a:schemeClr val="bg1">
+              <a:lumMod val="50000"/>
+            </a:schemeClr>
+          </a:solidFill>
+          <a:ln>
+            <a:noFill/>
+          </a:ln>
+        </p:spPr>
+        <p:style>
+          <a:lnRef idx="2">
+            <a:schemeClr val="accent1">
+              <a:shade val="50000"/>
+            </a:schemeClr>
+          </a:lnRef>
+          <a:fillRef idx="1">
+            <a:schemeClr val="accent1"/>
+          </a:fillRef>
+          <a:effectRef idx="0">
+            <a:schemeClr val="accent1"/>
+          </a:effectRef>
+          <a:fontRef idx="minor">
+            <a:schemeClr val="lt1"/>
+          </a:fontRef>
+        </p:style>
+        <p:txBody>
+          <a:bodyPr rtlCol="0" anchor="ctr"/>
+          <a:lstStyle/>
+          <a:p>
+            <a:pPr algn="ctr"/>
+            <a:endParaRPr lang="de-DE"/>
+          </a:p>
+        </p:txBody>
+      </p:sp>
+      <p:sp>
+        <p:nvSpPr>
+          <p:cNvPr id="91" name="Ellipse 90"/>
+          <p:cNvSpPr/>
+          <p:nvPr/>
+        </p:nvSpPr>
+        <p:spPr>
+          <a:xfrm>
+            <a:off x="2000232" y="1285860"/>
+            <a:ext cx="142876" cy="142876"/>
+          </a:xfrm>
+          <a:prstGeom prst="ellipse">
+            <a:avLst/>
+          </a:prstGeom>
+          <a:solidFill>
+            <a:schemeClr val="bg1">
+              <a:lumMod val="50000"/>
+            </a:schemeClr>
+          </a:solidFill>
+          <a:ln>
+            <a:noFill/>
+          </a:ln>
+        </p:spPr>
+        <p:style>
+          <a:lnRef idx="2">
+            <a:schemeClr val="accent1">
+              <a:shade val="50000"/>
+            </a:schemeClr>
+          </a:lnRef>
+          <a:fillRef idx="1">
+            <a:schemeClr val="accent1"/>
+          </a:fillRef>
+          <a:effectRef idx="0">
+            <a:schemeClr val="accent1"/>
+          </a:effectRef>
+          <a:fontRef idx="minor">
+            <a:schemeClr val="lt1"/>
+          </a:fontRef>
+        </p:style>
+        <p:txBody>
+          <a:bodyPr rtlCol="0" anchor="ctr"/>
+          <a:lstStyle/>
+          <a:p>
+            <a:pPr algn="ctr"/>
+            <a:endParaRPr lang="de-DE"/>
+          </a:p>
+        </p:txBody>
+      </p:sp>
+      <p:sp>
+        <p:nvSpPr>
+          <p:cNvPr id="92" name="Ellipse 91"/>
+          <p:cNvSpPr/>
+          <p:nvPr/>
+        </p:nvSpPr>
+        <p:spPr>
+          <a:xfrm>
+            <a:off x="3000364" y="2000240"/>
+            <a:ext cx="142876" cy="142876"/>
+          </a:xfrm>
+          <a:prstGeom prst="ellipse">
+            <a:avLst/>
+          </a:prstGeom>
+          <a:solidFill>
+            <a:schemeClr val="bg1">
+              <a:lumMod val="50000"/>
+            </a:schemeClr>
+          </a:solidFill>
+          <a:ln>
+            <a:noFill/>
+          </a:ln>
+        </p:spPr>
+        <p:style>
+          <a:lnRef idx="2">
+            <a:schemeClr val="accent1">
+              <a:shade val="50000"/>
+            </a:schemeClr>
+          </a:lnRef>
+          <a:fillRef idx="1">
+            <a:schemeClr val="accent1"/>
+          </a:fillRef>
+          <a:effectRef idx="0">
+            <a:schemeClr val="accent1"/>
+          </a:effectRef>
+          <a:fontRef idx="minor">
+            <a:schemeClr val="lt1"/>
+          </a:fontRef>
+        </p:style>
+        <p:txBody>
+          <a:bodyPr rtlCol="0" anchor="ctr"/>
+          <a:lstStyle/>
+          <a:p>
+            <a:pPr algn="ctr"/>
+            <a:endParaRPr lang="de-DE"/>
+          </a:p>
+        </p:txBody>
+      </p:sp>
+      <p:sp>
+        <p:nvSpPr>
+          <p:cNvPr id="94" name="Ellipse 93"/>
+          <p:cNvSpPr/>
+          <p:nvPr/>
+        </p:nvSpPr>
+        <p:spPr>
+          <a:xfrm>
+            <a:off x="5072066" y="714356"/>
+            <a:ext cx="142876" cy="142876"/>
+          </a:xfrm>
+          <a:prstGeom prst="ellipse">
+            <a:avLst/>
+          </a:prstGeom>
+          <a:solidFill>
+            <a:schemeClr val="bg1">
+              <a:lumMod val="50000"/>
+            </a:schemeClr>
+          </a:solidFill>
+          <a:ln>
+            <a:noFill/>
+          </a:ln>
+        </p:spPr>
+        <p:style>
+          <a:lnRef idx="2">
+            <a:schemeClr val="accent1">
+              <a:shade val="50000"/>
+            </a:schemeClr>
+          </a:lnRef>
+          <a:fillRef idx="1">
+            <a:schemeClr val="accent1"/>
+          </a:fillRef>
+          <a:effectRef idx="0">
+            <a:schemeClr val="accent1"/>
+          </a:effectRef>
+          <a:fontRef idx="minor">
+            <a:schemeClr val="lt1"/>
+          </a:fontRef>
+        </p:style>
+        <p:txBody>
+          <a:bodyPr rtlCol="0" anchor="ctr"/>
+          <a:lstStyle/>
+          <a:p>
+            <a:pPr algn="ctr"/>
+            <a:endParaRPr lang="de-DE"/>
+          </a:p>
+        </p:txBody>
+      </p:sp>
+      <p:sp>
+        <p:nvSpPr>
+          <p:cNvPr id="95" name="Ellipse 94"/>
+          <p:cNvSpPr/>
+          <p:nvPr/>
+        </p:nvSpPr>
+        <p:spPr>
+          <a:xfrm>
+            <a:off x="3857620" y="1785926"/>
+            <a:ext cx="142876" cy="142876"/>
+          </a:xfrm>
+          <a:prstGeom prst="ellipse">
+            <a:avLst/>
+          </a:prstGeom>
+          <a:solidFill>
+            <a:schemeClr val="bg1">
+              <a:lumMod val="50000"/>
+            </a:schemeClr>
+          </a:solidFill>
+          <a:ln>
+            <a:noFill/>
+          </a:ln>
+        </p:spPr>
+        <p:style>
+          <a:lnRef idx="2">
+            <a:schemeClr val="accent1">
+              <a:shade val="50000"/>
+            </a:schemeClr>
+          </a:lnRef>
+          <a:fillRef idx="1">
+            <a:schemeClr val="accent1"/>
+          </a:fillRef>
+          <a:effectRef idx="0">
+            <a:schemeClr val="accent1"/>
+          </a:effectRef>
+          <a:fontRef idx="minor">
+            <a:schemeClr val="lt1"/>
+          </a:fontRef>
+        </p:style>
+        <p:txBody>
+          <a:bodyPr rtlCol="0" anchor="ctr"/>
+          <a:lstStyle/>
+          <a:p>
+            <a:pPr algn="ctr"/>
+            <a:endParaRPr lang="de-DE"/>
+          </a:p>
+        </p:txBody>
+      </p:sp>
+      <p:sp>
+        <p:nvSpPr>
+          <p:cNvPr id="96" name="Ellipse 95"/>
+          <p:cNvSpPr/>
+          <p:nvPr/>
+        </p:nvSpPr>
+        <p:spPr>
+          <a:xfrm>
+            <a:off x="4357686" y="714356"/>
+            <a:ext cx="142876" cy="142876"/>
+          </a:xfrm>
+          <a:prstGeom prst="ellipse">
+            <a:avLst/>
+          </a:prstGeom>
+          <a:solidFill>
+            <a:schemeClr val="bg1">
+              <a:lumMod val="50000"/>
+            </a:schemeClr>
+          </a:solidFill>
+          <a:ln>
+            <a:noFill/>
+          </a:ln>
+        </p:spPr>
+        <p:style>
+          <a:lnRef idx="2">
+            <a:schemeClr val="accent1">
+              <a:shade val="50000"/>
+            </a:schemeClr>
+          </a:lnRef>
+          <a:fillRef idx="1">
+            <a:schemeClr val="accent1"/>
+          </a:fillRef>
+          <a:effectRef idx="0">
+            <a:schemeClr val="accent1"/>
+          </a:effectRef>
+          <a:fontRef idx="minor">
+            <a:schemeClr val="lt1"/>
+          </a:fontRef>
+        </p:style>
+        <p:txBody>
+          <a:bodyPr rtlCol="0" anchor="ctr"/>
+          <a:lstStyle/>
+          <a:p>
+            <a:pPr algn="ctr"/>
+            <a:endParaRPr lang="de-DE"/>
+          </a:p>
+        </p:txBody>
+      </p:sp>
+      <p:sp>
+        <p:nvSpPr>
+          <p:cNvPr id="98" name="Ellipse 97"/>
+          <p:cNvSpPr/>
+          <p:nvPr/>
+        </p:nvSpPr>
+        <p:spPr>
+          <a:xfrm>
+            <a:off x="4572000" y="2071678"/>
+            <a:ext cx="142876" cy="142876"/>
+          </a:xfrm>
+          <a:prstGeom prst="ellipse">
+            <a:avLst/>
+          </a:prstGeom>
+          <a:solidFill>
+            <a:schemeClr val="bg1">
+              <a:lumMod val="50000"/>
+            </a:schemeClr>
+          </a:solidFill>
+          <a:ln>
+            <a:noFill/>
+          </a:ln>
+        </p:spPr>
+        <p:style>
+          <a:lnRef idx="2">
+            <a:schemeClr val="accent1">
+              <a:shade val="50000"/>
+            </a:schemeClr>
+          </a:lnRef>
+          <a:fillRef idx="1">
+            <a:schemeClr val="accent1"/>
+          </a:fillRef>
+          <a:effectRef idx="0">
+            <a:schemeClr val="accent1"/>
+          </a:effectRef>
+          <a:fontRef idx="minor">
+            <a:schemeClr val="lt1"/>
+          </a:fontRef>
+        </p:style>
+        <p:txBody>
+          <a:bodyPr rtlCol="0" anchor="ctr"/>
+          <a:lstStyle/>
+          <a:p>
+            <a:pPr algn="ctr"/>
+            <a:endParaRPr lang="de-DE"/>
+          </a:p>
+        </p:txBody>
+      </p:sp>
+      <p:sp>
+        <p:nvSpPr>
+          <p:cNvPr id="99" name="Ellipse 98"/>
+          <p:cNvSpPr/>
+          <p:nvPr/>
+        </p:nvSpPr>
+        <p:spPr>
+          <a:xfrm>
+            <a:off x="5000628" y="1500174"/>
+            <a:ext cx="142876" cy="142876"/>
+          </a:xfrm>
+          <a:prstGeom prst="ellipse">
+            <a:avLst/>
+          </a:prstGeom>
+          <a:solidFill>
+            <a:schemeClr val="bg1">
+              <a:lumMod val="50000"/>
+            </a:schemeClr>
+          </a:solidFill>
+          <a:ln>
+            <a:noFill/>
+          </a:ln>
+        </p:spPr>
+        <p:style>
+          <a:lnRef idx="2">
+            <a:schemeClr val="accent1">
+              <a:shade val="50000"/>
+            </a:schemeClr>
+          </a:lnRef>
+          <a:fillRef idx="1">
+            <a:schemeClr val="accent1"/>
+          </a:fillRef>
+          <a:effectRef idx="0">
+            <a:schemeClr val="accent1"/>
+          </a:effectRef>
+          <a:fontRef idx="minor">
+            <a:schemeClr val="lt1"/>
+          </a:fontRef>
+        </p:style>
+        <p:txBody>
+          <a:bodyPr rtlCol="0" anchor="ctr"/>
+          <a:lstStyle/>
+          <a:p>
+            <a:pPr algn="ctr"/>
+            <a:endParaRPr lang="de-DE"/>
+          </a:p>
+        </p:txBody>
+      </p:sp>
+      <p:sp>
+        <p:nvSpPr>
+          <p:cNvPr id="100" name="Ellipse 99"/>
+          <p:cNvSpPr/>
+          <p:nvPr/>
+        </p:nvSpPr>
+        <p:spPr>
+          <a:xfrm>
+            <a:off x="6000760" y="1285860"/>
+            <a:ext cx="142876" cy="142876"/>
+          </a:xfrm>
+          <a:prstGeom prst="ellipse">
+            <a:avLst/>
+          </a:prstGeom>
+          <a:solidFill>
+            <a:schemeClr val="bg1">
+              <a:lumMod val="50000"/>
+            </a:schemeClr>
+          </a:solidFill>
+          <a:ln>
+            <a:noFill/>
+          </a:ln>
+        </p:spPr>
+        <p:style>
+          <a:lnRef idx="2">
+            <a:schemeClr val="accent1">
+              <a:shade val="50000"/>
+            </a:schemeClr>
+          </a:lnRef>
+          <a:fillRef idx="1">
+            <a:schemeClr val="accent1"/>
+          </a:fillRef>
+          <a:effectRef idx="0">
+            <a:schemeClr val="accent1"/>
+          </a:effectRef>
+          <a:fontRef idx="minor">
+            <a:schemeClr val="lt1"/>
+          </a:fontRef>
+        </p:style>
+        <p:txBody>
+          <a:bodyPr rtlCol="0" anchor="ctr"/>
+          <a:lstStyle/>
+          <a:p>
+            <a:pPr algn="ctr"/>
+            <a:endParaRPr lang="de-DE"/>
+          </a:p>
+        </p:txBody>
+      </p:sp>
+      <p:sp>
+        <p:nvSpPr>
+          <p:cNvPr id="102" name="Ellipse 101"/>
+          <p:cNvSpPr/>
+          <p:nvPr/>
+        </p:nvSpPr>
+        <p:spPr>
+          <a:xfrm>
+            <a:off x="6000760" y="714356"/>
+            <a:ext cx="142876" cy="142876"/>
+          </a:xfrm>
+          <a:prstGeom prst="ellipse">
+            <a:avLst/>
+          </a:prstGeom>
+          <a:solidFill>
+            <a:schemeClr val="bg1">
+              <a:lumMod val="50000"/>
+            </a:schemeClr>
+          </a:solidFill>
+          <a:ln>
+            <a:noFill/>
+          </a:ln>
+        </p:spPr>
+        <p:style>
+          <a:lnRef idx="2">
+            <a:schemeClr val="accent1">
+              <a:shade val="50000"/>
+            </a:schemeClr>
+          </a:lnRef>
+          <a:fillRef idx="1">
+            <a:schemeClr val="accent1"/>
+          </a:fillRef>
+          <a:effectRef idx="0">
+            <a:schemeClr val="accent1"/>
+          </a:effectRef>
+          <a:fontRef idx="minor">
+            <a:schemeClr val="lt1"/>
+          </a:fontRef>
+        </p:style>
+        <p:txBody>
+          <a:bodyPr rtlCol="0" anchor="ctr"/>
+          <a:lstStyle/>
+          <a:p>
+            <a:pPr algn="ctr"/>
+            <a:endParaRPr lang="de-DE"/>
+          </a:p>
+        </p:txBody>
+      </p:sp>
+      <p:sp>
+        <p:nvSpPr>
+          <p:cNvPr id="103" name="Ellipse 102"/>
+          <p:cNvSpPr/>
+          <p:nvPr/>
+        </p:nvSpPr>
+        <p:spPr>
+          <a:xfrm>
+            <a:off x="7000892" y="1071546"/>
+            <a:ext cx="142876" cy="142876"/>
+          </a:xfrm>
+          <a:prstGeom prst="ellipse">
+            <a:avLst/>
+          </a:prstGeom>
+          <a:solidFill>
+            <a:schemeClr val="bg1">
+              <a:lumMod val="50000"/>
+            </a:schemeClr>
+          </a:solidFill>
+          <a:ln>
+            <a:noFill/>
+          </a:ln>
+        </p:spPr>
+        <p:style>
+          <a:lnRef idx="2">
+            <a:schemeClr val="accent1">
+              <a:shade val="50000"/>
+            </a:schemeClr>
+          </a:lnRef>
+          <a:fillRef idx="1">
+            <a:schemeClr val="accent1"/>
+          </a:fillRef>
+          <a:effectRef idx="0">
+            <a:schemeClr val="accent1"/>
+          </a:effectRef>
+          <a:fontRef idx="minor">
+            <a:schemeClr val="lt1"/>
+          </a:fontRef>
+        </p:style>
+        <p:txBody>
+          <a:bodyPr rtlCol="0" anchor="ctr"/>
+          <a:lstStyle/>
+          <a:p>
+            <a:pPr algn="ctr"/>
+            <a:endParaRPr lang="de-DE"/>
+          </a:p>
+        </p:txBody>
+      </p:sp>
+      <p:sp>
+        <p:nvSpPr>
+          <p:cNvPr id="104" name="Ellipse 103"/>
+          <p:cNvSpPr/>
+          <p:nvPr/>
+        </p:nvSpPr>
+        <p:spPr>
+          <a:xfrm>
+            <a:off x="7072330" y="2214554"/>
+            <a:ext cx="142876" cy="142876"/>
+          </a:xfrm>
+          <a:prstGeom prst="ellipse">
+            <a:avLst/>
+          </a:prstGeom>
+          <a:solidFill>
+            <a:schemeClr val="bg1">
+              <a:lumMod val="50000"/>
+            </a:schemeClr>
+          </a:solidFill>
+          <a:ln>
+            <a:noFill/>
+          </a:ln>
+        </p:spPr>
+        <p:style>
+          <a:lnRef idx="2">
+            <a:schemeClr val="accent1">
+              <a:shade val="50000"/>
+            </a:schemeClr>
+          </a:lnRef>
+          <a:fillRef idx="1">
+            <a:schemeClr val="accent1"/>
+          </a:fillRef>
+          <a:effectRef idx="0">
+            <a:schemeClr val="accent1"/>
+          </a:effectRef>
+          <a:fontRef idx="minor">
+            <a:schemeClr val="lt1"/>
+          </a:fontRef>
+        </p:style>
+        <p:txBody>
+          <a:bodyPr rtlCol="0" anchor="ctr"/>
+          <a:lstStyle/>
+          <a:p>
+            <a:pPr algn="ctr"/>
+            <a:endParaRPr lang="de-DE"/>
+          </a:p>
+        </p:txBody>
+      </p:sp>
+      <p:sp>
+        <p:nvSpPr>
+          <p:cNvPr id="106" name="Ellipse 105"/>
+          <p:cNvSpPr/>
+          <p:nvPr/>
+        </p:nvSpPr>
+        <p:spPr>
+          <a:xfrm>
+            <a:off x="2357422" y="4000504"/>
+            <a:ext cx="142876" cy="142876"/>
+          </a:xfrm>
+          <a:prstGeom prst="ellipse">
+            <a:avLst/>
+          </a:prstGeom>
+          <a:solidFill>
+            <a:schemeClr val="bg1">
+              <a:lumMod val="50000"/>
+            </a:schemeClr>
+          </a:solidFill>
+          <a:ln>
+            <a:noFill/>
+          </a:ln>
+        </p:spPr>
+        <p:style>
+          <a:lnRef idx="2">
+            <a:schemeClr val="accent1">
+              <a:shade val="50000"/>
+            </a:schemeClr>
+          </a:lnRef>
+          <a:fillRef idx="1">
+            <a:schemeClr val="accent1"/>
+          </a:fillRef>
+          <a:effectRef idx="0">
+            <a:schemeClr val="accent1"/>
+          </a:effectRef>
+          <a:fontRef idx="minor">
+            <a:schemeClr val="lt1"/>
+          </a:fontRef>
+        </p:style>
+        <p:txBody>
+          <a:bodyPr rtlCol="0" anchor="ctr"/>
+          <a:lstStyle/>
+          <a:p>
+            <a:pPr algn="ctr"/>
+            <a:endParaRPr lang="de-DE"/>
+          </a:p>
+        </p:txBody>
+      </p:sp>
+      <p:sp>
+        <p:nvSpPr>
+          <p:cNvPr id="107" name="Ellipse 106"/>
+          <p:cNvSpPr/>
+          <p:nvPr/>
+        </p:nvSpPr>
+        <p:spPr>
+          <a:xfrm>
+            <a:off x="2952932" y="2214258"/>
+            <a:ext cx="3857652" cy="3857652"/>
+          </a:xfrm>
+          <a:prstGeom prst="ellipse">
+            <a:avLst/>
+          </a:prstGeom>
+          <a:noFill/>
+          <a:ln>
+            <a:solidFill>
+              <a:schemeClr val="tx1"/>
+            </a:solidFill>
+          </a:ln>
+        </p:spPr>
+        <p:style>
+          <a:lnRef idx="2">
+            <a:schemeClr val="accent1">
+              <a:shade val="50000"/>
+            </a:schemeClr>
+          </a:lnRef>
+          <a:fillRef idx="1">
+            <a:schemeClr val="accent1"/>
+          </a:fillRef>
+          <a:effectRef idx="0">
+            <a:schemeClr val="accent1"/>
+          </a:effectRef>
+          <a:fontRef idx="minor">
+            <a:schemeClr val="lt1"/>
+          </a:fontRef>
+        </p:style>
+        <p:txBody>
+          <a:bodyPr rtlCol="0" anchor="ctr"/>
+          <a:lstStyle/>
+          <a:p>
+            <a:pPr algn="ctr"/>
+            <a:endParaRPr lang="de-DE"/>
+          </a:p>
+        </p:txBody>
+      </p:sp>
+      <p:grpSp>
+        <p:nvGrpSpPr>
+          <p:cNvPr id="120" name="Gruppieren 119"/>
+          <p:cNvGrpSpPr/>
+          <p:nvPr/>
+        </p:nvGrpSpPr>
+        <p:grpSpPr>
+          <a:xfrm>
+            <a:off x="3571074" y="0"/>
+            <a:ext cx="1930414" cy="429398"/>
+            <a:chOff x="3571074" y="0"/>
+            <a:chExt cx="1930414" cy="429398"/>
+          </a:xfrm>
+        </p:grpSpPr>
+        <p:cxnSp>
+          <p:nvCxnSpPr>
+            <p:cNvPr id="111" name="Gerade Verbindung 110"/>
+            <p:cNvCxnSpPr/>
+            <p:nvPr/>
+          </p:nvCxnSpPr>
+          <p:spPr>
+            <a:xfrm rot="10800000" flipH="1">
+              <a:off x="3571868" y="285728"/>
+              <a:ext cx="1928826" cy="1588"/>
+            </a:xfrm>
+            <a:prstGeom prst="line">
+              <a:avLst/>
+            </a:prstGeom>
+            <a:ln>
+              <a:solidFill>
+                <a:schemeClr val="tx1"/>
+              </a:solidFill>
+            </a:ln>
+          </p:spPr>
+          <p:style>
+            <a:lnRef idx="1">
+              <a:schemeClr val="accent1"/>
+            </a:lnRef>
+            <a:fillRef idx="0">
+              <a:schemeClr val="accent1"/>
+            </a:fillRef>
+            <a:effectRef idx="0">
+              <a:schemeClr val="accent1"/>
+            </a:effectRef>
+            <a:fontRef idx="minor">
+              <a:schemeClr val="tx1"/>
+            </a:fontRef>
+          </p:style>
+        </p:cxnSp>
+        <p:cxnSp>
+          <p:nvCxnSpPr>
+            <p:cNvPr id="113" name="Gerade Verbindung 112"/>
+            <p:cNvCxnSpPr/>
+            <p:nvPr/>
+          </p:nvCxnSpPr>
+          <p:spPr>
+            <a:xfrm rot="5400000" flipH="1" flipV="1">
+              <a:off x="3428198" y="285728"/>
+              <a:ext cx="286546" cy="794"/>
+            </a:xfrm>
+            <a:prstGeom prst="line">
+              <a:avLst/>
+            </a:prstGeom>
+            <a:ln>
+              <a:solidFill>
+                <a:schemeClr val="tx1"/>
+              </a:solidFill>
+            </a:ln>
+          </p:spPr>
+          <p:style>
+            <a:lnRef idx="1">
+              <a:schemeClr val="accent1"/>
+            </a:lnRef>
+            <a:fillRef idx="0">
+              <a:schemeClr val="accent1"/>
+            </a:fillRef>
+            <a:effectRef idx="0">
+              <a:schemeClr val="accent1"/>
+            </a:effectRef>
+            <a:fontRef idx="minor">
+              <a:schemeClr val="tx1"/>
+            </a:fontRef>
+          </p:style>
+        </p:cxnSp>
+        <p:cxnSp>
+          <p:nvCxnSpPr>
+            <p:cNvPr id="117" name="Gerade Verbindung 116"/>
+            <p:cNvCxnSpPr/>
+            <p:nvPr/>
+          </p:nvCxnSpPr>
+          <p:spPr>
+            <a:xfrm rot="5400000" flipH="1" flipV="1">
+              <a:off x="5357818" y="285728"/>
+              <a:ext cx="286546" cy="794"/>
+            </a:xfrm>
+            <a:prstGeom prst="line">
+              <a:avLst/>
+            </a:prstGeom>
+            <a:ln>
+              <a:solidFill>
+                <a:schemeClr val="tx1"/>
+              </a:solidFill>
+            </a:ln>
+          </p:spPr>
+          <p:style>
+            <a:lnRef idx="1">
+              <a:schemeClr val="accent1"/>
+            </a:lnRef>
+            <a:fillRef idx="0">
+              <a:schemeClr val="accent1"/>
+            </a:fillRef>
+            <a:effectRef idx="0">
+              <a:schemeClr val="accent1"/>
+            </a:effectRef>
+            <a:fontRef idx="minor">
+              <a:schemeClr val="tx1"/>
+            </a:fontRef>
+          </p:style>
+        </p:cxnSp>
+        <p:sp>
+          <p:nvSpPr>
+            <p:cNvPr id="119" name="Textfeld 118"/>
+            <p:cNvSpPr txBox="1"/>
+            <p:nvPr/>
+          </p:nvSpPr>
+          <p:spPr>
+            <a:xfrm>
+              <a:off x="4429124" y="0"/>
+              <a:ext cx="306494" cy="369332"/>
+            </a:xfrm>
+            <a:prstGeom prst="rect">
+              <a:avLst/>
+            </a:prstGeom>
+            <a:noFill/>
+          </p:spPr>
+          <p:txBody>
+            <a:bodyPr wrap="none" rtlCol="0">
+              <a:spAutoFit/>
+            </a:bodyPr>
+            <a:lstStyle/>
+            <a:p>
+              <a:r>
+                <a:rPr lang="de-DE" dirty="0" smtClean="0"/>
+                <a:t>h</a:t>
+              </a:r>
+              <a:endParaRPr lang="de-DE" dirty="0"/>
+            </a:p>
+          </p:txBody>
+        </p:sp>
+      </p:grpSp>
+      <p:grpSp>
+        <p:nvGrpSpPr>
+          <p:cNvPr id="121" name="Gruppieren 120"/>
+          <p:cNvGrpSpPr/>
+          <p:nvPr/>
+        </p:nvGrpSpPr>
+        <p:grpSpPr>
+          <a:xfrm>
+            <a:off x="2951237" y="3858255"/>
+            <a:ext cx="1930414" cy="429398"/>
+            <a:chOff x="3571074" y="0"/>
+            <a:chExt cx="1930414" cy="429398"/>
+          </a:xfrm>
+        </p:grpSpPr>
+        <p:cxnSp>
+          <p:nvCxnSpPr>
+            <p:cNvPr id="122" name="Gerade Verbindung 121"/>
+            <p:cNvCxnSpPr/>
+            <p:nvPr/>
+          </p:nvCxnSpPr>
+          <p:spPr>
+            <a:xfrm rot="10800000" flipH="1">
+              <a:off x="3571868" y="285728"/>
+              <a:ext cx="1928826" cy="1588"/>
+            </a:xfrm>
+            <a:prstGeom prst="line">
+              <a:avLst/>
+            </a:prstGeom>
+            <a:ln>
+              <a:solidFill>
+                <a:schemeClr val="tx1"/>
+              </a:solidFill>
+            </a:ln>
+          </p:spPr>
+          <p:style>
+            <a:lnRef idx="1">
+              <a:schemeClr val="accent1"/>
+            </a:lnRef>
+            <a:fillRef idx="0">
+              <a:schemeClr val="accent1"/>
+            </a:fillRef>
+            <a:effectRef idx="0">
+              <a:schemeClr val="accent1"/>
+            </a:effectRef>
+            <a:fontRef idx="minor">
+              <a:schemeClr val="tx1"/>
+            </a:fontRef>
+          </p:style>
+        </p:cxnSp>
+        <p:cxnSp>
+          <p:nvCxnSpPr>
+            <p:cNvPr id="123" name="Gerade Verbindung 122"/>
+            <p:cNvCxnSpPr/>
+            <p:nvPr/>
+          </p:nvCxnSpPr>
+          <p:spPr>
+            <a:xfrm rot="5400000" flipH="1" flipV="1">
+              <a:off x="3428198" y="285728"/>
+              <a:ext cx="286546" cy="794"/>
+            </a:xfrm>
+            <a:prstGeom prst="line">
+              <a:avLst/>
+            </a:prstGeom>
+            <a:ln>
+              <a:solidFill>
+                <a:schemeClr val="tx1"/>
+              </a:solidFill>
+            </a:ln>
+          </p:spPr>
+          <p:style>
+            <a:lnRef idx="1">
+              <a:schemeClr val="accent1"/>
+            </a:lnRef>
+            <a:fillRef idx="0">
+              <a:schemeClr val="accent1"/>
+            </a:fillRef>
+            <a:effectRef idx="0">
+              <a:schemeClr val="accent1"/>
+            </a:effectRef>
+            <a:fontRef idx="minor">
+              <a:schemeClr val="tx1"/>
+            </a:fontRef>
+          </p:style>
+        </p:cxnSp>
+        <p:cxnSp>
+          <p:nvCxnSpPr>
+            <p:cNvPr id="124" name="Gerade Verbindung 123"/>
+            <p:cNvCxnSpPr/>
+            <p:nvPr/>
+          </p:nvCxnSpPr>
+          <p:spPr>
+            <a:xfrm rot="5400000" flipH="1" flipV="1">
+              <a:off x="5357818" y="285728"/>
+              <a:ext cx="286546" cy="794"/>
+            </a:xfrm>
+            <a:prstGeom prst="line">
+              <a:avLst/>
+            </a:prstGeom>
+            <a:ln>
+              <a:solidFill>
+                <a:schemeClr val="tx1"/>
+              </a:solidFill>
+            </a:ln>
+          </p:spPr>
+          <p:style>
+            <a:lnRef idx="1">
+              <a:schemeClr val="accent1"/>
+            </a:lnRef>
+            <a:fillRef idx="0">
+              <a:schemeClr val="accent1"/>
+            </a:fillRef>
+            <a:effectRef idx="0">
+              <a:schemeClr val="accent1"/>
+            </a:effectRef>
+            <a:fontRef idx="minor">
+              <a:schemeClr val="tx1"/>
+            </a:fontRef>
+          </p:style>
+        </p:cxnSp>
+        <p:sp>
+          <p:nvSpPr>
+            <p:cNvPr id="125" name="Textfeld 124"/>
+            <p:cNvSpPr txBox="1"/>
+            <p:nvPr/>
+          </p:nvSpPr>
+          <p:spPr>
+            <a:xfrm>
+              <a:off x="4429124" y="0"/>
+              <a:ext cx="306494" cy="369332"/>
+            </a:xfrm>
+            <a:prstGeom prst="rect">
+              <a:avLst/>
+            </a:prstGeom>
+            <a:noFill/>
+          </p:spPr>
+          <p:txBody>
+            <a:bodyPr wrap="none" rtlCol="0">
+              <a:spAutoFit/>
+            </a:bodyPr>
+            <a:lstStyle/>
+            <a:p>
+              <a:r>
+                <a:rPr lang="de-DE" dirty="0" smtClean="0"/>
+                <a:t>h</a:t>
+              </a:r>
+              <a:endParaRPr lang="de-DE" dirty="0"/>
+            </a:p>
+          </p:txBody>
+        </p:sp>
+      </p:grpSp>
+      <p:cxnSp>
+        <p:nvCxnSpPr>
+          <p:cNvPr id="127" name="Gerade Verbindung 126"/>
+          <p:cNvCxnSpPr/>
+          <p:nvPr/>
+        </p:nvCxnSpPr>
+        <p:spPr>
+          <a:xfrm rot="10800000">
+            <a:off x="1142976" y="500042"/>
+            <a:ext cx="500066" cy="1588"/>
+          </a:xfrm>
+          <a:prstGeom prst="line">
+            <a:avLst/>
+          </a:prstGeom>
+          <a:ln w="28575">
+            <a:solidFill>
+              <a:schemeClr val="bg1">
+                <a:lumMod val="50000"/>
+              </a:schemeClr>
+            </a:solidFill>
+            <a:prstDash val="dash"/>
+          </a:ln>
+        </p:spPr>
+        <p:style>
+          <a:lnRef idx="1">
+            <a:schemeClr val="accent1"/>
+          </a:lnRef>
+          <a:fillRef idx="0">
+            <a:schemeClr val="accent1"/>
+          </a:fillRef>
+          <a:effectRef idx="0">
+            <a:schemeClr val="accent1"/>
+          </a:effectRef>
+          <a:fontRef idx="minor">
+            <a:schemeClr val="tx1"/>
+          </a:fontRef>
+        </p:style>
+      </p:cxnSp>
+      <p:cxnSp>
+        <p:nvCxnSpPr>
+          <p:cNvPr id="129" name="Gerade Verbindung 128"/>
+          <p:cNvCxnSpPr/>
+          <p:nvPr/>
+        </p:nvCxnSpPr>
+        <p:spPr>
+          <a:xfrm rot="10800000">
+            <a:off x="1142976" y="2428868"/>
+            <a:ext cx="500066" cy="1588"/>
+          </a:xfrm>
+          <a:prstGeom prst="line">
+            <a:avLst/>
+          </a:prstGeom>
+          <a:ln w="28575">
+            <a:solidFill>
+              <a:schemeClr val="bg1">
+                <a:lumMod val="50000"/>
+              </a:schemeClr>
+            </a:solidFill>
+            <a:prstDash val="dash"/>
+          </a:ln>
+        </p:spPr>
+        <p:style>
+          <a:lnRef idx="1">
+            <a:schemeClr val="accent1"/>
+          </a:lnRef>
+          <a:fillRef idx="0">
+            <a:schemeClr val="accent1"/>
+          </a:fillRef>
+          <a:effectRef idx="0">
+            <a:schemeClr val="accent1"/>
+          </a:effectRef>
+          <a:fontRef idx="minor">
+            <a:schemeClr val="tx1"/>
+          </a:fontRef>
+        </p:style>
+      </p:cxnSp>
+      <p:cxnSp>
+        <p:nvCxnSpPr>
+          <p:cNvPr id="130" name="Gerade Verbindung 129"/>
+          <p:cNvCxnSpPr/>
+          <p:nvPr/>
+        </p:nvCxnSpPr>
+        <p:spPr>
+          <a:xfrm rot="10800000">
+            <a:off x="1142976" y="4357694"/>
+            <a:ext cx="500066" cy="1588"/>
+          </a:xfrm>
+          <a:prstGeom prst="line">
+            <a:avLst/>
+          </a:prstGeom>
+          <a:ln w="28575">
+            <a:solidFill>
+              <a:schemeClr val="bg1">
+                <a:lumMod val="50000"/>
+              </a:schemeClr>
+            </a:solidFill>
+            <a:prstDash val="dash"/>
+          </a:ln>
+        </p:spPr>
+        <p:style>
+          <a:lnRef idx="1">
+            <a:schemeClr val="accent1"/>
+          </a:lnRef>
+          <a:fillRef idx="0">
+            <a:schemeClr val="accent1"/>
+          </a:fillRef>
+          <a:effectRef idx="0">
+            <a:schemeClr val="accent1"/>
+          </a:effectRef>
+          <a:fontRef idx="minor">
+            <a:schemeClr val="tx1"/>
+          </a:fontRef>
+        </p:style>
+      </p:cxnSp>
+      <p:cxnSp>
+        <p:nvCxnSpPr>
+          <p:cNvPr id="131" name="Gerade Verbindung 130"/>
+          <p:cNvCxnSpPr/>
+          <p:nvPr/>
+        </p:nvCxnSpPr>
+        <p:spPr>
+          <a:xfrm rot="10800000">
+            <a:off x="1142976" y="6286520"/>
+            <a:ext cx="500066" cy="1588"/>
+          </a:xfrm>
+          <a:prstGeom prst="line">
+            <a:avLst/>
+          </a:prstGeom>
+          <a:ln w="28575">
+            <a:solidFill>
+              <a:schemeClr val="bg1">
+                <a:lumMod val="50000"/>
+              </a:schemeClr>
+            </a:solidFill>
+            <a:prstDash val="dash"/>
+          </a:ln>
+        </p:spPr>
+        <p:style>
+          <a:lnRef idx="1">
+            <a:schemeClr val="accent1"/>
+          </a:lnRef>
+          <a:fillRef idx="0">
+            <a:schemeClr val="accent1"/>
+          </a:fillRef>
+          <a:effectRef idx="0">
+            <a:schemeClr val="accent1"/>
+          </a:effectRef>
+          <a:fontRef idx="minor">
+            <a:schemeClr val="tx1"/>
+          </a:fontRef>
+        </p:style>
+      </p:cxnSp>
+      <p:cxnSp>
+        <p:nvCxnSpPr>
+          <p:cNvPr id="132" name="Gerade Verbindung 131"/>
+          <p:cNvCxnSpPr/>
+          <p:nvPr/>
+        </p:nvCxnSpPr>
+        <p:spPr>
+          <a:xfrm rot="5400000" flipH="1" flipV="1">
+            <a:off x="1358096" y="6571466"/>
+            <a:ext cx="571480" cy="1588"/>
+          </a:xfrm>
+          <a:prstGeom prst="line">
+            <a:avLst/>
+          </a:prstGeom>
+          <a:ln w="28575">
+            <a:solidFill>
+              <a:schemeClr val="bg1">
+                <a:lumMod val="50000"/>
+              </a:schemeClr>
+            </a:solidFill>
+            <a:prstDash val="dash"/>
+          </a:ln>
+        </p:spPr>
+        <p:style>
+          <a:lnRef idx="1">
+            <a:schemeClr val="accent1"/>
+          </a:lnRef>
+          <a:fillRef idx="0">
+            <a:schemeClr val="accent1"/>
+          </a:fillRef>
+          <a:effectRef idx="0">
+            <a:schemeClr val="accent1"/>
+          </a:effectRef>
+          <a:fontRef idx="minor">
+            <a:schemeClr val="tx1"/>
+          </a:fontRef>
+        </p:style>
+      </p:cxnSp>
+      <p:cxnSp>
+        <p:nvCxnSpPr>
+          <p:cNvPr id="136" name="Gerade Verbindung 135"/>
+          <p:cNvCxnSpPr/>
+          <p:nvPr/>
+        </p:nvCxnSpPr>
+        <p:spPr>
+          <a:xfrm rot="5400000" flipH="1" flipV="1">
+            <a:off x="3286922" y="6571466"/>
+            <a:ext cx="571480" cy="1588"/>
+          </a:xfrm>
+          <a:prstGeom prst="line">
+            <a:avLst/>
+          </a:prstGeom>
+          <a:ln w="28575">
+            <a:solidFill>
+              <a:schemeClr val="bg1">
+                <a:lumMod val="50000"/>
+              </a:schemeClr>
+            </a:solidFill>
+            <a:prstDash val="dash"/>
+          </a:ln>
+        </p:spPr>
+        <p:style>
+          <a:lnRef idx="1">
+            <a:schemeClr val="accent1"/>
+          </a:lnRef>
+          <a:fillRef idx="0">
+            <a:schemeClr val="accent1"/>
+          </a:fillRef>
+          <a:effectRef idx="0">
+            <a:schemeClr val="accent1"/>
+          </a:effectRef>
+          <a:fontRef idx="minor">
+            <a:schemeClr val="tx1"/>
+          </a:fontRef>
+        </p:style>
+      </p:cxnSp>
+      <p:cxnSp>
+        <p:nvCxnSpPr>
+          <p:cNvPr id="137" name="Gerade Verbindung 136"/>
+          <p:cNvCxnSpPr/>
+          <p:nvPr/>
+        </p:nvCxnSpPr>
+        <p:spPr>
+          <a:xfrm rot="5400000" flipH="1" flipV="1">
+            <a:off x="5215748" y="6571466"/>
+            <a:ext cx="571480" cy="1588"/>
+          </a:xfrm>
+          <a:prstGeom prst="line">
+            <a:avLst/>
+          </a:prstGeom>
+          <a:ln w="28575">
+            <a:solidFill>
+              <a:schemeClr val="bg1">
+                <a:lumMod val="50000"/>
+              </a:schemeClr>
+            </a:solidFill>
+            <a:prstDash val="dash"/>
+          </a:ln>
+        </p:spPr>
+        <p:style>
+          <a:lnRef idx="1">
+            <a:schemeClr val="accent1"/>
+          </a:lnRef>
+          <a:fillRef idx="0">
+            <a:schemeClr val="accent1"/>
+          </a:fillRef>
+          <a:effectRef idx="0">
+            <a:schemeClr val="accent1"/>
+          </a:effectRef>
+          <a:fontRef idx="minor">
+            <a:schemeClr val="tx1"/>
+          </a:fontRef>
+        </p:style>
+      </p:cxnSp>
+      <p:cxnSp>
+        <p:nvCxnSpPr>
+          <p:cNvPr id="138" name="Gerade Verbindung 137"/>
+          <p:cNvCxnSpPr/>
+          <p:nvPr/>
+        </p:nvCxnSpPr>
+        <p:spPr>
+          <a:xfrm rot="5400000" flipH="1" flipV="1">
+            <a:off x="7144574" y="6571466"/>
+            <a:ext cx="571480" cy="1588"/>
+          </a:xfrm>
+          <a:prstGeom prst="line">
+            <a:avLst/>
+          </a:prstGeom>
+          <a:ln w="28575">
+            <a:solidFill>
+              <a:schemeClr val="bg1">
+                <a:lumMod val="50000"/>
+              </a:schemeClr>
+            </a:solidFill>
+            <a:prstDash val="dash"/>
+          </a:ln>
+        </p:spPr>
+        <p:style>
+          <a:lnRef idx="1">
+            <a:schemeClr val="accent1"/>
+          </a:lnRef>
+          <a:fillRef idx="0">
+            <a:schemeClr val="accent1"/>
+          </a:fillRef>
+          <a:effectRef idx="0">
+            <a:schemeClr val="accent1"/>
+          </a:effectRef>
+          <a:fontRef idx="minor">
+            <a:schemeClr val="tx1"/>
+          </a:fontRef>
+        </p:style>
+      </p:cxnSp>
+      <p:cxnSp>
+        <p:nvCxnSpPr>
+          <p:cNvPr id="139" name="Gerade Verbindung 138"/>
+          <p:cNvCxnSpPr/>
+          <p:nvPr/>
+        </p:nvCxnSpPr>
+        <p:spPr>
+          <a:xfrm rot="5400000" flipH="1" flipV="1">
+            <a:off x="1358096" y="232658"/>
+            <a:ext cx="571480" cy="1588"/>
+          </a:xfrm>
+          <a:prstGeom prst="line">
+            <a:avLst/>
+          </a:prstGeom>
+          <a:ln w="28575">
+            <a:solidFill>
+              <a:schemeClr val="bg1">
+                <a:lumMod val="50000"/>
+              </a:schemeClr>
+            </a:solidFill>
+            <a:prstDash val="dash"/>
+          </a:ln>
+        </p:spPr>
+        <p:style>
+          <a:lnRef idx="1">
+            <a:schemeClr val="accent1"/>
+          </a:lnRef>
+          <a:fillRef idx="0">
+            <a:schemeClr val="accent1"/>
+          </a:fillRef>
+          <a:effectRef idx="0">
+            <a:schemeClr val="accent1"/>
+          </a:effectRef>
+          <a:fontRef idx="minor">
+            <a:schemeClr val="tx1"/>
+          </a:fontRef>
+        </p:style>
+      </p:cxnSp>
+      <p:cxnSp>
+        <p:nvCxnSpPr>
+          <p:cNvPr id="142" name="Gerade Verbindung 141"/>
+          <p:cNvCxnSpPr/>
+          <p:nvPr/>
+        </p:nvCxnSpPr>
+        <p:spPr>
+          <a:xfrm rot="5400000" flipH="1" flipV="1">
+            <a:off x="7144574" y="232658"/>
+            <a:ext cx="571480" cy="1588"/>
+          </a:xfrm>
+          <a:prstGeom prst="line">
+            <a:avLst/>
+          </a:prstGeom>
+          <a:ln w="28575">
+            <a:solidFill>
+              <a:schemeClr val="bg1">
+                <a:lumMod val="50000"/>
+              </a:schemeClr>
+            </a:solidFill>
+            <a:prstDash val="dash"/>
+          </a:ln>
+        </p:spPr>
+        <p:style>
+          <a:lnRef idx="1">
+            <a:schemeClr val="accent1"/>
+          </a:lnRef>
+          <a:fillRef idx="0">
+            <a:schemeClr val="accent1"/>
+          </a:fillRef>
+          <a:effectRef idx="0">
+            <a:schemeClr val="accent1"/>
+          </a:effectRef>
+          <a:fontRef idx="minor">
+            <a:schemeClr val="tx1"/>
+          </a:fontRef>
+        </p:style>
+      </p:cxnSp>
+      <p:sp>
+        <p:nvSpPr>
+          <p:cNvPr id="4" name="Rechteck 3"/>
+          <p:cNvSpPr/>
+          <p:nvPr/>
+        </p:nvSpPr>
+        <p:spPr>
+          <a:xfrm>
+            <a:off x="1643042" y="500042"/>
+            <a:ext cx="1928826" cy="1928826"/>
+          </a:xfrm>
+          <a:prstGeom prst="rect">
+            <a:avLst/>
+          </a:prstGeom>
+          <a:noFill/>
+          <a:ln>
+            <a:solidFill>
+              <a:schemeClr val="tx1"/>
+            </a:solidFill>
+          </a:ln>
+        </p:spPr>
+        <p:style>
+          <a:lnRef idx="2">
+            <a:schemeClr val="accent1">
+              <a:shade val="50000"/>
+            </a:schemeClr>
+          </a:lnRef>
+          <a:fillRef idx="1">
+            <a:schemeClr val="accent1"/>
+          </a:fillRef>
+          <a:effectRef idx="0">
+            <a:schemeClr val="accent1"/>
+          </a:effectRef>
+          <a:fontRef idx="minor">
+            <a:schemeClr val="lt1"/>
+          </a:fontRef>
+        </p:style>
+        <p:txBody>
+          <a:bodyPr rtlCol="0" anchor="ctr"/>
+          <a:lstStyle/>
+          <a:p>
+            <a:pPr algn="ctr"/>
+            <a:endParaRPr lang="de-DE"/>
+          </a:p>
+        </p:txBody>
+      </p:sp>
+      <p:sp>
+        <p:nvSpPr>
+          <p:cNvPr id="5" name="Rechteck 4"/>
+          <p:cNvSpPr/>
+          <p:nvPr/>
+        </p:nvSpPr>
+        <p:spPr>
+          <a:xfrm>
+            <a:off x="3571868" y="500042"/>
+            <a:ext cx="1928826" cy="1928826"/>
+          </a:xfrm>
+          <a:prstGeom prst="rect">
+            <a:avLst/>
+          </a:prstGeom>
+          <a:noFill/>
+          <a:ln>
+            <a:solidFill>
+              <a:schemeClr val="tx1"/>
+            </a:solidFill>
+          </a:ln>
+        </p:spPr>
+        <p:style>
+          <a:lnRef idx="2">
+            <a:schemeClr val="accent1">
+              <a:shade val="50000"/>
+            </a:schemeClr>
+          </a:lnRef>
+          <a:fillRef idx="1">
+            <a:schemeClr val="accent1"/>
+          </a:fillRef>
+          <a:effectRef idx="0">
+            <a:schemeClr val="accent1"/>
+          </a:effectRef>
+          <a:fontRef idx="minor">
+            <a:schemeClr val="lt1"/>
+          </a:fontRef>
+        </p:style>
+        <p:txBody>
+          <a:bodyPr rtlCol="0" anchor="ctr"/>
+          <a:lstStyle/>
+          <a:p>
+            <a:pPr algn="ctr"/>
+            <a:endParaRPr lang="de-DE"/>
+          </a:p>
+        </p:txBody>
+      </p:sp>
+      <p:sp>
+        <p:nvSpPr>
+          <p:cNvPr id="6" name="Rechteck 5"/>
+          <p:cNvSpPr/>
+          <p:nvPr/>
+        </p:nvSpPr>
+        <p:spPr>
+          <a:xfrm>
+            <a:off x="5500694" y="500042"/>
+            <a:ext cx="1928826" cy="1928826"/>
+          </a:xfrm>
+          <a:prstGeom prst="rect">
+            <a:avLst/>
+          </a:prstGeom>
+          <a:noFill/>
+          <a:ln>
+            <a:solidFill>
+              <a:schemeClr val="tx1"/>
+            </a:solidFill>
+          </a:ln>
+        </p:spPr>
+        <p:style>
+          <a:lnRef idx="2">
+            <a:schemeClr val="accent1">
+              <a:shade val="50000"/>
+            </a:schemeClr>
+          </a:lnRef>
+          <a:fillRef idx="1">
+            <a:schemeClr val="accent1"/>
+          </a:fillRef>
+          <a:effectRef idx="0">
+            <a:schemeClr val="accent1"/>
+          </a:effectRef>
+          <a:fontRef idx="minor">
+            <a:schemeClr val="lt1"/>
+          </a:fontRef>
+        </p:style>
+        <p:txBody>
+          <a:bodyPr rtlCol="0" anchor="ctr"/>
+          <a:lstStyle/>
+          <a:p>
+            <a:pPr algn="ctr"/>
+            <a:endParaRPr lang="de-DE"/>
+          </a:p>
+        </p:txBody>
+      </p:sp>
+      <p:sp>
+        <p:nvSpPr>
+          <p:cNvPr id="7" name="Rechteck 6"/>
+          <p:cNvSpPr/>
+          <p:nvPr/>
+        </p:nvSpPr>
+        <p:spPr>
+          <a:xfrm>
+            <a:off x="1643042" y="2428868"/>
+            <a:ext cx="1928826" cy="1928826"/>
+          </a:xfrm>
+          <a:prstGeom prst="rect">
+            <a:avLst/>
+          </a:prstGeom>
+          <a:noFill/>
+          <a:ln>
+            <a:solidFill>
+              <a:schemeClr val="tx1"/>
+            </a:solidFill>
+          </a:ln>
+        </p:spPr>
+        <p:style>
+          <a:lnRef idx="2">
+            <a:schemeClr val="accent1">
+              <a:shade val="50000"/>
+            </a:schemeClr>
+          </a:lnRef>
+          <a:fillRef idx="1">
+            <a:schemeClr val="accent1"/>
+          </a:fillRef>
+          <a:effectRef idx="0">
+            <a:schemeClr val="accent1"/>
+          </a:effectRef>
+          <a:fontRef idx="minor">
+            <a:schemeClr val="lt1"/>
+          </a:fontRef>
+        </p:style>
+        <p:txBody>
+          <a:bodyPr rtlCol="0" anchor="ctr"/>
+          <a:lstStyle/>
+          <a:p>
+            <a:pPr algn="ctr"/>
+            <a:endParaRPr lang="de-DE"/>
+          </a:p>
+        </p:txBody>
+      </p:sp>
+      <p:sp>
+        <p:nvSpPr>
+          <p:cNvPr id="9" name="Rechteck 8"/>
+          <p:cNvSpPr/>
+          <p:nvPr/>
+        </p:nvSpPr>
+        <p:spPr>
+          <a:xfrm>
+            <a:off x="5500694" y="2428868"/>
+            <a:ext cx="1928826" cy="1928826"/>
+          </a:xfrm>
+          <a:prstGeom prst="rect">
+            <a:avLst/>
+          </a:prstGeom>
+          <a:noFill/>
+          <a:ln>
+            <a:solidFill>
+              <a:schemeClr val="tx1"/>
+            </a:solidFill>
+          </a:ln>
+        </p:spPr>
+        <p:style>
+          <a:lnRef idx="2">
+            <a:schemeClr val="accent1">
+              <a:shade val="50000"/>
+            </a:schemeClr>
+          </a:lnRef>
+          <a:fillRef idx="1">
+            <a:schemeClr val="accent1"/>
+          </a:fillRef>
+          <a:effectRef idx="0">
+            <a:schemeClr val="accent1"/>
+          </a:effectRef>
+          <a:fontRef idx="minor">
+            <a:schemeClr val="lt1"/>
+          </a:fontRef>
+        </p:style>
+        <p:txBody>
+          <a:bodyPr rtlCol="0" anchor="ctr"/>
+          <a:lstStyle/>
+          <a:p>
+            <a:pPr algn="ctr"/>
+            <a:endParaRPr lang="de-DE"/>
+          </a:p>
+        </p:txBody>
+      </p:sp>
+      <p:sp>
+        <p:nvSpPr>
+          <p:cNvPr id="10" name="Rechteck 9"/>
+          <p:cNvSpPr/>
+          <p:nvPr/>
+        </p:nvSpPr>
+        <p:spPr>
+          <a:xfrm>
+            <a:off x="1643042" y="4357694"/>
+            <a:ext cx="1928826" cy="1928826"/>
+          </a:xfrm>
+          <a:prstGeom prst="rect">
+            <a:avLst/>
+          </a:prstGeom>
+          <a:noFill/>
+          <a:ln>
+            <a:solidFill>
+              <a:schemeClr val="tx1"/>
+            </a:solidFill>
+          </a:ln>
+        </p:spPr>
+        <p:style>
+          <a:lnRef idx="2">
+            <a:schemeClr val="accent1">
+              <a:shade val="50000"/>
+            </a:schemeClr>
+          </a:lnRef>
+          <a:fillRef idx="1">
+            <a:schemeClr val="accent1"/>
+          </a:fillRef>
+          <a:effectRef idx="0">
+            <a:schemeClr val="accent1"/>
+          </a:effectRef>
+          <a:fontRef idx="minor">
+            <a:schemeClr val="lt1"/>
+          </a:fontRef>
+        </p:style>
+        <p:txBody>
+          <a:bodyPr rtlCol="0" anchor="ctr"/>
+          <a:lstStyle/>
+          <a:p>
+            <a:pPr algn="ctr"/>
+            <a:endParaRPr lang="de-DE"/>
+          </a:p>
+        </p:txBody>
+      </p:sp>
+      <p:sp>
+        <p:nvSpPr>
+          <p:cNvPr id="11" name="Rechteck 10"/>
+          <p:cNvSpPr/>
+          <p:nvPr/>
+        </p:nvSpPr>
+        <p:spPr>
+          <a:xfrm>
+            <a:off x="3571868" y="4357694"/>
+            <a:ext cx="1928826" cy="1928826"/>
+          </a:xfrm>
+          <a:prstGeom prst="rect">
+            <a:avLst/>
+          </a:prstGeom>
+          <a:noFill/>
+          <a:ln>
+            <a:solidFill>
+              <a:schemeClr val="tx1"/>
+            </a:solidFill>
+          </a:ln>
+        </p:spPr>
+        <p:style>
+          <a:lnRef idx="2">
+            <a:schemeClr val="accent1">
+              <a:shade val="50000"/>
+            </a:schemeClr>
+          </a:lnRef>
+          <a:fillRef idx="1">
+            <a:schemeClr val="accent1"/>
+          </a:fillRef>
+          <a:effectRef idx="0">
+            <a:schemeClr val="accent1"/>
+          </a:effectRef>
+          <a:fontRef idx="minor">
+            <a:schemeClr val="lt1"/>
+          </a:fontRef>
+        </p:style>
+        <p:txBody>
+          <a:bodyPr rtlCol="0" anchor="ctr"/>
+          <a:lstStyle/>
+          <a:p>
+            <a:pPr algn="ctr"/>
+            <a:endParaRPr lang="de-DE"/>
+          </a:p>
+        </p:txBody>
+      </p:sp>
+      <p:sp>
+        <p:nvSpPr>
+          <p:cNvPr id="12" name="Rechteck 11"/>
+          <p:cNvSpPr/>
+          <p:nvPr/>
+        </p:nvSpPr>
+        <p:spPr>
+          <a:xfrm>
+            <a:off x="5500694" y="4357694"/>
+            <a:ext cx="1928826" cy="1928826"/>
+          </a:xfrm>
+          <a:prstGeom prst="rect">
+            <a:avLst/>
+          </a:prstGeom>
+          <a:noFill/>
+          <a:ln>
+            <a:solidFill>
+              <a:schemeClr val="tx1"/>
+            </a:solidFill>
+          </a:ln>
+        </p:spPr>
+        <p:style>
+          <a:lnRef idx="2">
+            <a:schemeClr val="accent1">
+              <a:shade val="50000"/>
+            </a:schemeClr>
+          </a:lnRef>
+          <a:fillRef idx="1">
+            <a:schemeClr val="accent1"/>
+          </a:fillRef>
+          <a:effectRef idx="0">
+            <a:schemeClr val="accent1"/>
+          </a:effectRef>
+          <a:fontRef idx="minor">
+            <a:schemeClr val="lt1"/>
+          </a:fontRef>
+        </p:style>
+        <p:txBody>
+          <a:bodyPr rtlCol="0" anchor="ctr"/>
+          <a:lstStyle/>
+          <a:p>
+            <a:pPr algn="ctr"/>
+            <a:endParaRPr lang="de-DE"/>
+          </a:p>
+        </p:txBody>
+      </p:sp>
+      <p:sp>
+        <p:nvSpPr>
+          <p:cNvPr id="147" name="Ellipse 146"/>
+          <p:cNvSpPr/>
+          <p:nvPr/>
+        </p:nvSpPr>
+        <p:spPr>
+          <a:xfrm>
+            <a:off x="1214414" y="1857364"/>
+            <a:ext cx="142876" cy="142876"/>
+          </a:xfrm>
+          <a:prstGeom prst="ellipse">
+            <a:avLst/>
+          </a:prstGeom>
+          <a:solidFill>
+            <a:schemeClr val="bg1">
+              <a:lumMod val="50000"/>
+            </a:schemeClr>
+          </a:solidFill>
+          <a:ln>
+            <a:noFill/>
+          </a:ln>
+        </p:spPr>
+        <p:style>
+          <a:lnRef idx="2">
+            <a:schemeClr val="accent1">
+              <a:shade val="50000"/>
+            </a:schemeClr>
+          </a:lnRef>
+          <a:fillRef idx="1">
+            <a:schemeClr val="accent1"/>
+          </a:fillRef>
+          <a:effectRef idx="0">
+            <a:schemeClr val="accent1"/>
+          </a:effectRef>
+          <a:fontRef idx="minor">
+            <a:schemeClr val="lt1"/>
+          </a:fontRef>
+        </p:style>
+        <p:txBody>
+          <a:bodyPr rtlCol="0" anchor="ctr"/>
+          <a:lstStyle/>
+          <a:p>
+            <a:pPr algn="ctr"/>
+            <a:endParaRPr lang="de-DE"/>
+          </a:p>
+        </p:txBody>
+      </p:sp>
+      <p:sp>
+        <p:nvSpPr>
+          <p:cNvPr id="148" name="Ellipse 147"/>
+          <p:cNvSpPr/>
+          <p:nvPr/>
+        </p:nvSpPr>
+        <p:spPr>
+          <a:xfrm>
+            <a:off x="1428728" y="714356"/>
+            <a:ext cx="142876" cy="142876"/>
+          </a:xfrm>
+          <a:prstGeom prst="ellipse">
+            <a:avLst/>
+          </a:prstGeom>
+          <a:solidFill>
+            <a:schemeClr val="bg1">
+              <a:lumMod val="50000"/>
+            </a:schemeClr>
+          </a:solidFill>
+          <a:ln>
+            <a:noFill/>
+          </a:ln>
+        </p:spPr>
+        <p:style>
+          <a:lnRef idx="2">
+            <a:schemeClr val="accent1">
+              <a:shade val="50000"/>
+            </a:schemeClr>
+          </a:lnRef>
+          <a:fillRef idx="1">
+            <a:schemeClr val="accent1"/>
+          </a:fillRef>
+          <a:effectRef idx="0">
+            <a:schemeClr val="accent1"/>
+          </a:effectRef>
+          <a:fontRef idx="minor">
+            <a:schemeClr val="lt1"/>
+          </a:fontRef>
+        </p:style>
+        <p:txBody>
+          <a:bodyPr rtlCol="0" anchor="ctr"/>
+          <a:lstStyle/>
+          <a:p>
+            <a:pPr algn="ctr"/>
+            <a:endParaRPr lang="de-DE"/>
+          </a:p>
+        </p:txBody>
+      </p:sp>
+      <p:sp>
+        <p:nvSpPr>
+          <p:cNvPr id="149" name="Ellipse 148"/>
+          <p:cNvSpPr/>
+          <p:nvPr/>
+        </p:nvSpPr>
+        <p:spPr>
+          <a:xfrm>
+            <a:off x="2714612" y="285728"/>
+            <a:ext cx="142876" cy="142876"/>
+          </a:xfrm>
+          <a:prstGeom prst="ellipse">
+            <a:avLst/>
+          </a:prstGeom>
+          <a:solidFill>
+            <a:schemeClr val="bg1">
+              <a:lumMod val="50000"/>
+            </a:schemeClr>
+          </a:solidFill>
+          <a:ln>
+            <a:noFill/>
+          </a:ln>
+        </p:spPr>
+        <p:style>
+          <a:lnRef idx="2">
+            <a:schemeClr val="accent1">
+              <a:shade val="50000"/>
+            </a:schemeClr>
+          </a:lnRef>
+          <a:fillRef idx="1">
+            <a:schemeClr val="accent1"/>
+          </a:fillRef>
+          <a:effectRef idx="0">
+            <a:schemeClr val="accent1"/>
+          </a:effectRef>
+          <a:fontRef idx="minor">
+            <a:schemeClr val="lt1"/>
+          </a:fontRef>
+        </p:style>
+        <p:txBody>
+          <a:bodyPr rtlCol="0" anchor="ctr"/>
+          <a:lstStyle/>
+          <a:p>
+            <a:pPr algn="ctr"/>
+            <a:endParaRPr lang="de-DE"/>
+          </a:p>
+        </p:txBody>
+      </p:sp>
+      <p:sp>
+        <p:nvSpPr>
+          <p:cNvPr id="150" name="Ellipse 149"/>
+          <p:cNvSpPr/>
+          <p:nvPr/>
+        </p:nvSpPr>
+        <p:spPr>
+          <a:xfrm>
+            <a:off x="6000760" y="214290"/>
+            <a:ext cx="142876" cy="142876"/>
+          </a:xfrm>
+          <a:prstGeom prst="ellipse">
+            <a:avLst/>
+          </a:prstGeom>
+          <a:solidFill>
+            <a:schemeClr val="bg1">
+              <a:lumMod val="50000"/>
+            </a:schemeClr>
+          </a:solidFill>
+          <a:ln>
+            <a:noFill/>
+          </a:ln>
+        </p:spPr>
+        <p:style>
+          <a:lnRef idx="2">
+            <a:schemeClr val="accent1">
+              <a:shade val="50000"/>
+            </a:schemeClr>
+          </a:lnRef>
+          <a:fillRef idx="1">
+            <a:schemeClr val="accent1"/>
+          </a:fillRef>
+          <a:effectRef idx="0">
+            <a:schemeClr val="accent1"/>
+          </a:effectRef>
+          <a:fontRef idx="minor">
+            <a:schemeClr val="lt1"/>
+          </a:fontRef>
+        </p:style>
+        <p:txBody>
+          <a:bodyPr rtlCol="0" anchor="ctr"/>
+          <a:lstStyle/>
+          <a:p>
+            <a:pPr algn="ctr"/>
+            <a:endParaRPr lang="de-DE"/>
+          </a:p>
+        </p:txBody>
+      </p:sp>
+      <p:sp>
+        <p:nvSpPr>
+          <p:cNvPr id="151" name="Ellipse 150"/>
+          <p:cNvSpPr/>
+          <p:nvPr/>
+        </p:nvSpPr>
+        <p:spPr>
+          <a:xfrm>
+            <a:off x="6429388" y="285728"/>
+            <a:ext cx="142876" cy="142876"/>
+          </a:xfrm>
+          <a:prstGeom prst="ellipse">
+            <a:avLst/>
+          </a:prstGeom>
+          <a:solidFill>
+            <a:schemeClr val="bg1">
+              <a:lumMod val="50000"/>
+            </a:schemeClr>
+          </a:solidFill>
+          <a:ln>
+            <a:noFill/>
+          </a:ln>
+        </p:spPr>
+        <p:style>
+          <a:lnRef idx="2">
+            <a:schemeClr val="accent1">
+              <a:shade val="50000"/>
+            </a:schemeClr>
+          </a:lnRef>
+          <a:fillRef idx="1">
+            <a:schemeClr val="accent1"/>
+          </a:fillRef>
+          <a:effectRef idx="0">
+            <a:schemeClr val="accent1"/>
+          </a:effectRef>
+          <a:fontRef idx="minor">
+            <a:schemeClr val="lt1"/>
+          </a:fontRef>
+        </p:style>
+        <p:txBody>
+          <a:bodyPr rtlCol="0" anchor="ctr"/>
+          <a:lstStyle/>
+          <a:p>
+            <a:pPr algn="ctr"/>
+            <a:endParaRPr lang="de-DE"/>
+          </a:p>
+        </p:txBody>
+      </p:sp>
+      <p:sp>
+        <p:nvSpPr>
+          <p:cNvPr id="152" name="Ellipse 151"/>
+          <p:cNvSpPr/>
+          <p:nvPr/>
+        </p:nvSpPr>
+        <p:spPr>
+          <a:xfrm>
+            <a:off x="7715272" y="1428736"/>
+            <a:ext cx="142876" cy="142876"/>
+          </a:xfrm>
+          <a:prstGeom prst="ellipse">
+            <a:avLst/>
+          </a:prstGeom>
+          <a:solidFill>
+            <a:schemeClr val="bg1">
+              <a:lumMod val="50000"/>
+            </a:schemeClr>
+          </a:solidFill>
+          <a:ln>
+            <a:noFill/>
+          </a:ln>
+        </p:spPr>
+        <p:style>
+          <a:lnRef idx="2">
+            <a:schemeClr val="accent1">
+              <a:shade val="50000"/>
+            </a:schemeClr>
+          </a:lnRef>
+          <a:fillRef idx="1">
+            <a:schemeClr val="accent1"/>
+          </a:fillRef>
+          <a:effectRef idx="0">
+            <a:schemeClr val="accent1"/>
+          </a:effectRef>
+          <a:fontRef idx="minor">
+            <a:schemeClr val="lt1"/>
+          </a:fontRef>
+        </p:style>
+        <p:txBody>
+          <a:bodyPr rtlCol="0" anchor="ctr"/>
+          <a:lstStyle/>
+          <a:p>
+            <a:pPr algn="ctr"/>
+            <a:endParaRPr lang="de-DE"/>
+          </a:p>
+        </p:txBody>
+      </p:sp>
+      <p:sp>
+        <p:nvSpPr>
+          <p:cNvPr id="153" name="Ellipse 152"/>
+          <p:cNvSpPr/>
+          <p:nvPr/>
+        </p:nvSpPr>
+        <p:spPr>
+          <a:xfrm>
+            <a:off x="7715272" y="3000372"/>
+            <a:ext cx="142876" cy="142876"/>
+          </a:xfrm>
+          <a:prstGeom prst="ellipse">
+            <a:avLst/>
+          </a:prstGeom>
+          <a:solidFill>
+            <a:schemeClr val="bg1">
+              <a:lumMod val="50000"/>
+            </a:schemeClr>
+          </a:solidFill>
+          <a:ln>
+            <a:noFill/>
+          </a:ln>
+        </p:spPr>
+        <p:style>
+          <a:lnRef idx="2">
+            <a:schemeClr val="accent1">
+              <a:shade val="50000"/>
+            </a:schemeClr>
+          </a:lnRef>
+          <a:fillRef idx="1">
+            <a:schemeClr val="accent1"/>
+          </a:fillRef>
+          <a:effectRef idx="0">
+            <a:schemeClr val="accent1"/>
+          </a:effectRef>
+          <a:fontRef idx="minor">
+            <a:schemeClr val="lt1"/>
+          </a:fontRef>
+        </p:style>
+        <p:txBody>
+          <a:bodyPr rtlCol="0" anchor="ctr"/>
+          <a:lstStyle/>
+          <a:p>
+            <a:pPr algn="ctr"/>
+            <a:endParaRPr lang="de-DE"/>
+          </a:p>
+        </p:txBody>
+      </p:sp>
+      <p:sp>
+        <p:nvSpPr>
+          <p:cNvPr id="154" name="Ellipse 153"/>
+          <p:cNvSpPr/>
+          <p:nvPr/>
+        </p:nvSpPr>
+        <p:spPr>
+          <a:xfrm>
+            <a:off x="7572396" y="3429000"/>
+            <a:ext cx="142876" cy="142876"/>
+          </a:xfrm>
+          <a:prstGeom prst="ellipse">
+            <a:avLst/>
+          </a:prstGeom>
+          <a:solidFill>
+            <a:schemeClr val="bg1">
+              <a:lumMod val="50000"/>
+            </a:schemeClr>
+          </a:solidFill>
+          <a:ln>
+            <a:noFill/>
+          </a:ln>
+        </p:spPr>
+        <p:style>
+          <a:lnRef idx="2">
+            <a:schemeClr val="accent1">
+              <a:shade val="50000"/>
+            </a:schemeClr>
+          </a:lnRef>
+          <a:fillRef idx="1">
+            <a:schemeClr val="accent1"/>
+          </a:fillRef>
+          <a:effectRef idx="0">
+            <a:schemeClr val="accent1"/>
+          </a:effectRef>
+          <a:fontRef idx="minor">
+            <a:schemeClr val="lt1"/>
+          </a:fontRef>
+        </p:style>
+        <p:txBody>
+          <a:bodyPr rtlCol="0" anchor="ctr"/>
+          <a:lstStyle/>
+          <a:p>
+            <a:pPr algn="ctr"/>
+            <a:endParaRPr lang="de-DE"/>
+          </a:p>
+        </p:txBody>
+      </p:sp>
+      <p:sp>
+        <p:nvSpPr>
+          <p:cNvPr id="155" name="Ellipse 154"/>
+          <p:cNvSpPr/>
+          <p:nvPr/>
+        </p:nvSpPr>
+        <p:spPr>
+          <a:xfrm>
+            <a:off x="7929586" y="5357826"/>
+            <a:ext cx="142876" cy="142876"/>
+          </a:xfrm>
+          <a:prstGeom prst="ellipse">
+            <a:avLst/>
+          </a:prstGeom>
+          <a:solidFill>
+            <a:schemeClr val="bg1">
+              <a:lumMod val="50000"/>
+            </a:schemeClr>
+          </a:solidFill>
+          <a:ln>
+            <a:noFill/>
+          </a:ln>
+        </p:spPr>
+        <p:style>
+          <a:lnRef idx="2">
+            <a:schemeClr val="accent1">
+              <a:shade val="50000"/>
+            </a:schemeClr>
+          </a:lnRef>
+          <a:fillRef idx="1">
+            <a:schemeClr val="accent1"/>
+          </a:fillRef>
+          <a:effectRef idx="0">
+            <a:schemeClr val="accent1"/>
+          </a:effectRef>
+          <a:fontRef idx="minor">
+            <a:schemeClr val="lt1"/>
+          </a:fontRef>
+        </p:style>
+        <p:txBody>
+          <a:bodyPr rtlCol="0" anchor="ctr"/>
+          <a:lstStyle/>
+          <a:p>
+            <a:pPr algn="ctr"/>
+            <a:endParaRPr lang="de-DE"/>
+          </a:p>
+        </p:txBody>
+      </p:sp>
+      <p:sp>
+        <p:nvSpPr>
+          <p:cNvPr id="156" name="Ellipse 155"/>
+          <p:cNvSpPr/>
+          <p:nvPr/>
+        </p:nvSpPr>
+        <p:spPr>
+          <a:xfrm>
+            <a:off x="7072330" y="6429396"/>
+            <a:ext cx="142876" cy="142876"/>
+          </a:xfrm>
+          <a:prstGeom prst="ellipse">
+            <a:avLst/>
+          </a:prstGeom>
+          <a:solidFill>
+            <a:schemeClr val="bg1">
+              <a:lumMod val="50000"/>
+            </a:schemeClr>
+          </a:solidFill>
+          <a:ln>
+            <a:noFill/>
+          </a:ln>
+        </p:spPr>
+        <p:style>
+          <a:lnRef idx="2">
+            <a:schemeClr val="accent1">
+              <a:shade val="50000"/>
+            </a:schemeClr>
+          </a:lnRef>
+          <a:fillRef idx="1">
+            <a:schemeClr val="accent1"/>
+          </a:fillRef>
+          <a:effectRef idx="0">
+            <a:schemeClr val="accent1"/>
+          </a:effectRef>
+          <a:fontRef idx="minor">
+            <a:schemeClr val="lt1"/>
+          </a:fontRef>
+        </p:style>
+        <p:txBody>
+          <a:bodyPr rtlCol="0" anchor="ctr"/>
+          <a:lstStyle/>
+          <a:p>
+            <a:pPr algn="ctr"/>
+            <a:endParaRPr lang="de-DE"/>
+          </a:p>
+        </p:txBody>
+      </p:sp>
+      <p:sp>
+        <p:nvSpPr>
+          <p:cNvPr id="157" name="Ellipse 156"/>
+          <p:cNvSpPr/>
+          <p:nvPr/>
+        </p:nvSpPr>
+        <p:spPr>
+          <a:xfrm>
+            <a:off x="7643834" y="6500834"/>
+            <a:ext cx="142876" cy="142876"/>
+          </a:xfrm>
+          <a:prstGeom prst="ellipse">
+            <a:avLst/>
+          </a:prstGeom>
+          <a:solidFill>
+            <a:schemeClr val="bg1">
+              <a:lumMod val="50000"/>
+            </a:schemeClr>
+          </a:solidFill>
+          <a:ln>
+            <a:noFill/>
+          </a:ln>
+        </p:spPr>
+        <p:style>
+          <a:lnRef idx="2">
+            <a:schemeClr val="accent1">
+              <a:shade val="50000"/>
+            </a:schemeClr>
+          </a:lnRef>
+          <a:fillRef idx="1">
+            <a:schemeClr val="accent1"/>
+          </a:fillRef>
+          <a:effectRef idx="0">
+            <a:schemeClr val="accent1"/>
+          </a:effectRef>
+          <a:fontRef idx="minor">
+            <a:schemeClr val="lt1"/>
+          </a:fontRef>
+        </p:style>
+        <p:txBody>
+          <a:bodyPr rtlCol="0" anchor="ctr"/>
+          <a:lstStyle/>
+          <a:p>
+            <a:pPr algn="ctr"/>
+            <a:endParaRPr lang="de-DE"/>
+          </a:p>
+        </p:txBody>
+      </p:sp>
+      <p:sp>
+        <p:nvSpPr>
+          <p:cNvPr id="158" name="Ellipse 157"/>
+          <p:cNvSpPr/>
+          <p:nvPr/>
+        </p:nvSpPr>
+        <p:spPr>
+          <a:xfrm>
+            <a:off x="7500958" y="285728"/>
+            <a:ext cx="142876" cy="142876"/>
+          </a:xfrm>
+          <a:prstGeom prst="ellipse">
+            <a:avLst/>
+          </a:prstGeom>
+          <a:solidFill>
+            <a:schemeClr val="bg1">
+              <a:lumMod val="50000"/>
+            </a:schemeClr>
+          </a:solidFill>
+          <a:ln>
+            <a:noFill/>
+          </a:ln>
+        </p:spPr>
+        <p:style>
+          <a:lnRef idx="2">
+            <a:schemeClr val="accent1">
+              <a:shade val="50000"/>
+            </a:schemeClr>
+          </a:lnRef>
+          <a:fillRef idx="1">
+            <a:schemeClr val="accent1"/>
+          </a:fillRef>
+          <a:effectRef idx="0">
+            <a:schemeClr val="accent1"/>
+          </a:effectRef>
+          <a:fontRef idx="minor">
+            <a:schemeClr val="lt1"/>
+          </a:fontRef>
+        </p:style>
+        <p:txBody>
+          <a:bodyPr rtlCol="0" anchor="ctr"/>
+          <a:lstStyle/>
+          <a:p>
+            <a:pPr algn="ctr"/>
+            <a:endParaRPr lang="de-DE"/>
+          </a:p>
+        </p:txBody>
+      </p:sp>
+      <p:sp>
+        <p:nvSpPr>
+          <p:cNvPr id="159" name="Ellipse 158"/>
+          <p:cNvSpPr/>
+          <p:nvPr/>
+        </p:nvSpPr>
+        <p:spPr>
+          <a:xfrm>
+            <a:off x="4857752" y="6572272"/>
+            <a:ext cx="142876" cy="142876"/>
+          </a:xfrm>
+          <a:prstGeom prst="ellipse">
+            <a:avLst/>
+          </a:prstGeom>
+          <a:solidFill>
+            <a:schemeClr val="bg1">
+              <a:lumMod val="50000"/>
+            </a:schemeClr>
+          </a:solidFill>
+          <a:ln>
+            <a:noFill/>
+          </a:ln>
+        </p:spPr>
+        <p:style>
+          <a:lnRef idx="2">
+            <a:schemeClr val="accent1">
+              <a:shade val="50000"/>
+            </a:schemeClr>
+          </a:lnRef>
+          <a:fillRef idx="1">
+            <a:schemeClr val="accent1"/>
+          </a:fillRef>
+          <a:effectRef idx="0">
+            <a:schemeClr val="accent1"/>
+          </a:effectRef>
+          <a:fontRef idx="minor">
+            <a:schemeClr val="lt1"/>
+          </a:fontRef>
+        </p:style>
+        <p:txBody>
+          <a:bodyPr rtlCol="0" anchor="ctr"/>
+          <a:lstStyle/>
+          <a:p>
+            <a:pPr algn="ctr"/>
+            <a:endParaRPr lang="de-DE"/>
+          </a:p>
+        </p:txBody>
+      </p:sp>
+      <p:sp>
+        <p:nvSpPr>
+          <p:cNvPr id="160" name="Ellipse 159"/>
+          <p:cNvSpPr/>
+          <p:nvPr/>
+        </p:nvSpPr>
+        <p:spPr>
+          <a:xfrm>
+            <a:off x="3286116" y="6357958"/>
+            <a:ext cx="142876" cy="142876"/>
+          </a:xfrm>
+          <a:prstGeom prst="ellipse">
+            <a:avLst/>
+          </a:prstGeom>
+          <a:solidFill>
+            <a:schemeClr val="bg1">
+              <a:lumMod val="50000"/>
+            </a:schemeClr>
+          </a:solidFill>
+          <a:ln>
+            <a:noFill/>
+          </a:ln>
+        </p:spPr>
+        <p:style>
+          <a:lnRef idx="2">
+            <a:schemeClr val="accent1">
+              <a:shade val="50000"/>
+            </a:schemeClr>
+          </a:lnRef>
+          <a:fillRef idx="1">
+            <a:schemeClr val="accent1"/>
+          </a:fillRef>
+          <a:effectRef idx="0">
+            <a:schemeClr val="accent1"/>
+          </a:effectRef>
+          <a:fontRef idx="minor">
+            <a:schemeClr val="lt1"/>
+          </a:fontRef>
+        </p:style>
+        <p:txBody>
+          <a:bodyPr rtlCol="0" anchor="ctr"/>
+          <a:lstStyle/>
+          <a:p>
+            <a:pPr algn="ctr"/>
+            <a:endParaRPr lang="de-DE"/>
+          </a:p>
+        </p:txBody>
+      </p:sp>
+      <p:sp>
+        <p:nvSpPr>
+          <p:cNvPr id="161" name="Ellipse 160"/>
+          <p:cNvSpPr/>
+          <p:nvPr/>
+        </p:nvSpPr>
+        <p:spPr>
+          <a:xfrm>
+            <a:off x="2000232" y="6572272"/>
+            <a:ext cx="142876" cy="142876"/>
+          </a:xfrm>
+          <a:prstGeom prst="ellipse">
+            <a:avLst/>
+          </a:prstGeom>
+          <a:solidFill>
+            <a:schemeClr val="bg1">
+              <a:lumMod val="50000"/>
+            </a:schemeClr>
+          </a:solidFill>
+          <a:ln>
+            <a:noFill/>
+          </a:ln>
+        </p:spPr>
+        <p:style>
+          <a:lnRef idx="2">
+            <a:schemeClr val="accent1">
+              <a:shade val="50000"/>
+            </a:schemeClr>
+          </a:lnRef>
+          <a:fillRef idx="1">
+            <a:schemeClr val="accent1"/>
+          </a:fillRef>
+          <a:effectRef idx="0">
+            <a:schemeClr val="accent1"/>
+          </a:effectRef>
+          <a:fontRef idx="minor">
+            <a:schemeClr val="lt1"/>
+          </a:fontRef>
+        </p:style>
+        <p:txBody>
+          <a:bodyPr rtlCol="0" anchor="ctr"/>
+          <a:lstStyle/>
+          <a:p>
+            <a:pPr algn="ctr"/>
+            <a:endParaRPr lang="de-DE"/>
+          </a:p>
+        </p:txBody>
+      </p:sp>
+      <p:sp>
+        <p:nvSpPr>
+          <p:cNvPr id="162" name="Ellipse 161"/>
+          <p:cNvSpPr/>
+          <p:nvPr/>
+        </p:nvSpPr>
+        <p:spPr>
+          <a:xfrm>
+            <a:off x="2571736" y="6357958"/>
+            <a:ext cx="142876" cy="142876"/>
+          </a:xfrm>
+          <a:prstGeom prst="ellipse">
+            <a:avLst/>
+          </a:prstGeom>
+          <a:solidFill>
+            <a:schemeClr val="bg1">
+              <a:lumMod val="50000"/>
+            </a:schemeClr>
+          </a:solidFill>
+          <a:ln>
+            <a:noFill/>
+          </a:ln>
+        </p:spPr>
+        <p:style>
+          <a:lnRef idx="2">
+            <a:schemeClr val="accent1">
+              <a:shade val="50000"/>
+            </a:schemeClr>
+          </a:lnRef>
+          <a:fillRef idx="1">
+            <a:schemeClr val="accent1"/>
+          </a:fillRef>
+          <a:effectRef idx="0">
+            <a:schemeClr val="accent1"/>
+          </a:effectRef>
+          <a:fontRef idx="minor">
+            <a:schemeClr val="lt1"/>
+          </a:fontRef>
+        </p:style>
+        <p:txBody>
+          <a:bodyPr rtlCol="0" anchor="ctr"/>
+          <a:lstStyle/>
+          <a:p>
+            <a:pPr algn="ctr"/>
+            <a:endParaRPr lang="de-DE"/>
+          </a:p>
+        </p:txBody>
+      </p:sp>
+      <p:sp>
+        <p:nvSpPr>
+          <p:cNvPr id="164" name="Ellipse 163"/>
+          <p:cNvSpPr/>
+          <p:nvPr/>
+        </p:nvSpPr>
+        <p:spPr>
+          <a:xfrm>
+            <a:off x="1428728" y="4786322"/>
+            <a:ext cx="142876" cy="142876"/>
+          </a:xfrm>
+          <a:prstGeom prst="ellipse">
+            <a:avLst/>
+          </a:prstGeom>
+          <a:solidFill>
+            <a:schemeClr val="bg1">
+              <a:lumMod val="50000"/>
+            </a:schemeClr>
+          </a:solidFill>
+          <a:ln>
+            <a:noFill/>
+          </a:ln>
+        </p:spPr>
+        <p:style>
+          <a:lnRef idx="2">
+            <a:schemeClr val="accent1">
+              <a:shade val="50000"/>
+            </a:schemeClr>
+          </a:lnRef>
+          <a:fillRef idx="1">
+            <a:schemeClr val="accent1"/>
+          </a:fillRef>
+          <a:effectRef idx="0">
+            <a:schemeClr val="accent1"/>
+          </a:effectRef>
+          <a:fontRef idx="minor">
+            <a:schemeClr val="lt1"/>
+          </a:fontRef>
+        </p:style>
+        <p:txBody>
+          <a:bodyPr rtlCol="0" anchor="ctr"/>
+          <a:lstStyle/>
+          <a:p>
+            <a:pPr algn="ctr"/>
+            <a:endParaRPr lang="de-DE"/>
+          </a:p>
+        </p:txBody>
+      </p:sp>
+      <p:sp>
+        <p:nvSpPr>
+          <p:cNvPr id="165" name="Ellipse 164"/>
+          <p:cNvSpPr/>
+          <p:nvPr/>
+        </p:nvSpPr>
+        <p:spPr>
+          <a:xfrm>
+            <a:off x="1285852" y="3357562"/>
+            <a:ext cx="142876" cy="142876"/>
+          </a:xfrm>
+          <a:prstGeom prst="ellipse">
+            <a:avLst/>
+          </a:prstGeom>
+          <a:solidFill>
+            <a:schemeClr val="bg1">
+              <a:lumMod val="50000"/>
+            </a:schemeClr>
+          </a:solidFill>
+          <a:ln>
+            <a:noFill/>
+          </a:ln>
+        </p:spPr>
+        <p:style>
+          <a:lnRef idx="2">
+            <a:schemeClr val="accent1">
+              <a:shade val="50000"/>
+            </a:schemeClr>
+          </a:lnRef>
+          <a:fillRef idx="1">
+            <a:schemeClr val="accent1"/>
+          </a:fillRef>
+          <a:effectRef idx="0">
+            <a:schemeClr val="accent1"/>
+          </a:effectRef>
+          <a:fontRef idx="minor">
+            <a:schemeClr val="lt1"/>
+          </a:fontRef>
+        </p:style>
+        <p:txBody>
+          <a:bodyPr rtlCol="0" anchor="ctr"/>
+          <a:lstStyle/>
+          <a:p>
+            <a:pPr algn="ctr"/>
+            <a:endParaRPr lang="de-DE"/>
+          </a:p>
+        </p:txBody>
+      </p:sp>
+      <p:sp>
+        <p:nvSpPr>
+          <p:cNvPr id="166" name="Ellipse 165"/>
+          <p:cNvSpPr/>
+          <p:nvPr/>
+        </p:nvSpPr>
+        <p:spPr>
+          <a:xfrm>
+            <a:off x="1428728" y="2857496"/>
+            <a:ext cx="142876" cy="142876"/>
+          </a:xfrm>
+          <a:prstGeom prst="ellipse">
+            <a:avLst/>
+          </a:prstGeom>
+          <a:solidFill>
+            <a:schemeClr val="bg1">
+              <a:lumMod val="50000"/>
+            </a:schemeClr>
+          </a:solidFill>
+          <a:ln>
+            <a:noFill/>
+          </a:ln>
+        </p:spPr>
+        <p:style>
+          <a:lnRef idx="2">
+            <a:schemeClr val="accent1">
+              <a:shade val="50000"/>
+            </a:schemeClr>
+          </a:lnRef>
+          <a:fillRef idx="1">
+            <a:schemeClr val="accent1"/>
+          </a:fillRef>
+          <a:effectRef idx="0">
+            <a:schemeClr val="accent1"/>
+          </a:effectRef>
+          <a:fontRef idx="minor">
+            <a:schemeClr val="lt1"/>
+          </a:fontRef>
+        </p:style>
+        <p:txBody>
+          <a:bodyPr rtlCol="0" anchor="ctr"/>
+          <a:lstStyle/>
+          <a:p>
+            <a:pPr algn="ctr"/>
+            <a:endParaRPr lang="de-DE"/>
+          </a:p>
+        </p:txBody>
+      </p:sp>
+    </p:spTree>
+  </p:cSld>
+  <p:clrMapOvr>
+    <a:masterClrMapping/>
+  </p:clrMapOvr>
+</p:sld>
+</file>
+
 <file path=ppt/theme/theme1.xml><?xml version="1.0" encoding="utf-8"?>
 <a:theme xmlns:a="http://schemas.openxmlformats.org/drawingml/2006/main" name="Larissa-Design">
   <a:themeElements>

--- a/thesis/drawings.pptx
+++ b/thesis/drawings.pptx
@@ -292,7 +292,7 @@
             <a:fld id="{BF9D0C2E-D681-4EA7-8157-3D0866D89818}" type="datetimeFigureOut">
               <a:rPr lang="de-DE" smtClean="0"/>
               <a:pPr/>
-              <a:t>19.03.2008</a:t>
+              <a:t>23.03.2008</a:t>
             </a:fld>
             <a:endParaRPr lang="de-DE"/>
           </a:p>
@@ -459,7 +459,7 @@
             <a:fld id="{BF9D0C2E-D681-4EA7-8157-3D0866D89818}" type="datetimeFigureOut">
               <a:rPr lang="de-DE" smtClean="0"/>
               <a:pPr/>
-              <a:t>19.03.2008</a:t>
+              <a:t>23.03.2008</a:t>
             </a:fld>
             <a:endParaRPr lang="de-DE"/>
           </a:p>
@@ -636,7 +636,7 @@
             <a:fld id="{BF9D0C2E-D681-4EA7-8157-3D0866D89818}" type="datetimeFigureOut">
               <a:rPr lang="de-DE" smtClean="0"/>
               <a:pPr/>
-              <a:t>19.03.2008</a:t>
+              <a:t>23.03.2008</a:t>
             </a:fld>
             <a:endParaRPr lang="de-DE"/>
           </a:p>
@@ -803,7 +803,7 @@
             <a:fld id="{BF9D0C2E-D681-4EA7-8157-3D0866D89818}" type="datetimeFigureOut">
               <a:rPr lang="de-DE" smtClean="0"/>
               <a:pPr/>
-              <a:t>19.03.2008</a:t>
+              <a:t>23.03.2008</a:t>
             </a:fld>
             <a:endParaRPr lang="de-DE"/>
           </a:p>
@@ -1046,7 +1046,7 @@
             <a:fld id="{BF9D0C2E-D681-4EA7-8157-3D0866D89818}" type="datetimeFigureOut">
               <a:rPr lang="de-DE" smtClean="0"/>
               <a:pPr/>
-              <a:t>19.03.2008</a:t>
+              <a:t>23.03.2008</a:t>
             </a:fld>
             <a:endParaRPr lang="de-DE"/>
           </a:p>
@@ -1331,7 +1331,7 @@
             <a:fld id="{BF9D0C2E-D681-4EA7-8157-3D0866D89818}" type="datetimeFigureOut">
               <a:rPr lang="de-DE" smtClean="0"/>
               <a:pPr/>
-              <a:t>19.03.2008</a:t>
+              <a:t>23.03.2008</a:t>
             </a:fld>
             <a:endParaRPr lang="de-DE"/>
           </a:p>
@@ -1750,7 +1750,7 @@
             <a:fld id="{BF9D0C2E-D681-4EA7-8157-3D0866D89818}" type="datetimeFigureOut">
               <a:rPr lang="de-DE" smtClean="0"/>
               <a:pPr/>
-              <a:t>19.03.2008</a:t>
+              <a:t>23.03.2008</a:t>
             </a:fld>
             <a:endParaRPr lang="de-DE"/>
           </a:p>
@@ -1865,7 +1865,7 @@
             <a:fld id="{BF9D0C2E-D681-4EA7-8157-3D0866D89818}" type="datetimeFigureOut">
               <a:rPr lang="de-DE" smtClean="0"/>
               <a:pPr/>
-              <a:t>19.03.2008</a:t>
+              <a:t>23.03.2008</a:t>
             </a:fld>
             <a:endParaRPr lang="de-DE"/>
           </a:p>
@@ -1957,7 +1957,7 @@
             <a:fld id="{BF9D0C2E-D681-4EA7-8157-3D0866D89818}" type="datetimeFigureOut">
               <a:rPr lang="de-DE" smtClean="0"/>
               <a:pPr/>
-              <a:t>19.03.2008</a:t>
+              <a:t>23.03.2008</a:t>
             </a:fld>
             <a:endParaRPr lang="de-DE"/>
           </a:p>
@@ -2231,7 +2231,7 @@
             <a:fld id="{BF9D0C2E-D681-4EA7-8157-3D0866D89818}" type="datetimeFigureOut">
               <a:rPr lang="de-DE" smtClean="0"/>
               <a:pPr/>
-              <a:t>19.03.2008</a:t>
+              <a:t>23.03.2008</a:t>
             </a:fld>
             <a:endParaRPr lang="de-DE"/>
           </a:p>
@@ -2481,7 +2481,7 @@
             <a:fld id="{BF9D0C2E-D681-4EA7-8157-3D0866D89818}" type="datetimeFigureOut">
               <a:rPr lang="de-DE" smtClean="0"/>
               <a:pPr/>
-              <a:t>19.03.2008</a:t>
+              <a:t>23.03.2008</a:t>
             </a:fld>
             <a:endParaRPr lang="de-DE"/>
           </a:p>
@@ -2691,7 +2691,7 @@
             <a:fld id="{BF9D0C2E-D681-4EA7-8157-3D0866D89818}" type="datetimeFigureOut">
               <a:rPr lang="de-DE" smtClean="0"/>
               <a:pPr/>
-              <a:t>19.03.2008</a:t>
+              <a:t>23.03.2008</a:t>
             </a:fld>
             <a:endParaRPr lang="de-DE"/>
           </a:p>
@@ -11672,8 +11672,8 @@
         </p:nvCxnSpPr>
         <p:spPr>
           <a:xfrm rot="10800000">
-            <a:off x="7429520" y="500042"/>
-            <a:ext cx="500066" cy="1588"/>
+            <a:off x="5651671" y="912605"/>
+            <a:ext cx="438202" cy="1392"/>
           </a:xfrm>
           <a:prstGeom prst="line">
             <a:avLst/>
@@ -11710,8 +11710,8 @@
         </p:nvCxnSpPr>
         <p:spPr>
           <a:xfrm rot="10800000">
-            <a:off x="7429520" y="2428868"/>
-            <a:ext cx="500066" cy="1588"/>
+            <a:off x="5651671" y="2602813"/>
+            <a:ext cx="438202" cy="1392"/>
           </a:xfrm>
           <a:prstGeom prst="line">
             <a:avLst/>
@@ -11748,8 +11748,8 @@
         </p:nvCxnSpPr>
         <p:spPr>
           <a:xfrm rot="10800000">
-            <a:off x="7429520" y="4357694"/>
-            <a:ext cx="500066" cy="1588"/>
+            <a:off x="5651671" y="4293021"/>
+            <a:ext cx="438202" cy="1392"/>
           </a:xfrm>
           <a:prstGeom prst="line">
             <a:avLst/>
@@ -11786,8 +11786,8 @@
         </p:nvCxnSpPr>
         <p:spPr>
           <a:xfrm rot="10800000">
-            <a:off x="7429520" y="6286520"/>
-            <a:ext cx="500066" cy="1588"/>
+            <a:off x="5651671" y="5983230"/>
+            <a:ext cx="438202" cy="1392"/>
           </a:xfrm>
           <a:prstGeom prst="line">
             <a:avLst/>
@@ -11824,8 +11824,8 @@
         </p:nvSpPr>
         <p:spPr>
           <a:xfrm>
-            <a:off x="3571868" y="2428868"/>
-            <a:ext cx="1928826" cy="1928826"/>
+            <a:off x="2271255" y="2602813"/>
+            <a:ext cx="1690208" cy="1690208"/>
           </a:xfrm>
           <a:prstGeom prst="rect">
             <a:avLst/>
@@ -11870,8 +11870,8 @@
         </p:nvSpPr>
         <p:spPr>
           <a:xfrm>
-            <a:off x="4714876" y="4000504"/>
-            <a:ext cx="285752" cy="285752"/>
+            <a:off x="3272859" y="3980020"/>
+            <a:ext cx="250401" cy="250401"/>
           </a:xfrm>
           <a:prstGeom prst="ellipse">
             <a:avLst/>
@@ -11916,8 +11916,8 @@
         </p:nvSpPr>
         <p:spPr>
           <a:xfrm>
-            <a:off x="3786182" y="2857496"/>
-            <a:ext cx="142876" cy="142876"/>
+            <a:off x="2459055" y="2978415"/>
+            <a:ext cx="125201" cy="125201"/>
           </a:xfrm>
           <a:prstGeom prst="ellipse">
             <a:avLst/>
@@ -11965,8 +11965,8 @@
         </p:nvSpPr>
         <p:spPr>
           <a:xfrm>
-            <a:off x="4000496" y="3786190"/>
-            <a:ext cx="142876" cy="142876"/>
+            <a:off x="2646856" y="3792219"/>
+            <a:ext cx="125201" cy="125201"/>
           </a:xfrm>
           <a:prstGeom prst="ellipse">
             <a:avLst/>
@@ -12014,8 +12014,8 @@
         </p:nvSpPr>
         <p:spPr>
           <a:xfrm>
-            <a:off x="4714876" y="2857496"/>
-            <a:ext cx="142876" cy="142876"/>
+            <a:off x="3272859" y="2978415"/>
+            <a:ext cx="125201" cy="125201"/>
           </a:xfrm>
           <a:prstGeom prst="ellipse">
             <a:avLst/>
@@ -12063,8 +12063,8 @@
         </p:nvSpPr>
         <p:spPr>
           <a:xfrm>
-            <a:off x="4429124" y="3429000"/>
-            <a:ext cx="142876" cy="142876"/>
+            <a:off x="3022458" y="3479217"/>
+            <a:ext cx="125201" cy="125201"/>
           </a:xfrm>
           <a:prstGeom prst="ellipse">
             <a:avLst/>
@@ -12112,8 +12112,8 @@
         </p:nvSpPr>
         <p:spPr>
           <a:xfrm>
-            <a:off x="5929322" y="2643182"/>
-            <a:ext cx="142876" cy="142876"/>
+            <a:off x="4337065" y="2790614"/>
+            <a:ext cx="125201" cy="125201"/>
           </a:xfrm>
           <a:prstGeom prst="ellipse">
             <a:avLst/>
@@ -12161,8 +12161,8 @@
         </p:nvSpPr>
         <p:spPr>
           <a:xfrm>
-            <a:off x="5715008" y="4071942"/>
-            <a:ext cx="142876" cy="142876"/>
+            <a:off x="4149264" y="4042620"/>
+            <a:ext cx="125201" cy="125201"/>
           </a:xfrm>
           <a:prstGeom prst="ellipse">
             <a:avLst/>
@@ -12210,8 +12210,8 @@
         </p:nvSpPr>
         <p:spPr>
           <a:xfrm>
-            <a:off x="6500826" y="3857628"/>
-            <a:ext cx="142876" cy="142876"/>
+            <a:off x="4837867" y="3854819"/>
+            <a:ext cx="125201" cy="125201"/>
           </a:xfrm>
           <a:prstGeom prst="ellipse">
             <a:avLst/>
@@ -12259,8 +12259,8 @@
         </p:nvSpPr>
         <p:spPr>
           <a:xfrm>
-            <a:off x="6786578" y="2714620"/>
-            <a:ext cx="142876" cy="142876"/>
+            <a:off x="5088268" y="2853214"/>
+            <a:ext cx="125201" cy="125201"/>
           </a:xfrm>
           <a:prstGeom prst="ellipse">
             <a:avLst/>
@@ -12307,8 +12307,8 @@
         </p:nvSpPr>
         <p:spPr>
           <a:xfrm>
-            <a:off x="6072198" y="3286124"/>
-            <a:ext cx="142876" cy="142876"/>
+            <a:off x="4462265" y="3354017"/>
+            <a:ext cx="125201" cy="125201"/>
           </a:xfrm>
           <a:prstGeom prst="ellipse">
             <a:avLst/>
@@ -12356,8 +12356,8 @@
         </p:nvSpPr>
         <p:spPr>
           <a:xfrm>
-            <a:off x="7000892" y="4071942"/>
-            <a:ext cx="142876" cy="142876"/>
+            <a:off x="5276069" y="4042620"/>
+            <a:ext cx="125201" cy="125201"/>
           </a:xfrm>
           <a:prstGeom prst="ellipse">
             <a:avLst/>
@@ -12404,8 +12404,8 @@
         </p:nvSpPr>
         <p:spPr>
           <a:xfrm>
-            <a:off x="7072330" y="3357562"/>
-            <a:ext cx="142876" cy="142876"/>
+            <a:off x="5338670" y="3416617"/>
+            <a:ext cx="125201" cy="125201"/>
           </a:xfrm>
           <a:prstGeom prst="ellipse">
             <a:avLst/>
@@ -12452,8 +12452,8 @@
         </p:nvSpPr>
         <p:spPr>
           <a:xfrm>
-            <a:off x="2928926" y="4857760"/>
-            <a:ext cx="142876" cy="142876"/>
+            <a:off x="1707852" y="4731223"/>
+            <a:ext cx="125201" cy="125201"/>
           </a:xfrm>
           <a:prstGeom prst="ellipse">
             <a:avLst/>
@@ -12500,8 +12500,8 @@
         </p:nvSpPr>
         <p:spPr>
           <a:xfrm>
-            <a:off x="2214546" y="5786454"/>
-            <a:ext cx="142876" cy="142876"/>
+            <a:off x="1081849" y="5545027"/>
+            <a:ext cx="125201" cy="125201"/>
           </a:xfrm>
           <a:prstGeom prst="ellipse">
             <a:avLst/>
@@ -12548,8 +12548,8 @@
         </p:nvSpPr>
         <p:spPr>
           <a:xfrm>
-            <a:off x="2428860" y="4714884"/>
-            <a:ext cx="142876" cy="142876"/>
+            <a:off x="1269650" y="4606023"/>
+            <a:ext cx="125201" cy="125201"/>
           </a:xfrm>
           <a:prstGeom prst="ellipse">
             <a:avLst/>
@@ -12596,8 +12596,8 @@
         </p:nvSpPr>
         <p:spPr>
           <a:xfrm>
-            <a:off x="2928926" y="5857892"/>
-            <a:ext cx="142876" cy="142876"/>
+            <a:off x="1707852" y="5607628"/>
+            <a:ext cx="125201" cy="125201"/>
           </a:xfrm>
           <a:prstGeom prst="ellipse">
             <a:avLst/>
@@ -12644,8 +12644,8 @@
         </p:nvSpPr>
         <p:spPr>
           <a:xfrm>
-            <a:off x="3286116" y="4643446"/>
-            <a:ext cx="142876" cy="142876"/>
+            <a:off x="2020853" y="4543422"/>
+            <a:ext cx="125201" cy="125201"/>
           </a:xfrm>
           <a:prstGeom prst="ellipse">
             <a:avLst/>
@@ -12693,8 +12693,8 @@
         </p:nvSpPr>
         <p:spPr>
           <a:xfrm>
-            <a:off x="4000496" y="5143512"/>
-            <a:ext cx="142876" cy="142876"/>
+            <a:off x="2646856" y="4981625"/>
+            <a:ext cx="125201" cy="125201"/>
           </a:xfrm>
           <a:prstGeom prst="ellipse">
             <a:avLst/>
@@ -12742,8 +12742,8 @@
         </p:nvSpPr>
         <p:spPr>
           <a:xfrm>
-            <a:off x="3786182" y="6072206"/>
-            <a:ext cx="142876" cy="142876"/>
+            <a:off x="2459055" y="5795429"/>
+            <a:ext cx="125201" cy="125201"/>
           </a:xfrm>
           <a:prstGeom prst="ellipse">
             <a:avLst/>
@@ -12790,8 +12790,8 @@
         </p:nvSpPr>
         <p:spPr>
           <a:xfrm>
-            <a:off x="4643438" y="4786322"/>
-            <a:ext cx="142876" cy="142876"/>
+            <a:off x="3210259" y="4668623"/>
+            <a:ext cx="125201" cy="125201"/>
           </a:xfrm>
           <a:prstGeom prst="ellipse">
             <a:avLst/>
@@ -12839,8 +12839,8 @@
         </p:nvSpPr>
         <p:spPr>
           <a:xfrm>
-            <a:off x="4357686" y="5857892"/>
-            <a:ext cx="142876" cy="142876"/>
+            <a:off x="2959858" y="5607628"/>
+            <a:ext cx="125201" cy="125201"/>
           </a:xfrm>
           <a:prstGeom prst="ellipse">
             <a:avLst/>
@@ -12888,8 +12888,8 @@
         </p:nvSpPr>
         <p:spPr>
           <a:xfrm>
-            <a:off x="5072066" y="5643578"/>
-            <a:ext cx="142876" cy="142876"/>
+            <a:off x="3585861" y="5419827"/>
+            <a:ext cx="125201" cy="125201"/>
           </a:xfrm>
           <a:prstGeom prst="ellipse">
             <a:avLst/>
@@ -12937,8 +12937,8 @@
         </p:nvSpPr>
         <p:spPr>
           <a:xfrm>
-            <a:off x="5715008" y="4786322"/>
-            <a:ext cx="142876" cy="142876"/>
+            <a:off x="4149264" y="4668623"/>
+            <a:ext cx="125201" cy="125201"/>
           </a:xfrm>
           <a:prstGeom prst="ellipse">
             <a:avLst/>
@@ -12986,8 +12986,8 @@
         </p:nvSpPr>
         <p:spPr>
           <a:xfrm>
-            <a:off x="5715008" y="6000768"/>
-            <a:ext cx="142876" cy="142876"/>
+            <a:off x="4149264" y="5732828"/>
+            <a:ext cx="125201" cy="125201"/>
           </a:xfrm>
           <a:prstGeom prst="ellipse">
             <a:avLst/>
@@ -13034,8 +13034,8 @@
         </p:nvSpPr>
         <p:spPr>
           <a:xfrm>
-            <a:off x="6286512" y="5572140"/>
-            <a:ext cx="142876" cy="142876"/>
+            <a:off x="4650066" y="5357226"/>
+            <a:ext cx="125201" cy="125201"/>
           </a:xfrm>
           <a:prstGeom prst="ellipse">
             <a:avLst/>
@@ -13082,8 +13082,8 @@
         </p:nvSpPr>
         <p:spPr>
           <a:xfrm>
-            <a:off x="6429388" y="4714884"/>
-            <a:ext cx="142876" cy="142876"/>
+            <a:off x="4775267" y="4606023"/>
+            <a:ext cx="125201" cy="125201"/>
           </a:xfrm>
           <a:prstGeom prst="ellipse">
             <a:avLst/>
@@ -13131,8 +13131,8 @@
         </p:nvSpPr>
         <p:spPr>
           <a:xfrm>
-            <a:off x="7000892" y="5857892"/>
-            <a:ext cx="142876" cy="142876"/>
+            <a:off x="5276069" y="5607628"/>
+            <a:ext cx="125201" cy="125201"/>
           </a:xfrm>
           <a:prstGeom prst="ellipse">
             <a:avLst/>
@@ -13179,8 +13179,8 @@
         </p:nvSpPr>
         <p:spPr>
           <a:xfrm>
-            <a:off x="7143768" y="4643446"/>
-            <a:ext cx="142876" cy="142876"/>
+            <a:off x="5401270" y="4543422"/>
+            <a:ext cx="125201" cy="125201"/>
           </a:xfrm>
           <a:prstGeom prst="ellipse">
             <a:avLst/>
@@ -13227,8 +13227,8 @@
         </p:nvSpPr>
         <p:spPr>
           <a:xfrm>
-            <a:off x="4786314" y="3857628"/>
-            <a:ext cx="142876" cy="142876"/>
+            <a:off x="3335460" y="3854819"/>
+            <a:ext cx="125201" cy="125201"/>
           </a:xfrm>
           <a:prstGeom prst="downArrow">
             <a:avLst/>
@@ -13273,8 +13273,8 @@
         </p:nvSpPr>
         <p:spPr>
           <a:xfrm>
-            <a:off x="2857488" y="2786058"/>
-            <a:ext cx="142876" cy="142876"/>
+            <a:off x="1645251" y="2915814"/>
+            <a:ext cx="125201" cy="125201"/>
           </a:xfrm>
           <a:prstGeom prst="ellipse">
             <a:avLst/>
@@ -13321,8 +13321,8 @@
         </p:nvSpPr>
         <p:spPr>
           <a:xfrm>
-            <a:off x="2071670" y="3214686"/>
-            <a:ext cx="142876" cy="142876"/>
+            <a:off x="956648" y="3291416"/>
+            <a:ext cx="125201" cy="125201"/>
           </a:xfrm>
           <a:prstGeom prst="ellipse">
             <a:avLst/>
@@ -13369,8 +13369,8 @@
         </p:nvSpPr>
         <p:spPr>
           <a:xfrm>
-            <a:off x="3286116" y="3786190"/>
-            <a:ext cx="142876" cy="142876"/>
+            <a:off x="2020853" y="3792219"/>
+            <a:ext cx="125201" cy="125201"/>
           </a:xfrm>
           <a:prstGeom prst="ellipse">
             <a:avLst/>
@@ -13418,8 +13418,8 @@
         </p:nvSpPr>
         <p:spPr>
           <a:xfrm>
-            <a:off x="1857356" y="2000240"/>
-            <a:ext cx="142876" cy="142876"/>
+            <a:off x="768847" y="2227211"/>
+            <a:ext cx="125201" cy="125201"/>
           </a:xfrm>
           <a:prstGeom prst="ellipse">
             <a:avLst/>
@@ -13466,8 +13466,8 @@
         </p:nvSpPr>
         <p:spPr>
           <a:xfrm>
-            <a:off x="2714612" y="928670"/>
-            <a:ext cx="142876" cy="142876"/>
+            <a:off x="1520051" y="1288206"/>
+            <a:ext cx="125201" cy="125201"/>
           </a:xfrm>
           <a:prstGeom prst="ellipse">
             <a:avLst/>
@@ -13514,8 +13514,8 @@
         </p:nvSpPr>
         <p:spPr>
           <a:xfrm>
-            <a:off x="2000232" y="1285860"/>
-            <a:ext cx="142876" cy="142876"/>
+            <a:off x="894048" y="1601208"/>
+            <a:ext cx="125201" cy="125201"/>
           </a:xfrm>
           <a:prstGeom prst="ellipse">
             <a:avLst/>
@@ -13562,8 +13562,8 @@
         </p:nvSpPr>
         <p:spPr>
           <a:xfrm>
-            <a:off x="3000364" y="2000240"/>
-            <a:ext cx="142876" cy="142876"/>
+            <a:off x="1770452" y="2227211"/>
+            <a:ext cx="125201" cy="125201"/>
           </a:xfrm>
           <a:prstGeom prst="ellipse">
             <a:avLst/>
@@ -13610,8 +13610,8 @@
         </p:nvSpPr>
         <p:spPr>
           <a:xfrm>
-            <a:off x="5072066" y="714356"/>
-            <a:ext cx="142876" cy="142876"/>
+            <a:off x="3585861" y="1100405"/>
+            <a:ext cx="125201" cy="125201"/>
           </a:xfrm>
           <a:prstGeom prst="ellipse">
             <a:avLst/>
@@ -13658,8 +13658,8 @@
         </p:nvSpPr>
         <p:spPr>
           <a:xfrm>
-            <a:off x="3857620" y="1785926"/>
-            <a:ext cx="142876" cy="142876"/>
+            <a:off x="2521656" y="2039410"/>
+            <a:ext cx="125201" cy="125201"/>
           </a:xfrm>
           <a:prstGeom prst="ellipse">
             <a:avLst/>
@@ -13706,8 +13706,8 @@
         </p:nvSpPr>
         <p:spPr>
           <a:xfrm>
-            <a:off x="4357686" y="714356"/>
-            <a:ext cx="142876" cy="142876"/>
+            <a:off x="2959858" y="1100405"/>
+            <a:ext cx="125201" cy="125201"/>
           </a:xfrm>
           <a:prstGeom prst="ellipse">
             <a:avLst/>
@@ -13754,8 +13754,8 @@
         </p:nvSpPr>
         <p:spPr>
           <a:xfrm>
-            <a:off x="4572000" y="2071678"/>
-            <a:ext cx="142876" cy="142876"/>
+            <a:off x="3147659" y="2289811"/>
+            <a:ext cx="125201" cy="125201"/>
           </a:xfrm>
           <a:prstGeom prst="ellipse">
             <a:avLst/>
@@ -13802,8 +13802,8 @@
         </p:nvSpPr>
         <p:spPr>
           <a:xfrm>
-            <a:off x="5000628" y="1500174"/>
-            <a:ext cx="142876" cy="142876"/>
+            <a:off x="3523261" y="1789009"/>
+            <a:ext cx="125201" cy="125201"/>
           </a:xfrm>
           <a:prstGeom prst="ellipse">
             <a:avLst/>
@@ -13850,8 +13850,8 @@
         </p:nvSpPr>
         <p:spPr>
           <a:xfrm>
-            <a:off x="6000760" y="1285860"/>
-            <a:ext cx="142876" cy="142876"/>
+            <a:off x="4399665" y="1601208"/>
+            <a:ext cx="125201" cy="125201"/>
           </a:xfrm>
           <a:prstGeom prst="ellipse">
             <a:avLst/>
@@ -13898,8 +13898,8 @@
         </p:nvSpPr>
         <p:spPr>
           <a:xfrm>
-            <a:off x="6000760" y="714356"/>
-            <a:ext cx="142876" cy="142876"/>
+            <a:off x="4399665" y="1100405"/>
+            <a:ext cx="125201" cy="125201"/>
           </a:xfrm>
           <a:prstGeom prst="ellipse">
             <a:avLst/>
@@ -13946,8 +13946,8 @@
         </p:nvSpPr>
         <p:spPr>
           <a:xfrm>
-            <a:off x="7000892" y="1071546"/>
-            <a:ext cx="142876" cy="142876"/>
+            <a:off x="5276069" y="1413407"/>
+            <a:ext cx="125201" cy="125201"/>
           </a:xfrm>
           <a:prstGeom prst="ellipse">
             <a:avLst/>
@@ -13994,8 +13994,8 @@
         </p:nvSpPr>
         <p:spPr>
           <a:xfrm>
-            <a:off x="7072330" y="2214554"/>
-            <a:ext cx="142876" cy="142876"/>
+            <a:off x="5338670" y="2415012"/>
+            <a:ext cx="125201" cy="125201"/>
           </a:xfrm>
           <a:prstGeom prst="ellipse">
             <a:avLst/>
@@ -14042,8 +14042,8 @@
         </p:nvSpPr>
         <p:spPr>
           <a:xfrm>
-            <a:off x="2357422" y="4000504"/>
-            <a:ext cx="142876" cy="142876"/>
+            <a:off x="1207049" y="3980020"/>
+            <a:ext cx="125201" cy="125201"/>
           </a:xfrm>
           <a:prstGeom prst="ellipse">
             <a:avLst/>
@@ -14090,8 +14090,8 @@
         </p:nvSpPr>
         <p:spPr>
           <a:xfrm>
-            <a:off x="2952932" y="2214258"/>
-            <a:ext cx="3857652" cy="3857652"/>
+            <a:off x="1728888" y="2414753"/>
+            <a:ext cx="3380417" cy="3380417"/>
           </a:xfrm>
           <a:prstGeom prst="ellipse">
             <a:avLst/>
@@ -14136,10 +14136,10 @@
         </p:nvGrpSpPr>
         <p:grpSpPr>
           <a:xfrm>
-            <a:off x="3571074" y="0"/>
-            <a:ext cx="1930414" cy="429398"/>
-            <a:chOff x="3571074" y="0"/>
-            <a:chExt cx="1930414" cy="429398"/>
+            <a:off x="2270559" y="428604"/>
+            <a:ext cx="1691600" cy="422096"/>
+            <a:chOff x="3571074" y="-52288"/>
+            <a:chExt cx="1930414" cy="481686"/>
           </a:xfrm>
         </p:grpSpPr>
         <p:cxnSp>
@@ -14255,7 +14255,7 @@
           </p:nvSpPr>
           <p:spPr>
             <a:xfrm>
-              <a:off x="4429124" y="0"/>
+              <a:off x="4403910" y="-52288"/>
               <a:ext cx="306494" cy="369332"/>
             </a:xfrm>
             <a:prstGeom prst="rect">
@@ -14286,10 +14286,10 @@
         </p:nvGrpSpPr>
         <p:grpSpPr>
           <a:xfrm>
-            <a:off x="2951237" y="3858255"/>
-            <a:ext cx="1930414" cy="429398"/>
-            <a:chOff x="3571074" y="0"/>
-            <a:chExt cx="1930414" cy="429398"/>
+            <a:off x="1727403" y="3786190"/>
+            <a:ext cx="1691600" cy="445455"/>
+            <a:chOff x="3571074" y="-78945"/>
+            <a:chExt cx="1930414" cy="508343"/>
           </a:xfrm>
         </p:grpSpPr>
         <p:cxnSp>
@@ -14405,7 +14405,7 @@
           </p:nvSpPr>
           <p:spPr>
             <a:xfrm>
-              <a:off x="4429124" y="0"/>
+              <a:off x="4453084" y="-78945"/>
               <a:ext cx="306494" cy="369332"/>
             </a:xfrm>
             <a:prstGeom prst="rect">
@@ -14436,8 +14436,8 @@
         </p:nvCxnSpPr>
         <p:spPr>
           <a:xfrm rot="10800000">
-            <a:off x="1142976" y="500042"/>
-            <a:ext cx="500066" cy="1588"/>
+            <a:off x="142844" y="912605"/>
+            <a:ext cx="438202" cy="1392"/>
           </a:xfrm>
           <a:prstGeom prst="line">
             <a:avLst/>
@@ -14474,8 +14474,8 @@
         </p:nvCxnSpPr>
         <p:spPr>
           <a:xfrm rot="10800000">
-            <a:off x="1142976" y="2428868"/>
-            <a:ext cx="500066" cy="1588"/>
+            <a:off x="142844" y="2602813"/>
+            <a:ext cx="438202" cy="1392"/>
           </a:xfrm>
           <a:prstGeom prst="line">
             <a:avLst/>
@@ -14512,8 +14512,8 @@
         </p:nvCxnSpPr>
         <p:spPr>
           <a:xfrm rot="10800000">
-            <a:off x="1142976" y="4357694"/>
-            <a:ext cx="500066" cy="1588"/>
+            <a:off x="142844" y="4293021"/>
+            <a:ext cx="438202" cy="1392"/>
           </a:xfrm>
           <a:prstGeom prst="line">
             <a:avLst/>
@@ -14550,8 +14550,8 @@
         </p:nvCxnSpPr>
         <p:spPr>
           <a:xfrm rot="10800000">
-            <a:off x="1142976" y="6286520"/>
-            <a:ext cx="500066" cy="1588"/>
+            <a:off x="142844" y="5983230"/>
+            <a:ext cx="438202" cy="1392"/>
           </a:xfrm>
           <a:prstGeom prst="line">
             <a:avLst/>
@@ -14588,8 +14588,8 @@
         </p:nvCxnSpPr>
         <p:spPr>
           <a:xfrm rot="5400000" flipH="1" flipV="1">
-            <a:off x="1358096" y="6571466"/>
-            <a:ext cx="571480" cy="1588"/>
+            <a:off x="331351" y="6232925"/>
+            <a:ext cx="500781" cy="1392"/>
           </a:xfrm>
           <a:prstGeom prst="line">
             <a:avLst/>
@@ -14626,8 +14626,8 @@
         </p:nvCxnSpPr>
         <p:spPr>
           <a:xfrm rot="5400000" flipH="1" flipV="1">
-            <a:off x="3286922" y="6571466"/>
-            <a:ext cx="571480" cy="1588"/>
+            <a:off x="2021560" y="6232925"/>
+            <a:ext cx="500781" cy="1392"/>
           </a:xfrm>
           <a:prstGeom prst="line">
             <a:avLst/>
@@ -14664,8 +14664,8 @@
         </p:nvCxnSpPr>
         <p:spPr>
           <a:xfrm rot="5400000" flipH="1" flipV="1">
-            <a:off x="5215748" y="6571466"/>
-            <a:ext cx="571480" cy="1588"/>
+            <a:off x="3711768" y="6232925"/>
+            <a:ext cx="500781" cy="1392"/>
           </a:xfrm>
           <a:prstGeom prst="line">
             <a:avLst/>
@@ -14702,8 +14702,8 @@
         </p:nvCxnSpPr>
         <p:spPr>
           <a:xfrm rot="5400000" flipH="1" flipV="1">
-            <a:off x="7144574" y="6571466"/>
-            <a:ext cx="571480" cy="1588"/>
+            <a:off x="5401976" y="6232925"/>
+            <a:ext cx="500781" cy="1392"/>
           </a:xfrm>
           <a:prstGeom prst="line">
             <a:avLst/>
@@ -14740,8 +14740,8 @@
         </p:nvCxnSpPr>
         <p:spPr>
           <a:xfrm rot="5400000" flipH="1" flipV="1">
-            <a:off x="1358096" y="232658"/>
-            <a:ext cx="571480" cy="1588"/>
+            <a:off x="331351" y="678299"/>
+            <a:ext cx="500781" cy="1392"/>
           </a:xfrm>
           <a:prstGeom prst="line">
             <a:avLst/>
@@ -14778,8 +14778,8 @@
         </p:nvCxnSpPr>
         <p:spPr>
           <a:xfrm rot="5400000" flipH="1" flipV="1">
-            <a:off x="7144574" y="232658"/>
-            <a:ext cx="571480" cy="1588"/>
+            <a:off x="5401976" y="678299"/>
+            <a:ext cx="500781" cy="1392"/>
           </a:xfrm>
           <a:prstGeom prst="line">
             <a:avLst/>
@@ -14816,8 +14816,8 @@
         </p:nvSpPr>
         <p:spPr>
           <a:xfrm>
-            <a:off x="1643042" y="500042"/>
-            <a:ext cx="1928826" cy="1928826"/>
+            <a:off x="581046" y="912605"/>
+            <a:ext cx="1690208" cy="1690208"/>
           </a:xfrm>
           <a:prstGeom prst="rect">
             <a:avLst/>
@@ -14862,8 +14862,8 @@
         </p:nvSpPr>
         <p:spPr>
           <a:xfrm>
-            <a:off x="3571868" y="500042"/>
-            <a:ext cx="1928826" cy="1928826"/>
+            <a:off x="2271255" y="912605"/>
+            <a:ext cx="1690208" cy="1690208"/>
           </a:xfrm>
           <a:prstGeom prst="rect">
             <a:avLst/>
@@ -14908,8 +14908,8 @@
         </p:nvSpPr>
         <p:spPr>
           <a:xfrm>
-            <a:off x="5500694" y="500042"/>
-            <a:ext cx="1928826" cy="1928826"/>
+            <a:off x="3961463" y="912605"/>
+            <a:ext cx="1690208" cy="1690208"/>
           </a:xfrm>
           <a:prstGeom prst="rect">
             <a:avLst/>
@@ -14954,8 +14954,8 @@
         </p:nvSpPr>
         <p:spPr>
           <a:xfrm>
-            <a:off x="1643042" y="2428868"/>
-            <a:ext cx="1928826" cy="1928826"/>
+            <a:off x="581046" y="2602813"/>
+            <a:ext cx="1690208" cy="1690208"/>
           </a:xfrm>
           <a:prstGeom prst="rect">
             <a:avLst/>
@@ -15000,8 +15000,8 @@
         </p:nvSpPr>
         <p:spPr>
           <a:xfrm>
-            <a:off x="5500694" y="2428868"/>
-            <a:ext cx="1928826" cy="1928826"/>
+            <a:off x="3961463" y="2602813"/>
+            <a:ext cx="1690208" cy="1690208"/>
           </a:xfrm>
           <a:prstGeom prst="rect">
             <a:avLst/>
@@ -15046,8 +15046,8 @@
         </p:nvSpPr>
         <p:spPr>
           <a:xfrm>
-            <a:off x="1643042" y="4357694"/>
-            <a:ext cx="1928826" cy="1928826"/>
+            <a:off x="581046" y="4293021"/>
+            <a:ext cx="1690208" cy="1690208"/>
           </a:xfrm>
           <a:prstGeom prst="rect">
             <a:avLst/>
@@ -15092,8 +15092,8 @@
         </p:nvSpPr>
         <p:spPr>
           <a:xfrm>
-            <a:off x="3571868" y="4357694"/>
-            <a:ext cx="1928826" cy="1928826"/>
+            <a:off x="2271255" y="4293021"/>
+            <a:ext cx="1690208" cy="1690208"/>
           </a:xfrm>
           <a:prstGeom prst="rect">
             <a:avLst/>
@@ -15138,8 +15138,8 @@
         </p:nvSpPr>
         <p:spPr>
           <a:xfrm>
-            <a:off x="5500694" y="4357694"/>
-            <a:ext cx="1928826" cy="1928826"/>
+            <a:off x="3961463" y="4293021"/>
+            <a:ext cx="1690208" cy="1690208"/>
           </a:xfrm>
           <a:prstGeom prst="rect">
             <a:avLst/>
@@ -15184,8 +15184,969 @@
         </p:nvSpPr>
         <p:spPr>
           <a:xfrm>
-            <a:off x="1214414" y="1857364"/>
-            <a:ext cx="142876" cy="142876"/>
+            <a:off x="205444" y="2102010"/>
+            <a:ext cx="125201" cy="125201"/>
+          </a:xfrm>
+          <a:prstGeom prst="ellipse">
+            <a:avLst/>
+          </a:prstGeom>
+          <a:noFill/>
+          <a:ln>
+            <a:solidFill>
+              <a:schemeClr val="bg1">
+                <a:lumMod val="50000"/>
+              </a:schemeClr>
+            </a:solidFill>
+          </a:ln>
+        </p:spPr>
+        <p:style>
+          <a:lnRef idx="2">
+            <a:schemeClr val="accent1">
+              <a:shade val="50000"/>
+            </a:schemeClr>
+          </a:lnRef>
+          <a:fillRef idx="1">
+            <a:schemeClr val="accent1"/>
+          </a:fillRef>
+          <a:effectRef idx="0">
+            <a:schemeClr val="accent1"/>
+          </a:effectRef>
+          <a:fontRef idx="minor">
+            <a:schemeClr val="lt1"/>
+          </a:fontRef>
+        </p:style>
+        <p:txBody>
+          <a:bodyPr rtlCol="0" anchor="ctr"/>
+          <a:lstStyle/>
+          <a:p>
+            <a:pPr algn="ctr"/>
+            <a:endParaRPr lang="de-DE"/>
+          </a:p>
+        </p:txBody>
+      </p:sp>
+      <p:sp>
+        <p:nvSpPr>
+          <p:cNvPr id="148" name="Ellipse 147"/>
+          <p:cNvSpPr/>
+          <p:nvPr/>
+        </p:nvSpPr>
+        <p:spPr>
+          <a:xfrm>
+            <a:off x="393245" y="1100405"/>
+            <a:ext cx="125201" cy="125201"/>
+          </a:xfrm>
+          <a:prstGeom prst="ellipse">
+            <a:avLst/>
+          </a:prstGeom>
+          <a:noFill/>
+          <a:ln>
+            <a:solidFill>
+              <a:schemeClr val="bg1">
+                <a:lumMod val="50000"/>
+              </a:schemeClr>
+            </a:solidFill>
+          </a:ln>
+        </p:spPr>
+        <p:style>
+          <a:lnRef idx="2">
+            <a:schemeClr val="accent1">
+              <a:shade val="50000"/>
+            </a:schemeClr>
+          </a:lnRef>
+          <a:fillRef idx="1">
+            <a:schemeClr val="accent1"/>
+          </a:fillRef>
+          <a:effectRef idx="0">
+            <a:schemeClr val="accent1"/>
+          </a:effectRef>
+          <a:fontRef idx="minor">
+            <a:schemeClr val="lt1"/>
+          </a:fontRef>
+        </p:style>
+        <p:txBody>
+          <a:bodyPr rtlCol="0" anchor="ctr"/>
+          <a:lstStyle/>
+          <a:p>
+            <a:pPr algn="ctr"/>
+            <a:endParaRPr lang="de-DE"/>
+          </a:p>
+        </p:txBody>
+      </p:sp>
+      <p:sp>
+        <p:nvSpPr>
+          <p:cNvPr id="149" name="Ellipse 148"/>
+          <p:cNvSpPr/>
+          <p:nvPr/>
+        </p:nvSpPr>
+        <p:spPr>
+          <a:xfrm>
+            <a:off x="1520051" y="724804"/>
+            <a:ext cx="125201" cy="125201"/>
+          </a:xfrm>
+          <a:prstGeom prst="ellipse">
+            <a:avLst/>
+          </a:prstGeom>
+          <a:noFill/>
+          <a:ln>
+            <a:solidFill>
+              <a:schemeClr val="bg1">
+                <a:lumMod val="50000"/>
+              </a:schemeClr>
+            </a:solidFill>
+          </a:ln>
+        </p:spPr>
+        <p:style>
+          <a:lnRef idx="2">
+            <a:schemeClr val="accent1">
+              <a:shade val="50000"/>
+            </a:schemeClr>
+          </a:lnRef>
+          <a:fillRef idx="1">
+            <a:schemeClr val="accent1"/>
+          </a:fillRef>
+          <a:effectRef idx="0">
+            <a:schemeClr val="accent1"/>
+          </a:effectRef>
+          <a:fontRef idx="minor">
+            <a:schemeClr val="lt1"/>
+          </a:fontRef>
+        </p:style>
+        <p:txBody>
+          <a:bodyPr rtlCol="0" anchor="ctr"/>
+          <a:lstStyle/>
+          <a:p>
+            <a:pPr algn="ctr"/>
+            <a:endParaRPr lang="de-DE"/>
+          </a:p>
+        </p:txBody>
+      </p:sp>
+      <p:sp>
+        <p:nvSpPr>
+          <p:cNvPr id="150" name="Ellipse 149"/>
+          <p:cNvSpPr/>
+          <p:nvPr/>
+        </p:nvSpPr>
+        <p:spPr>
+          <a:xfrm>
+            <a:off x="4399665" y="662203"/>
+            <a:ext cx="125201" cy="125201"/>
+          </a:xfrm>
+          <a:prstGeom prst="ellipse">
+            <a:avLst/>
+          </a:prstGeom>
+          <a:noFill/>
+          <a:ln>
+            <a:solidFill>
+              <a:schemeClr val="bg1">
+                <a:lumMod val="50000"/>
+              </a:schemeClr>
+            </a:solidFill>
+          </a:ln>
+        </p:spPr>
+        <p:style>
+          <a:lnRef idx="2">
+            <a:schemeClr val="accent1">
+              <a:shade val="50000"/>
+            </a:schemeClr>
+          </a:lnRef>
+          <a:fillRef idx="1">
+            <a:schemeClr val="accent1"/>
+          </a:fillRef>
+          <a:effectRef idx="0">
+            <a:schemeClr val="accent1"/>
+          </a:effectRef>
+          <a:fontRef idx="minor">
+            <a:schemeClr val="lt1"/>
+          </a:fontRef>
+        </p:style>
+        <p:txBody>
+          <a:bodyPr rtlCol="0" anchor="ctr"/>
+          <a:lstStyle/>
+          <a:p>
+            <a:pPr algn="ctr"/>
+            <a:endParaRPr lang="de-DE"/>
+          </a:p>
+        </p:txBody>
+      </p:sp>
+      <p:sp>
+        <p:nvSpPr>
+          <p:cNvPr id="151" name="Ellipse 150"/>
+          <p:cNvSpPr/>
+          <p:nvPr/>
+        </p:nvSpPr>
+        <p:spPr>
+          <a:xfrm>
+            <a:off x="4775267" y="724804"/>
+            <a:ext cx="125201" cy="125201"/>
+          </a:xfrm>
+          <a:prstGeom prst="ellipse">
+            <a:avLst/>
+          </a:prstGeom>
+          <a:noFill/>
+          <a:ln>
+            <a:solidFill>
+              <a:schemeClr val="bg1">
+                <a:lumMod val="50000"/>
+              </a:schemeClr>
+            </a:solidFill>
+          </a:ln>
+        </p:spPr>
+        <p:style>
+          <a:lnRef idx="2">
+            <a:schemeClr val="accent1">
+              <a:shade val="50000"/>
+            </a:schemeClr>
+          </a:lnRef>
+          <a:fillRef idx="1">
+            <a:schemeClr val="accent1"/>
+          </a:fillRef>
+          <a:effectRef idx="0">
+            <a:schemeClr val="accent1"/>
+          </a:effectRef>
+          <a:fontRef idx="minor">
+            <a:schemeClr val="lt1"/>
+          </a:fontRef>
+        </p:style>
+        <p:txBody>
+          <a:bodyPr rtlCol="0" anchor="ctr"/>
+          <a:lstStyle/>
+          <a:p>
+            <a:pPr algn="ctr"/>
+            <a:endParaRPr lang="de-DE"/>
+          </a:p>
+        </p:txBody>
+      </p:sp>
+      <p:sp>
+        <p:nvSpPr>
+          <p:cNvPr id="152" name="Ellipse 151"/>
+          <p:cNvSpPr/>
+          <p:nvPr/>
+        </p:nvSpPr>
+        <p:spPr>
+          <a:xfrm>
+            <a:off x="5902072" y="1726409"/>
+            <a:ext cx="125201" cy="125201"/>
+          </a:xfrm>
+          <a:prstGeom prst="ellipse">
+            <a:avLst/>
+          </a:prstGeom>
+          <a:noFill/>
+          <a:ln>
+            <a:solidFill>
+              <a:schemeClr val="bg1">
+                <a:lumMod val="50000"/>
+              </a:schemeClr>
+            </a:solidFill>
+          </a:ln>
+        </p:spPr>
+        <p:style>
+          <a:lnRef idx="2">
+            <a:schemeClr val="accent1">
+              <a:shade val="50000"/>
+            </a:schemeClr>
+          </a:lnRef>
+          <a:fillRef idx="1">
+            <a:schemeClr val="accent1"/>
+          </a:fillRef>
+          <a:effectRef idx="0">
+            <a:schemeClr val="accent1"/>
+          </a:effectRef>
+          <a:fontRef idx="minor">
+            <a:schemeClr val="lt1"/>
+          </a:fontRef>
+        </p:style>
+        <p:txBody>
+          <a:bodyPr rtlCol="0" anchor="ctr"/>
+          <a:lstStyle/>
+          <a:p>
+            <a:pPr algn="ctr"/>
+            <a:endParaRPr lang="de-DE"/>
+          </a:p>
+        </p:txBody>
+      </p:sp>
+      <p:sp>
+        <p:nvSpPr>
+          <p:cNvPr id="153" name="Ellipse 152"/>
+          <p:cNvSpPr/>
+          <p:nvPr/>
+        </p:nvSpPr>
+        <p:spPr>
+          <a:xfrm>
+            <a:off x="6500826" y="4143380"/>
+            <a:ext cx="125201" cy="125201"/>
+          </a:xfrm>
+          <a:prstGeom prst="ellipse">
+            <a:avLst/>
+          </a:prstGeom>
+          <a:noFill/>
+          <a:ln>
+            <a:solidFill>
+              <a:schemeClr val="bg1">
+                <a:lumMod val="50000"/>
+              </a:schemeClr>
+            </a:solidFill>
+          </a:ln>
+        </p:spPr>
+        <p:style>
+          <a:lnRef idx="2">
+            <a:schemeClr val="accent1">
+              <a:shade val="50000"/>
+            </a:schemeClr>
+          </a:lnRef>
+          <a:fillRef idx="1">
+            <a:schemeClr val="accent1"/>
+          </a:fillRef>
+          <a:effectRef idx="0">
+            <a:schemeClr val="accent1"/>
+          </a:effectRef>
+          <a:fontRef idx="minor">
+            <a:schemeClr val="lt1"/>
+          </a:fontRef>
+        </p:style>
+        <p:txBody>
+          <a:bodyPr rtlCol="0" anchor="ctr"/>
+          <a:lstStyle/>
+          <a:p>
+            <a:pPr algn="ctr"/>
+            <a:endParaRPr lang="de-DE"/>
+          </a:p>
+        </p:txBody>
+      </p:sp>
+      <p:sp>
+        <p:nvSpPr>
+          <p:cNvPr id="154" name="Ellipse 153"/>
+          <p:cNvSpPr/>
+          <p:nvPr/>
+        </p:nvSpPr>
+        <p:spPr>
+          <a:xfrm>
+            <a:off x="5776872" y="3479217"/>
+            <a:ext cx="125201" cy="125201"/>
+          </a:xfrm>
+          <a:prstGeom prst="ellipse">
+            <a:avLst/>
+          </a:prstGeom>
+          <a:noFill/>
+          <a:ln>
+            <a:solidFill>
+              <a:schemeClr val="bg1">
+                <a:lumMod val="50000"/>
+              </a:schemeClr>
+            </a:solidFill>
+          </a:ln>
+        </p:spPr>
+        <p:style>
+          <a:lnRef idx="2">
+            <a:schemeClr val="accent1">
+              <a:shade val="50000"/>
+            </a:schemeClr>
+          </a:lnRef>
+          <a:fillRef idx="1">
+            <a:schemeClr val="accent1"/>
+          </a:fillRef>
+          <a:effectRef idx="0">
+            <a:schemeClr val="accent1"/>
+          </a:effectRef>
+          <a:fontRef idx="minor">
+            <a:schemeClr val="lt1"/>
+          </a:fontRef>
+        </p:style>
+        <p:txBody>
+          <a:bodyPr rtlCol="0" anchor="ctr"/>
+          <a:lstStyle/>
+          <a:p>
+            <a:pPr algn="ctr"/>
+            <a:endParaRPr lang="de-DE"/>
+          </a:p>
+        </p:txBody>
+      </p:sp>
+      <p:sp>
+        <p:nvSpPr>
+          <p:cNvPr id="155" name="Ellipse 154"/>
+          <p:cNvSpPr/>
+          <p:nvPr/>
+        </p:nvSpPr>
+        <p:spPr>
+          <a:xfrm>
+            <a:off x="6089873" y="5169426"/>
+            <a:ext cx="125201" cy="125201"/>
+          </a:xfrm>
+          <a:prstGeom prst="ellipse">
+            <a:avLst/>
+          </a:prstGeom>
+          <a:noFill/>
+          <a:ln>
+            <a:solidFill>
+              <a:schemeClr val="bg1">
+                <a:lumMod val="50000"/>
+              </a:schemeClr>
+            </a:solidFill>
+          </a:ln>
+        </p:spPr>
+        <p:style>
+          <a:lnRef idx="2">
+            <a:schemeClr val="accent1">
+              <a:shade val="50000"/>
+            </a:schemeClr>
+          </a:lnRef>
+          <a:fillRef idx="1">
+            <a:schemeClr val="accent1"/>
+          </a:fillRef>
+          <a:effectRef idx="0">
+            <a:schemeClr val="accent1"/>
+          </a:effectRef>
+          <a:fontRef idx="minor">
+            <a:schemeClr val="lt1"/>
+          </a:fontRef>
+        </p:style>
+        <p:txBody>
+          <a:bodyPr rtlCol="0" anchor="ctr"/>
+          <a:lstStyle/>
+          <a:p>
+            <a:pPr algn="ctr"/>
+            <a:endParaRPr lang="de-DE"/>
+          </a:p>
+        </p:txBody>
+      </p:sp>
+      <p:sp>
+        <p:nvSpPr>
+          <p:cNvPr id="156" name="Ellipse 155"/>
+          <p:cNvSpPr/>
+          <p:nvPr/>
+        </p:nvSpPr>
+        <p:spPr>
+          <a:xfrm>
+            <a:off x="5338670" y="6108430"/>
+            <a:ext cx="125201" cy="125201"/>
+          </a:xfrm>
+          <a:prstGeom prst="ellipse">
+            <a:avLst/>
+          </a:prstGeom>
+          <a:noFill/>
+          <a:ln>
+            <a:solidFill>
+              <a:schemeClr val="bg1">
+                <a:lumMod val="50000"/>
+              </a:schemeClr>
+            </a:solidFill>
+          </a:ln>
+        </p:spPr>
+        <p:style>
+          <a:lnRef idx="2">
+            <a:schemeClr val="accent1">
+              <a:shade val="50000"/>
+            </a:schemeClr>
+          </a:lnRef>
+          <a:fillRef idx="1">
+            <a:schemeClr val="accent1"/>
+          </a:fillRef>
+          <a:effectRef idx="0">
+            <a:schemeClr val="accent1"/>
+          </a:effectRef>
+          <a:fontRef idx="minor">
+            <a:schemeClr val="lt1"/>
+          </a:fontRef>
+        </p:style>
+        <p:txBody>
+          <a:bodyPr rtlCol="0" anchor="ctr"/>
+          <a:lstStyle/>
+          <a:p>
+            <a:pPr algn="ctr"/>
+            <a:endParaRPr lang="de-DE"/>
+          </a:p>
+        </p:txBody>
+      </p:sp>
+      <p:sp>
+        <p:nvSpPr>
+          <p:cNvPr id="157" name="Ellipse 156"/>
+          <p:cNvSpPr/>
+          <p:nvPr/>
+        </p:nvSpPr>
+        <p:spPr>
+          <a:xfrm>
+            <a:off x="5839472" y="6171030"/>
+            <a:ext cx="125201" cy="125201"/>
+          </a:xfrm>
+          <a:prstGeom prst="ellipse">
+            <a:avLst/>
+          </a:prstGeom>
+          <a:noFill/>
+          <a:ln>
+            <a:solidFill>
+              <a:schemeClr val="bg1">
+                <a:lumMod val="50000"/>
+              </a:schemeClr>
+            </a:solidFill>
+          </a:ln>
+        </p:spPr>
+        <p:style>
+          <a:lnRef idx="2">
+            <a:schemeClr val="accent1">
+              <a:shade val="50000"/>
+            </a:schemeClr>
+          </a:lnRef>
+          <a:fillRef idx="1">
+            <a:schemeClr val="accent1"/>
+          </a:fillRef>
+          <a:effectRef idx="0">
+            <a:schemeClr val="accent1"/>
+          </a:effectRef>
+          <a:fontRef idx="minor">
+            <a:schemeClr val="lt1"/>
+          </a:fontRef>
+        </p:style>
+        <p:txBody>
+          <a:bodyPr rtlCol="0" anchor="ctr"/>
+          <a:lstStyle/>
+          <a:p>
+            <a:pPr algn="ctr"/>
+            <a:endParaRPr lang="de-DE"/>
+          </a:p>
+        </p:txBody>
+      </p:sp>
+      <p:sp>
+        <p:nvSpPr>
+          <p:cNvPr id="158" name="Ellipse 157"/>
+          <p:cNvSpPr/>
+          <p:nvPr/>
+        </p:nvSpPr>
+        <p:spPr>
+          <a:xfrm>
+            <a:off x="5714272" y="724804"/>
+            <a:ext cx="125201" cy="125201"/>
+          </a:xfrm>
+          <a:prstGeom prst="ellipse">
+            <a:avLst/>
+          </a:prstGeom>
+          <a:noFill/>
+          <a:ln>
+            <a:solidFill>
+              <a:schemeClr val="bg1">
+                <a:lumMod val="50000"/>
+              </a:schemeClr>
+            </a:solidFill>
+          </a:ln>
+        </p:spPr>
+        <p:style>
+          <a:lnRef idx="2">
+            <a:schemeClr val="accent1">
+              <a:shade val="50000"/>
+            </a:schemeClr>
+          </a:lnRef>
+          <a:fillRef idx="1">
+            <a:schemeClr val="accent1"/>
+          </a:fillRef>
+          <a:effectRef idx="0">
+            <a:schemeClr val="accent1"/>
+          </a:effectRef>
+          <a:fontRef idx="minor">
+            <a:schemeClr val="lt1"/>
+          </a:fontRef>
+        </p:style>
+        <p:txBody>
+          <a:bodyPr rtlCol="0" anchor="ctr"/>
+          <a:lstStyle/>
+          <a:p>
+            <a:pPr algn="ctr"/>
+            <a:endParaRPr lang="de-DE"/>
+          </a:p>
+        </p:txBody>
+      </p:sp>
+      <p:sp>
+        <p:nvSpPr>
+          <p:cNvPr id="159" name="Ellipse 158"/>
+          <p:cNvSpPr/>
+          <p:nvPr/>
+        </p:nvSpPr>
+        <p:spPr>
+          <a:xfrm>
+            <a:off x="3398060" y="6233631"/>
+            <a:ext cx="125201" cy="125201"/>
+          </a:xfrm>
+          <a:prstGeom prst="ellipse">
+            <a:avLst/>
+          </a:prstGeom>
+          <a:noFill/>
+          <a:ln>
+            <a:solidFill>
+              <a:schemeClr val="bg1">
+                <a:lumMod val="50000"/>
+              </a:schemeClr>
+            </a:solidFill>
+          </a:ln>
+        </p:spPr>
+        <p:style>
+          <a:lnRef idx="2">
+            <a:schemeClr val="accent1">
+              <a:shade val="50000"/>
+            </a:schemeClr>
+          </a:lnRef>
+          <a:fillRef idx="1">
+            <a:schemeClr val="accent1"/>
+          </a:fillRef>
+          <a:effectRef idx="0">
+            <a:schemeClr val="accent1"/>
+          </a:effectRef>
+          <a:fontRef idx="minor">
+            <a:schemeClr val="lt1"/>
+          </a:fontRef>
+        </p:style>
+        <p:txBody>
+          <a:bodyPr rtlCol="0" anchor="ctr"/>
+          <a:lstStyle/>
+          <a:p>
+            <a:pPr algn="ctr"/>
+            <a:endParaRPr lang="de-DE"/>
+          </a:p>
+        </p:txBody>
+      </p:sp>
+      <p:sp>
+        <p:nvSpPr>
+          <p:cNvPr id="160" name="Ellipse 159"/>
+          <p:cNvSpPr/>
+          <p:nvPr/>
+        </p:nvSpPr>
+        <p:spPr>
+          <a:xfrm>
+            <a:off x="2020853" y="6045830"/>
+            <a:ext cx="125201" cy="125201"/>
+          </a:xfrm>
+          <a:prstGeom prst="ellipse">
+            <a:avLst/>
+          </a:prstGeom>
+          <a:noFill/>
+          <a:ln>
+            <a:solidFill>
+              <a:schemeClr val="bg1">
+                <a:lumMod val="50000"/>
+              </a:schemeClr>
+            </a:solidFill>
+          </a:ln>
+        </p:spPr>
+        <p:style>
+          <a:lnRef idx="2">
+            <a:schemeClr val="accent1">
+              <a:shade val="50000"/>
+            </a:schemeClr>
+          </a:lnRef>
+          <a:fillRef idx="1">
+            <a:schemeClr val="accent1"/>
+          </a:fillRef>
+          <a:effectRef idx="0">
+            <a:schemeClr val="accent1"/>
+          </a:effectRef>
+          <a:fontRef idx="minor">
+            <a:schemeClr val="lt1"/>
+          </a:fontRef>
+        </p:style>
+        <p:txBody>
+          <a:bodyPr rtlCol="0" anchor="ctr"/>
+          <a:lstStyle/>
+          <a:p>
+            <a:pPr algn="ctr"/>
+            <a:endParaRPr lang="de-DE"/>
+          </a:p>
+        </p:txBody>
+      </p:sp>
+      <p:sp>
+        <p:nvSpPr>
+          <p:cNvPr id="161" name="Ellipse 160"/>
+          <p:cNvSpPr/>
+          <p:nvPr/>
+        </p:nvSpPr>
+        <p:spPr>
+          <a:xfrm>
+            <a:off x="894048" y="6233631"/>
+            <a:ext cx="125201" cy="125201"/>
+          </a:xfrm>
+          <a:prstGeom prst="ellipse">
+            <a:avLst/>
+          </a:prstGeom>
+          <a:noFill/>
+          <a:ln>
+            <a:solidFill>
+              <a:schemeClr val="bg1">
+                <a:lumMod val="50000"/>
+              </a:schemeClr>
+            </a:solidFill>
+          </a:ln>
+        </p:spPr>
+        <p:style>
+          <a:lnRef idx="2">
+            <a:schemeClr val="accent1">
+              <a:shade val="50000"/>
+            </a:schemeClr>
+          </a:lnRef>
+          <a:fillRef idx="1">
+            <a:schemeClr val="accent1"/>
+          </a:fillRef>
+          <a:effectRef idx="0">
+            <a:schemeClr val="accent1"/>
+          </a:effectRef>
+          <a:fontRef idx="minor">
+            <a:schemeClr val="lt1"/>
+          </a:fontRef>
+        </p:style>
+        <p:txBody>
+          <a:bodyPr rtlCol="0" anchor="ctr"/>
+          <a:lstStyle/>
+          <a:p>
+            <a:pPr algn="ctr"/>
+            <a:endParaRPr lang="de-DE"/>
+          </a:p>
+        </p:txBody>
+      </p:sp>
+      <p:sp>
+        <p:nvSpPr>
+          <p:cNvPr id="162" name="Ellipse 161"/>
+          <p:cNvSpPr/>
+          <p:nvPr/>
+        </p:nvSpPr>
+        <p:spPr>
+          <a:xfrm>
+            <a:off x="1394850" y="6045830"/>
+            <a:ext cx="125201" cy="125201"/>
+          </a:xfrm>
+          <a:prstGeom prst="ellipse">
+            <a:avLst/>
+          </a:prstGeom>
+          <a:noFill/>
+          <a:ln>
+            <a:solidFill>
+              <a:schemeClr val="bg1">
+                <a:lumMod val="50000"/>
+              </a:schemeClr>
+            </a:solidFill>
+          </a:ln>
+        </p:spPr>
+        <p:style>
+          <a:lnRef idx="2">
+            <a:schemeClr val="accent1">
+              <a:shade val="50000"/>
+            </a:schemeClr>
+          </a:lnRef>
+          <a:fillRef idx="1">
+            <a:schemeClr val="accent1"/>
+          </a:fillRef>
+          <a:effectRef idx="0">
+            <a:schemeClr val="accent1"/>
+          </a:effectRef>
+          <a:fontRef idx="minor">
+            <a:schemeClr val="lt1"/>
+          </a:fontRef>
+        </p:style>
+        <p:txBody>
+          <a:bodyPr rtlCol="0" anchor="ctr"/>
+          <a:lstStyle/>
+          <a:p>
+            <a:pPr algn="ctr"/>
+            <a:endParaRPr lang="de-DE"/>
+          </a:p>
+        </p:txBody>
+      </p:sp>
+      <p:sp>
+        <p:nvSpPr>
+          <p:cNvPr id="164" name="Ellipse 163"/>
+          <p:cNvSpPr/>
+          <p:nvPr/>
+        </p:nvSpPr>
+        <p:spPr>
+          <a:xfrm>
+            <a:off x="393245" y="4668623"/>
+            <a:ext cx="125201" cy="125201"/>
+          </a:xfrm>
+          <a:prstGeom prst="ellipse">
+            <a:avLst/>
+          </a:prstGeom>
+          <a:noFill/>
+          <a:ln>
+            <a:solidFill>
+              <a:schemeClr val="bg1">
+                <a:lumMod val="50000"/>
+              </a:schemeClr>
+            </a:solidFill>
+          </a:ln>
+        </p:spPr>
+        <p:style>
+          <a:lnRef idx="2">
+            <a:schemeClr val="accent1">
+              <a:shade val="50000"/>
+            </a:schemeClr>
+          </a:lnRef>
+          <a:fillRef idx="1">
+            <a:schemeClr val="accent1"/>
+          </a:fillRef>
+          <a:effectRef idx="0">
+            <a:schemeClr val="accent1"/>
+          </a:effectRef>
+          <a:fontRef idx="minor">
+            <a:schemeClr val="lt1"/>
+          </a:fontRef>
+        </p:style>
+        <p:txBody>
+          <a:bodyPr rtlCol="0" anchor="ctr"/>
+          <a:lstStyle/>
+          <a:p>
+            <a:pPr algn="ctr"/>
+            <a:endParaRPr lang="de-DE"/>
+          </a:p>
+        </p:txBody>
+      </p:sp>
+      <p:sp>
+        <p:nvSpPr>
+          <p:cNvPr id="165" name="Ellipse 164"/>
+          <p:cNvSpPr/>
+          <p:nvPr/>
+        </p:nvSpPr>
+        <p:spPr>
+          <a:xfrm>
+            <a:off x="268045" y="3416617"/>
+            <a:ext cx="125201" cy="125201"/>
+          </a:xfrm>
+          <a:prstGeom prst="ellipse">
+            <a:avLst/>
+          </a:prstGeom>
+          <a:noFill/>
+          <a:ln>
+            <a:solidFill>
+              <a:schemeClr val="bg1">
+                <a:lumMod val="50000"/>
+              </a:schemeClr>
+            </a:solidFill>
+          </a:ln>
+        </p:spPr>
+        <p:style>
+          <a:lnRef idx="2">
+            <a:schemeClr val="accent1">
+              <a:shade val="50000"/>
+            </a:schemeClr>
+          </a:lnRef>
+          <a:fillRef idx="1">
+            <a:schemeClr val="accent1"/>
+          </a:fillRef>
+          <a:effectRef idx="0">
+            <a:schemeClr val="accent1"/>
+          </a:effectRef>
+          <a:fontRef idx="minor">
+            <a:schemeClr val="lt1"/>
+          </a:fontRef>
+        </p:style>
+        <p:txBody>
+          <a:bodyPr rtlCol="0" anchor="ctr"/>
+          <a:lstStyle/>
+          <a:p>
+            <a:pPr algn="ctr"/>
+            <a:endParaRPr lang="de-DE"/>
+          </a:p>
+        </p:txBody>
+      </p:sp>
+      <p:sp>
+        <p:nvSpPr>
+          <p:cNvPr id="166" name="Ellipse 165"/>
+          <p:cNvSpPr/>
+          <p:nvPr/>
+        </p:nvSpPr>
+        <p:spPr>
+          <a:xfrm>
+            <a:off x="393245" y="2978415"/>
+            <a:ext cx="125201" cy="125201"/>
+          </a:xfrm>
+          <a:prstGeom prst="ellipse">
+            <a:avLst/>
+          </a:prstGeom>
+          <a:noFill/>
+          <a:ln>
+            <a:solidFill>
+              <a:schemeClr val="bg1">
+                <a:lumMod val="50000"/>
+              </a:schemeClr>
+            </a:solidFill>
+          </a:ln>
+        </p:spPr>
+        <p:style>
+          <a:lnRef idx="2">
+            <a:schemeClr val="accent1">
+              <a:shade val="50000"/>
+            </a:schemeClr>
+          </a:lnRef>
+          <a:fillRef idx="1">
+            <a:schemeClr val="accent1"/>
+          </a:fillRef>
+          <a:effectRef idx="0">
+            <a:schemeClr val="accent1"/>
+          </a:effectRef>
+          <a:fontRef idx="minor">
+            <a:schemeClr val="lt1"/>
+          </a:fontRef>
+        </p:style>
+        <p:txBody>
+          <a:bodyPr rtlCol="0" anchor="ctr"/>
+          <a:lstStyle/>
+          <a:p>
+            <a:pPr algn="ctr"/>
+            <a:endParaRPr lang="de-DE"/>
+          </a:p>
+        </p:txBody>
+      </p:sp>
+      <p:sp>
+        <p:nvSpPr>
+          <p:cNvPr id="105" name="Ellipse 104"/>
+          <p:cNvSpPr/>
+          <p:nvPr/>
+        </p:nvSpPr>
+        <p:spPr>
+          <a:xfrm>
+            <a:off x="6500826" y="2714620"/>
+            <a:ext cx="125201" cy="125201"/>
+          </a:xfrm>
+          <a:prstGeom prst="ellipse">
+            <a:avLst/>
+          </a:prstGeom>
+          <a:solidFill>
+            <a:schemeClr val="tx1">
+              <a:lumMod val="95000"/>
+              <a:lumOff val="5000"/>
+            </a:schemeClr>
+          </a:solidFill>
+          <a:ln>
+            <a:noFill/>
+          </a:ln>
+        </p:spPr>
+        <p:style>
+          <a:lnRef idx="2">
+            <a:schemeClr val="accent1">
+              <a:shade val="50000"/>
+            </a:schemeClr>
+          </a:lnRef>
+          <a:fillRef idx="1">
+            <a:schemeClr val="accent1"/>
+          </a:fillRef>
+          <a:effectRef idx="0">
+            <a:schemeClr val="accent1"/>
+          </a:effectRef>
+          <a:fontRef idx="minor">
+            <a:schemeClr val="lt1"/>
+          </a:fontRef>
+        </p:style>
+        <p:txBody>
+          <a:bodyPr rtlCol="0" anchor="ctr"/>
+          <a:lstStyle/>
+          <a:p>
+            <a:pPr algn="ctr"/>
+            <a:endParaRPr lang="de-DE" dirty="0"/>
+          </a:p>
+        </p:txBody>
+      </p:sp>
+      <p:sp>
+        <p:nvSpPr>
+          <p:cNvPr id="108" name="Ellipse 107"/>
+          <p:cNvSpPr/>
+          <p:nvPr/>
+        </p:nvSpPr>
+        <p:spPr>
+          <a:xfrm>
+            <a:off x="6500826" y="3429000"/>
+            <a:ext cx="125201" cy="125201"/>
           </a:xfrm>
           <a:prstGeom prst="ellipse">
             <a:avLst/>
@@ -15226,865 +16187,103 @@
       </p:sp>
       <p:sp>
         <p:nvSpPr>
-          <p:cNvPr id="148" name="Ellipse 147"/>
-          <p:cNvSpPr/>
-          <p:nvPr/>
-        </p:nvSpPr>
-        <p:spPr>
-          <a:xfrm>
-            <a:off x="1428728" y="714356"/>
-            <a:ext cx="142876" cy="142876"/>
-          </a:xfrm>
-          <a:prstGeom prst="ellipse">
-            <a:avLst/>
-          </a:prstGeom>
-          <a:solidFill>
-            <a:schemeClr val="bg1">
-              <a:lumMod val="50000"/>
-            </a:schemeClr>
-          </a:solidFill>
-          <a:ln>
-            <a:noFill/>
-          </a:ln>
-        </p:spPr>
-        <p:style>
-          <a:lnRef idx="2">
-            <a:schemeClr val="accent1">
-              <a:shade val="50000"/>
-            </a:schemeClr>
-          </a:lnRef>
-          <a:fillRef idx="1">
-            <a:schemeClr val="accent1"/>
-          </a:fillRef>
-          <a:effectRef idx="0">
-            <a:schemeClr val="accent1"/>
-          </a:effectRef>
-          <a:fontRef idx="minor">
-            <a:schemeClr val="lt1"/>
-          </a:fontRef>
-        </p:style>
-        <p:txBody>
-          <a:bodyPr rtlCol="0" anchor="ctr"/>
-          <a:lstStyle/>
-          <a:p>
-            <a:pPr algn="ctr"/>
-            <a:endParaRPr lang="de-DE"/>
-          </a:p>
-        </p:txBody>
-      </p:sp>
-      <p:sp>
-        <p:nvSpPr>
-          <p:cNvPr id="149" name="Ellipse 148"/>
-          <p:cNvSpPr/>
-          <p:nvPr/>
-        </p:nvSpPr>
-        <p:spPr>
-          <a:xfrm>
-            <a:off x="2714612" y="285728"/>
-            <a:ext cx="142876" cy="142876"/>
-          </a:xfrm>
-          <a:prstGeom prst="ellipse">
-            <a:avLst/>
-          </a:prstGeom>
-          <a:solidFill>
-            <a:schemeClr val="bg1">
-              <a:lumMod val="50000"/>
-            </a:schemeClr>
-          </a:solidFill>
-          <a:ln>
-            <a:noFill/>
-          </a:ln>
-        </p:spPr>
-        <p:style>
-          <a:lnRef idx="2">
-            <a:schemeClr val="accent1">
-              <a:shade val="50000"/>
-            </a:schemeClr>
-          </a:lnRef>
-          <a:fillRef idx="1">
-            <a:schemeClr val="accent1"/>
-          </a:fillRef>
-          <a:effectRef idx="0">
-            <a:schemeClr val="accent1"/>
-          </a:effectRef>
-          <a:fontRef idx="minor">
-            <a:schemeClr val="lt1"/>
-          </a:fontRef>
-        </p:style>
-        <p:txBody>
-          <a:bodyPr rtlCol="0" anchor="ctr"/>
-          <a:lstStyle/>
-          <a:p>
-            <a:pPr algn="ctr"/>
-            <a:endParaRPr lang="de-DE"/>
-          </a:p>
-        </p:txBody>
-      </p:sp>
-      <p:sp>
-        <p:nvSpPr>
-          <p:cNvPr id="150" name="Ellipse 149"/>
-          <p:cNvSpPr/>
-          <p:nvPr/>
-        </p:nvSpPr>
-        <p:spPr>
-          <a:xfrm>
-            <a:off x="6000760" y="214290"/>
-            <a:ext cx="142876" cy="142876"/>
-          </a:xfrm>
-          <a:prstGeom prst="ellipse">
-            <a:avLst/>
-          </a:prstGeom>
-          <a:solidFill>
-            <a:schemeClr val="bg1">
-              <a:lumMod val="50000"/>
-            </a:schemeClr>
-          </a:solidFill>
-          <a:ln>
-            <a:noFill/>
-          </a:ln>
-        </p:spPr>
-        <p:style>
-          <a:lnRef idx="2">
-            <a:schemeClr val="accent1">
-              <a:shade val="50000"/>
-            </a:schemeClr>
-          </a:lnRef>
-          <a:fillRef idx="1">
-            <a:schemeClr val="accent1"/>
-          </a:fillRef>
-          <a:effectRef idx="0">
-            <a:schemeClr val="accent1"/>
-          </a:effectRef>
-          <a:fontRef idx="minor">
-            <a:schemeClr val="lt1"/>
-          </a:fontRef>
-        </p:style>
-        <p:txBody>
-          <a:bodyPr rtlCol="0" anchor="ctr"/>
-          <a:lstStyle/>
-          <a:p>
-            <a:pPr algn="ctr"/>
-            <a:endParaRPr lang="de-DE"/>
-          </a:p>
-        </p:txBody>
-      </p:sp>
-      <p:sp>
-        <p:nvSpPr>
-          <p:cNvPr id="151" name="Ellipse 150"/>
-          <p:cNvSpPr/>
-          <p:nvPr/>
-        </p:nvSpPr>
-        <p:spPr>
-          <a:xfrm>
-            <a:off x="6429388" y="285728"/>
-            <a:ext cx="142876" cy="142876"/>
-          </a:xfrm>
-          <a:prstGeom prst="ellipse">
-            <a:avLst/>
-          </a:prstGeom>
-          <a:solidFill>
-            <a:schemeClr val="bg1">
-              <a:lumMod val="50000"/>
-            </a:schemeClr>
-          </a:solidFill>
-          <a:ln>
-            <a:noFill/>
-          </a:ln>
-        </p:spPr>
-        <p:style>
-          <a:lnRef idx="2">
-            <a:schemeClr val="accent1">
-              <a:shade val="50000"/>
-            </a:schemeClr>
-          </a:lnRef>
-          <a:fillRef idx="1">
-            <a:schemeClr val="accent1"/>
-          </a:fillRef>
-          <a:effectRef idx="0">
-            <a:schemeClr val="accent1"/>
-          </a:effectRef>
-          <a:fontRef idx="minor">
-            <a:schemeClr val="lt1"/>
-          </a:fontRef>
-        </p:style>
-        <p:txBody>
-          <a:bodyPr rtlCol="0" anchor="ctr"/>
-          <a:lstStyle/>
-          <a:p>
-            <a:pPr algn="ctr"/>
-            <a:endParaRPr lang="de-DE"/>
-          </a:p>
-        </p:txBody>
-      </p:sp>
-      <p:sp>
-        <p:nvSpPr>
-          <p:cNvPr id="152" name="Ellipse 151"/>
-          <p:cNvSpPr/>
-          <p:nvPr/>
-        </p:nvSpPr>
-        <p:spPr>
-          <a:xfrm>
-            <a:off x="7715272" y="1428736"/>
-            <a:ext cx="142876" cy="142876"/>
-          </a:xfrm>
-          <a:prstGeom prst="ellipse">
-            <a:avLst/>
-          </a:prstGeom>
-          <a:solidFill>
-            <a:schemeClr val="bg1">
-              <a:lumMod val="50000"/>
-            </a:schemeClr>
-          </a:solidFill>
-          <a:ln>
-            <a:noFill/>
-          </a:ln>
-        </p:spPr>
-        <p:style>
-          <a:lnRef idx="2">
-            <a:schemeClr val="accent1">
-              <a:shade val="50000"/>
-            </a:schemeClr>
-          </a:lnRef>
-          <a:fillRef idx="1">
-            <a:schemeClr val="accent1"/>
-          </a:fillRef>
-          <a:effectRef idx="0">
-            <a:schemeClr val="accent1"/>
-          </a:effectRef>
-          <a:fontRef idx="minor">
-            <a:schemeClr val="lt1"/>
-          </a:fontRef>
-        </p:style>
-        <p:txBody>
-          <a:bodyPr rtlCol="0" anchor="ctr"/>
-          <a:lstStyle/>
-          <a:p>
-            <a:pPr algn="ctr"/>
-            <a:endParaRPr lang="de-DE"/>
-          </a:p>
-        </p:txBody>
-      </p:sp>
-      <p:sp>
-        <p:nvSpPr>
-          <p:cNvPr id="153" name="Ellipse 152"/>
-          <p:cNvSpPr/>
-          <p:nvPr/>
-        </p:nvSpPr>
-        <p:spPr>
-          <a:xfrm>
-            <a:off x="7715272" y="3000372"/>
-            <a:ext cx="142876" cy="142876"/>
-          </a:xfrm>
-          <a:prstGeom prst="ellipse">
-            <a:avLst/>
-          </a:prstGeom>
-          <a:solidFill>
-            <a:schemeClr val="bg1">
-              <a:lumMod val="50000"/>
-            </a:schemeClr>
-          </a:solidFill>
-          <a:ln>
-            <a:noFill/>
-          </a:ln>
-        </p:spPr>
-        <p:style>
-          <a:lnRef idx="2">
-            <a:schemeClr val="accent1">
-              <a:shade val="50000"/>
-            </a:schemeClr>
-          </a:lnRef>
-          <a:fillRef idx="1">
-            <a:schemeClr val="accent1"/>
-          </a:fillRef>
-          <a:effectRef idx="0">
-            <a:schemeClr val="accent1"/>
-          </a:effectRef>
-          <a:fontRef idx="minor">
-            <a:schemeClr val="lt1"/>
-          </a:fontRef>
-        </p:style>
-        <p:txBody>
-          <a:bodyPr rtlCol="0" anchor="ctr"/>
-          <a:lstStyle/>
-          <a:p>
-            <a:pPr algn="ctr"/>
-            <a:endParaRPr lang="de-DE"/>
-          </a:p>
-        </p:txBody>
-      </p:sp>
-      <p:sp>
-        <p:nvSpPr>
-          <p:cNvPr id="154" name="Ellipse 153"/>
-          <p:cNvSpPr/>
-          <p:nvPr/>
-        </p:nvSpPr>
-        <p:spPr>
-          <a:xfrm>
-            <a:off x="7572396" y="3429000"/>
-            <a:ext cx="142876" cy="142876"/>
-          </a:xfrm>
-          <a:prstGeom prst="ellipse">
-            <a:avLst/>
-          </a:prstGeom>
-          <a:solidFill>
-            <a:schemeClr val="bg1">
-              <a:lumMod val="50000"/>
-            </a:schemeClr>
-          </a:solidFill>
-          <a:ln>
-            <a:noFill/>
-          </a:ln>
-        </p:spPr>
-        <p:style>
-          <a:lnRef idx="2">
-            <a:schemeClr val="accent1">
-              <a:shade val="50000"/>
-            </a:schemeClr>
-          </a:lnRef>
-          <a:fillRef idx="1">
-            <a:schemeClr val="accent1"/>
-          </a:fillRef>
-          <a:effectRef idx="0">
-            <a:schemeClr val="accent1"/>
-          </a:effectRef>
-          <a:fontRef idx="minor">
-            <a:schemeClr val="lt1"/>
-          </a:fontRef>
-        </p:style>
-        <p:txBody>
-          <a:bodyPr rtlCol="0" anchor="ctr"/>
-          <a:lstStyle/>
-          <a:p>
-            <a:pPr algn="ctr"/>
-            <a:endParaRPr lang="de-DE"/>
-          </a:p>
-        </p:txBody>
-      </p:sp>
-      <p:sp>
-        <p:nvSpPr>
-          <p:cNvPr id="155" name="Ellipse 154"/>
-          <p:cNvSpPr/>
-          <p:nvPr/>
-        </p:nvSpPr>
-        <p:spPr>
-          <a:xfrm>
-            <a:off x="7929586" y="5357826"/>
-            <a:ext cx="142876" cy="142876"/>
-          </a:xfrm>
-          <a:prstGeom prst="ellipse">
-            <a:avLst/>
-          </a:prstGeom>
-          <a:solidFill>
-            <a:schemeClr val="bg1">
-              <a:lumMod val="50000"/>
-            </a:schemeClr>
-          </a:solidFill>
-          <a:ln>
-            <a:noFill/>
-          </a:ln>
-        </p:spPr>
-        <p:style>
-          <a:lnRef idx="2">
-            <a:schemeClr val="accent1">
-              <a:shade val="50000"/>
-            </a:schemeClr>
-          </a:lnRef>
-          <a:fillRef idx="1">
-            <a:schemeClr val="accent1"/>
-          </a:fillRef>
-          <a:effectRef idx="0">
-            <a:schemeClr val="accent1"/>
-          </a:effectRef>
-          <a:fontRef idx="minor">
-            <a:schemeClr val="lt1"/>
-          </a:fontRef>
-        </p:style>
-        <p:txBody>
-          <a:bodyPr rtlCol="0" anchor="ctr"/>
-          <a:lstStyle/>
-          <a:p>
-            <a:pPr algn="ctr"/>
-            <a:endParaRPr lang="de-DE"/>
-          </a:p>
-        </p:txBody>
-      </p:sp>
-      <p:sp>
-        <p:nvSpPr>
-          <p:cNvPr id="156" name="Ellipse 155"/>
-          <p:cNvSpPr/>
-          <p:nvPr/>
-        </p:nvSpPr>
-        <p:spPr>
-          <a:xfrm>
-            <a:off x="7072330" y="6429396"/>
-            <a:ext cx="142876" cy="142876"/>
-          </a:xfrm>
-          <a:prstGeom prst="ellipse">
-            <a:avLst/>
-          </a:prstGeom>
-          <a:solidFill>
-            <a:schemeClr val="bg1">
-              <a:lumMod val="50000"/>
-            </a:schemeClr>
-          </a:solidFill>
-          <a:ln>
-            <a:noFill/>
-          </a:ln>
-        </p:spPr>
-        <p:style>
-          <a:lnRef idx="2">
-            <a:schemeClr val="accent1">
-              <a:shade val="50000"/>
-            </a:schemeClr>
-          </a:lnRef>
-          <a:fillRef idx="1">
-            <a:schemeClr val="accent1"/>
-          </a:fillRef>
-          <a:effectRef idx="0">
-            <a:schemeClr val="accent1"/>
-          </a:effectRef>
-          <a:fontRef idx="minor">
-            <a:schemeClr val="lt1"/>
-          </a:fontRef>
-        </p:style>
-        <p:txBody>
-          <a:bodyPr rtlCol="0" anchor="ctr"/>
-          <a:lstStyle/>
-          <a:p>
-            <a:pPr algn="ctr"/>
-            <a:endParaRPr lang="de-DE"/>
-          </a:p>
-        </p:txBody>
-      </p:sp>
-      <p:sp>
-        <p:nvSpPr>
-          <p:cNvPr id="157" name="Ellipse 156"/>
-          <p:cNvSpPr/>
-          <p:nvPr/>
-        </p:nvSpPr>
-        <p:spPr>
-          <a:xfrm>
-            <a:off x="7643834" y="6500834"/>
-            <a:ext cx="142876" cy="142876"/>
-          </a:xfrm>
-          <a:prstGeom prst="ellipse">
-            <a:avLst/>
-          </a:prstGeom>
-          <a:solidFill>
-            <a:schemeClr val="bg1">
-              <a:lumMod val="50000"/>
-            </a:schemeClr>
-          </a:solidFill>
-          <a:ln>
-            <a:noFill/>
-          </a:ln>
-        </p:spPr>
-        <p:style>
-          <a:lnRef idx="2">
-            <a:schemeClr val="accent1">
-              <a:shade val="50000"/>
-            </a:schemeClr>
-          </a:lnRef>
-          <a:fillRef idx="1">
-            <a:schemeClr val="accent1"/>
-          </a:fillRef>
-          <a:effectRef idx="0">
-            <a:schemeClr val="accent1"/>
-          </a:effectRef>
-          <a:fontRef idx="minor">
-            <a:schemeClr val="lt1"/>
-          </a:fontRef>
-        </p:style>
-        <p:txBody>
-          <a:bodyPr rtlCol="0" anchor="ctr"/>
-          <a:lstStyle/>
-          <a:p>
-            <a:pPr algn="ctr"/>
-            <a:endParaRPr lang="de-DE"/>
-          </a:p>
-        </p:txBody>
-      </p:sp>
-      <p:sp>
-        <p:nvSpPr>
-          <p:cNvPr id="158" name="Ellipse 157"/>
-          <p:cNvSpPr/>
-          <p:nvPr/>
-        </p:nvSpPr>
-        <p:spPr>
-          <a:xfrm>
-            <a:off x="7500958" y="285728"/>
-            <a:ext cx="142876" cy="142876"/>
-          </a:xfrm>
-          <a:prstGeom prst="ellipse">
-            <a:avLst/>
-          </a:prstGeom>
-          <a:solidFill>
-            <a:schemeClr val="bg1">
-              <a:lumMod val="50000"/>
-            </a:schemeClr>
-          </a:solidFill>
-          <a:ln>
-            <a:noFill/>
-          </a:ln>
-        </p:spPr>
-        <p:style>
-          <a:lnRef idx="2">
-            <a:schemeClr val="accent1">
-              <a:shade val="50000"/>
-            </a:schemeClr>
-          </a:lnRef>
-          <a:fillRef idx="1">
-            <a:schemeClr val="accent1"/>
-          </a:fillRef>
-          <a:effectRef idx="0">
-            <a:schemeClr val="accent1"/>
-          </a:effectRef>
-          <a:fontRef idx="minor">
-            <a:schemeClr val="lt1"/>
-          </a:fontRef>
-        </p:style>
-        <p:txBody>
-          <a:bodyPr rtlCol="0" anchor="ctr"/>
-          <a:lstStyle/>
-          <a:p>
-            <a:pPr algn="ctr"/>
-            <a:endParaRPr lang="de-DE"/>
-          </a:p>
-        </p:txBody>
-      </p:sp>
-      <p:sp>
-        <p:nvSpPr>
-          <p:cNvPr id="159" name="Ellipse 158"/>
-          <p:cNvSpPr/>
-          <p:nvPr/>
-        </p:nvSpPr>
-        <p:spPr>
-          <a:xfrm>
-            <a:off x="4857752" y="6572272"/>
-            <a:ext cx="142876" cy="142876"/>
-          </a:xfrm>
-          <a:prstGeom prst="ellipse">
-            <a:avLst/>
-          </a:prstGeom>
-          <a:solidFill>
-            <a:schemeClr val="bg1">
-              <a:lumMod val="50000"/>
-            </a:schemeClr>
-          </a:solidFill>
-          <a:ln>
-            <a:noFill/>
-          </a:ln>
-        </p:spPr>
-        <p:style>
-          <a:lnRef idx="2">
-            <a:schemeClr val="accent1">
-              <a:shade val="50000"/>
-            </a:schemeClr>
-          </a:lnRef>
-          <a:fillRef idx="1">
-            <a:schemeClr val="accent1"/>
-          </a:fillRef>
-          <a:effectRef idx="0">
-            <a:schemeClr val="accent1"/>
-          </a:effectRef>
-          <a:fontRef idx="minor">
-            <a:schemeClr val="lt1"/>
-          </a:fontRef>
-        </p:style>
-        <p:txBody>
-          <a:bodyPr rtlCol="0" anchor="ctr"/>
-          <a:lstStyle/>
-          <a:p>
-            <a:pPr algn="ctr"/>
-            <a:endParaRPr lang="de-DE"/>
-          </a:p>
-        </p:txBody>
-      </p:sp>
-      <p:sp>
-        <p:nvSpPr>
-          <p:cNvPr id="160" name="Ellipse 159"/>
-          <p:cNvSpPr/>
-          <p:nvPr/>
-        </p:nvSpPr>
-        <p:spPr>
-          <a:xfrm>
-            <a:off x="3286116" y="6357958"/>
-            <a:ext cx="142876" cy="142876"/>
-          </a:xfrm>
-          <a:prstGeom prst="ellipse">
-            <a:avLst/>
-          </a:prstGeom>
-          <a:solidFill>
-            <a:schemeClr val="bg1">
-              <a:lumMod val="50000"/>
-            </a:schemeClr>
-          </a:solidFill>
-          <a:ln>
-            <a:noFill/>
-          </a:ln>
-        </p:spPr>
-        <p:style>
-          <a:lnRef idx="2">
-            <a:schemeClr val="accent1">
-              <a:shade val="50000"/>
-            </a:schemeClr>
-          </a:lnRef>
-          <a:fillRef idx="1">
-            <a:schemeClr val="accent1"/>
-          </a:fillRef>
-          <a:effectRef idx="0">
-            <a:schemeClr val="accent1"/>
-          </a:effectRef>
-          <a:fontRef idx="minor">
-            <a:schemeClr val="lt1"/>
-          </a:fontRef>
-        </p:style>
-        <p:txBody>
-          <a:bodyPr rtlCol="0" anchor="ctr"/>
-          <a:lstStyle/>
-          <a:p>
-            <a:pPr algn="ctr"/>
-            <a:endParaRPr lang="de-DE"/>
-          </a:p>
-        </p:txBody>
-      </p:sp>
-      <p:sp>
-        <p:nvSpPr>
-          <p:cNvPr id="161" name="Ellipse 160"/>
-          <p:cNvSpPr/>
-          <p:nvPr/>
-        </p:nvSpPr>
-        <p:spPr>
-          <a:xfrm>
-            <a:off x="2000232" y="6572272"/>
-            <a:ext cx="142876" cy="142876"/>
-          </a:xfrm>
-          <a:prstGeom prst="ellipse">
-            <a:avLst/>
-          </a:prstGeom>
-          <a:solidFill>
-            <a:schemeClr val="bg1">
-              <a:lumMod val="50000"/>
-            </a:schemeClr>
-          </a:solidFill>
-          <a:ln>
-            <a:noFill/>
-          </a:ln>
-        </p:spPr>
-        <p:style>
-          <a:lnRef idx="2">
-            <a:schemeClr val="accent1">
-              <a:shade val="50000"/>
-            </a:schemeClr>
-          </a:lnRef>
-          <a:fillRef idx="1">
-            <a:schemeClr val="accent1"/>
-          </a:fillRef>
-          <a:effectRef idx="0">
-            <a:schemeClr val="accent1"/>
-          </a:effectRef>
-          <a:fontRef idx="minor">
-            <a:schemeClr val="lt1"/>
-          </a:fontRef>
-        </p:style>
-        <p:txBody>
-          <a:bodyPr rtlCol="0" anchor="ctr"/>
-          <a:lstStyle/>
-          <a:p>
-            <a:pPr algn="ctr"/>
-            <a:endParaRPr lang="de-DE"/>
-          </a:p>
-        </p:txBody>
-      </p:sp>
-      <p:sp>
-        <p:nvSpPr>
-          <p:cNvPr id="162" name="Ellipse 161"/>
-          <p:cNvSpPr/>
-          <p:nvPr/>
-        </p:nvSpPr>
-        <p:spPr>
-          <a:xfrm>
-            <a:off x="2571736" y="6357958"/>
-            <a:ext cx="142876" cy="142876"/>
-          </a:xfrm>
-          <a:prstGeom prst="ellipse">
-            <a:avLst/>
-          </a:prstGeom>
-          <a:solidFill>
-            <a:schemeClr val="bg1">
-              <a:lumMod val="50000"/>
-            </a:schemeClr>
-          </a:solidFill>
-          <a:ln>
-            <a:noFill/>
-          </a:ln>
-        </p:spPr>
-        <p:style>
-          <a:lnRef idx="2">
-            <a:schemeClr val="accent1">
-              <a:shade val="50000"/>
-            </a:schemeClr>
-          </a:lnRef>
-          <a:fillRef idx="1">
-            <a:schemeClr val="accent1"/>
-          </a:fillRef>
-          <a:effectRef idx="0">
-            <a:schemeClr val="accent1"/>
-          </a:effectRef>
-          <a:fontRef idx="minor">
-            <a:schemeClr val="lt1"/>
-          </a:fontRef>
-        </p:style>
-        <p:txBody>
-          <a:bodyPr rtlCol="0" anchor="ctr"/>
-          <a:lstStyle/>
-          <a:p>
-            <a:pPr algn="ctr"/>
-            <a:endParaRPr lang="de-DE"/>
-          </a:p>
-        </p:txBody>
-      </p:sp>
-      <p:sp>
-        <p:nvSpPr>
-          <p:cNvPr id="164" name="Ellipse 163"/>
-          <p:cNvSpPr/>
-          <p:nvPr/>
-        </p:nvSpPr>
-        <p:spPr>
-          <a:xfrm>
-            <a:off x="1428728" y="4786322"/>
-            <a:ext cx="142876" cy="142876"/>
-          </a:xfrm>
-          <a:prstGeom prst="ellipse">
-            <a:avLst/>
-          </a:prstGeom>
-          <a:solidFill>
-            <a:schemeClr val="bg1">
-              <a:lumMod val="50000"/>
-            </a:schemeClr>
-          </a:solidFill>
-          <a:ln>
-            <a:noFill/>
-          </a:ln>
-        </p:spPr>
-        <p:style>
-          <a:lnRef idx="2">
-            <a:schemeClr val="accent1">
-              <a:shade val="50000"/>
-            </a:schemeClr>
-          </a:lnRef>
-          <a:fillRef idx="1">
-            <a:schemeClr val="accent1"/>
-          </a:fillRef>
-          <a:effectRef idx="0">
-            <a:schemeClr val="accent1"/>
-          </a:effectRef>
-          <a:fontRef idx="minor">
-            <a:schemeClr val="lt1"/>
-          </a:fontRef>
-        </p:style>
-        <p:txBody>
-          <a:bodyPr rtlCol="0" anchor="ctr"/>
-          <a:lstStyle/>
-          <a:p>
-            <a:pPr algn="ctr"/>
-            <a:endParaRPr lang="de-DE"/>
-          </a:p>
-        </p:txBody>
-      </p:sp>
-      <p:sp>
-        <p:nvSpPr>
-          <p:cNvPr id="165" name="Ellipse 164"/>
-          <p:cNvSpPr/>
-          <p:nvPr/>
-        </p:nvSpPr>
-        <p:spPr>
-          <a:xfrm>
-            <a:off x="1285852" y="3357562"/>
-            <a:ext cx="142876" cy="142876"/>
-          </a:xfrm>
-          <a:prstGeom prst="ellipse">
-            <a:avLst/>
-          </a:prstGeom>
-          <a:solidFill>
-            <a:schemeClr val="bg1">
-              <a:lumMod val="50000"/>
-            </a:schemeClr>
-          </a:solidFill>
-          <a:ln>
-            <a:noFill/>
-          </a:ln>
-        </p:spPr>
-        <p:style>
-          <a:lnRef idx="2">
-            <a:schemeClr val="accent1">
-              <a:shade val="50000"/>
-            </a:schemeClr>
-          </a:lnRef>
-          <a:fillRef idx="1">
-            <a:schemeClr val="accent1"/>
-          </a:fillRef>
-          <a:effectRef idx="0">
-            <a:schemeClr val="accent1"/>
-          </a:effectRef>
-          <a:fontRef idx="minor">
-            <a:schemeClr val="lt1"/>
-          </a:fontRef>
-        </p:style>
-        <p:txBody>
-          <a:bodyPr rtlCol="0" anchor="ctr"/>
-          <a:lstStyle/>
-          <a:p>
-            <a:pPr algn="ctr"/>
-            <a:endParaRPr lang="de-DE"/>
-          </a:p>
-        </p:txBody>
-      </p:sp>
-      <p:sp>
-        <p:nvSpPr>
-          <p:cNvPr id="166" name="Ellipse 165"/>
-          <p:cNvSpPr/>
-          <p:nvPr/>
-        </p:nvSpPr>
-        <p:spPr>
-          <a:xfrm>
-            <a:off x="1428728" y="2857496"/>
-            <a:ext cx="142876" cy="142876"/>
-          </a:xfrm>
-          <a:prstGeom prst="ellipse">
-            <a:avLst/>
-          </a:prstGeom>
-          <a:solidFill>
-            <a:schemeClr val="bg1">
-              <a:lumMod val="50000"/>
-            </a:schemeClr>
-          </a:solidFill>
-          <a:ln>
-            <a:noFill/>
-          </a:ln>
-        </p:spPr>
-        <p:style>
-          <a:lnRef idx="2">
-            <a:schemeClr val="accent1">
-              <a:shade val="50000"/>
-            </a:schemeClr>
-          </a:lnRef>
-          <a:fillRef idx="1">
-            <a:schemeClr val="accent1"/>
-          </a:fillRef>
-          <a:effectRef idx="0">
-            <a:schemeClr val="accent1"/>
-          </a:effectRef>
-          <a:fontRef idx="minor">
-            <a:schemeClr val="lt1"/>
-          </a:fontRef>
-        </p:style>
-        <p:txBody>
-          <a:bodyPr rtlCol="0" anchor="ctr"/>
-          <a:lstStyle/>
-          <a:p>
-            <a:pPr algn="ctr"/>
-            <a:endParaRPr lang="de-DE"/>
+          <p:cNvPr id="109" name="Textfeld 108"/>
+          <p:cNvSpPr txBox="1"/>
+          <p:nvPr/>
+        </p:nvSpPr>
+        <p:spPr>
+          <a:xfrm>
+            <a:off x="6715140" y="2571744"/>
+            <a:ext cx="1115242" cy="369332"/>
+          </a:xfrm>
+          <a:prstGeom prst="rect">
+            <a:avLst/>
+          </a:prstGeom>
+          <a:noFill/>
+        </p:spPr>
+        <p:txBody>
+          <a:bodyPr wrap="none" rtlCol="0">
+            <a:spAutoFit/>
+          </a:bodyPr>
+          <a:lstStyle/>
+          <a:p>
+            <a:r>
+              <a:rPr lang="de-DE" dirty="0" err="1" smtClean="0"/>
+              <a:t>neighbors</a:t>
+            </a:r>
+            <a:endParaRPr lang="de-DE" dirty="0"/>
+          </a:p>
+        </p:txBody>
+      </p:sp>
+      <p:sp>
+        <p:nvSpPr>
+          <p:cNvPr id="110" name="Textfeld 109"/>
+          <p:cNvSpPr txBox="1"/>
+          <p:nvPr/>
+        </p:nvSpPr>
+        <p:spPr>
+          <a:xfrm>
+            <a:off x="6715140" y="3286124"/>
+            <a:ext cx="2014719" cy="369332"/>
+          </a:xfrm>
+          <a:prstGeom prst="rect">
+            <a:avLst/>
+          </a:prstGeom>
+          <a:noFill/>
+        </p:spPr>
+        <p:txBody>
+          <a:bodyPr wrap="none" rtlCol="0">
+            <a:spAutoFit/>
+          </a:bodyPr>
+          <a:lstStyle/>
+          <a:p>
+            <a:r>
+              <a:rPr lang="de-DE" dirty="0" smtClean="0"/>
+              <a:t>potential </a:t>
+            </a:r>
+            <a:r>
+              <a:rPr lang="de-DE" dirty="0" err="1" smtClean="0"/>
+              <a:t>neighbors</a:t>
+            </a:r>
+            <a:endParaRPr lang="de-DE" dirty="0" smtClean="0"/>
+          </a:p>
+        </p:txBody>
+      </p:sp>
+      <p:sp>
+        <p:nvSpPr>
+          <p:cNvPr id="112" name="Textfeld 111"/>
+          <p:cNvSpPr txBox="1"/>
+          <p:nvPr/>
+        </p:nvSpPr>
+        <p:spPr>
+          <a:xfrm>
+            <a:off x="6715140" y="4000504"/>
+            <a:ext cx="2311274" cy="369332"/>
+          </a:xfrm>
+          <a:prstGeom prst="rect">
+            <a:avLst/>
+          </a:prstGeom>
+          <a:noFill/>
+        </p:spPr>
+        <p:txBody>
+          <a:bodyPr wrap="none" rtlCol="0">
+            <a:spAutoFit/>
+          </a:bodyPr>
+          <a:lstStyle/>
+          <a:p>
+            <a:r>
+              <a:rPr lang="de-DE" dirty="0" err="1" smtClean="0"/>
+              <a:t>no</a:t>
+            </a:r>
+            <a:r>
+              <a:rPr lang="de-DE" dirty="0" smtClean="0"/>
+              <a:t> potential </a:t>
+            </a:r>
+            <a:r>
+              <a:rPr lang="de-DE" dirty="0" err="1" smtClean="0"/>
+              <a:t>neighbors</a:t>
+            </a:r>
+            <a:endParaRPr lang="de-DE" dirty="0"/>
           </a:p>
         </p:txBody>
       </p:sp>

--- a/thesis/drawings.pptx
+++ b/thesis/drawings.pptx
@@ -9,6 +9,10 @@
     <p:sldId id="257" r:id="rId3"/>
     <p:sldId id="258" r:id="rId4"/>
     <p:sldId id="259" r:id="rId5"/>
+    <p:sldId id="260" r:id="rId6"/>
+    <p:sldId id="262" r:id="rId7"/>
+    <p:sldId id="263" r:id="rId8"/>
+    <p:sldId id="261" r:id="rId9"/>
   </p:sldIdLst>
   <p:sldSz cx="9144000" cy="6858000" type="screen4x3"/>
   <p:notesSz cx="6858000" cy="9144000"/>
@@ -292,7 +296,7 @@
             <a:fld id="{BF9D0C2E-D681-4EA7-8157-3D0866D89818}" type="datetimeFigureOut">
               <a:rPr lang="de-DE" smtClean="0"/>
               <a:pPr/>
-              <a:t>23.03.2008</a:t>
+              <a:t>25.03.2008</a:t>
             </a:fld>
             <a:endParaRPr lang="de-DE"/>
           </a:p>
@@ -459,7 +463,7 @@
             <a:fld id="{BF9D0C2E-D681-4EA7-8157-3D0866D89818}" type="datetimeFigureOut">
               <a:rPr lang="de-DE" smtClean="0"/>
               <a:pPr/>
-              <a:t>23.03.2008</a:t>
+              <a:t>25.03.2008</a:t>
             </a:fld>
             <a:endParaRPr lang="de-DE"/>
           </a:p>
@@ -636,7 +640,7 @@
             <a:fld id="{BF9D0C2E-D681-4EA7-8157-3D0866D89818}" type="datetimeFigureOut">
               <a:rPr lang="de-DE" smtClean="0"/>
               <a:pPr/>
-              <a:t>23.03.2008</a:t>
+              <a:t>25.03.2008</a:t>
             </a:fld>
             <a:endParaRPr lang="de-DE"/>
           </a:p>
@@ -803,7 +807,7 @@
             <a:fld id="{BF9D0C2E-D681-4EA7-8157-3D0866D89818}" type="datetimeFigureOut">
               <a:rPr lang="de-DE" smtClean="0"/>
               <a:pPr/>
-              <a:t>23.03.2008</a:t>
+              <a:t>25.03.2008</a:t>
             </a:fld>
             <a:endParaRPr lang="de-DE"/>
           </a:p>
@@ -1046,7 +1050,7 @@
             <a:fld id="{BF9D0C2E-D681-4EA7-8157-3D0866D89818}" type="datetimeFigureOut">
               <a:rPr lang="de-DE" smtClean="0"/>
               <a:pPr/>
-              <a:t>23.03.2008</a:t>
+              <a:t>25.03.2008</a:t>
             </a:fld>
             <a:endParaRPr lang="de-DE"/>
           </a:p>
@@ -1331,7 +1335,7 @@
             <a:fld id="{BF9D0C2E-D681-4EA7-8157-3D0866D89818}" type="datetimeFigureOut">
               <a:rPr lang="de-DE" smtClean="0"/>
               <a:pPr/>
-              <a:t>23.03.2008</a:t>
+              <a:t>25.03.2008</a:t>
             </a:fld>
             <a:endParaRPr lang="de-DE"/>
           </a:p>
@@ -1750,7 +1754,7 @@
             <a:fld id="{BF9D0C2E-D681-4EA7-8157-3D0866D89818}" type="datetimeFigureOut">
               <a:rPr lang="de-DE" smtClean="0"/>
               <a:pPr/>
-              <a:t>23.03.2008</a:t>
+              <a:t>25.03.2008</a:t>
             </a:fld>
             <a:endParaRPr lang="de-DE"/>
           </a:p>
@@ -1865,7 +1869,7 @@
             <a:fld id="{BF9D0C2E-D681-4EA7-8157-3D0866D89818}" type="datetimeFigureOut">
               <a:rPr lang="de-DE" smtClean="0"/>
               <a:pPr/>
-              <a:t>23.03.2008</a:t>
+              <a:t>25.03.2008</a:t>
             </a:fld>
             <a:endParaRPr lang="de-DE"/>
           </a:p>
@@ -1957,7 +1961,7 @@
             <a:fld id="{BF9D0C2E-D681-4EA7-8157-3D0866D89818}" type="datetimeFigureOut">
               <a:rPr lang="de-DE" smtClean="0"/>
               <a:pPr/>
-              <a:t>23.03.2008</a:t>
+              <a:t>25.03.2008</a:t>
             </a:fld>
             <a:endParaRPr lang="de-DE"/>
           </a:p>
@@ -2231,7 +2235,7 @@
             <a:fld id="{BF9D0C2E-D681-4EA7-8157-3D0866D89818}" type="datetimeFigureOut">
               <a:rPr lang="de-DE" smtClean="0"/>
               <a:pPr/>
-              <a:t>23.03.2008</a:t>
+              <a:t>25.03.2008</a:t>
             </a:fld>
             <a:endParaRPr lang="de-DE"/>
           </a:p>
@@ -2481,7 +2485,7 @@
             <a:fld id="{BF9D0C2E-D681-4EA7-8157-3D0866D89818}" type="datetimeFigureOut">
               <a:rPr lang="de-DE" smtClean="0"/>
               <a:pPr/>
-              <a:t>23.03.2008</a:t>
+              <a:t>25.03.2008</a:t>
             </a:fld>
             <a:endParaRPr lang="de-DE"/>
           </a:p>
@@ -2691,7 +2695,7 @@
             <a:fld id="{BF9D0C2E-D681-4EA7-8157-3D0866D89818}" type="datetimeFigureOut">
               <a:rPr lang="de-DE" smtClean="0"/>
               <a:pPr/>
-              <a:t>23.03.2008</a:t>
+              <a:t>25.03.2008</a:t>
             </a:fld>
             <a:endParaRPr lang="de-DE"/>
           </a:p>
@@ -16295,6 +16299,8767 @@
 </p:sld>
 </file>
 
+<file path=ppt/slides/slide5.xml><?xml version="1.0" encoding="utf-8"?>
+<p:sld xmlns:a="http://schemas.openxmlformats.org/drawingml/2006/main" xmlns:r="http://schemas.openxmlformats.org/officeDocument/2006/relationships" xmlns:p="http://schemas.openxmlformats.org/presentationml/2006/main">
+  <p:cSld>
+    <p:spTree>
+      <p:nvGrpSpPr>
+        <p:cNvPr id="1" name=""/>
+        <p:cNvGrpSpPr/>
+        <p:nvPr/>
+      </p:nvGrpSpPr>
+      <p:grpSpPr>
+        <a:xfrm>
+          <a:off x="0" y="0"/>
+          <a:ext cx="0" cy="0"/>
+          <a:chOff x="0" y="0"/>
+          <a:chExt cx="0" cy="0"/>
+        </a:xfrm>
+      </p:grpSpPr>
+      <p:grpSp>
+        <p:nvGrpSpPr>
+          <p:cNvPr id="98" name="Gruppieren 97"/>
+          <p:cNvGrpSpPr/>
+          <p:nvPr/>
+        </p:nvGrpSpPr>
+        <p:grpSpPr>
+          <a:xfrm>
+            <a:off x="0" y="0"/>
+            <a:ext cx="9144000" cy="6858000"/>
+            <a:chOff x="0" y="0"/>
+            <a:chExt cx="9144000" cy="6858000"/>
+          </a:xfrm>
+        </p:grpSpPr>
+        <p:sp>
+          <p:nvSpPr>
+            <p:cNvPr id="4" name="Ellipse 3"/>
+            <p:cNvSpPr/>
+            <p:nvPr/>
+          </p:nvSpPr>
+          <p:spPr>
+            <a:xfrm>
+              <a:off x="4500562" y="3286124"/>
+              <a:ext cx="285752" cy="285752"/>
+            </a:xfrm>
+            <a:prstGeom prst="ellipse">
+              <a:avLst/>
+            </a:prstGeom>
+            <a:solidFill>
+              <a:schemeClr val="bg1">
+                <a:lumMod val="75000"/>
+              </a:schemeClr>
+            </a:solidFill>
+            <a:ln>
+              <a:noFill/>
+            </a:ln>
+          </p:spPr>
+          <p:style>
+            <a:lnRef idx="2">
+              <a:schemeClr val="accent1">
+                <a:shade val="50000"/>
+              </a:schemeClr>
+            </a:lnRef>
+            <a:fillRef idx="1">
+              <a:schemeClr val="accent1"/>
+            </a:fillRef>
+            <a:effectRef idx="0">
+              <a:schemeClr val="accent1"/>
+            </a:effectRef>
+            <a:fontRef idx="minor">
+              <a:schemeClr val="lt1"/>
+            </a:fontRef>
+          </p:style>
+          <p:txBody>
+            <a:bodyPr rtlCol="0" anchor="ctr"/>
+            <a:lstStyle/>
+            <a:p>
+              <a:pPr algn="ctr"/>
+              <a:endParaRPr lang="de-DE"/>
+            </a:p>
+          </p:txBody>
+        </p:sp>
+        <p:sp>
+          <p:nvSpPr>
+            <p:cNvPr id="8" name="Ellipse 7"/>
+            <p:cNvSpPr/>
+            <p:nvPr/>
+          </p:nvSpPr>
+          <p:spPr>
+            <a:xfrm>
+              <a:off x="1714480" y="3786190"/>
+              <a:ext cx="285752" cy="285752"/>
+            </a:xfrm>
+            <a:prstGeom prst="ellipse">
+              <a:avLst/>
+            </a:prstGeom>
+            <a:solidFill>
+              <a:schemeClr val="bg1">
+                <a:lumMod val="75000"/>
+              </a:schemeClr>
+            </a:solidFill>
+            <a:ln>
+              <a:noFill/>
+            </a:ln>
+          </p:spPr>
+          <p:style>
+            <a:lnRef idx="2">
+              <a:schemeClr val="accent1">
+                <a:shade val="50000"/>
+              </a:schemeClr>
+            </a:lnRef>
+            <a:fillRef idx="1">
+              <a:schemeClr val="accent1"/>
+            </a:fillRef>
+            <a:effectRef idx="0">
+              <a:schemeClr val="accent1"/>
+            </a:effectRef>
+            <a:fontRef idx="minor">
+              <a:schemeClr val="lt1"/>
+            </a:fontRef>
+          </p:style>
+          <p:txBody>
+            <a:bodyPr rtlCol="0" anchor="ctr"/>
+            <a:lstStyle/>
+            <a:p>
+              <a:pPr algn="ctr"/>
+              <a:endParaRPr lang="de-DE"/>
+            </a:p>
+          </p:txBody>
+        </p:sp>
+        <p:sp>
+          <p:nvSpPr>
+            <p:cNvPr id="9" name="Ellipse 8"/>
+            <p:cNvSpPr/>
+            <p:nvPr/>
+          </p:nvSpPr>
+          <p:spPr>
+            <a:xfrm>
+              <a:off x="2714612" y="5214950"/>
+              <a:ext cx="285752" cy="285752"/>
+            </a:xfrm>
+            <a:prstGeom prst="ellipse">
+              <a:avLst/>
+            </a:prstGeom>
+            <a:solidFill>
+              <a:schemeClr val="bg1">
+                <a:lumMod val="75000"/>
+              </a:schemeClr>
+            </a:solidFill>
+            <a:ln>
+              <a:noFill/>
+            </a:ln>
+          </p:spPr>
+          <p:style>
+            <a:lnRef idx="2">
+              <a:schemeClr val="accent1">
+                <a:shade val="50000"/>
+              </a:schemeClr>
+            </a:lnRef>
+            <a:fillRef idx="1">
+              <a:schemeClr val="accent1"/>
+            </a:fillRef>
+            <a:effectRef idx="0">
+              <a:schemeClr val="accent1"/>
+            </a:effectRef>
+            <a:fontRef idx="minor">
+              <a:schemeClr val="lt1"/>
+            </a:fontRef>
+          </p:style>
+          <p:txBody>
+            <a:bodyPr rtlCol="0" anchor="ctr"/>
+            <a:lstStyle/>
+            <a:p>
+              <a:pPr algn="ctr"/>
+              <a:endParaRPr lang="de-DE"/>
+            </a:p>
+          </p:txBody>
+        </p:sp>
+        <p:sp>
+          <p:nvSpPr>
+            <p:cNvPr id="10" name="Ellipse 9"/>
+            <p:cNvSpPr/>
+            <p:nvPr/>
+          </p:nvSpPr>
+          <p:spPr>
+            <a:xfrm>
+              <a:off x="5072066" y="857232"/>
+              <a:ext cx="285752" cy="285752"/>
+            </a:xfrm>
+            <a:prstGeom prst="ellipse">
+              <a:avLst/>
+            </a:prstGeom>
+            <a:solidFill>
+              <a:schemeClr val="bg1">
+                <a:lumMod val="75000"/>
+              </a:schemeClr>
+            </a:solidFill>
+            <a:ln>
+              <a:noFill/>
+            </a:ln>
+          </p:spPr>
+          <p:style>
+            <a:lnRef idx="2">
+              <a:schemeClr val="accent1">
+                <a:shade val="50000"/>
+              </a:schemeClr>
+            </a:lnRef>
+            <a:fillRef idx="1">
+              <a:schemeClr val="accent1"/>
+            </a:fillRef>
+            <a:effectRef idx="0">
+              <a:schemeClr val="accent1"/>
+            </a:effectRef>
+            <a:fontRef idx="minor">
+              <a:schemeClr val="lt1"/>
+            </a:fontRef>
+          </p:style>
+          <p:txBody>
+            <a:bodyPr rtlCol="0" anchor="ctr"/>
+            <a:lstStyle/>
+            <a:p>
+              <a:pPr algn="ctr"/>
+              <a:endParaRPr lang="de-DE"/>
+            </a:p>
+          </p:txBody>
+        </p:sp>
+        <p:sp>
+          <p:nvSpPr>
+            <p:cNvPr id="11" name="Ellipse 10"/>
+            <p:cNvSpPr/>
+            <p:nvPr/>
+          </p:nvSpPr>
+          <p:spPr>
+            <a:xfrm>
+              <a:off x="5500694" y="5214950"/>
+              <a:ext cx="285752" cy="285752"/>
+            </a:xfrm>
+            <a:prstGeom prst="ellipse">
+              <a:avLst/>
+            </a:prstGeom>
+            <a:solidFill>
+              <a:schemeClr val="bg1">
+                <a:lumMod val="75000"/>
+              </a:schemeClr>
+            </a:solidFill>
+            <a:ln>
+              <a:noFill/>
+            </a:ln>
+          </p:spPr>
+          <p:style>
+            <a:lnRef idx="2">
+              <a:schemeClr val="accent1">
+                <a:shade val="50000"/>
+              </a:schemeClr>
+            </a:lnRef>
+            <a:fillRef idx="1">
+              <a:schemeClr val="accent1"/>
+            </a:fillRef>
+            <a:effectRef idx="0">
+              <a:schemeClr val="accent1"/>
+            </a:effectRef>
+            <a:fontRef idx="minor">
+              <a:schemeClr val="lt1"/>
+            </a:fontRef>
+          </p:style>
+          <p:txBody>
+            <a:bodyPr rtlCol="0" anchor="ctr"/>
+            <a:lstStyle/>
+            <a:p>
+              <a:pPr algn="ctr"/>
+              <a:endParaRPr lang="de-DE"/>
+            </a:p>
+          </p:txBody>
+        </p:sp>
+        <p:sp>
+          <p:nvSpPr>
+            <p:cNvPr id="12" name="Ellipse 11"/>
+            <p:cNvSpPr/>
+            <p:nvPr/>
+          </p:nvSpPr>
+          <p:spPr>
+            <a:xfrm>
+              <a:off x="7643834" y="2571744"/>
+              <a:ext cx="285752" cy="285752"/>
+            </a:xfrm>
+            <a:prstGeom prst="ellipse">
+              <a:avLst/>
+            </a:prstGeom>
+            <a:solidFill>
+              <a:schemeClr val="bg1">
+                <a:lumMod val="75000"/>
+              </a:schemeClr>
+            </a:solidFill>
+            <a:ln>
+              <a:noFill/>
+            </a:ln>
+          </p:spPr>
+          <p:style>
+            <a:lnRef idx="2">
+              <a:schemeClr val="accent1">
+                <a:shade val="50000"/>
+              </a:schemeClr>
+            </a:lnRef>
+            <a:fillRef idx="1">
+              <a:schemeClr val="accent1"/>
+            </a:fillRef>
+            <a:effectRef idx="0">
+              <a:schemeClr val="accent1"/>
+            </a:effectRef>
+            <a:fontRef idx="minor">
+              <a:schemeClr val="lt1"/>
+            </a:fontRef>
+          </p:style>
+          <p:txBody>
+            <a:bodyPr rtlCol="0" anchor="ctr"/>
+            <a:lstStyle/>
+            <a:p>
+              <a:pPr algn="ctr"/>
+              <a:endParaRPr lang="de-DE"/>
+            </a:p>
+          </p:txBody>
+        </p:sp>
+        <p:sp>
+          <p:nvSpPr>
+            <p:cNvPr id="13" name="Rechteck 12"/>
+            <p:cNvSpPr/>
+            <p:nvPr/>
+          </p:nvSpPr>
+          <p:spPr>
+            <a:xfrm>
+              <a:off x="0" y="0"/>
+              <a:ext cx="9144000" cy="6858000"/>
+            </a:xfrm>
+            <a:prstGeom prst="rect">
+              <a:avLst/>
+            </a:prstGeom>
+            <a:noFill/>
+            <a:ln>
+              <a:solidFill>
+                <a:schemeClr val="tx1"/>
+              </a:solidFill>
+            </a:ln>
+          </p:spPr>
+          <p:style>
+            <a:lnRef idx="2">
+              <a:schemeClr val="accent1">
+                <a:shade val="50000"/>
+              </a:schemeClr>
+            </a:lnRef>
+            <a:fillRef idx="1">
+              <a:schemeClr val="accent1"/>
+            </a:fillRef>
+            <a:effectRef idx="0">
+              <a:schemeClr val="accent1"/>
+            </a:effectRef>
+            <a:fontRef idx="minor">
+              <a:schemeClr val="lt1"/>
+            </a:fontRef>
+          </p:style>
+          <p:txBody>
+            <a:bodyPr rtlCol="0" anchor="ctr"/>
+            <a:lstStyle/>
+            <a:p>
+              <a:pPr algn="ctr"/>
+              <a:endParaRPr lang="de-DE"/>
+            </a:p>
+          </p:txBody>
+        </p:sp>
+        <p:grpSp>
+          <p:nvGrpSpPr>
+            <p:cNvPr id="15" name="Gruppieren 14"/>
+            <p:cNvGrpSpPr/>
+            <p:nvPr/>
+          </p:nvGrpSpPr>
+          <p:grpSpPr>
+            <a:xfrm flipH="1">
+              <a:off x="5429256" y="3929066"/>
+              <a:ext cx="2000264" cy="833443"/>
+              <a:chOff x="2357422" y="1285860"/>
+              <a:chExt cx="3286148" cy="1428760"/>
+            </a:xfrm>
+            <a:scene3d>
+              <a:camera prst="isometricRightUp">
+                <a:rot lat="1980000" lon="2700000" rev="0"/>
+              </a:camera>
+              <a:lightRig rig="threePt" dir="t"/>
+            </a:scene3d>
+          </p:grpSpPr>
+          <p:cxnSp>
+            <p:nvCxnSpPr>
+              <p:cNvPr id="16" name="Gerade Verbindung 15"/>
+              <p:cNvCxnSpPr/>
+              <p:nvPr/>
+            </p:nvCxnSpPr>
+            <p:spPr>
+              <a:xfrm flipV="1">
+                <a:off x="2357422" y="1285860"/>
+                <a:ext cx="1500198" cy="714380"/>
+              </a:xfrm>
+              <a:prstGeom prst="line">
+                <a:avLst/>
+              </a:prstGeom>
+              <a:ln w="19050">
+                <a:solidFill>
+                  <a:schemeClr val="tx1"/>
+                </a:solidFill>
+              </a:ln>
+            </p:spPr>
+            <p:style>
+              <a:lnRef idx="1">
+                <a:schemeClr val="accent1"/>
+              </a:lnRef>
+              <a:fillRef idx="0">
+                <a:schemeClr val="accent1"/>
+              </a:fillRef>
+              <a:effectRef idx="0">
+                <a:schemeClr val="accent1"/>
+              </a:effectRef>
+              <a:fontRef idx="minor">
+                <a:schemeClr val="tx1"/>
+              </a:fontRef>
+            </p:style>
+          </p:cxnSp>
+          <p:cxnSp>
+            <p:nvCxnSpPr>
+              <p:cNvPr id="17" name="Gerade Verbindung 16"/>
+              <p:cNvCxnSpPr/>
+              <p:nvPr/>
+            </p:nvCxnSpPr>
+            <p:spPr>
+              <a:xfrm>
+                <a:off x="2357422" y="2000240"/>
+                <a:ext cx="1500198" cy="714380"/>
+              </a:xfrm>
+              <a:prstGeom prst="line">
+                <a:avLst/>
+              </a:prstGeom>
+              <a:ln w="19050">
+                <a:solidFill>
+                  <a:schemeClr val="tx1"/>
+                </a:solidFill>
+              </a:ln>
+            </p:spPr>
+            <p:style>
+              <a:lnRef idx="1">
+                <a:schemeClr val="accent1"/>
+              </a:lnRef>
+              <a:fillRef idx="0">
+                <a:schemeClr val="accent1"/>
+              </a:fillRef>
+              <a:effectRef idx="0">
+                <a:schemeClr val="accent1"/>
+              </a:effectRef>
+              <a:fontRef idx="minor">
+                <a:schemeClr val="tx1"/>
+              </a:fontRef>
+            </p:style>
+          </p:cxnSp>
+          <p:sp>
+            <p:nvSpPr>
+              <p:cNvPr id="18" name="Bogen 17"/>
+              <p:cNvSpPr/>
+              <p:nvPr/>
+            </p:nvSpPr>
+            <p:spPr>
+              <a:xfrm>
+                <a:off x="2357422" y="1285860"/>
+                <a:ext cx="1071570" cy="1428760"/>
+              </a:xfrm>
+              <a:prstGeom prst="arc">
+                <a:avLst>
+                  <a:gd name="adj1" fmla="val 16200000"/>
+                  <a:gd name="adj2" fmla="val 5300590"/>
+                </a:avLst>
+              </a:prstGeom>
+              <a:ln w="19050">
+                <a:solidFill>
+                  <a:schemeClr val="tx1"/>
+                </a:solidFill>
+              </a:ln>
+            </p:spPr>
+            <p:style>
+              <a:lnRef idx="1">
+                <a:schemeClr val="accent1"/>
+              </a:lnRef>
+              <a:fillRef idx="0">
+                <a:schemeClr val="accent1"/>
+              </a:fillRef>
+              <a:effectRef idx="0">
+                <a:schemeClr val="accent1"/>
+              </a:effectRef>
+              <a:fontRef idx="minor">
+                <a:schemeClr val="tx1"/>
+              </a:fontRef>
+            </p:style>
+            <p:txBody>
+              <a:bodyPr rtlCol="0" anchor="ctr"/>
+              <a:lstStyle/>
+              <a:p>
+                <a:pPr algn="ctr"/>
+                <a:endParaRPr lang="de-DE"/>
+              </a:p>
+            </p:txBody>
+          </p:sp>
+          <p:cxnSp>
+            <p:nvCxnSpPr>
+              <p:cNvPr id="19" name="Gerade Verbindung 18"/>
+              <p:cNvCxnSpPr/>
+              <p:nvPr/>
+            </p:nvCxnSpPr>
+            <p:spPr>
+              <a:xfrm>
+                <a:off x="3428992" y="2000240"/>
+                <a:ext cx="2214578" cy="1588"/>
+              </a:xfrm>
+              <a:prstGeom prst="line">
+                <a:avLst/>
+              </a:prstGeom>
+              <a:ln w="19050">
+                <a:solidFill>
+                  <a:schemeClr val="tx1"/>
+                </a:solidFill>
+              </a:ln>
+            </p:spPr>
+            <p:style>
+              <a:lnRef idx="1">
+                <a:schemeClr val="accent1"/>
+              </a:lnRef>
+              <a:fillRef idx="0">
+                <a:schemeClr val="accent1"/>
+              </a:fillRef>
+              <a:effectRef idx="0">
+                <a:schemeClr val="accent1"/>
+              </a:effectRef>
+              <a:fontRef idx="minor">
+                <a:schemeClr val="tx1"/>
+              </a:fontRef>
+            </p:style>
+          </p:cxnSp>
+        </p:grpSp>
+        <p:sp>
+          <p:nvSpPr>
+            <p:cNvPr id="5" name="Ellipse 4"/>
+            <p:cNvSpPr/>
+            <p:nvPr/>
+          </p:nvSpPr>
+          <p:spPr>
+            <a:xfrm>
+              <a:off x="2000232" y="1785926"/>
+              <a:ext cx="285752" cy="285752"/>
+            </a:xfrm>
+            <a:prstGeom prst="ellipse">
+              <a:avLst/>
+            </a:prstGeom>
+            <a:solidFill>
+              <a:schemeClr val="bg1">
+                <a:lumMod val="75000"/>
+              </a:schemeClr>
+            </a:solidFill>
+            <a:ln>
+              <a:noFill/>
+            </a:ln>
+          </p:spPr>
+          <p:style>
+            <a:lnRef idx="2">
+              <a:schemeClr val="accent1">
+                <a:shade val="50000"/>
+              </a:schemeClr>
+            </a:lnRef>
+            <a:fillRef idx="1">
+              <a:schemeClr val="accent1"/>
+            </a:fillRef>
+            <a:effectRef idx="0">
+              <a:schemeClr val="accent1"/>
+            </a:effectRef>
+            <a:fontRef idx="minor">
+              <a:schemeClr val="lt1"/>
+            </a:fontRef>
+          </p:style>
+          <p:txBody>
+            <a:bodyPr rtlCol="0" anchor="ctr"/>
+            <a:lstStyle/>
+            <a:p>
+              <a:pPr algn="ctr"/>
+              <a:endParaRPr lang="de-DE"/>
+            </a:p>
+          </p:txBody>
+        </p:sp>
+        <p:grpSp>
+          <p:nvGrpSpPr>
+            <p:cNvPr id="25" name="Gruppieren 24"/>
+            <p:cNvGrpSpPr/>
+            <p:nvPr/>
+          </p:nvGrpSpPr>
+          <p:grpSpPr>
+            <a:xfrm>
+              <a:off x="1731218" y="1319014"/>
+              <a:ext cx="857256" cy="1193463"/>
+              <a:chOff x="2571736" y="1246041"/>
+              <a:chExt cx="857256" cy="1193463"/>
+            </a:xfrm>
+          </p:grpSpPr>
+          <p:sp>
+            <p:nvSpPr>
+              <p:cNvPr id="26" name="Rechteck 25"/>
+              <p:cNvSpPr/>
+              <p:nvPr/>
+            </p:nvSpPr>
+            <p:spPr>
+              <a:xfrm>
+                <a:off x="2571736" y="1428736"/>
+                <a:ext cx="857256" cy="857256"/>
+              </a:xfrm>
+              <a:prstGeom prst="rect">
+                <a:avLst/>
+              </a:prstGeom>
+              <a:noFill/>
+              <a:ln>
+                <a:solidFill>
+                  <a:schemeClr val="tx1"/>
+                </a:solidFill>
+                <a:prstDash val="solid"/>
+              </a:ln>
+              <a:scene3d>
+                <a:camera prst="isometricRightUp"/>
+                <a:lightRig rig="threePt" dir="t"/>
+              </a:scene3d>
+            </p:spPr>
+            <p:style>
+              <a:lnRef idx="2">
+                <a:schemeClr val="accent1">
+                  <a:shade val="50000"/>
+                </a:schemeClr>
+              </a:lnRef>
+              <a:fillRef idx="1">
+                <a:schemeClr val="accent1"/>
+              </a:fillRef>
+              <a:effectRef idx="0">
+                <a:schemeClr val="accent1"/>
+              </a:effectRef>
+              <a:fontRef idx="minor">
+                <a:schemeClr val="lt1"/>
+              </a:fontRef>
+            </p:style>
+            <p:txBody>
+              <a:bodyPr rtlCol="0" anchor="ctr"/>
+              <a:lstStyle/>
+              <a:p>
+                <a:pPr algn="ctr"/>
+                <a:endParaRPr lang="de-DE"/>
+              </a:p>
+            </p:txBody>
+          </p:sp>
+          <p:sp>
+            <p:nvSpPr>
+              <p:cNvPr id="27" name="Ellipse 26"/>
+              <p:cNvSpPr/>
+              <p:nvPr/>
+            </p:nvSpPr>
+            <p:spPr>
+              <a:xfrm flipH="1" flipV="1">
+                <a:off x="3221061" y="1246041"/>
+                <a:ext cx="142876" cy="142876"/>
+              </a:xfrm>
+              <a:prstGeom prst="ellipse">
+                <a:avLst/>
+              </a:prstGeom>
+              <a:solidFill>
+                <a:schemeClr val="tx1"/>
+              </a:solidFill>
+              <a:ln>
+                <a:noFill/>
+              </a:ln>
+            </p:spPr>
+            <p:style>
+              <a:lnRef idx="2">
+                <a:schemeClr val="accent1">
+                  <a:shade val="50000"/>
+                </a:schemeClr>
+              </a:lnRef>
+              <a:fillRef idx="1">
+                <a:schemeClr val="accent1"/>
+              </a:fillRef>
+              <a:effectRef idx="0">
+                <a:schemeClr val="accent1"/>
+              </a:effectRef>
+              <a:fontRef idx="minor">
+                <a:schemeClr val="lt1"/>
+              </a:fontRef>
+            </p:style>
+            <p:txBody>
+              <a:bodyPr rtlCol="0" anchor="ctr"/>
+              <a:lstStyle/>
+              <a:p>
+                <a:pPr algn="ctr"/>
+                <a:endParaRPr lang="de-DE"/>
+              </a:p>
+            </p:txBody>
+          </p:sp>
+          <p:sp>
+            <p:nvSpPr>
+              <p:cNvPr id="28" name="Ellipse 27"/>
+              <p:cNvSpPr/>
+              <p:nvPr/>
+            </p:nvSpPr>
+            <p:spPr>
+              <a:xfrm flipH="1" flipV="1">
+                <a:off x="2617946" y="2296628"/>
+                <a:ext cx="142876" cy="142876"/>
+              </a:xfrm>
+              <a:prstGeom prst="ellipse">
+                <a:avLst/>
+              </a:prstGeom>
+              <a:solidFill>
+                <a:schemeClr val="tx1"/>
+              </a:solidFill>
+              <a:ln>
+                <a:noFill/>
+              </a:ln>
+            </p:spPr>
+            <p:style>
+              <a:lnRef idx="2">
+                <a:schemeClr val="accent1">
+                  <a:shade val="50000"/>
+                </a:schemeClr>
+              </a:lnRef>
+              <a:fillRef idx="1">
+                <a:schemeClr val="accent1"/>
+              </a:fillRef>
+              <a:effectRef idx="0">
+                <a:schemeClr val="accent1"/>
+              </a:effectRef>
+              <a:fontRef idx="minor">
+                <a:schemeClr val="lt1"/>
+              </a:fontRef>
+            </p:style>
+            <p:txBody>
+              <a:bodyPr rtlCol="0" anchor="ctr"/>
+              <a:lstStyle/>
+              <a:p>
+                <a:pPr algn="ctr"/>
+                <a:endParaRPr lang="de-DE"/>
+              </a:p>
+            </p:txBody>
+          </p:sp>
+          <p:sp>
+            <p:nvSpPr>
+              <p:cNvPr id="29" name="Ellipse 28"/>
+              <p:cNvSpPr/>
+              <p:nvPr/>
+            </p:nvSpPr>
+            <p:spPr>
+              <a:xfrm flipH="1" flipV="1">
+                <a:off x="3230789" y="1956160"/>
+                <a:ext cx="142876" cy="142876"/>
+              </a:xfrm>
+              <a:prstGeom prst="ellipse">
+                <a:avLst/>
+              </a:prstGeom>
+              <a:solidFill>
+                <a:schemeClr val="tx1"/>
+              </a:solidFill>
+              <a:ln>
+                <a:noFill/>
+              </a:ln>
+            </p:spPr>
+            <p:style>
+              <a:lnRef idx="2">
+                <a:schemeClr val="accent1">
+                  <a:shade val="50000"/>
+                </a:schemeClr>
+              </a:lnRef>
+              <a:fillRef idx="1">
+                <a:schemeClr val="accent1"/>
+              </a:fillRef>
+              <a:effectRef idx="0">
+                <a:schemeClr val="accent1"/>
+              </a:effectRef>
+              <a:fontRef idx="minor">
+                <a:schemeClr val="lt1"/>
+              </a:fontRef>
+            </p:style>
+            <p:txBody>
+              <a:bodyPr rtlCol="0" anchor="ctr"/>
+              <a:lstStyle/>
+              <a:p>
+                <a:pPr algn="ctr"/>
+                <a:endParaRPr lang="de-DE"/>
+              </a:p>
+            </p:txBody>
+          </p:sp>
+          <p:sp>
+            <p:nvSpPr>
+              <p:cNvPr id="30" name="Ellipse 29"/>
+              <p:cNvSpPr/>
+              <p:nvPr/>
+            </p:nvSpPr>
+            <p:spPr>
+              <a:xfrm flipH="1" flipV="1">
+                <a:off x="2608219" y="1605964"/>
+                <a:ext cx="142876" cy="142876"/>
+              </a:xfrm>
+              <a:prstGeom prst="ellipse">
+                <a:avLst/>
+              </a:prstGeom>
+              <a:solidFill>
+                <a:schemeClr val="tx1"/>
+              </a:solidFill>
+              <a:ln>
+                <a:noFill/>
+              </a:ln>
+            </p:spPr>
+            <p:style>
+              <a:lnRef idx="2">
+                <a:schemeClr val="accent1">
+                  <a:shade val="50000"/>
+                </a:schemeClr>
+              </a:lnRef>
+              <a:fillRef idx="1">
+                <a:schemeClr val="accent1"/>
+              </a:fillRef>
+              <a:effectRef idx="0">
+                <a:schemeClr val="accent1"/>
+              </a:effectRef>
+              <a:fontRef idx="minor">
+                <a:schemeClr val="lt1"/>
+              </a:fontRef>
+            </p:style>
+            <p:txBody>
+              <a:bodyPr rtlCol="0" anchor="ctr"/>
+              <a:lstStyle/>
+              <a:p>
+                <a:pPr algn="ctr"/>
+                <a:endParaRPr lang="de-DE"/>
+              </a:p>
+            </p:txBody>
+          </p:sp>
+          <p:cxnSp>
+            <p:nvCxnSpPr>
+              <p:cNvPr id="31" name="Gerade Verbindung 30"/>
+              <p:cNvCxnSpPr/>
+              <p:nvPr/>
+            </p:nvCxnSpPr>
+            <p:spPr>
+              <a:xfrm rot="5400000" flipH="1" flipV="1">
+                <a:off x="2461097" y="1527244"/>
+                <a:ext cx="1070045" cy="642026"/>
+              </a:xfrm>
+              <a:prstGeom prst="line">
+                <a:avLst/>
+              </a:prstGeom>
+              <a:ln w="19050">
+                <a:solidFill>
+                  <a:schemeClr val="tx1"/>
+                </a:solidFill>
+              </a:ln>
+            </p:spPr>
+            <p:style>
+              <a:lnRef idx="1">
+                <a:schemeClr val="accent1"/>
+              </a:lnRef>
+              <a:fillRef idx="0">
+                <a:schemeClr val="accent1"/>
+              </a:fillRef>
+              <a:effectRef idx="0">
+                <a:schemeClr val="accent1"/>
+              </a:effectRef>
+              <a:fontRef idx="minor">
+                <a:schemeClr val="tx1"/>
+              </a:fontRef>
+            </p:style>
+          </p:cxnSp>
+        </p:grpSp>
+        <p:grpSp>
+          <p:nvGrpSpPr>
+            <p:cNvPr id="56" name="Gruppieren 55"/>
+            <p:cNvGrpSpPr/>
+            <p:nvPr/>
+          </p:nvGrpSpPr>
+          <p:grpSpPr>
+            <a:xfrm>
+              <a:off x="4811542" y="375729"/>
+              <a:ext cx="857256" cy="1193463"/>
+              <a:chOff x="2571736" y="1246041"/>
+              <a:chExt cx="857256" cy="1193463"/>
+            </a:xfrm>
+          </p:grpSpPr>
+          <p:sp>
+            <p:nvSpPr>
+              <p:cNvPr id="57" name="Rechteck 56"/>
+              <p:cNvSpPr/>
+              <p:nvPr/>
+            </p:nvSpPr>
+            <p:spPr>
+              <a:xfrm>
+                <a:off x="2571736" y="1428736"/>
+                <a:ext cx="857256" cy="857256"/>
+              </a:xfrm>
+              <a:prstGeom prst="rect">
+                <a:avLst/>
+              </a:prstGeom>
+              <a:noFill/>
+              <a:ln>
+                <a:solidFill>
+                  <a:schemeClr val="tx1"/>
+                </a:solidFill>
+                <a:prstDash val="solid"/>
+              </a:ln>
+              <a:scene3d>
+                <a:camera prst="isometricRightUp"/>
+                <a:lightRig rig="threePt" dir="t"/>
+              </a:scene3d>
+            </p:spPr>
+            <p:style>
+              <a:lnRef idx="2">
+                <a:schemeClr val="accent1">
+                  <a:shade val="50000"/>
+                </a:schemeClr>
+              </a:lnRef>
+              <a:fillRef idx="1">
+                <a:schemeClr val="accent1"/>
+              </a:fillRef>
+              <a:effectRef idx="0">
+                <a:schemeClr val="accent1"/>
+              </a:effectRef>
+              <a:fontRef idx="minor">
+                <a:schemeClr val="lt1"/>
+              </a:fontRef>
+            </p:style>
+            <p:txBody>
+              <a:bodyPr rtlCol="0" anchor="ctr"/>
+              <a:lstStyle/>
+              <a:p>
+                <a:pPr algn="ctr"/>
+                <a:endParaRPr lang="de-DE"/>
+              </a:p>
+            </p:txBody>
+          </p:sp>
+          <p:sp>
+            <p:nvSpPr>
+              <p:cNvPr id="58" name="Ellipse 57"/>
+              <p:cNvSpPr/>
+              <p:nvPr/>
+            </p:nvSpPr>
+            <p:spPr>
+              <a:xfrm flipH="1" flipV="1">
+                <a:off x="3221061" y="1246041"/>
+                <a:ext cx="142876" cy="142876"/>
+              </a:xfrm>
+              <a:prstGeom prst="ellipse">
+                <a:avLst/>
+              </a:prstGeom>
+              <a:solidFill>
+                <a:schemeClr val="tx1"/>
+              </a:solidFill>
+              <a:ln>
+                <a:noFill/>
+              </a:ln>
+            </p:spPr>
+            <p:style>
+              <a:lnRef idx="2">
+                <a:schemeClr val="accent1">
+                  <a:shade val="50000"/>
+                </a:schemeClr>
+              </a:lnRef>
+              <a:fillRef idx="1">
+                <a:schemeClr val="accent1"/>
+              </a:fillRef>
+              <a:effectRef idx="0">
+                <a:schemeClr val="accent1"/>
+              </a:effectRef>
+              <a:fontRef idx="minor">
+                <a:schemeClr val="lt1"/>
+              </a:fontRef>
+            </p:style>
+            <p:txBody>
+              <a:bodyPr rtlCol="0" anchor="ctr"/>
+              <a:lstStyle/>
+              <a:p>
+                <a:pPr algn="ctr"/>
+                <a:endParaRPr lang="de-DE"/>
+              </a:p>
+            </p:txBody>
+          </p:sp>
+          <p:sp>
+            <p:nvSpPr>
+              <p:cNvPr id="59" name="Ellipse 58"/>
+              <p:cNvSpPr/>
+              <p:nvPr/>
+            </p:nvSpPr>
+            <p:spPr>
+              <a:xfrm flipH="1" flipV="1">
+                <a:off x="2617946" y="2296628"/>
+                <a:ext cx="142876" cy="142876"/>
+              </a:xfrm>
+              <a:prstGeom prst="ellipse">
+                <a:avLst/>
+              </a:prstGeom>
+              <a:solidFill>
+                <a:schemeClr val="tx1"/>
+              </a:solidFill>
+              <a:ln>
+                <a:noFill/>
+              </a:ln>
+            </p:spPr>
+            <p:style>
+              <a:lnRef idx="2">
+                <a:schemeClr val="accent1">
+                  <a:shade val="50000"/>
+                </a:schemeClr>
+              </a:lnRef>
+              <a:fillRef idx="1">
+                <a:schemeClr val="accent1"/>
+              </a:fillRef>
+              <a:effectRef idx="0">
+                <a:schemeClr val="accent1"/>
+              </a:effectRef>
+              <a:fontRef idx="minor">
+                <a:schemeClr val="lt1"/>
+              </a:fontRef>
+            </p:style>
+            <p:txBody>
+              <a:bodyPr rtlCol="0" anchor="ctr"/>
+              <a:lstStyle/>
+              <a:p>
+                <a:pPr algn="ctr"/>
+                <a:endParaRPr lang="de-DE"/>
+              </a:p>
+            </p:txBody>
+          </p:sp>
+          <p:sp>
+            <p:nvSpPr>
+              <p:cNvPr id="60" name="Ellipse 59"/>
+              <p:cNvSpPr/>
+              <p:nvPr/>
+            </p:nvSpPr>
+            <p:spPr>
+              <a:xfrm flipH="1" flipV="1">
+                <a:off x="3230789" y="1956160"/>
+                <a:ext cx="142876" cy="142876"/>
+              </a:xfrm>
+              <a:prstGeom prst="ellipse">
+                <a:avLst/>
+              </a:prstGeom>
+              <a:solidFill>
+                <a:schemeClr val="tx1"/>
+              </a:solidFill>
+              <a:ln>
+                <a:noFill/>
+              </a:ln>
+            </p:spPr>
+            <p:style>
+              <a:lnRef idx="2">
+                <a:schemeClr val="accent1">
+                  <a:shade val="50000"/>
+                </a:schemeClr>
+              </a:lnRef>
+              <a:fillRef idx="1">
+                <a:schemeClr val="accent1"/>
+              </a:fillRef>
+              <a:effectRef idx="0">
+                <a:schemeClr val="accent1"/>
+              </a:effectRef>
+              <a:fontRef idx="minor">
+                <a:schemeClr val="lt1"/>
+              </a:fontRef>
+            </p:style>
+            <p:txBody>
+              <a:bodyPr rtlCol="0" anchor="ctr"/>
+              <a:lstStyle/>
+              <a:p>
+                <a:pPr algn="ctr"/>
+                <a:endParaRPr lang="de-DE"/>
+              </a:p>
+            </p:txBody>
+          </p:sp>
+          <p:sp>
+            <p:nvSpPr>
+              <p:cNvPr id="61" name="Ellipse 60"/>
+              <p:cNvSpPr/>
+              <p:nvPr/>
+            </p:nvSpPr>
+            <p:spPr>
+              <a:xfrm flipH="1" flipV="1">
+                <a:off x="2608219" y="1605964"/>
+                <a:ext cx="142876" cy="142876"/>
+              </a:xfrm>
+              <a:prstGeom prst="ellipse">
+                <a:avLst/>
+              </a:prstGeom>
+              <a:solidFill>
+                <a:schemeClr val="tx1"/>
+              </a:solidFill>
+              <a:ln>
+                <a:noFill/>
+              </a:ln>
+            </p:spPr>
+            <p:style>
+              <a:lnRef idx="2">
+                <a:schemeClr val="accent1">
+                  <a:shade val="50000"/>
+                </a:schemeClr>
+              </a:lnRef>
+              <a:fillRef idx="1">
+                <a:schemeClr val="accent1"/>
+              </a:fillRef>
+              <a:effectRef idx="0">
+                <a:schemeClr val="accent1"/>
+              </a:effectRef>
+              <a:fontRef idx="minor">
+                <a:schemeClr val="lt1"/>
+              </a:fontRef>
+            </p:style>
+            <p:txBody>
+              <a:bodyPr rtlCol="0" anchor="ctr"/>
+              <a:lstStyle/>
+              <a:p>
+                <a:pPr algn="ctr"/>
+                <a:endParaRPr lang="de-DE"/>
+              </a:p>
+            </p:txBody>
+          </p:sp>
+          <p:cxnSp>
+            <p:nvCxnSpPr>
+              <p:cNvPr id="62" name="Gerade Verbindung 61"/>
+              <p:cNvCxnSpPr/>
+              <p:nvPr/>
+            </p:nvCxnSpPr>
+            <p:spPr>
+              <a:xfrm rot="5400000" flipH="1" flipV="1">
+                <a:off x="2461097" y="1527244"/>
+                <a:ext cx="1070045" cy="642026"/>
+              </a:xfrm>
+              <a:prstGeom prst="line">
+                <a:avLst/>
+              </a:prstGeom>
+              <a:ln w="19050">
+                <a:solidFill>
+                  <a:schemeClr val="tx1"/>
+                </a:solidFill>
+              </a:ln>
+            </p:spPr>
+            <p:style>
+              <a:lnRef idx="1">
+                <a:schemeClr val="accent1"/>
+              </a:lnRef>
+              <a:fillRef idx="0">
+                <a:schemeClr val="accent1"/>
+              </a:fillRef>
+              <a:effectRef idx="0">
+                <a:schemeClr val="accent1"/>
+              </a:effectRef>
+              <a:fontRef idx="minor">
+                <a:schemeClr val="tx1"/>
+              </a:fontRef>
+            </p:style>
+          </p:cxnSp>
+        </p:grpSp>
+        <p:grpSp>
+          <p:nvGrpSpPr>
+            <p:cNvPr id="63" name="Gruppieren 62"/>
+            <p:cNvGrpSpPr/>
+            <p:nvPr/>
+          </p:nvGrpSpPr>
+          <p:grpSpPr>
+            <a:xfrm>
+              <a:off x="7350461" y="2087797"/>
+              <a:ext cx="857256" cy="1193463"/>
+              <a:chOff x="2571736" y="1246041"/>
+              <a:chExt cx="857256" cy="1193463"/>
+            </a:xfrm>
+          </p:grpSpPr>
+          <p:sp>
+            <p:nvSpPr>
+              <p:cNvPr id="64" name="Rechteck 63"/>
+              <p:cNvSpPr/>
+              <p:nvPr/>
+            </p:nvSpPr>
+            <p:spPr>
+              <a:xfrm>
+                <a:off x="2571736" y="1428736"/>
+                <a:ext cx="857256" cy="857256"/>
+              </a:xfrm>
+              <a:prstGeom prst="rect">
+                <a:avLst/>
+              </a:prstGeom>
+              <a:noFill/>
+              <a:ln>
+                <a:solidFill>
+                  <a:schemeClr val="tx1"/>
+                </a:solidFill>
+                <a:prstDash val="solid"/>
+              </a:ln>
+              <a:scene3d>
+                <a:camera prst="isometricRightUp"/>
+                <a:lightRig rig="threePt" dir="t"/>
+              </a:scene3d>
+            </p:spPr>
+            <p:style>
+              <a:lnRef idx="2">
+                <a:schemeClr val="accent1">
+                  <a:shade val="50000"/>
+                </a:schemeClr>
+              </a:lnRef>
+              <a:fillRef idx="1">
+                <a:schemeClr val="accent1"/>
+              </a:fillRef>
+              <a:effectRef idx="0">
+                <a:schemeClr val="accent1"/>
+              </a:effectRef>
+              <a:fontRef idx="minor">
+                <a:schemeClr val="lt1"/>
+              </a:fontRef>
+            </p:style>
+            <p:txBody>
+              <a:bodyPr rtlCol="0" anchor="ctr"/>
+              <a:lstStyle/>
+              <a:p>
+                <a:pPr algn="ctr"/>
+                <a:endParaRPr lang="de-DE"/>
+              </a:p>
+            </p:txBody>
+          </p:sp>
+          <p:sp>
+            <p:nvSpPr>
+              <p:cNvPr id="65" name="Ellipse 64"/>
+              <p:cNvSpPr/>
+              <p:nvPr/>
+            </p:nvSpPr>
+            <p:spPr>
+              <a:xfrm flipH="1" flipV="1">
+                <a:off x="3221061" y="1246041"/>
+                <a:ext cx="142876" cy="142876"/>
+              </a:xfrm>
+              <a:prstGeom prst="ellipse">
+                <a:avLst/>
+              </a:prstGeom>
+              <a:solidFill>
+                <a:schemeClr val="tx1"/>
+              </a:solidFill>
+              <a:ln>
+                <a:noFill/>
+              </a:ln>
+            </p:spPr>
+            <p:style>
+              <a:lnRef idx="2">
+                <a:schemeClr val="accent1">
+                  <a:shade val="50000"/>
+                </a:schemeClr>
+              </a:lnRef>
+              <a:fillRef idx="1">
+                <a:schemeClr val="accent1"/>
+              </a:fillRef>
+              <a:effectRef idx="0">
+                <a:schemeClr val="accent1"/>
+              </a:effectRef>
+              <a:fontRef idx="minor">
+                <a:schemeClr val="lt1"/>
+              </a:fontRef>
+            </p:style>
+            <p:txBody>
+              <a:bodyPr rtlCol="0" anchor="ctr"/>
+              <a:lstStyle/>
+              <a:p>
+                <a:pPr algn="ctr"/>
+                <a:endParaRPr lang="de-DE"/>
+              </a:p>
+            </p:txBody>
+          </p:sp>
+          <p:sp>
+            <p:nvSpPr>
+              <p:cNvPr id="66" name="Ellipse 65"/>
+              <p:cNvSpPr/>
+              <p:nvPr/>
+            </p:nvSpPr>
+            <p:spPr>
+              <a:xfrm flipH="1" flipV="1">
+                <a:off x="2617946" y="2296628"/>
+                <a:ext cx="142876" cy="142876"/>
+              </a:xfrm>
+              <a:prstGeom prst="ellipse">
+                <a:avLst/>
+              </a:prstGeom>
+              <a:solidFill>
+                <a:schemeClr val="tx1"/>
+              </a:solidFill>
+              <a:ln>
+                <a:noFill/>
+              </a:ln>
+            </p:spPr>
+            <p:style>
+              <a:lnRef idx="2">
+                <a:schemeClr val="accent1">
+                  <a:shade val="50000"/>
+                </a:schemeClr>
+              </a:lnRef>
+              <a:fillRef idx="1">
+                <a:schemeClr val="accent1"/>
+              </a:fillRef>
+              <a:effectRef idx="0">
+                <a:schemeClr val="accent1"/>
+              </a:effectRef>
+              <a:fontRef idx="minor">
+                <a:schemeClr val="lt1"/>
+              </a:fontRef>
+            </p:style>
+            <p:txBody>
+              <a:bodyPr rtlCol="0" anchor="ctr"/>
+              <a:lstStyle/>
+              <a:p>
+                <a:pPr algn="ctr"/>
+                <a:endParaRPr lang="de-DE"/>
+              </a:p>
+            </p:txBody>
+          </p:sp>
+          <p:sp>
+            <p:nvSpPr>
+              <p:cNvPr id="67" name="Ellipse 66"/>
+              <p:cNvSpPr/>
+              <p:nvPr/>
+            </p:nvSpPr>
+            <p:spPr>
+              <a:xfrm flipH="1" flipV="1">
+                <a:off x="3230789" y="1956160"/>
+                <a:ext cx="142876" cy="142876"/>
+              </a:xfrm>
+              <a:prstGeom prst="ellipse">
+                <a:avLst/>
+              </a:prstGeom>
+              <a:solidFill>
+                <a:schemeClr val="tx1"/>
+              </a:solidFill>
+              <a:ln>
+                <a:noFill/>
+              </a:ln>
+            </p:spPr>
+            <p:style>
+              <a:lnRef idx="2">
+                <a:schemeClr val="accent1">
+                  <a:shade val="50000"/>
+                </a:schemeClr>
+              </a:lnRef>
+              <a:fillRef idx="1">
+                <a:schemeClr val="accent1"/>
+              </a:fillRef>
+              <a:effectRef idx="0">
+                <a:schemeClr val="accent1"/>
+              </a:effectRef>
+              <a:fontRef idx="minor">
+                <a:schemeClr val="lt1"/>
+              </a:fontRef>
+            </p:style>
+            <p:txBody>
+              <a:bodyPr rtlCol="0" anchor="ctr"/>
+              <a:lstStyle/>
+              <a:p>
+                <a:pPr algn="ctr"/>
+                <a:endParaRPr lang="de-DE"/>
+              </a:p>
+            </p:txBody>
+          </p:sp>
+          <p:sp>
+            <p:nvSpPr>
+              <p:cNvPr id="68" name="Ellipse 67"/>
+              <p:cNvSpPr/>
+              <p:nvPr/>
+            </p:nvSpPr>
+            <p:spPr>
+              <a:xfrm flipH="1" flipV="1">
+                <a:off x="2608219" y="1605964"/>
+                <a:ext cx="142876" cy="142876"/>
+              </a:xfrm>
+              <a:prstGeom prst="ellipse">
+                <a:avLst/>
+              </a:prstGeom>
+              <a:solidFill>
+                <a:schemeClr val="tx1"/>
+              </a:solidFill>
+              <a:ln>
+                <a:noFill/>
+              </a:ln>
+            </p:spPr>
+            <p:style>
+              <a:lnRef idx="2">
+                <a:schemeClr val="accent1">
+                  <a:shade val="50000"/>
+                </a:schemeClr>
+              </a:lnRef>
+              <a:fillRef idx="1">
+                <a:schemeClr val="accent1"/>
+              </a:fillRef>
+              <a:effectRef idx="0">
+                <a:schemeClr val="accent1"/>
+              </a:effectRef>
+              <a:fontRef idx="minor">
+                <a:schemeClr val="lt1"/>
+              </a:fontRef>
+            </p:style>
+            <p:txBody>
+              <a:bodyPr rtlCol="0" anchor="ctr"/>
+              <a:lstStyle/>
+              <a:p>
+                <a:pPr algn="ctr"/>
+                <a:endParaRPr lang="de-DE"/>
+              </a:p>
+            </p:txBody>
+          </p:sp>
+          <p:cxnSp>
+            <p:nvCxnSpPr>
+              <p:cNvPr id="69" name="Gerade Verbindung 68"/>
+              <p:cNvCxnSpPr/>
+              <p:nvPr/>
+            </p:nvCxnSpPr>
+            <p:spPr>
+              <a:xfrm rot="5400000" flipH="1" flipV="1">
+                <a:off x="2461097" y="1527244"/>
+                <a:ext cx="1070045" cy="642026"/>
+              </a:xfrm>
+              <a:prstGeom prst="line">
+                <a:avLst/>
+              </a:prstGeom>
+              <a:ln w="19050">
+                <a:solidFill>
+                  <a:schemeClr val="tx1"/>
+                </a:solidFill>
+              </a:ln>
+            </p:spPr>
+            <p:style>
+              <a:lnRef idx="1">
+                <a:schemeClr val="accent1"/>
+              </a:lnRef>
+              <a:fillRef idx="0">
+                <a:schemeClr val="accent1"/>
+              </a:fillRef>
+              <a:effectRef idx="0">
+                <a:schemeClr val="accent1"/>
+              </a:effectRef>
+              <a:fontRef idx="minor">
+                <a:schemeClr val="tx1"/>
+              </a:fontRef>
+            </p:style>
+          </p:cxnSp>
+        </p:grpSp>
+        <p:grpSp>
+          <p:nvGrpSpPr>
+            <p:cNvPr id="70" name="Gruppieren 69"/>
+            <p:cNvGrpSpPr/>
+            <p:nvPr/>
+          </p:nvGrpSpPr>
+          <p:grpSpPr>
+            <a:xfrm>
+              <a:off x="4232127" y="2820419"/>
+              <a:ext cx="857256" cy="1193463"/>
+              <a:chOff x="2571736" y="1246041"/>
+              <a:chExt cx="857256" cy="1193463"/>
+            </a:xfrm>
+          </p:grpSpPr>
+          <p:sp>
+            <p:nvSpPr>
+              <p:cNvPr id="71" name="Rechteck 70"/>
+              <p:cNvSpPr/>
+              <p:nvPr/>
+            </p:nvSpPr>
+            <p:spPr>
+              <a:xfrm>
+                <a:off x="2571736" y="1428736"/>
+                <a:ext cx="857256" cy="857256"/>
+              </a:xfrm>
+              <a:prstGeom prst="rect">
+                <a:avLst/>
+              </a:prstGeom>
+              <a:noFill/>
+              <a:ln>
+                <a:solidFill>
+                  <a:schemeClr val="tx1"/>
+                </a:solidFill>
+                <a:prstDash val="solid"/>
+              </a:ln>
+              <a:scene3d>
+                <a:camera prst="isometricRightUp"/>
+                <a:lightRig rig="threePt" dir="t"/>
+              </a:scene3d>
+            </p:spPr>
+            <p:style>
+              <a:lnRef idx="2">
+                <a:schemeClr val="accent1">
+                  <a:shade val="50000"/>
+                </a:schemeClr>
+              </a:lnRef>
+              <a:fillRef idx="1">
+                <a:schemeClr val="accent1"/>
+              </a:fillRef>
+              <a:effectRef idx="0">
+                <a:schemeClr val="accent1"/>
+              </a:effectRef>
+              <a:fontRef idx="minor">
+                <a:schemeClr val="lt1"/>
+              </a:fontRef>
+            </p:style>
+            <p:txBody>
+              <a:bodyPr rtlCol="0" anchor="ctr"/>
+              <a:lstStyle/>
+              <a:p>
+                <a:pPr algn="ctr"/>
+                <a:endParaRPr lang="de-DE"/>
+              </a:p>
+            </p:txBody>
+          </p:sp>
+          <p:sp>
+            <p:nvSpPr>
+              <p:cNvPr id="72" name="Ellipse 71"/>
+              <p:cNvSpPr/>
+              <p:nvPr/>
+            </p:nvSpPr>
+            <p:spPr>
+              <a:xfrm flipH="1" flipV="1">
+                <a:off x="3221061" y="1246041"/>
+                <a:ext cx="142876" cy="142876"/>
+              </a:xfrm>
+              <a:prstGeom prst="ellipse">
+                <a:avLst/>
+              </a:prstGeom>
+              <a:solidFill>
+                <a:schemeClr val="tx1"/>
+              </a:solidFill>
+              <a:ln>
+                <a:noFill/>
+              </a:ln>
+            </p:spPr>
+            <p:style>
+              <a:lnRef idx="2">
+                <a:schemeClr val="accent1">
+                  <a:shade val="50000"/>
+                </a:schemeClr>
+              </a:lnRef>
+              <a:fillRef idx="1">
+                <a:schemeClr val="accent1"/>
+              </a:fillRef>
+              <a:effectRef idx="0">
+                <a:schemeClr val="accent1"/>
+              </a:effectRef>
+              <a:fontRef idx="minor">
+                <a:schemeClr val="lt1"/>
+              </a:fontRef>
+            </p:style>
+            <p:txBody>
+              <a:bodyPr rtlCol="0" anchor="ctr"/>
+              <a:lstStyle/>
+              <a:p>
+                <a:pPr algn="ctr"/>
+                <a:endParaRPr lang="de-DE"/>
+              </a:p>
+            </p:txBody>
+          </p:sp>
+          <p:sp>
+            <p:nvSpPr>
+              <p:cNvPr id="73" name="Ellipse 72"/>
+              <p:cNvSpPr/>
+              <p:nvPr/>
+            </p:nvSpPr>
+            <p:spPr>
+              <a:xfrm flipH="1" flipV="1">
+                <a:off x="2617946" y="2296628"/>
+                <a:ext cx="142876" cy="142876"/>
+              </a:xfrm>
+              <a:prstGeom prst="ellipse">
+                <a:avLst/>
+              </a:prstGeom>
+              <a:solidFill>
+                <a:schemeClr val="tx1"/>
+              </a:solidFill>
+              <a:ln>
+                <a:noFill/>
+              </a:ln>
+            </p:spPr>
+            <p:style>
+              <a:lnRef idx="2">
+                <a:schemeClr val="accent1">
+                  <a:shade val="50000"/>
+                </a:schemeClr>
+              </a:lnRef>
+              <a:fillRef idx="1">
+                <a:schemeClr val="accent1"/>
+              </a:fillRef>
+              <a:effectRef idx="0">
+                <a:schemeClr val="accent1"/>
+              </a:effectRef>
+              <a:fontRef idx="minor">
+                <a:schemeClr val="lt1"/>
+              </a:fontRef>
+            </p:style>
+            <p:txBody>
+              <a:bodyPr rtlCol="0" anchor="ctr"/>
+              <a:lstStyle/>
+              <a:p>
+                <a:pPr algn="ctr"/>
+                <a:endParaRPr lang="de-DE"/>
+              </a:p>
+            </p:txBody>
+          </p:sp>
+          <p:sp>
+            <p:nvSpPr>
+              <p:cNvPr id="74" name="Ellipse 73"/>
+              <p:cNvSpPr/>
+              <p:nvPr/>
+            </p:nvSpPr>
+            <p:spPr>
+              <a:xfrm flipH="1" flipV="1">
+                <a:off x="3230789" y="1956160"/>
+                <a:ext cx="142876" cy="142876"/>
+              </a:xfrm>
+              <a:prstGeom prst="ellipse">
+                <a:avLst/>
+              </a:prstGeom>
+              <a:solidFill>
+                <a:schemeClr val="tx1"/>
+              </a:solidFill>
+              <a:ln>
+                <a:noFill/>
+              </a:ln>
+            </p:spPr>
+            <p:style>
+              <a:lnRef idx="2">
+                <a:schemeClr val="accent1">
+                  <a:shade val="50000"/>
+                </a:schemeClr>
+              </a:lnRef>
+              <a:fillRef idx="1">
+                <a:schemeClr val="accent1"/>
+              </a:fillRef>
+              <a:effectRef idx="0">
+                <a:schemeClr val="accent1"/>
+              </a:effectRef>
+              <a:fontRef idx="minor">
+                <a:schemeClr val="lt1"/>
+              </a:fontRef>
+            </p:style>
+            <p:txBody>
+              <a:bodyPr rtlCol="0" anchor="ctr"/>
+              <a:lstStyle/>
+              <a:p>
+                <a:pPr algn="ctr"/>
+                <a:endParaRPr lang="de-DE"/>
+              </a:p>
+            </p:txBody>
+          </p:sp>
+          <p:sp>
+            <p:nvSpPr>
+              <p:cNvPr id="75" name="Ellipse 74"/>
+              <p:cNvSpPr/>
+              <p:nvPr/>
+            </p:nvSpPr>
+            <p:spPr>
+              <a:xfrm flipH="1" flipV="1">
+                <a:off x="2608219" y="1605964"/>
+                <a:ext cx="142876" cy="142876"/>
+              </a:xfrm>
+              <a:prstGeom prst="ellipse">
+                <a:avLst/>
+              </a:prstGeom>
+              <a:solidFill>
+                <a:schemeClr val="tx1"/>
+              </a:solidFill>
+              <a:ln>
+                <a:noFill/>
+              </a:ln>
+            </p:spPr>
+            <p:style>
+              <a:lnRef idx="2">
+                <a:schemeClr val="accent1">
+                  <a:shade val="50000"/>
+                </a:schemeClr>
+              </a:lnRef>
+              <a:fillRef idx="1">
+                <a:schemeClr val="accent1"/>
+              </a:fillRef>
+              <a:effectRef idx="0">
+                <a:schemeClr val="accent1"/>
+              </a:effectRef>
+              <a:fontRef idx="minor">
+                <a:schemeClr val="lt1"/>
+              </a:fontRef>
+            </p:style>
+            <p:txBody>
+              <a:bodyPr rtlCol="0" anchor="ctr"/>
+              <a:lstStyle/>
+              <a:p>
+                <a:pPr algn="ctr"/>
+                <a:endParaRPr lang="de-DE"/>
+              </a:p>
+            </p:txBody>
+          </p:sp>
+          <p:cxnSp>
+            <p:nvCxnSpPr>
+              <p:cNvPr id="76" name="Gerade Verbindung 75"/>
+              <p:cNvCxnSpPr/>
+              <p:nvPr/>
+            </p:nvCxnSpPr>
+            <p:spPr>
+              <a:xfrm rot="5400000" flipH="1" flipV="1">
+                <a:off x="2461097" y="1527244"/>
+                <a:ext cx="1070045" cy="642026"/>
+              </a:xfrm>
+              <a:prstGeom prst="line">
+                <a:avLst/>
+              </a:prstGeom>
+              <a:ln w="19050">
+                <a:solidFill>
+                  <a:schemeClr val="tx1"/>
+                </a:solidFill>
+              </a:ln>
+            </p:spPr>
+            <p:style>
+              <a:lnRef idx="1">
+                <a:schemeClr val="accent1"/>
+              </a:lnRef>
+              <a:fillRef idx="0">
+                <a:schemeClr val="accent1"/>
+              </a:fillRef>
+              <a:effectRef idx="0">
+                <a:schemeClr val="accent1"/>
+              </a:effectRef>
+              <a:fontRef idx="minor">
+                <a:schemeClr val="tx1"/>
+              </a:fontRef>
+            </p:style>
+          </p:cxnSp>
+        </p:grpSp>
+        <p:grpSp>
+          <p:nvGrpSpPr>
+            <p:cNvPr id="77" name="Gruppieren 76"/>
+            <p:cNvGrpSpPr/>
+            <p:nvPr/>
+          </p:nvGrpSpPr>
+          <p:grpSpPr>
+            <a:xfrm>
+              <a:off x="5236214" y="4733720"/>
+              <a:ext cx="857256" cy="1193463"/>
+              <a:chOff x="2571736" y="1246041"/>
+              <a:chExt cx="857256" cy="1193463"/>
+            </a:xfrm>
+          </p:grpSpPr>
+          <p:sp>
+            <p:nvSpPr>
+              <p:cNvPr id="78" name="Rechteck 77"/>
+              <p:cNvSpPr/>
+              <p:nvPr/>
+            </p:nvSpPr>
+            <p:spPr>
+              <a:xfrm>
+                <a:off x="2571736" y="1428736"/>
+                <a:ext cx="857256" cy="857256"/>
+              </a:xfrm>
+              <a:prstGeom prst="rect">
+                <a:avLst/>
+              </a:prstGeom>
+              <a:noFill/>
+              <a:ln>
+                <a:solidFill>
+                  <a:schemeClr val="tx1"/>
+                </a:solidFill>
+                <a:prstDash val="solid"/>
+              </a:ln>
+              <a:scene3d>
+                <a:camera prst="isometricRightUp"/>
+                <a:lightRig rig="threePt" dir="t"/>
+              </a:scene3d>
+            </p:spPr>
+            <p:style>
+              <a:lnRef idx="2">
+                <a:schemeClr val="accent1">
+                  <a:shade val="50000"/>
+                </a:schemeClr>
+              </a:lnRef>
+              <a:fillRef idx="1">
+                <a:schemeClr val="accent1"/>
+              </a:fillRef>
+              <a:effectRef idx="0">
+                <a:schemeClr val="accent1"/>
+              </a:effectRef>
+              <a:fontRef idx="minor">
+                <a:schemeClr val="lt1"/>
+              </a:fontRef>
+            </p:style>
+            <p:txBody>
+              <a:bodyPr rtlCol="0" anchor="ctr"/>
+              <a:lstStyle/>
+              <a:p>
+                <a:pPr algn="ctr"/>
+                <a:endParaRPr lang="de-DE"/>
+              </a:p>
+            </p:txBody>
+          </p:sp>
+          <p:sp>
+            <p:nvSpPr>
+              <p:cNvPr id="79" name="Ellipse 78"/>
+              <p:cNvSpPr/>
+              <p:nvPr/>
+            </p:nvSpPr>
+            <p:spPr>
+              <a:xfrm flipH="1" flipV="1">
+                <a:off x="3221061" y="1246041"/>
+                <a:ext cx="142876" cy="142876"/>
+              </a:xfrm>
+              <a:prstGeom prst="ellipse">
+                <a:avLst/>
+              </a:prstGeom>
+              <a:solidFill>
+                <a:schemeClr val="tx1"/>
+              </a:solidFill>
+              <a:ln>
+                <a:noFill/>
+              </a:ln>
+            </p:spPr>
+            <p:style>
+              <a:lnRef idx="2">
+                <a:schemeClr val="accent1">
+                  <a:shade val="50000"/>
+                </a:schemeClr>
+              </a:lnRef>
+              <a:fillRef idx="1">
+                <a:schemeClr val="accent1"/>
+              </a:fillRef>
+              <a:effectRef idx="0">
+                <a:schemeClr val="accent1"/>
+              </a:effectRef>
+              <a:fontRef idx="minor">
+                <a:schemeClr val="lt1"/>
+              </a:fontRef>
+            </p:style>
+            <p:txBody>
+              <a:bodyPr rtlCol="0" anchor="ctr"/>
+              <a:lstStyle/>
+              <a:p>
+                <a:pPr algn="ctr"/>
+                <a:endParaRPr lang="de-DE"/>
+              </a:p>
+            </p:txBody>
+          </p:sp>
+          <p:sp>
+            <p:nvSpPr>
+              <p:cNvPr id="80" name="Ellipse 79"/>
+              <p:cNvSpPr/>
+              <p:nvPr/>
+            </p:nvSpPr>
+            <p:spPr>
+              <a:xfrm flipH="1" flipV="1">
+                <a:off x="2617946" y="2296628"/>
+                <a:ext cx="142876" cy="142876"/>
+              </a:xfrm>
+              <a:prstGeom prst="ellipse">
+                <a:avLst/>
+              </a:prstGeom>
+              <a:solidFill>
+                <a:schemeClr val="tx1"/>
+              </a:solidFill>
+              <a:ln>
+                <a:noFill/>
+              </a:ln>
+            </p:spPr>
+            <p:style>
+              <a:lnRef idx="2">
+                <a:schemeClr val="accent1">
+                  <a:shade val="50000"/>
+                </a:schemeClr>
+              </a:lnRef>
+              <a:fillRef idx="1">
+                <a:schemeClr val="accent1"/>
+              </a:fillRef>
+              <a:effectRef idx="0">
+                <a:schemeClr val="accent1"/>
+              </a:effectRef>
+              <a:fontRef idx="minor">
+                <a:schemeClr val="lt1"/>
+              </a:fontRef>
+            </p:style>
+            <p:txBody>
+              <a:bodyPr rtlCol="0" anchor="ctr"/>
+              <a:lstStyle/>
+              <a:p>
+                <a:pPr algn="ctr"/>
+                <a:endParaRPr lang="de-DE"/>
+              </a:p>
+            </p:txBody>
+          </p:sp>
+          <p:sp>
+            <p:nvSpPr>
+              <p:cNvPr id="81" name="Ellipse 80"/>
+              <p:cNvSpPr/>
+              <p:nvPr/>
+            </p:nvSpPr>
+            <p:spPr>
+              <a:xfrm flipH="1" flipV="1">
+                <a:off x="3230789" y="1956160"/>
+                <a:ext cx="142876" cy="142876"/>
+              </a:xfrm>
+              <a:prstGeom prst="ellipse">
+                <a:avLst/>
+              </a:prstGeom>
+              <a:solidFill>
+                <a:schemeClr val="tx1"/>
+              </a:solidFill>
+              <a:ln>
+                <a:noFill/>
+              </a:ln>
+            </p:spPr>
+            <p:style>
+              <a:lnRef idx="2">
+                <a:schemeClr val="accent1">
+                  <a:shade val="50000"/>
+                </a:schemeClr>
+              </a:lnRef>
+              <a:fillRef idx="1">
+                <a:schemeClr val="accent1"/>
+              </a:fillRef>
+              <a:effectRef idx="0">
+                <a:schemeClr val="accent1"/>
+              </a:effectRef>
+              <a:fontRef idx="minor">
+                <a:schemeClr val="lt1"/>
+              </a:fontRef>
+            </p:style>
+            <p:txBody>
+              <a:bodyPr rtlCol="0" anchor="ctr"/>
+              <a:lstStyle/>
+              <a:p>
+                <a:pPr algn="ctr"/>
+                <a:endParaRPr lang="de-DE"/>
+              </a:p>
+            </p:txBody>
+          </p:sp>
+          <p:sp>
+            <p:nvSpPr>
+              <p:cNvPr id="82" name="Ellipse 81"/>
+              <p:cNvSpPr/>
+              <p:nvPr/>
+            </p:nvSpPr>
+            <p:spPr>
+              <a:xfrm flipH="1" flipV="1">
+                <a:off x="2608219" y="1605964"/>
+                <a:ext cx="142876" cy="142876"/>
+              </a:xfrm>
+              <a:prstGeom prst="ellipse">
+                <a:avLst/>
+              </a:prstGeom>
+              <a:solidFill>
+                <a:schemeClr val="tx1"/>
+              </a:solidFill>
+              <a:ln>
+                <a:noFill/>
+              </a:ln>
+            </p:spPr>
+            <p:style>
+              <a:lnRef idx="2">
+                <a:schemeClr val="accent1">
+                  <a:shade val="50000"/>
+                </a:schemeClr>
+              </a:lnRef>
+              <a:fillRef idx="1">
+                <a:schemeClr val="accent1"/>
+              </a:fillRef>
+              <a:effectRef idx="0">
+                <a:schemeClr val="accent1"/>
+              </a:effectRef>
+              <a:fontRef idx="minor">
+                <a:schemeClr val="lt1"/>
+              </a:fontRef>
+            </p:style>
+            <p:txBody>
+              <a:bodyPr rtlCol="0" anchor="ctr"/>
+              <a:lstStyle/>
+              <a:p>
+                <a:pPr algn="ctr"/>
+                <a:endParaRPr lang="de-DE"/>
+              </a:p>
+            </p:txBody>
+          </p:sp>
+          <p:cxnSp>
+            <p:nvCxnSpPr>
+              <p:cNvPr id="83" name="Gerade Verbindung 82"/>
+              <p:cNvCxnSpPr/>
+              <p:nvPr/>
+            </p:nvCxnSpPr>
+            <p:spPr>
+              <a:xfrm rot="5400000" flipH="1" flipV="1">
+                <a:off x="2461097" y="1527244"/>
+                <a:ext cx="1070045" cy="642026"/>
+              </a:xfrm>
+              <a:prstGeom prst="line">
+                <a:avLst/>
+              </a:prstGeom>
+              <a:ln w="19050">
+                <a:solidFill>
+                  <a:schemeClr val="tx1"/>
+                </a:solidFill>
+              </a:ln>
+            </p:spPr>
+            <p:style>
+              <a:lnRef idx="1">
+                <a:schemeClr val="accent1"/>
+              </a:lnRef>
+              <a:fillRef idx="0">
+                <a:schemeClr val="accent1"/>
+              </a:fillRef>
+              <a:effectRef idx="0">
+                <a:schemeClr val="accent1"/>
+              </a:effectRef>
+              <a:fontRef idx="minor">
+                <a:schemeClr val="tx1"/>
+              </a:fontRef>
+            </p:style>
+          </p:cxnSp>
+        </p:grpSp>
+        <p:grpSp>
+          <p:nvGrpSpPr>
+            <p:cNvPr id="84" name="Gruppieren 83"/>
+            <p:cNvGrpSpPr/>
+            <p:nvPr/>
+          </p:nvGrpSpPr>
+          <p:grpSpPr>
+            <a:xfrm>
+              <a:off x="2441032" y="4746792"/>
+              <a:ext cx="857256" cy="1193463"/>
+              <a:chOff x="2571736" y="1246041"/>
+              <a:chExt cx="857256" cy="1193463"/>
+            </a:xfrm>
+          </p:grpSpPr>
+          <p:sp>
+            <p:nvSpPr>
+              <p:cNvPr id="85" name="Rechteck 84"/>
+              <p:cNvSpPr/>
+              <p:nvPr/>
+            </p:nvSpPr>
+            <p:spPr>
+              <a:xfrm>
+                <a:off x="2571736" y="1428736"/>
+                <a:ext cx="857256" cy="857256"/>
+              </a:xfrm>
+              <a:prstGeom prst="rect">
+                <a:avLst/>
+              </a:prstGeom>
+              <a:noFill/>
+              <a:ln>
+                <a:solidFill>
+                  <a:schemeClr val="tx1"/>
+                </a:solidFill>
+                <a:prstDash val="solid"/>
+              </a:ln>
+              <a:scene3d>
+                <a:camera prst="isometricRightUp"/>
+                <a:lightRig rig="threePt" dir="t"/>
+              </a:scene3d>
+            </p:spPr>
+            <p:style>
+              <a:lnRef idx="2">
+                <a:schemeClr val="accent1">
+                  <a:shade val="50000"/>
+                </a:schemeClr>
+              </a:lnRef>
+              <a:fillRef idx="1">
+                <a:schemeClr val="accent1"/>
+              </a:fillRef>
+              <a:effectRef idx="0">
+                <a:schemeClr val="accent1"/>
+              </a:effectRef>
+              <a:fontRef idx="minor">
+                <a:schemeClr val="lt1"/>
+              </a:fontRef>
+            </p:style>
+            <p:txBody>
+              <a:bodyPr rtlCol="0" anchor="ctr"/>
+              <a:lstStyle/>
+              <a:p>
+                <a:pPr algn="ctr"/>
+                <a:endParaRPr lang="de-DE"/>
+              </a:p>
+            </p:txBody>
+          </p:sp>
+          <p:sp>
+            <p:nvSpPr>
+              <p:cNvPr id="86" name="Ellipse 85"/>
+              <p:cNvSpPr/>
+              <p:nvPr/>
+            </p:nvSpPr>
+            <p:spPr>
+              <a:xfrm flipH="1" flipV="1">
+                <a:off x="3221061" y="1246041"/>
+                <a:ext cx="142876" cy="142876"/>
+              </a:xfrm>
+              <a:prstGeom prst="ellipse">
+                <a:avLst/>
+              </a:prstGeom>
+              <a:solidFill>
+                <a:schemeClr val="tx1"/>
+              </a:solidFill>
+              <a:ln>
+                <a:noFill/>
+              </a:ln>
+            </p:spPr>
+            <p:style>
+              <a:lnRef idx="2">
+                <a:schemeClr val="accent1">
+                  <a:shade val="50000"/>
+                </a:schemeClr>
+              </a:lnRef>
+              <a:fillRef idx="1">
+                <a:schemeClr val="accent1"/>
+              </a:fillRef>
+              <a:effectRef idx="0">
+                <a:schemeClr val="accent1"/>
+              </a:effectRef>
+              <a:fontRef idx="minor">
+                <a:schemeClr val="lt1"/>
+              </a:fontRef>
+            </p:style>
+            <p:txBody>
+              <a:bodyPr rtlCol="0" anchor="ctr"/>
+              <a:lstStyle/>
+              <a:p>
+                <a:pPr algn="ctr"/>
+                <a:endParaRPr lang="de-DE"/>
+              </a:p>
+            </p:txBody>
+          </p:sp>
+          <p:sp>
+            <p:nvSpPr>
+              <p:cNvPr id="87" name="Ellipse 86"/>
+              <p:cNvSpPr/>
+              <p:nvPr/>
+            </p:nvSpPr>
+            <p:spPr>
+              <a:xfrm flipH="1" flipV="1">
+                <a:off x="2617946" y="2296628"/>
+                <a:ext cx="142876" cy="142876"/>
+              </a:xfrm>
+              <a:prstGeom prst="ellipse">
+                <a:avLst/>
+              </a:prstGeom>
+              <a:solidFill>
+                <a:schemeClr val="tx1"/>
+              </a:solidFill>
+              <a:ln>
+                <a:noFill/>
+              </a:ln>
+            </p:spPr>
+            <p:style>
+              <a:lnRef idx="2">
+                <a:schemeClr val="accent1">
+                  <a:shade val="50000"/>
+                </a:schemeClr>
+              </a:lnRef>
+              <a:fillRef idx="1">
+                <a:schemeClr val="accent1"/>
+              </a:fillRef>
+              <a:effectRef idx="0">
+                <a:schemeClr val="accent1"/>
+              </a:effectRef>
+              <a:fontRef idx="minor">
+                <a:schemeClr val="lt1"/>
+              </a:fontRef>
+            </p:style>
+            <p:txBody>
+              <a:bodyPr rtlCol="0" anchor="ctr"/>
+              <a:lstStyle/>
+              <a:p>
+                <a:pPr algn="ctr"/>
+                <a:endParaRPr lang="de-DE"/>
+              </a:p>
+            </p:txBody>
+          </p:sp>
+          <p:sp>
+            <p:nvSpPr>
+              <p:cNvPr id="88" name="Ellipse 87"/>
+              <p:cNvSpPr/>
+              <p:nvPr/>
+            </p:nvSpPr>
+            <p:spPr>
+              <a:xfrm flipH="1" flipV="1">
+                <a:off x="3230789" y="1956160"/>
+                <a:ext cx="142876" cy="142876"/>
+              </a:xfrm>
+              <a:prstGeom prst="ellipse">
+                <a:avLst/>
+              </a:prstGeom>
+              <a:solidFill>
+                <a:schemeClr val="tx1"/>
+              </a:solidFill>
+              <a:ln>
+                <a:noFill/>
+              </a:ln>
+            </p:spPr>
+            <p:style>
+              <a:lnRef idx="2">
+                <a:schemeClr val="accent1">
+                  <a:shade val="50000"/>
+                </a:schemeClr>
+              </a:lnRef>
+              <a:fillRef idx="1">
+                <a:schemeClr val="accent1"/>
+              </a:fillRef>
+              <a:effectRef idx="0">
+                <a:schemeClr val="accent1"/>
+              </a:effectRef>
+              <a:fontRef idx="minor">
+                <a:schemeClr val="lt1"/>
+              </a:fontRef>
+            </p:style>
+            <p:txBody>
+              <a:bodyPr rtlCol="0" anchor="ctr"/>
+              <a:lstStyle/>
+              <a:p>
+                <a:pPr algn="ctr"/>
+                <a:endParaRPr lang="de-DE"/>
+              </a:p>
+            </p:txBody>
+          </p:sp>
+          <p:sp>
+            <p:nvSpPr>
+              <p:cNvPr id="89" name="Ellipse 88"/>
+              <p:cNvSpPr/>
+              <p:nvPr/>
+            </p:nvSpPr>
+            <p:spPr>
+              <a:xfrm flipH="1" flipV="1">
+                <a:off x="2608219" y="1605964"/>
+                <a:ext cx="142876" cy="142876"/>
+              </a:xfrm>
+              <a:prstGeom prst="ellipse">
+                <a:avLst/>
+              </a:prstGeom>
+              <a:solidFill>
+                <a:schemeClr val="tx1"/>
+              </a:solidFill>
+              <a:ln>
+                <a:noFill/>
+              </a:ln>
+            </p:spPr>
+            <p:style>
+              <a:lnRef idx="2">
+                <a:schemeClr val="accent1">
+                  <a:shade val="50000"/>
+                </a:schemeClr>
+              </a:lnRef>
+              <a:fillRef idx="1">
+                <a:schemeClr val="accent1"/>
+              </a:fillRef>
+              <a:effectRef idx="0">
+                <a:schemeClr val="accent1"/>
+              </a:effectRef>
+              <a:fontRef idx="minor">
+                <a:schemeClr val="lt1"/>
+              </a:fontRef>
+            </p:style>
+            <p:txBody>
+              <a:bodyPr rtlCol="0" anchor="ctr"/>
+              <a:lstStyle/>
+              <a:p>
+                <a:pPr algn="ctr"/>
+                <a:endParaRPr lang="de-DE"/>
+              </a:p>
+            </p:txBody>
+          </p:sp>
+          <p:cxnSp>
+            <p:nvCxnSpPr>
+              <p:cNvPr id="90" name="Gerade Verbindung 89"/>
+              <p:cNvCxnSpPr/>
+              <p:nvPr/>
+            </p:nvCxnSpPr>
+            <p:spPr>
+              <a:xfrm rot="5400000" flipH="1" flipV="1">
+                <a:off x="2461097" y="1527244"/>
+                <a:ext cx="1070045" cy="642026"/>
+              </a:xfrm>
+              <a:prstGeom prst="line">
+                <a:avLst/>
+              </a:prstGeom>
+              <a:ln w="19050">
+                <a:solidFill>
+                  <a:schemeClr val="tx1"/>
+                </a:solidFill>
+              </a:ln>
+            </p:spPr>
+            <p:style>
+              <a:lnRef idx="1">
+                <a:schemeClr val="accent1"/>
+              </a:lnRef>
+              <a:fillRef idx="0">
+                <a:schemeClr val="accent1"/>
+              </a:fillRef>
+              <a:effectRef idx="0">
+                <a:schemeClr val="accent1"/>
+              </a:effectRef>
+              <a:fontRef idx="minor">
+                <a:schemeClr val="tx1"/>
+              </a:fontRef>
+            </p:style>
+          </p:cxnSp>
+        </p:grpSp>
+        <p:grpSp>
+          <p:nvGrpSpPr>
+            <p:cNvPr id="91" name="Gruppieren 90"/>
+            <p:cNvGrpSpPr/>
+            <p:nvPr/>
+          </p:nvGrpSpPr>
+          <p:grpSpPr>
+            <a:xfrm>
+              <a:off x="1428728" y="3357562"/>
+              <a:ext cx="857256" cy="1193463"/>
+              <a:chOff x="2571736" y="1246041"/>
+              <a:chExt cx="857256" cy="1193463"/>
+            </a:xfrm>
+          </p:grpSpPr>
+          <p:sp>
+            <p:nvSpPr>
+              <p:cNvPr id="92" name="Rechteck 91"/>
+              <p:cNvSpPr/>
+              <p:nvPr/>
+            </p:nvSpPr>
+            <p:spPr>
+              <a:xfrm>
+                <a:off x="2571736" y="1428736"/>
+                <a:ext cx="857256" cy="857256"/>
+              </a:xfrm>
+              <a:prstGeom prst="rect">
+                <a:avLst/>
+              </a:prstGeom>
+              <a:noFill/>
+              <a:ln>
+                <a:solidFill>
+                  <a:schemeClr val="tx1"/>
+                </a:solidFill>
+                <a:prstDash val="solid"/>
+              </a:ln>
+              <a:scene3d>
+                <a:camera prst="isometricRightUp"/>
+                <a:lightRig rig="threePt" dir="t"/>
+              </a:scene3d>
+            </p:spPr>
+            <p:style>
+              <a:lnRef idx="2">
+                <a:schemeClr val="accent1">
+                  <a:shade val="50000"/>
+                </a:schemeClr>
+              </a:lnRef>
+              <a:fillRef idx="1">
+                <a:schemeClr val="accent1"/>
+              </a:fillRef>
+              <a:effectRef idx="0">
+                <a:schemeClr val="accent1"/>
+              </a:effectRef>
+              <a:fontRef idx="minor">
+                <a:schemeClr val="lt1"/>
+              </a:fontRef>
+            </p:style>
+            <p:txBody>
+              <a:bodyPr rtlCol="0" anchor="ctr"/>
+              <a:lstStyle/>
+              <a:p>
+                <a:pPr algn="ctr"/>
+                <a:endParaRPr lang="de-DE"/>
+              </a:p>
+            </p:txBody>
+          </p:sp>
+          <p:sp>
+            <p:nvSpPr>
+              <p:cNvPr id="93" name="Ellipse 92"/>
+              <p:cNvSpPr/>
+              <p:nvPr/>
+            </p:nvSpPr>
+            <p:spPr>
+              <a:xfrm flipH="1" flipV="1">
+                <a:off x="3221061" y="1246041"/>
+                <a:ext cx="142876" cy="142876"/>
+              </a:xfrm>
+              <a:prstGeom prst="ellipse">
+                <a:avLst/>
+              </a:prstGeom>
+              <a:solidFill>
+                <a:schemeClr val="tx1"/>
+              </a:solidFill>
+              <a:ln>
+                <a:noFill/>
+              </a:ln>
+            </p:spPr>
+            <p:style>
+              <a:lnRef idx="2">
+                <a:schemeClr val="accent1">
+                  <a:shade val="50000"/>
+                </a:schemeClr>
+              </a:lnRef>
+              <a:fillRef idx="1">
+                <a:schemeClr val="accent1"/>
+              </a:fillRef>
+              <a:effectRef idx="0">
+                <a:schemeClr val="accent1"/>
+              </a:effectRef>
+              <a:fontRef idx="minor">
+                <a:schemeClr val="lt1"/>
+              </a:fontRef>
+            </p:style>
+            <p:txBody>
+              <a:bodyPr rtlCol="0" anchor="ctr"/>
+              <a:lstStyle/>
+              <a:p>
+                <a:pPr algn="ctr"/>
+                <a:endParaRPr lang="de-DE"/>
+              </a:p>
+            </p:txBody>
+          </p:sp>
+          <p:sp>
+            <p:nvSpPr>
+              <p:cNvPr id="94" name="Ellipse 93"/>
+              <p:cNvSpPr/>
+              <p:nvPr/>
+            </p:nvSpPr>
+            <p:spPr>
+              <a:xfrm flipH="1" flipV="1">
+                <a:off x="2617946" y="2296628"/>
+                <a:ext cx="142876" cy="142876"/>
+              </a:xfrm>
+              <a:prstGeom prst="ellipse">
+                <a:avLst/>
+              </a:prstGeom>
+              <a:solidFill>
+                <a:schemeClr val="tx1"/>
+              </a:solidFill>
+              <a:ln>
+                <a:noFill/>
+              </a:ln>
+            </p:spPr>
+            <p:style>
+              <a:lnRef idx="2">
+                <a:schemeClr val="accent1">
+                  <a:shade val="50000"/>
+                </a:schemeClr>
+              </a:lnRef>
+              <a:fillRef idx="1">
+                <a:schemeClr val="accent1"/>
+              </a:fillRef>
+              <a:effectRef idx="0">
+                <a:schemeClr val="accent1"/>
+              </a:effectRef>
+              <a:fontRef idx="minor">
+                <a:schemeClr val="lt1"/>
+              </a:fontRef>
+            </p:style>
+            <p:txBody>
+              <a:bodyPr rtlCol="0" anchor="ctr"/>
+              <a:lstStyle/>
+              <a:p>
+                <a:pPr algn="ctr"/>
+                <a:endParaRPr lang="de-DE"/>
+              </a:p>
+            </p:txBody>
+          </p:sp>
+          <p:sp>
+            <p:nvSpPr>
+              <p:cNvPr id="95" name="Ellipse 94"/>
+              <p:cNvSpPr/>
+              <p:nvPr/>
+            </p:nvSpPr>
+            <p:spPr>
+              <a:xfrm flipH="1" flipV="1">
+                <a:off x="3230789" y="1956160"/>
+                <a:ext cx="142876" cy="142876"/>
+              </a:xfrm>
+              <a:prstGeom prst="ellipse">
+                <a:avLst/>
+              </a:prstGeom>
+              <a:solidFill>
+                <a:schemeClr val="tx1"/>
+              </a:solidFill>
+              <a:ln>
+                <a:noFill/>
+              </a:ln>
+            </p:spPr>
+            <p:style>
+              <a:lnRef idx="2">
+                <a:schemeClr val="accent1">
+                  <a:shade val="50000"/>
+                </a:schemeClr>
+              </a:lnRef>
+              <a:fillRef idx="1">
+                <a:schemeClr val="accent1"/>
+              </a:fillRef>
+              <a:effectRef idx="0">
+                <a:schemeClr val="accent1"/>
+              </a:effectRef>
+              <a:fontRef idx="minor">
+                <a:schemeClr val="lt1"/>
+              </a:fontRef>
+            </p:style>
+            <p:txBody>
+              <a:bodyPr rtlCol="0" anchor="ctr"/>
+              <a:lstStyle/>
+              <a:p>
+                <a:pPr algn="ctr"/>
+                <a:endParaRPr lang="de-DE"/>
+              </a:p>
+            </p:txBody>
+          </p:sp>
+          <p:sp>
+            <p:nvSpPr>
+              <p:cNvPr id="96" name="Ellipse 95"/>
+              <p:cNvSpPr/>
+              <p:nvPr/>
+            </p:nvSpPr>
+            <p:spPr>
+              <a:xfrm flipH="1" flipV="1">
+                <a:off x="2608219" y="1605964"/>
+                <a:ext cx="142876" cy="142876"/>
+              </a:xfrm>
+              <a:prstGeom prst="ellipse">
+                <a:avLst/>
+              </a:prstGeom>
+              <a:solidFill>
+                <a:schemeClr val="tx1"/>
+              </a:solidFill>
+              <a:ln>
+                <a:noFill/>
+              </a:ln>
+            </p:spPr>
+            <p:style>
+              <a:lnRef idx="2">
+                <a:schemeClr val="accent1">
+                  <a:shade val="50000"/>
+                </a:schemeClr>
+              </a:lnRef>
+              <a:fillRef idx="1">
+                <a:schemeClr val="accent1"/>
+              </a:fillRef>
+              <a:effectRef idx="0">
+                <a:schemeClr val="accent1"/>
+              </a:effectRef>
+              <a:fontRef idx="minor">
+                <a:schemeClr val="lt1"/>
+              </a:fontRef>
+            </p:style>
+            <p:txBody>
+              <a:bodyPr rtlCol="0" anchor="ctr"/>
+              <a:lstStyle/>
+              <a:p>
+                <a:pPr algn="ctr"/>
+                <a:endParaRPr lang="de-DE"/>
+              </a:p>
+            </p:txBody>
+          </p:sp>
+          <p:cxnSp>
+            <p:nvCxnSpPr>
+              <p:cNvPr id="97" name="Gerade Verbindung 96"/>
+              <p:cNvCxnSpPr/>
+              <p:nvPr/>
+            </p:nvCxnSpPr>
+            <p:spPr>
+              <a:xfrm rot="5400000" flipH="1" flipV="1">
+                <a:off x="2461097" y="1527244"/>
+                <a:ext cx="1070045" cy="642026"/>
+              </a:xfrm>
+              <a:prstGeom prst="line">
+                <a:avLst/>
+              </a:prstGeom>
+              <a:ln w="19050">
+                <a:solidFill>
+                  <a:schemeClr val="tx1"/>
+                </a:solidFill>
+              </a:ln>
+            </p:spPr>
+            <p:style>
+              <a:lnRef idx="1">
+                <a:schemeClr val="accent1"/>
+              </a:lnRef>
+              <a:fillRef idx="0">
+                <a:schemeClr val="accent1"/>
+              </a:fillRef>
+              <a:effectRef idx="0">
+                <a:schemeClr val="accent1"/>
+              </a:effectRef>
+              <a:fontRef idx="minor">
+                <a:schemeClr val="tx1"/>
+              </a:fontRef>
+            </p:style>
+          </p:cxnSp>
+        </p:grpSp>
+      </p:grpSp>
+    </p:spTree>
+  </p:cSld>
+  <p:clrMapOvr>
+    <a:masterClrMapping/>
+  </p:clrMapOvr>
+</p:sld>
+</file>
+
+<file path=ppt/slides/slide6.xml><?xml version="1.0" encoding="utf-8"?>
+<p:sld xmlns:a="http://schemas.openxmlformats.org/drawingml/2006/main" xmlns:r="http://schemas.openxmlformats.org/officeDocument/2006/relationships" xmlns:p="http://schemas.openxmlformats.org/presentationml/2006/main">
+  <p:cSld>
+    <p:spTree>
+      <p:nvGrpSpPr>
+        <p:cNvPr id="1" name=""/>
+        <p:cNvGrpSpPr/>
+        <p:nvPr/>
+      </p:nvGrpSpPr>
+      <p:grpSpPr>
+        <a:xfrm>
+          <a:off x="0" y="0"/>
+          <a:ext cx="0" cy="0"/>
+          <a:chOff x="0" y="0"/>
+          <a:chExt cx="0" cy="0"/>
+        </a:xfrm>
+      </p:grpSpPr>
+      <p:grpSp>
+        <p:nvGrpSpPr>
+          <p:cNvPr id="68" name="Gruppieren 67"/>
+          <p:cNvGrpSpPr/>
+          <p:nvPr/>
+        </p:nvGrpSpPr>
+        <p:grpSpPr>
+          <a:xfrm>
+            <a:off x="1214414" y="928670"/>
+            <a:ext cx="5172114" cy="5000660"/>
+            <a:chOff x="1214414" y="928670"/>
+            <a:chExt cx="5172114" cy="5000660"/>
+          </a:xfrm>
+        </p:grpSpPr>
+        <p:sp>
+          <p:nvSpPr>
+            <p:cNvPr id="4" name="Rechteck 3"/>
+            <p:cNvSpPr/>
+            <p:nvPr/>
+          </p:nvSpPr>
+          <p:spPr>
+            <a:xfrm>
+              <a:off x="1214414" y="928670"/>
+              <a:ext cx="5000660" cy="5000660"/>
+            </a:xfrm>
+            <a:prstGeom prst="rect">
+              <a:avLst/>
+            </a:prstGeom>
+            <a:noFill/>
+            <a:ln>
+              <a:solidFill>
+                <a:schemeClr val="tx1"/>
+              </a:solidFill>
+            </a:ln>
+          </p:spPr>
+          <p:style>
+            <a:lnRef idx="2">
+              <a:schemeClr val="accent1">
+                <a:shade val="50000"/>
+              </a:schemeClr>
+            </a:lnRef>
+            <a:fillRef idx="1">
+              <a:schemeClr val="accent1"/>
+            </a:fillRef>
+            <a:effectRef idx="0">
+              <a:schemeClr val="accent1"/>
+            </a:effectRef>
+            <a:fontRef idx="minor">
+              <a:schemeClr val="lt1"/>
+            </a:fontRef>
+          </p:style>
+          <p:txBody>
+            <a:bodyPr rtlCol="0" anchor="ctr"/>
+            <a:lstStyle/>
+            <a:p>
+              <a:pPr algn="ctr"/>
+              <a:endParaRPr lang="de-DE"/>
+            </a:p>
+          </p:txBody>
+        </p:sp>
+        <p:sp>
+          <p:nvSpPr>
+            <p:cNvPr id="5" name="Ellipse 4"/>
+            <p:cNvSpPr/>
+            <p:nvPr/>
+          </p:nvSpPr>
+          <p:spPr>
+            <a:xfrm>
+              <a:off x="2357422" y="3286124"/>
+              <a:ext cx="285752" cy="285752"/>
+            </a:xfrm>
+            <a:prstGeom prst="ellipse">
+              <a:avLst/>
+            </a:prstGeom>
+            <a:solidFill>
+              <a:schemeClr val="tx1"/>
+            </a:solidFill>
+            <a:ln>
+              <a:noFill/>
+            </a:ln>
+          </p:spPr>
+          <p:style>
+            <a:lnRef idx="2">
+              <a:schemeClr val="accent1">
+                <a:shade val="50000"/>
+              </a:schemeClr>
+            </a:lnRef>
+            <a:fillRef idx="1">
+              <a:schemeClr val="accent1"/>
+            </a:fillRef>
+            <a:effectRef idx="0">
+              <a:schemeClr val="accent1"/>
+            </a:effectRef>
+            <a:fontRef idx="minor">
+              <a:schemeClr val="lt1"/>
+            </a:fontRef>
+          </p:style>
+          <p:txBody>
+            <a:bodyPr rtlCol="0" anchor="ctr"/>
+            <a:lstStyle/>
+            <a:p>
+              <a:pPr algn="ctr"/>
+              <a:endParaRPr lang="de-DE"/>
+            </a:p>
+          </p:txBody>
+        </p:sp>
+        <p:grpSp>
+          <p:nvGrpSpPr>
+            <p:cNvPr id="67" name="Gruppieren 66"/>
+            <p:cNvGrpSpPr/>
+            <p:nvPr/>
+          </p:nvGrpSpPr>
+          <p:grpSpPr>
+            <a:xfrm>
+              <a:off x="4071934" y="2285992"/>
+              <a:ext cx="2314594" cy="2188016"/>
+              <a:chOff x="3743316" y="3877992"/>
+              <a:chExt cx="2314594" cy="2188016"/>
+            </a:xfrm>
+          </p:grpSpPr>
+          <p:grpSp>
+            <p:nvGrpSpPr>
+              <p:cNvPr id="19" name="Gruppieren 18"/>
+              <p:cNvGrpSpPr/>
+              <p:nvPr/>
+            </p:nvGrpSpPr>
+            <p:grpSpPr>
+              <a:xfrm flipH="1">
+                <a:off x="4857752" y="5286388"/>
+                <a:ext cx="1200158" cy="500066"/>
+                <a:chOff x="2357421" y="1286207"/>
+                <a:chExt cx="3286149" cy="1429146"/>
+              </a:xfrm>
+              <a:scene3d>
+                <a:camera prst="isometricRightUp">
+                  <a:rot lat="1980000" lon="2700000" rev="0"/>
+                </a:camera>
+                <a:lightRig rig="threePt" dir="t"/>
+              </a:scene3d>
+            </p:grpSpPr>
+            <p:cxnSp>
+              <p:nvCxnSpPr>
+                <p:cNvPr id="11" name="Gerade Verbindung 10"/>
+                <p:cNvCxnSpPr/>
+                <p:nvPr/>
+              </p:nvCxnSpPr>
+              <p:spPr>
+                <a:xfrm flipV="1">
+                  <a:off x="2357421" y="1286207"/>
+                  <a:ext cx="1500198" cy="714573"/>
+                </a:xfrm>
+                <a:prstGeom prst="line">
+                  <a:avLst/>
+                </a:prstGeom>
+                <a:ln w="19050">
+                  <a:solidFill>
+                    <a:schemeClr val="tx1">
+                      <a:lumMod val="50000"/>
+                      <a:lumOff val="50000"/>
+                    </a:schemeClr>
+                  </a:solidFill>
+                  <a:prstDash val="dash"/>
+                </a:ln>
+              </p:spPr>
+              <p:style>
+                <a:lnRef idx="1">
+                  <a:schemeClr val="accent1"/>
+                </a:lnRef>
+                <a:fillRef idx="0">
+                  <a:schemeClr val="accent1"/>
+                </a:fillRef>
+                <a:effectRef idx="0">
+                  <a:schemeClr val="accent1"/>
+                </a:effectRef>
+                <a:fontRef idx="minor">
+                  <a:schemeClr val="tx1"/>
+                </a:fontRef>
+              </p:style>
+            </p:cxnSp>
+            <p:cxnSp>
+              <p:nvCxnSpPr>
+                <p:cNvPr id="13" name="Gerade Verbindung 12"/>
+                <p:cNvCxnSpPr/>
+                <p:nvPr/>
+              </p:nvCxnSpPr>
+              <p:spPr>
+                <a:xfrm>
+                  <a:off x="2357421" y="2000780"/>
+                  <a:ext cx="1500198" cy="714573"/>
+                </a:xfrm>
+                <a:prstGeom prst="line">
+                  <a:avLst/>
+                </a:prstGeom>
+                <a:ln w="19050">
+                  <a:solidFill>
+                    <a:schemeClr val="tx1">
+                      <a:lumMod val="50000"/>
+                      <a:lumOff val="50000"/>
+                    </a:schemeClr>
+                  </a:solidFill>
+                  <a:prstDash val="dash"/>
+                </a:ln>
+              </p:spPr>
+              <p:style>
+                <a:lnRef idx="1">
+                  <a:schemeClr val="accent1"/>
+                </a:lnRef>
+                <a:fillRef idx="0">
+                  <a:schemeClr val="accent1"/>
+                </a:fillRef>
+                <a:effectRef idx="0">
+                  <a:schemeClr val="accent1"/>
+                </a:effectRef>
+                <a:fontRef idx="minor">
+                  <a:schemeClr val="tx1"/>
+                </a:fontRef>
+              </p:style>
+            </p:cxnSp>
+            <p:sp>
+              <p:nvSpPr>
+                <p:cNvPr id="14" name="Bogen 13"/>
+                <p:cNvSpPr/>
+                <p:nvPr/>
+              </p:nvSpPr>
+              <p:spPr>
+                <a:xfrm>
+                  <a:off x="2357421" y="1286207"/>
+                  <a:ext cx="1071571" cy="1429145"/>
+                </a:xfrm>
+                <a:prstGeom prst="arc">
+                  <a:avLst>
+                    <a:gd name="adj1" fmla="val 16200000"/>
+                    <a:gd name="adj2" fmla="val 5300590"/>
+                  </a:avLst>
+                </a:prstGeom>
+                <a:ln w="19050">
+                  <a:solidFill>
+                    <a:schemeClr val="tx1">
+                      <a:lumMod val="50000"/>
+                      <a:lumOff val="50000"/>
+                    </a:schemeClr>
+                  </a:solidFill>
+                  <a:prstDash val="dash"/>
+                </a:ln>
+              </p:spPr>
+              <p:style>
+                <a:lnRef idx="1">
+                  <a:schemeClr val="accent1"/>
+                </a:lnRef>
+                <a:fillRef idx="0">
+                  <a:schemeClr val="accent1"/>
+                </a:fillRef>
+                <a:effectRef idx="0">
+                  <a:schemeClr val="accent1"/>
+                </a:effectRef>
+                <a:fontRef idx="minor">
+                  <a:schemeClr val="tx1"/>
+                </a:fontRef>
+              </p:style>
+              <p:txBody>
+                <a:bodyPr rtlCol="0" anchor="ctr"/>
+                <a:lstStyle/>
+                <a:p>
+                  <a:pPr algn="ctr"/>
+                  <a:endParaRPr lang="de-DE"/>
+                </a:p>
+              </p:txBody>
+            </p:sp>
+            <p:cxnSp>
+              <p:nvCxnSpPr>
+                <p:cNvPr id="16" name="Gerade Verbindung 15"/>
+                <p:cNvCxnSpPr/>
+                <p:nvPr/>
+              </p:nvCxnSpPr>
+              <p:spPr>
+                <a:xfrm>
+                  <a:off x="3428992" y="2000240"/>
+                  <a:ext cx="2214578" cy="1589"/>
+                </a:xfrm>
+                <a:prstGeom prst="line">
+                  <a:avLst/>
+                </a:prstGeom>
+                <a:ln w="19050">
+                  <a:solidFill>
+                    <a:schemeClr val="tx1">
+                      <a:lumMod val="50000"/>
+                      <a:lumOff val="50000"/>
+                    </a:schemeClr>
+                  </a:solidFill>
+                  <a:prstDash val="dash"/>
+                </a:ln>
+              </p:spPr>
+              <p:style>
+                <a:lnRef idx="1">
+                  <a:schemeClr val="accent1"/>
+                </a:lnRef>
+                <a:fillRef idx="0">
+                  <a:schemeClr val="accent1"/>
+                </a:fillRef>
+                <a:effectRef idx="0">
+                  <a:schemeClr val="accent1"/>
+                </a:effectRef>
+                <a:fontRef idx="minor">
+                  <a:schemeClr val="tx1"/>
+                </a:fontRef>
+              </p:style>
+            </p:cxnSp>
+          </p:grpSp>
+          <p:grpSp>
+            <p:nvGrpSpPr>
+              <p:cNvPr id="60" name="Gruppieren 59"/>
+              <p:cNvGrpSpPr/>
+              <p:nvPr/>
+            </p:nvGrpSpPr>
+            <p:grpSpPr>
+              <a:xfrm>
+                <a:off x="3743316" y="3877992"/>
+                <a:ext cx="1571636" cy="2188016"/>
+                <a:chOff x="4214810" y="2857496"/>
+                <a:chExt cx="857256" cy="1193463"/>
+              </a:xfrm>
+            </p:grpSpPr>
+            <p:sp>
+              <p:nvSpPr>
+                <p:cNvPr id="7" name="Rechteck 6"/>
+                <p:cNvSpPr/>
+                <p:nvPr/>
+              </p:nvSpPr>
+              <p:spPr>
+                <a:xfrm>
+                  <a:off x="4214810" y="3040191"/>
+                  <a:ext cx="857256" cy="857256"/>
+                </a:xfrm>
+                <a:prstGeom prst="rect">
+                  <a:avLst/>
+                </a:prstGeom>
+                <a:noFill/>
+                <a:ln>
+                  <a:solidFill>
+                    <a:schemeClr val="tx1">
+                      <a:lumMod val="50000"/>
+                      <a:lumOff val="50000"/>
+                    </a:schemeClr>
+                  </a:solidFill>
+                  <a:prstDash val="dash"/>
+                </a:ln>
+                <a:scene3d>
+                  <a:camera prst="isometricRightUp"/>
+                  <a:lightRig rig="threePt" dir="t"/>
+                </a:scene3d>
+              </p:spPr>
+              <p:style>
+                <a:lnRef idx="2">
+                  <a:schemeClr val="accent1">
+                    <a:shade val="50000"/>
+                  </a:schemeClr>
+                </a:lnRef>
+                <a:fillRef idx="1">
+                  <a:schemeClr val="accent1"/>
+                </a:fillRef>
+                <a:effectRef idx="0">
+                  <a:schemeClr val="accent1"/>
+                </a:effectRef>
+                <a:fontRef idx="minor">
+                  <a:schemeClr val="lt1"/>
+                </a:fontRef>
+              </p:style>
+              <p:txBody>
+                <a:bodyPr rtlCol="0" anchor="ctr"/>
+                <a:lstStyle/>
+                <a:p>
+                  <a:pPr algn="ctr"/>
+                  <a:endParaRPr lang="de-DE"/>
+                </a:p>
+              </p:txBody>
+            </p:sp>
+            <p:sp>
+              <p:nvSpPr>
+                <p:cNvPr id="21" name="Ellipse 20"/>
+                <p:cNvSpPr/>
+                <p:nvPr/>
+              </p:nvSpPr>
+              <p:spPr>
+                <a:xfrm flipH="1" flipV="1">
+                  <a:off x="4864135" y="2857496"/>
+                  <a:ext cx="142876" cy="142876"/>
+                </a:xfrm>
+                <a:prstGeom prst="ellipse">
+                  <a:avLst/>
+                </a:prstGeom>
+                <a:solidFill>
+                  <a:schemeClr val="tx1"/>
+                </a:solidFill>
+                <a:ln>
+                  <a:noFill/>
+                </a:ln>
+              </p:spPr>
+              <p:style>
+                <a:lnRef idx="2">
+                  <a:schemeClr val="accent1">
+                    <a:shade val="50000"/>
+                  </a:schemeClr>
+                </a:lnRef>
+                <a:fillRef idx="1">
+                  <a:schemeClr val="accent1"/>
+                </a:fillRef>
+                <a:effectRef idx="0">
+                  <a:schemeClr val="accent1"/>
+                </a:effectRef>
+                <a:fontRef idx="minor">
+                  <a:schemeClr val="lt1"/>
+                </a:fontRef>
+              </p:style>
+              <p:txBody>
+                <a:bodyPr rtlCol="0" anchor="ctr"/>
+                <a:lstStyle/>
+                <a:p>
+                  <a:pPr algn="ctr"/>
+                  <a:endParaRPr lang="de-DE"/>
+                </a:p>
+              </p:txBody>
+            </p:sp>
+            <p:sp>
+              <p:nvSpPr>
+                <p:cNvPr id="22" name="Ellipse 21"/>
+                <p:cNvSpPr/>
+                <p:nvPr/>
+              </p:nvSpPr>
+              <p:spPr>
+                <a:xfrm flipH="1" flipV="1">
+                  <a:off x="4261020" y="3908083"/>
+                  <a:ext cx="142876" cy="142876"/>
+                </a:xfrm>
+                <a:prstGeom prst="ellipse">
+                  <a:avLst/>
+                </a:prstGeom>
+                <a:solidFill>
+                  <a:schemeClr val="tx1"/>
+                </a:solidFill>
+                <a:ln>
+                  <a:noFill/>
+                </a:ln>
+              </p:spPr>
+              <p:style>
+                <a:lnRef idx="2">
+                  <a:schemeClr val="accent1">
+                    <a:shade val="50000"/>
+                  </a:schemeClr>
+                </a:lnRef>
+                <a:fillRef idx="1">
+                  <a:schemeClr val="accent1"/>
+                </a:fillRef>
+                <a:effectRef idx="0">
+                  <a:schemeClr val="accent1"/>
+                </a:effectRef>
+                <a:fontRef idx="minor">
+                  <a:schemeClr val="lt1"/>
+                </a:fontRef>
+              </p:style>
+              <p:txBody>
+                <a:bodyPr rtlCol="0" anchor="ctr"/>
+                <a:lstStyle/>
+                <a:p>
+                  <a:pPr algn="ctr"/>
+                  <a:endParaRPr lang="de-DE"/>
+                </a:p>
+              </p:txBody>
+            </p:sp>
+            <p:sp>
+              <p:nvSpPr>
+                <p:cNvPr id="23" name="Ellipse 22"/>
+                <p:cNvSpPr/>
+                <p:nvPr/>
+              </p:nvSpPr>
+              <p:spPr>
+                <a:xfrm flipH="1" flipV="1">
+                  <a:off x="4873863" y="3567615"/>
+                  <a:ext cx="142876" cy="142876"/>
+                </a:xfrm>
+                <a:prstGeom prst="ellipse">
+                  <a:avLst/>
+                </a:prstGeom>
+                <a:solidFill>
+                  <a:schemeClr val="tx1"/>
+                </a:solidFill>
+                <a:ln>
+                  <a:noFill/>
+                </a:ln>
+              </p:spPr>
+              <p:style>
+                <a:lnRef idx="2">
+                  <a:schemeClr val="accent1">
+                    <a:shade val="50000"/>
+                  </a:schemeClr>
+                </a:lnRef>
+                <a:fillRef idx="1">
+                  <a:schemeClr val="accent1"/>
+                </a:fillRef>
+                <a:effectRef idx="0">
+                  <a:schemeClr val="accent1"/>
+                </a:effectRef>
+                <a:fontRef idx="minor">
+                  <a:schemeClr val="lt1"/>
+                </a:fontRef>
+              </p:style>
+              <p:txBody>
+                <a:bodyPr rtlCol="0" anchor="ctr"/>
+                <a:lstStyle/>
+                <a:p>
+                  <a:pPr algn="ctr"/>
+                  <a:endParaRPr lang="de-DE"/>
+                </a:p>
+              </p:txBody>
+            </p:sp>
+            <p:sp>
+              <p:nvSpPr>
+                <p:cNvPr id="24" name="Ellipse 23"/>
+                <p:cNvSpPr/>
+                <p:nvPr/>
+              </p:nvSpPr>
+              <p:spPr>
+                <a:xfrm flipH="1" flipV="1">
+                  <a:off x="4251293" y="3217419"/>
+                  <a:ext cx="142876" cy="142876"/>
+                </a:xfrm>
+                <a:prstGeom prst="ellipse">
+                  <a:avLst/>
+                </a:prstGeom>
+                <a:solidFill>
+                  <a:schemeClr val="tx1"/>
+                </a:solidFill>
+                <a:ln>
+                  <a:noFill/>
+                </a:ln>
+              </p:spPr>
+              <p:style>
+                <a:lnRef idx="2">
+                  <a:schemeClr val="accent1">
+                    <a:shade val="50000"/>
+                  </a:schemeClr>
+                </a:lnRef>
+                <a:fillRef idx="1">
+                  <a:schemeClr val="accent1"/>
+                </a:fillRef>
+                <a:effectRef idx="0">
+                  <a:schemeClr val="accent1"/>
+                </a:effectRef>
+                <a:fontRef idx="minor">
+                  <a:schemeClr val="lt1"/>
+                </a:fontRef>
+              </p:style>
+              <p:txBody>
+                <a:bodyPr rtlCol="0" anchor="ctr"/>
+                <a:lstStyle/>
+                <a:p>
+                  <a:pPr algn="ctr"/>
+                  <a:endParaRPr lang="de-DE"/>
+                </a:p>
+              </p:txBody>
+            </p:sp>
+            <p:cxnSp>
+              <p:nvCxnSpPr>
+                <p:cNvPr id="37" name="Gerade Verbindung mit Pfeil 36"/>
+                <p:cNvCxnSpPr/>
+                <p:nvPr/>
+              </p:nvCxnSpPr>
+              <p:spPr>
+                <a:xfrm rot="5400000">
+                  <a:off x="4167725" y="3199240"/>
+                  <a:ext cx="933852" cy="529934"/>
+                </a:xfrm>
+                <a:prstGeom prst="straightConnector1">
+                  <a:avLst/>
+                </a:prstGeom>
+                <a:ln>
+                  <a:solidFill>
+                    <a:schemeClr val="tx1"/>
+                  </a:solidFill>
+                  <a:headEnd type="triangle"/>
+                  <a:tailEnd type="triangle"/>
+                </a:ln>
+              </p:spPr>
+              <p:style>
+                <a:lnRef idx="1">
+                  <a:schemeClr val="accent1"/>
+                </a:lnRef>
+                <a:fillRef idx="0">
+                  <a:schemeClr val="accent1"/>
+                </a:fillRef>
+                <a:effectRef idx="0">
+                  <a:schemeClr val="accent1"/>
+                </a:effectRef>
+                <a:fontRef idx="minor">
+                  <a:schemeClr val="tx1"/>
+                </a:fontRef>
+              </p:style>
+            </p:cxnSp>
+            <p:cxnSp>
+              <p:nvCxnSpPr>
+                <p:cNvPr id="38" name="Gerade Verbindung mit Pfeil 37"/>
+                <p:cNvCxnSpPr/>
+                <p:nvPr/>
+              </p:nvCxnSpPr>
+              <p:spPr>
+                <a:xfrm>
+                  <a:off x="4380295" y="3326248"/>
+                  <a:ext cx="493458" cy="281218"/>
+                </a:xfrm>
+                <a:prstGeom prst="straightConnector1">
+                  <a:avLst/>
+                </a:prstGeom>
+                <a:ln>
+                  <a:solidFill>
+                    <a:schemeClr val="tx1"/>
+                  </a:solidFill>
+                  <a:headEnd type="triangle"/>
+                  <a:tailEnd type="triangle"/>
+                </a:ln>
+              </p:spPr>
+              <p:style>
+                <a:lnRef idx="1">
+                  <a:schemeClr val="accent1"/>
+                </a:lnRef>
+                <a:fillRef idx="0">
+                  <a:schemeClr val="accent1"/>
+                </a:fillRef>
+                <a:effectRef idx="0">
+                  <a:schemeClr val="accent1"/>
+                </a:effectRef>
+                <a:fontRef idx="minor">
+                  <a:schemeClr val="tx1"/>
+                </a:fontRef>
+              </p:style>
+            </p:cxnSp>
+            <p:sp>
+              <p:nvSpPr>
+                <p:cNvPr id="43" name="Ellipse 42"/>
+                <p:cNvSpPr/>
+                <p:nvPr/>
+              </p:nvSpPr>
+              <p:spPr>
+                <a:xfrm flipH="1" flipV="1">
+                  <a:off x="4607512" y="3439708"/>
+                  <a:ext cx="71438" cy="71438"/>
+                </a:xfrm>
+                <a:prstGeom prst="ellipse">
+                  <a:avLst/>
+                </a:prstGeom>
+                <a:solidFill>
+                  <a:schemeClr val="tx1"/>
+                </a:solidFill>
+                <a:ln>
+                  <a:noFill/>
+                </a:ln>
+              </p:spPr>
+              <p:style>
+                <a:lnRef idx="2">
+                  <a:schemeClr val="accent1">
+                    <a:shade val="50000"/>
+                  </a:schemeClr>
+                </a:lnRef>
+                <a:fillRef idx="1">
+                  <a:schemeClr val="accent1"/>
+                </a:fillRef>
+                <a:effectRef idx="0">
+                  <a:schemeClr val="accent1"/>
+                </a:effectRef>
+                <a:fontRef idx="minor">
+                  <a:schemeClr val="lt1"/>
+                </a:fontRef>
+              </p:style>
+              <p:txBody>
+                <a:bodyPr rtlCol="0" anchor="ctr"/>
+                <a:lstStyle/>
+                <a:p>
+                  <a:pPr algn="ctr"/>
+                  <a:endParaRPr lang="de-DE"/>
+                </a:p>
+              </p:txBody>
+            </p:sp>
+          </p:grpSp>
+        </p:grpSp>
+        <p:sp>
+          <p:nvSpPr>
+            <p:cNvPr id="46" name="Kreuz 45"/>
+            <p:cNvSpPr/>
+            <p:nvPr/>
+          </p:nvSpPr>
+          <p:spPr>
+            <a:xfrm>
+              <a:off x="3357554" y="3143248"/>
+              <a:ext cx="571504" cy="571504"/>
+            </a:xfrm>
+            <a:prstGeom prst="plus">
+              <a:avLst>
+                <a:gd name="adj" fmla="val 40319"/>
+              </a:avLst>
+            </a:prstGeom>
+            <a:solidFill>
+              <a:schemeClr val="tx1"/>
+            </a:solidFill>
+            <a:ln>
+              <a:noFill/>
+            </a:ln>
+          </p:spPr>
+          <p:style>
+            <a:lnRef idx="2">
+              <a:schemeClr val="accent1">
+                <a:shade val="50000"/>
+              </a:schemeClr>
+            </a:lnRef>
+            <a:fillRef idx="1">
+              <a:schemeClr val="accent1"/>
+            </a:fillRef>
+            <a:effectRef idx="0">
+              <a:schemeClr val="accent1"/>
+            </a:effectRef>
+            <a:fontRef idx="minor">
+              <a:schemeClr val="lt1"/>
+            </a:fontRef>
+          </p:style>
+          <p:txBody>
+            <a:bodyPr rtlCol="0" anchor="ctr"/>
+            <a:lstStyle/>
+            <a:p>
+              <a:pPr algn="ctr"/>
+              <a:endParaRPr lang="de-DE"/>
+            </a:p>
+          </p:txBody>
+        </p:sp>
+      </p:grpSp>
+    </p:spTree>
+  </p:cSld>
+  <p:clrMapOvr>
+    <a:masterClrMapping/>
+  </p:clrMapOvr>
+</p:sld>
+</file>
+
+<file path=ppt/slides/slide7.xml><?xml version="1.0" encoding="utf-8"?>
+<p:sld xmlns:a="http://schemas.openxmlformats.org/drawingml/2006/main" xmlns:r="http://schemas.openxmlformats.org/officeDocument/2006/relationships" xmlns:p="http://schemas.openxmlformats.org/presentationml/2006/main">
+  <p:cSld>
+    <p:spTree>
+      <p:nvGrpSpPr>
+        <p:cNvPr id="1" name=""/>
+        <p:cNvGrpSpPr/>
+        <p:nvPr/>
+      </p:nvGrpSpPr>
+      <p:grpSpPr>
+        <a:xfrm>
+          <a:off x="0" y="0"/>
+          <a:ext cx="0" cy="0"/>
+          <a:chOff x="0" y="0"/>
+          <a:chExt cx="0" cy="0"/>
+        </a:xfrm>
+      </p:grpSpPr>
+      <p:grpSp>
+        <p:nvGrpSpPr>
+          <p:cNvPr id="43" name="Gruppieren 42"/>
+          <p:cNvGrpSpPr/>
+          <p:nvPr/>
+        </p:nvGrpSpPr>
+        <p:grpSpPr>
+          <a:xfrm>
+            <a:off x="0" y="0"/>
+            <a:ext cx="9144000" cy="6858794"/>
+            <a:chOff x="0" y="0"/>
+            <a:chExt cx="9144000" cy="6858794"/>
+          </a:xfrm>
+        </p:grpSpPr>
+        <p:grpSp>
+          <p:nvGrpSpPr>
+            <p:cNvPr id="24" name="Gruppieren 23"/>
+            <p:cNvGrpSpPr/>
+            <p:nvPr/>
+          </p:nvGrpSpPr>
+          <p:grpSpPr>
+            <a:xfrm>
+              <a:off x="0" y="0"/>
+              <a:ext cx="9144000" cy="6858000"/>
+              <a:chOff x="0" y="0"/>
+              <a:chExt cx="9144000" cy="6858000"/>
+            </a:xfrm>
+          </p:grpSpPr>
+          <p:grpSp>
+            <p:nvGrpSpPr>
+              <p:cNvPr id="8" name="Gruppieren 7"/>
+              <p:cNvGrpSpPr/>
+              <p:nvPr/>
+            </p:nvGrpSpPr>
+            <p:grpSpPr>
+              <a:xfrm>
+                <a:off x="4286248" y="2643182"/>
+                <a:ext cx="1714512" cy="1714512"/>
+                <a:chOff x="4071934" y="2714620"/>
+                <a:chExt cx="1714512" cy="1714512"/>
+              </a:xfrm>
+            </p:grpSpPr>
+            <p:sp>
+              <p:nvSpPr>
+                <p:cNvPr id="4" name="Rechteck 3"/>
+                <p:cNvSpPr/>
+                <p:nvPr/>
+              </p:nvSpPr>
+              <p:spPr>
+                <a:xfrm>
+                  <a:off x="4071934" y="2714620"/>
+                  <a:ext cx="1714512" cy="1714512"/>
+                </a:xfrm>
+                <a:prstGeom prst="rect">
+                  <a:avLst/>
+                </a:prstGeom>
+                <a:noFill/>
+                <a:ln>
+                  <a:solidFill>
+                    <a:schemeClr val="tx1"/>
+                  </a:solidFill>
+                </a:ln>
+              </p:spPr>
+              <p:style>
+                <a:lnRef idx="2">
+                  <a:schemeClr val="accent1">
+                    <a:shade val="50000"/>
+                  </a:schemeClr>
+                </a:lnRef>
+                <a:fillRef idx="1">
+                  <a:schemeClr val="accent1"/>
+                </a:fillRef>
+                <a:effectRef idx="0">
+                  <a:schemeClr val="accent1"/>
+                </a:effectRef>
+                <a:fontRef idx="minor">
+                  <a:schemeClr val="lt1"/>
+                </a:fontRef>
+              </p:style>
+              <p:txBody>
+                <a:bodyPr rtlCol="0" anchor="ctr"/>
+                <a:lstStyle/>
+                <a:p>
+                  <a:pPr algn="ctr"/>
+                  <a:endParaRPr lang="de-DE"/>
+                </a:p>
+              </p:txBody>
+            </p:sp>
+            <p:cxnSp>
+              <p:nvCxnSpPr>
+                <p:cNvPr id="7" name="Gerade Verbindung 6"/>
+                <p:cNvCxnSpPr/>
+                <p:nvPr/>
+              </p:nvCxnSpPr>
+              <p:spPr>
+                <a:xfrm rot="5400000" flipH="1" flipV="1">
+                  <a:off x="4071934" y="2714620"/>
+                  <a:ext cx="1714512" cy="1714512"/>
+                </a:xfrm>
+                <a:prstGeom prst="line">
+                  <a:avLst/>
+                </a:prstGeom>
+                <a:ln w="28575">
+                  <a:solidFill>
+                    <a:schemeClr val="tx1"/>
+                  </a:solidFill>
+                </a:ln>
+              </p:spPr>
+              <p:style>
+                <a:lnRef idx="1">
+                  <a:schemeClr val="accent1"/>
+                </a:lnRef>
+                <a:fillRef idx="0">
+                  <a:schemeClr val="accent1"/>
+                </a:fillRef>
+                <a:effectRef idx="0">
+                  <a:schemeClr val="accent1"/>
+                </a:effectRef>
+                <a:fontRef idx="minor">
+                  <a:schemeClr val="tx1"/>
+                </a:fontRef>
+              </p:style>
+            </p:cxnSp>
+          </p:grpSp>
+          <p:grpSp>
+            <p:nvGrpSpPr>
+              <p:cNvPr id="9" name="Gruppieren 8"/>
+              <p:cNvGrpSpPr/>
+              <p:nvPr/>
+            </p:nvGrpSpPr>
+            <p:grpSpPr>
+              <a:xfrm>
+                <a:off x="142844" y="5000636"/>
+                <a:ext cx="1714512" cy="1714512"/>
+                <a:chOff x="4071934" y="2714620"/>
+                <a:chExt cx="1714512" cy="1714512"/>
+              </a:xfrm>
+            </p:grpSpPr>
+            <p:sp>
+              <p:nvSpPr>
+                <p:cNvPr id="10" name="Rechteck 9"/>
+                <p:cNvSpPr/>
+                <p:nvPr/>
+              </p:nvSpPr>
+              <p:spPr>
+                <a:xfrm>
+                  <a:off x="4071934" y="2714620"/>
+                  <a:ext cx="1714512" cy="1714512"/>
+                </a:xfrm>
+                <a:prstGeom prst="rect">
+                  <a:avLst/>
+                </a:prstGeom>
+                <a:noFill/>
+                <a:ln>
+                  <a:solidFill>
+                    <a:schemeClr val="tx1"/>
+                  </a:solidFill>
+                </a:ln>
+              </p:spPr>
+              <p:style>
+                <a:lnRef idx="2">
+                  <a:schemeClr val="accent1">
+                    <a:shade val="50000"/>
+                  </a:schemeClr>
+                </a:lnRef>
+                <a:fillRef idx="1">
+                  <a:schemeClr val="accent1"/>
+                </a:fillRef>
+                <a:effectRef idx="0">
+                  <a:schemeClr val="accent1"/>
+                </a:effectRef>
+                <a:fontRef idx="minor">
+                  <a:schemeClr val="lt1"/>
+                </a:fontRef>
+              </p:style>
+              <p:txBody>
+                <a:bodyPr rtlCol="0" anchor="ctr"/>
+                <a:lstStyle/>
+                <a:p>
+                  <a:pPr algn="ctr"/>
+                  <a:endParaRPr lang="de-DE"/>
+                </a:p>
+              </p:txBody>
+            </p:sp>
+            <p:cxnSp>
+              <p:nvCxnSpPr>
+                <p:cNvPr id="11" name="Gerade Verbindung 10"/>
+                <p:cNvCxnSpPr/>
+                <p:nvPr/>
+              </p:nvCxnSpPr>
+              <p:spPr>
+                <a:xfrm rot="5400000" flipH="1" flipV="1">
+                  <a:off x="4071934" y="2714620"/>
+                  <a:ext cx="1714512" cy="1714512"/>
+                </a:xfrm>
+                <a:prstGeom prst="line">
+                  <a:avLst/>
+                </a:prstGeom>
+                <a:ln w="28575">
+                  <a:solidFill>
+                    <a:schemeClr val="tx1"/>
+                  </a:solidFill>
+                </a:ln>
+              </p:spPr>
+              <p:style>
+                <a:lnRef idx="1">
+                  <a:schemeClr val="accent1"/>
+                </a:lnRef>
+                <a:fillRef idx="0">
+                  <a:schemeClr val="accent1"/>
+                </a:fillRef>
+                <a:effectRef idx="0">
+                  <a:schemeClr val="accent1"/>
+                </a:effectRef>
+                <a:fontRef idx="minor">
+                  <a:schemeClr val="tx1"/>
+                </a:fontRef>
+              </p:style>
+            </p:cxnSp>
+          </p:grpSp>
+          <p:grpSp>
+            <p:nvGrpSpPr>
+              <p:cNvPr id="15" name="Gruppieren 14"/>
+              <p:cNvGrpSpPr/>
+              <p:nvPr/>
+            </p:nvGrpSpPr>
+            <p:grpSpPr>
+              <a:xfrm>
+                <a:off x="2428860" y="1571612"/>
+                <a:ext cx="928694" cy="928694"/>
+                <a:chOff x="4071934" y="2714620"/>
+                <a:chExt cx="1714512" cy="1714512"/>
+              </a:xfrm>
+            </p:grpSpPr>
+            <p:sp>
+              <p:nvSpPr>
+                <p:cNvPr id="16" name="Rechteck 15"/>
+                <p:cNvSpPr/>
+                <p:nvPr/>
+              </p:nvSpPr>
+              <p:spPr>
+                <a:xfrm>
+                  <a:off x="4071934" y="2714620"/>
+                  <a:ext cx="1714512" cy="1714512"/>
+                </a:xfrm>
+                <a:prstGeom prst="rect">
+                  <a:avLst/>
+                </a:prstGeom>
+                <a:noFill/>
+                <a:ln>
+                  <a:solidFill>
+                    <a:schemeClr val="tx1"/>
+                  </a:solidFill>
+                </a:ln>
+              </p:spPr>
+              <p:style>
+                <a:lnRef idx="2">
+                  <a:schemeClr val="accent1">
+                    <a:shade val="50000"/>
+                  </a:schemeClr>
+                </a:lnRef>
+                <a:fillRef idx="1">
+                  <a:schemeClr val="accent1"/>
+                </a:fillRef>
+                <a:effectRef idx="0">
+                  <a:schemeClr val="accent1"/>
+                </a:effectRef>
+                <a:fontRef idx="minor">
+                  <a:schemeClr val="lt1"/>
+                </a:fontRef>
+              </p:style>
+              <p:txBody>
+                <a:bodyPr rtlCol="0" anchor="ctr"/>
+                <a:lstStyle/>
+                <a:p>
+                  <a:pPr algn="ctr"/>
+                  <a:endParaRPr lang="de-DE"/>
+                </a:p>
+              </p:txBody>
+            </p:sp>
+            <p:cxnSp>
+              <p:nvCxnSpPr>
+                <p:cNvPr id="17" name="Gerade Verbindung 16"/>
+                <p:cNvCxnSpPr/>
+                <p:nvPr/>
+              </p:nvCxnSpPr>
+              <p:spPr>
+                <a:xfrm rot="5400000" flipH="1" flipV="1">
+                  <a:off x="4071934" y="2714620"/>
+                  <a:ext cx="1714512" cy="1714512"/>
+                </a:xfrm>
+                <a:prstGeom prst="line">
+                  <a:avLst/>
+                </a:prstGeom>
+                <a:ln w="28575">
+                  <a:solidFill>
+                    <a:schemeClr val="tx1"/>
+                  </a:solidFill>
+                </a:ln>
+              </p:spPr>
+              <p:style>
+                <a:lnRef idx="1">
+                  <a:schemeClr val="accent1"/>
+                </a:lnRef>
+                <a:fillRef idx="0">
+                  <a:schemeClr val="accent1"/>
+                </a:fillRef>
+                <a:effectRef idx="0">
+                  <a:schemeClr val="accent1"/>
+                </a:effectRef>
+                <a:fontRef idx="minor">
+                  <a:schemeClr val="tx1"/>
+                </a:fontRef>
+              </p:style>
+            </p:cxnSp>
+          </p:grpSp>
+          <p:sp>
+            <p:nvSpPr>
+              <p:cNvPr id="21" name="Rechteck 20"/>
+              <p:cNvSpPr/>
+              <p:nvPr/>
+            </p:nvSpPr>
+            <p:spPr>
+              <a:xfrm>
+                <a:off x="0" y="0"/>
+                <a:ext cx="9144000" cy="6858000"/>
+              </a:xfrm>
+              <a:prstGeom prst="rect">
+                <a:avLst/>
+              </a:prstGeom>
+              <a:noFill/>
+              <a:ln>
+                <a:solidFill>
+                  <a:schemeClr val="tx1"/>
+                </a:solidFill>
+              </a:ln>
+            </p:spPr>
+            <p:style>
+              <a:lnRef idx="2">
+                <a:schemeClr val="accent1">
+                  <a:shade val="50000"/>
+                </a:schemeClr>
+              </a:lnRef>
+              <a:fillRef idx="1">
+                <a:schemeClr val="accent1"/>
+              </a:fillRef>
+              <a:effectRef idx="0">
+                <a:schemeClr val="accent1"/>
+              </a:effectRef>
+              <a:fontRef idx="minor">
+                <a:schemeClr val="lt1"/>
+              </a:fontRef>
+            </p:style>
+            <p:txBody>
+              <a:bodyPr rtlCol="0" anchor="ctr"/>
+              <a:lstStyle/>
+              <a:p>
+                <a:pPr algn="ctr"/>
+                <a:endParaRPr lang="de-DE"/>
+              </a:p>
+            </p:txBody>
+          </p:sp>
+        </p:grpSp>
+        <p:cxnSp>
+          <p:nvCxnSpPr>
+            <p:cNvPr id="26" name="Gerade Verbindung 25"/>
+            <p:cNvCxnSpPr/>
+            <p:nvPr/>
+          </p:nvCxnSpPr>
+          <p:spPr>
+            <a:xfrm>
+              <a:off x="3571868" y="5786454"/>
+              <a:ext cx="4286280" cy="1588"/>
+            </a:xfrm>
+            <a:prstGeom prst="line">
+              <a:avLst/>
+            </a:prstGeom>
+            <a:ln w="28575">
+              <a:solidFill>
+                <a:schemeClr val="tx1"/>
+              </a:solidFill>
+            </a:ln>
+          </p:spPr>
+          <p:style>
+            <a:lnRef idx="1">
+              <a:schemeClr val="accent1"/>
+            </a:lnRef>
+            <a:fillRef idx="0">
+              <a:schemeClr val="accent1"/>
+            </a:fillRef>
+            <a:effectRef idx="0">
+              <a:schemeClr val="accent1"/>
+            </a:effectRef>
+            <a:fontRef idx="minor">
+              <a:schemeClr val="tx1"/>
+            </a:fontRef>
+          </p:style>
+        </p:cxnSp>
+        <p:cxnSp>
+          <p:nvCxnSpPr>
+            <p:cNvPr id="28" name="Gerade Verbindung 27"/>
+            <p:cNvCxnSpPr/>
+            <p:nvPr/>
+          </p:nvCxnSpPr>
+          <p:spPr>
+            <a:xfrm rot="5400000">
+              <a:off x="3036095" y="6322227"/>
+              <a:ext cx="1071546" cy="1588"/>
+            </a:xfrm>
+            <a:prstGeom prst="line">
+              <a:avLst/>
+            </a:prstGeom>
+            <a:ln w="28575">
+              <a:solidFill>
+                <a:schemeClr val="tx1"/>
+              </a:solidFill>
+            </a:ln>
+          </p:spPr>
+          <p:style>
+            <a:lnRef idx="1">
+              <a:schemeClr val="accent1"/>
+            </a:lnRef>
+            <a:fillRef idx="0">
+              <a:schemeClr val="accent1"/>
+            </a:fillRef>
+            <a:effectRef idx="0">
+              <a:schemeClr val="accent1"/>
+            </a:effectRef>
+            <a:fontRef idx="minor">
+              <a:schemeClr val="tx1"/>
+            </a:fontRef>
+          </p:style>
+        </p:cxnSp>
+        <p:cxnSp>
+          <p:nvCxnSpPr>
+            <p:cNvPr id="30" name="Gerade Verbindung 29"/>
+            <p:cNvCxnSpPr/>
+            <p:nvPr/>
+          </p:nvCxnSpPr>
+          <p:spPr>
+            <a:xfrm rot="5400000">
+              <a:off x="7322375" y="6322227"/>
+              <a:ext cx="1071546" cy="1588"/>
+            </a:xfrm>
+            <a:prstGeom prst="line">
+              <a:avLst/>
+            </a:prstGeom>
+            <a:ln w="28575">
+              <a:solidFill>
+                <a:schemeClr val="tx1"/>
+              </a:solidFill>
+            </a:ln>
+          </p:spPr>
+          <p:style>
+            <a:lnRef idx="1">
+              <a:schemeClr val="accent1"/>
+            </a:lnRef>
+            <a:fillRef idx="0">
+              <a:schemeClr val="accent1"/>
+            </a:fillRef>
+            <a:effectRef idx="0">
+              <a:schemeClr val="accent1"/>
+            </a:effectRef>
+            <a:fontRef idx="minor">
+              <a:schemeClr val="tx1"/>
+            </a:fontRef>
+          </p:style>
+        </p:cxnSp>
+        <p:cxnSp>
+          <p:nvCxnSpPr>
+            <p:cNvPr id="32" name="Gerade Verbindung 31"/>
+            <p:cNvCxnSpPr/>
+            <p:nvPr/>
+          </p:nvCxnSpPr>
+          <p:spPr>
+            <a:xfrm rot="10800000" flipV="1">
+              <a:off x="6786578" y="5786454"/>
+              <a:ext cx="1071570" cy="1071546"/>
+            </a:xfrm>
+            <a:prstGeom prst="line">
+              <a:avLst/>
+            </a:prstGeom>
+            <a:ln w="28575">
+              <a:solidFill>
+                <a:schemeClr val="tx1"/>
+              </a:solidFill>
+            </a:ln>
+          </p:spPr>
+          <p:style>
+            <a:lnRef idx="1">
+              <a:schemeClr val="accent1"/>
+            </a:lnRef>
+            <a:fillRef idx="0">
+              <a:schemeClr val="accent1"/>
+            </a:fillRef>
+            <a:effectRef idx="0">
+              <a:schemeClr val="accent1"/>
+            </a:effectRef>
+            <a:fontRef idx="minor">
+              <a:schemeClr val="tx1"/>
+            </a:fontRef>
+          </p:style>
+        </p:cxnSp>
+        <p:cxnSp>
+          <p:nvCxnSpPr>
+            <p:cNvPr id="36" name="Gerade Verbindung 35"/>
+            <p:cNvCxnSpPr/>
+            <p:nvPr/>
+          </p:nvCxnSpPr>
+          <p:spPr>
+            <a:xfrm rot="10800000">
+              <a:off x="0" y="1928802"/>
+              <a:ext cx="714348" cy="1588"/>
+            </a:xfrm>
+            <a:prstGeom prst="line">
+              <a:avLst/>
+            </a:prstGeom>
+            <a:ln w="28575">
+              <a:solidFill>
+                <a:schemeClr val="tx1"/>
+              </a:solidFill>
+            </a:ln>
+          </p:spPr>
+          <p:style>
+            <a:lnRef idx="1">
+              <a:schemeClr val="accent1"/>
+            </a:lnRef>
+            <a:fillRef idx="0">
+              <a:schemeClr val="accent1"/>
+            </a:fillRef>
+            <a:effectRef idx="0">
+              <a:schemeClr val="accent1"/>
+            </a:effectRef>
+            <a:fontRef idx="minor">
+              <a:schemeClr val="tx1"/>
+            </a:fontRef>
+          </p:style>
+        </p:cxnSp>
+        <p:cxnSp>
+          <p:nvCxnSpPr>
+            <p:cNvPr id="38" name="Gerade Verbindung 37"/>
+            <p:cNvCxnSpPr/>
+            <p:nvPr/>
+          </p:nvCxnSpPr>
+          <p:spPr>
+            <a:xfrm rot="5400000" flipH="1" flipV="1">
+              <a:off x="-35751" y="2678901"/>
+              <a:ext cx="1500198" cy="1588"/>
+            </a:xfrm>
+            <a:prstGeom prst="line">
+              <a:avLst/>
+            </a:prstGeom>
+            <a:ln w="28575">
+              <a:solidFill>
+                <a:schemeClr val="tx1"/>
+              </a:solidFill>
+            </a:ln>
+          </p:spPr>
+          <p:style>
+            <a:lnRef idx="1">
+              <a:schemeClr val="accent1"/>
+            </a:lnRef>
+            <a:fillRef idx="0">
+              <a:schemeClr val="accent1"/>
+            </a:fillRef>
+            <a:effectRef idx="0">
+              <a:schemeClr val="accent1"/>
+            </a:effectRef>
+            <a:fontRef idx="minor">
+              <a:schemeClr val="tx1"/>
+            </a:fontRef>
+          </p:style>
+        </p:cxnSp>
+        <p:cxnSp>
+          <p:nvCxnSpPr>
+            <p:cNvPr id="40" name="Gerade Verbindung 39"/>
+            <p:cNvCxnSpPr>
+              <a:endCxn id="21" idx="1"/>
+            </p:cNvCxnSpPr>
+            <p:nvPr/>
+          </p:nvCxnSpPr>
+          <p:spPr>
+            <a:xfrm rot="10800000">
+              <a:off x="0" y="3429000"/>
+              <a:ext cx="714348" cy="1588"/>
+            </a:xfrm>
+            <a:prstGeom prst="line">
+              <a:avLst/>
+            </a:prstGeom>
+            <a:ln w="28575">
+              <a:solidFill>
+                <a:schemeClr val="tx1"/>
+              </a:solidFill>
+            </a:ln>
+          </p:spPr>
+          <p:style>
+            <a:lnRef idx="1">
+              <a:schemeClr val="accent1"/>
+            </a:lnRef>
+            <a:fillRef idx="0">
+              <a:schemeClr val="accent1"/>
+            </a:fillRef>
+            <a:effectRef idx="0">
+              <a:schemeClr val="accent1"/>
+            </a:effectRef>
+            <a:fontRef idx="minor">
+              <a:schemeClr val="tx1"/>
+            </a:fontRef>
+          </p:style>
+        </p:cxnSp>
+        <p:cxnSp>
+          <p:nvCxnSpPr>
+            <p:cNvPr id="42" name="Gerade Verbindung 41"/>
+            <p:cNvCxnSpPr/>
+            <p:nvPr/>
+          </p:nvCxnSpPr>
+          <p:spPr>
+            <a:xfrm rot="5400000">
+              <a:off x="-35735" y="1964537"/>
+              <a:ext cx="785818" cy="714348"/>
+            </a:xfrm>
+            <a:prstGeom prst="line">
+              <a:avLst/>
+            </a:prstGeom>
+            <a:ln w="28575">
+              <a:solidFill>
+                <a:schemeClr val="tx1"/>
+              </a:solidFill>
+            </a:ln>
+          </p:spPr>
+          <p:style>
+            <a:lnRef idx="1">
+              <a:schemeClr val="accent1"/>
+            </a:lnRef>
+            <a:fillRef idx="0">
+              <a:schemeClr val="accent1"/>
+            </a:fillRef>
+            <a:effectRef idx="0">
+              <a:schemeClr val="accent1"/>
+            </a:effectRef>
+            <a:fontRef idx="minor">
+              <a:schemeClr val="tx1"/>
+            </a:fontRef>
+          </p:style>
+        </p:cxnSp>
+      </p:grpSp>
+    </p:spTree>
+  </p:cSld>
+  <p:clrMapOvr>
+    <a:masterClrMapping/>
+  </p:clrMapOvr>
+</p:sld>
+</file>
+
+<file path=ppt/slides/slide8.xml><?xml version="1.0" encoding="utf-8"?>
+<p:sld xmlns:a="http://schemas.openxmlformats.org/drawingml/2006/main" xmlns:r="http://schemas.openxmlformats.org/officeDocument/2006/relationships" xmlns:p="http://schemas.openxmlformats.org/presentationml/2006/main">
+  <p:cSld>
+    <p:spTree>
+      <p:nvGrpSpPr>
+        <p:cNvPr id="1" name=""/>
+        <p:cNvGrpSpPr/>
+        <p:nvPr/>
+      </p:nvGrpSpPr>
+      <p:grpSpPr>
+        <a:xfrm>
+          <a:off x="0" y="0"/>
+          <a:ext cx="0" cy="0"/>
+          <a:chOff x="0" y="0"/>
+          <a:chExt cx="0" cy="0"/>
+        </a:xfrm>
+      </p:grpSpPr>
+      <p:grpSp>
+        <p:nvGrpSpPr>
+          <p:cNvPr id="21" name="Gruppieren 20"/>
+          <p:cNvGrpSpPr/>
+          <p:nvPr/>
+        </p:nvGrpSpPr>
+        <p:grpSpPr>
+          <a:xfrm>
+            <a:off x="142844" y="2214554"/>
+            <a:ext cx="2310287" cy="1732715"/>
+            <a:chOff x="0" y="0"/>
+            <a:chExt cx="9144000" cy="6858000"/>
+          </a:xfrm>
+        </p:grpSpPr>
+        <p:sp>
+          <p:nvSpPr>
+            <p:cNvPr id="22" name="Ellipse 21"/>
+            <p:cNvSpPr/>
+            <p:nvPr/>
+          </p:nvSpPr>
+          <p:spPr>
+            <a:xfrm>
+              <a:off x="4500562" y="3286124"/>
+              <a:ext cx="285752" cy="285752"/>
+            </a:xfrm>
+            <a:prstGeom prst="ellipse">
+              <a:avLst/>
+            </a:prstGeom>
+            <a:solidFill>
+              <a:schemeClr val="tx1"/>
+            </a:solidFill>
+            <a:ln>
+              <a:noFill/>
+            </a:ln>
+          </p:spPr>
+          <p:style>
+            <a:lnRef idx="2">
+              <a:schemeClr val="accent1">
+                <a:shade val="50000"/>
+              </a:schemeClr>
+            </a:lnRef>
+            <a:fillRef idx="1">
+              <a:schemeClr val="accent1"/>
+            </a:fillRef>
+            <a:effectRef idx="0">
+              <a:schemeClr val="accent1"/>
+            </a:effectRef>
+            <a:fontRef idx="minor">
+              <a:schemeClr val="lt1"/>
+            </a:fontRef>
+          </p:style>
+          <p:txBody>
+            <a:bodyPr rtlCol="0" anchor="ctr"/>
+            <a:lstStyle/>
+            <a:p>
+              <a:pPr algn="ctr"/>
+              <a:endParaRPr lang="de-DE"/>
+            </a:p>
+          </p:txBody>
+        </p:sp>
+        <p:sp>
+          <p:nvSpPr>
+            <p:cNvPr id="23" name="Ellipse 22"/>
+            <p:cNvSpPr/>
+            <p:nvPr/>
+          </p:nvSpPr>
+          <p:spPr>
+            <a:xfrm>
+              <a:off x="2000232" y="1785926"/>
+              <a:ext cx="285752" cy="285752"/>
+            </a:xfrm>
+            <a:prstGeom prst="ellipse">
+              <a:avLst/>
+            </a:prstGeom>
+            <a:solidFill>
+              <a:schemeClr val="tx1"/>
+            </a:solidFill>
+            <a:ln>
+              <a:noFill/>
+            </a:ln>
+          </p:spPr>
+          <p:style>
+            <a:lnRef idx="2">
+              <a:schemeClr val="accent1">
+                <a:shade val="50000"/>
+              </a:schemeClr>
+            </a:lnRef>
+            <a:fillRef idx="1">
+              <a:schemeClr val="accent1"/>
+            </a:fillRef>
+            <a:effectRef idx="0">
+              <a:schemeClr val="accent1"/>
+            </a:effectRef>
+            <a:fontRef idx="minor">
+              <a:schemeClr val="lt1"/>
+            </a:fontRef>
+          </p:style>
+          <p:txBody>
+            <a:bodyPr rtlCol="0" anchor="ctr"/>
+            <a:lstStyle/>
+            <a:p>
+              <a:pPr algn="ctr"/>
+              <a:endParaRPr lang="de-DE"/>
+            </a:p>
+          </p:txBody>
+        </p:sp>
+        <p:sp>
+          <p:nvSpPr>
+            <p:cNvPr id="24" name="Ellipse 23"/>
+            <p:cNvSpPr/>
+            <p:nvPr/>
+          </p:nvSpPr>
+          <p:spPr>
+            <a:xfrm>
+              <a:off x="1714480" y="3786190"/>
+              <a:ext cx="285752" cy="285752"/>
+            </a:xfrm>
+            <a:prstGeom prst="ellipse">
+              <a:avLst/>
+            </a:prstGeom>
+            <a:solidFill>
+              <a:schemeClr val="tx1"/>
+            </a:solidFill>
+            <a:ln>
+              <a:noFill/>
+            </a:ln>
+          </p:spPr>
+          <p:style>
+            <a:lnRef idx="2">
+              <a:schemeClr val="accent1">
+                <a:shade val="50000"/>
+              </a:schemeClr>
+            </a:lnRef>
+            <a:fillRef idx="1">
+              <a:schemeClr val="accent1"/>
+            </a:fillRef>
+            <a:effectRef idx="0">
+              <a:schemeClr val="accent1"/>
+            </a:effectRef>
+            <a:fontRef idx="minor">
+              <a:schemeClr val="lt1"/>
+            </a:fontRef>
+          </p:style>
+          <p:txBody>
+            <a:bodyPr rtlCol="0" anchor="ctr"/>
+            <a:lstStyle/>
+            <a:p>
+              <a:pPr algn="ctr"/>
+              <a:endParaRPr lang="de-DE"/>
+            </a:p>
+          </p:txBody>
+        </p:sp>
+        <p:sp>
+          <p:nvSpPr>
+            <p:cNvPr id="25" name="Ellipse 24"/>
+            <p:cNvSpPr/>
+            <p:nvPr/>
+          </p:nvSpPr>
+          <p:spPr>
+            <a:xfrm>
+              <a:off x="2714612" y="5214950"/>
+              <a:ext cx="285752" cy="285752"/>
+            </a:xfrm>
+            <a:prstGeom prst="ellipse">
+              <a:avLst/>
+            </a:prstGeom>
+            <a:solidFill>
+              <a:schemeClr val="tx1"/>
+            </a:solidFill>
+            <a:ln>
+              <a:noFill/>
+            </a:ln>
+          </p:spPr>
+          <p:style>
+            <a:lnRef idx="2">
+              <a:schemeClr val="accent1">
+                <a:shade val="50000"/>
+              </a:schemeClr>
+            </a:lnRef>
+            <a:fillRef idx="1">
+              <a:schemeClr val="accent1"/>
+            </a:fillRef>
+            <a:effectRef idx="0">
+              <a:schemeClr val="accent1"/>
+            </a:effectRef>
+            <a:fontRef idx="minor">
+              <a:schemeClr val="lt1"/>
+            </a:fontRef>
+          </p:style>
+          <p:txBody>
+            <a:bodyPr rtlCol="0" anchor="ctr"/>
+            <a:lstStyle/>
+            <a:p>
+              <a:pPr algn="ctr"/>
+              <a:endParaRPr lang="de-DE"/>
+            </a:p>
+          </p:txBody>
+        </p:sp>
+        <p:sp>
+          <p:nvSpPr>
+            <p:cNvPr id="26" name="Ellipse 25"/>
+            <p:cNvSpPr/>
+            <p:nvPr/>
+          </p:nvSpPr>
+          <p:spPr>
+            <a:xfrm>
+              <a:off x="5072066" y="857232"/>
+              <a:ext cx="285752" cy="285752"/>
+            </a:xfrm>
+            <a:prstGeom prst="ellipse">
+              <a:avLst/>
+            </a:prstGeom>
+            <a:solidFill>
+              <a:schemeClr val="tx1"/>
+            </a:solidFill>
+            <a:ln>
+              <a:noFill/>
+            </a:ln>
+          </p:spPr>
+          <p:style>
+            <a:lnRef idx="2">
+              <a:schemeClr val="accent1">
+                <a:shade val="50000"/>
+              </a:schemeClr>
+            </a:lnRef>
+            <a:fillRef idx="1">
+              <a:schemeClr val="accent1"/>
+            </a:fillRef>
+            <a:effectRef idx="0">
+              <a:schemeClr val="accent1"/>
+            </a:effectRef>
+            <a:fontRef idx="minor">
+              <a:schemeClr val="lt1"/>
+            </a:fontRef>
+          </p:style>
+          <p:txBody>
+            <a:bodyPr rtlCol="0" anchor="ctr"/>
+            <a:lstStyle/>
+            <a:p>
+              <a:pPr algn="ctr"/>
+              <a:endParaRPr lang="de-DE"/>
+            </a:p>
+          </p:txBody>
+        </p:sp>
+        <p:sp>
+          <p:nvSpPr>
+            <p:cNvPr id="27" name="Ellipse 26"/>
+            <p:cNvSpPr/>
+            <p:nvPr/>
+          </p:nvSpPr>
+          <p:spPr>
+            <a:xfrm>
+              <a:off x="5500694" y="5214950"/>
+              <a:ext cx="285752" cy="285752"/>
+            </a:xfrm>
+            <a:prstGeom prst="ellipse">
+              <a:avLst/>
+            </a:prstGeom>
+            <a:solidFill>
+              <a:schemeClr val="tx1"/>
+            </a:solidFill>
+            <a:ln>
+              <a:noFill/>
+            </a:ln>
+          </p:spPr>
+          <p:style>
+            <a:lnRef idx="2">
+              <a:schemeClr val="accent1">
+                <a:shade val="50000"/>
+              </a:schemeClr>
+            </a:lnRef>
+            <a:fillRef idx="1">
+              <a:schemeClr val="accent1"/>
+            </a:fillRef>
+            <a:effectRef idx="0">
+              <a:schemeClr val="accent1"/>
+            </a:effectRef>
+            <a:fontRef idx="minor">
+              <a:schemeClr val="lt1"/>
+            </a:fontRef>
+          </p:style>
+          <p:txBody>
+            <a:bodyPr rtlCol="0" anchor="ctr"/>
+            <a:lstStyle/>
+            <a:p>
+              <a:pPr algn="ctr"/>
+              <a:endParaRPr lang="de-DE"/>
+            </a:p>
+          </p:txBody>
+        </p:sp>
+        <p:sp>
+          <p:nvSpPr>
+            <p:cNvPr id="28" name="Ellipse 27"/>
+            <p:cNvSpPr/>
+            <p:nvPr/>
+          </p:nvSpPr>
+          <p:spPr>
+            <a:xfrm>
+              <a:off x="7643834" y="2571744"/>
+              <a:ext cx="285752" cy="285752"/>
+            </a:xfrm>
+            <a:prstGeom prst="ellipse">
+              <a:avLst/>
+            </a:prstGeom>
+            <a:solidFill>
+              <a:schemeClr val="tx1"/>
+            </a:solidFill>
+            <a:ln>
+              <a:noFill/>
+            </a:ln>
+          </p:spPr>
+          <p:style>
+            <a:lnRef idx="2">
+              <a:schemeClr val="accent1">
+                <a:shade val="50000"/>
+              </a:schemeClr>
+            </a:lnRef>
+            <a:fillRef idx="1">
+              <a:schemeClr val="accent1"/>
+            </a:fillRef>
+            <a:effectRef idx="0">
+              <a:schemeClr val="accent1"/>
+            </a:effectRef>
+            <a:fontRef idx="minor">
+              <a:schemeClr val="lt1"/>
+            </a:fontRef>
+          </p:style>
+          <p:txBody>
+            <a:bodyPr rtlCol="0" anchor="ctr"/>
+            <a:lstStyle/>
+            <a:p>
+              <a:pPr algn="ctr"/>
+              <a:endParaRPr lang="de-DE"/>
+            </a:p>
+          </p:txBody>
+        </p:sp>
+        <p:sp>
+          <p:nvSpPr>
+            <p:cNvPr id="29" name="Rechteck 28"/>
+            <p:cNvSpPr/>
+            <p:nvPr/>
+          </p:nvSpPr>
+          <p:spPr>
+            <a:xfrm>
+              <a:off x="0" y="0"/>
+              <a:ext cx="9144000" cy="6858000"/>
+            </a:xfrm>
+            <a:prstGeom prst="rect">
+              <a:avLst/>
+            </a:prstGeom>
+            <a:noFill/>
+            <a:ln>
+              <a:solidFill>
+                <a:schemeClr val="tx1"/>
+              </a:solidFill>
+            </a:ln>
+          </p:spPr>
+          <p:style>
+            <a:lnRef idx="2">
+              <a:schemeClr val="accent1">
+                <a:shade val="50000"/>
+              </a:schemeClr>
+            </a:lnRef>
+            <a:fillRef idx="1">
+              <a:schemeClr val="accent1"/>
+            </a:fillRef>
+            <a:effectRef idx="0">
+              <a:schemeClr val="accent1"/>
+            </a:effectRef>
+            <a:fontRef idx="minor">
+              <a:schemeClr val="lt1"/>
+            </a:fontRef>
+          </p:style>
+          <p:txBody>
+            <a:bodyPr rtlCol="0" anchor="ctr"/>
+            <a:lstStyle/>
+            <a:p>
+              <a:pPr algn="ctr"/>
+              <a:endParaRPr lang="de-DE"/>
+            </a:p>
+          </p:txBody>
+        </p:sp>
+        <p:grpSp>
+          <p:nvGrpSpPr>
+            <p:cNvPr id="30" name="Gruppieren 14"/>
+            <p:cNvGrpSpPr/>
+            <p:nvPr/>
+          </p:nvGrpSpPr>
+          <p:grpSpPr>
+            <a:xfrm flipH="1">
+              <a:off x="5429256" y="3929067"/>
+              <a:ext cx="2000264" cy="833444"/>
+              <a:chOff x="2357422" y="1285860"/>
+              <a:chExt cx="3286148" cy="1428760"/>
+            </a:xfrm>
+            <a:scene3d>
+              <a:camera prst="isometricRightUp">
+                <a:rot lat="1980000" lon="2700000" rev="0"/>
+              </a:camera>
+              <a:lightRig rig="threePt" dir="t"/>
+            </a:scene3d>
+          </p:grpSpPr>
+          <p:cxnSp>
+            <p:nvCxnSpPr>
+              <p:cNvPr id="31" name="Gerade Verbindung 30"/>
+              <p:cNvCxnSpPr/>
+              <p:nvPr/>
+            </p:nvCxnSpPr>
+            <p:spPr>
+              <a:xfrm flipV="1">
+                <a:off x="2357422" y="1285860"/>
+                <a:ext cx="1500198" cy="714380"/>
+              </a:xfrm>
+              <a:prstGeom prst="line">
+                <a:avLst/>
+              </a:prstGeom>
+              <a:ln w="19050">
+                <a:solidFill>
+                  <a:schemeClr val="tx1"/>
+                </a:solidFill>
+              </a:ln>
+            </p:spPr>
+            <p:style>
+              <a:lnRef idx="1">
+                <a:schemeClr val="accent1"/>
+              </a:lnRef>
+              <a:fillRef idx="0">
+                <a:schemeClr val="accent1"/>
+              </a:fillRef>
+              <a:effectRef idx="0">
+                <a:schemeClr val="accent1"/>
+              </a:effectRef>
+              <a:fontRef idx="minor">
+                <a:schemeClr val="tx1"/>
+              </a:fontRef>
+            </p:style>
+          </p:cxnSp>
+          <p:cxnSp>
+            <p:nvCxnSpPr>
+              <p:cNvPr id="32" name="Gerade Verbindung 31"/>
+              <p:cNvCxnSpPr/>
+              <p:nvPr/>
+            </p:nvCxnSpPr>
+            <p:spPr>
+              <a:xfrm>
+                <a:off x="2357422" y="2000240"/>
+                <a:ext cx="1500198" cy="714380"/>
+              </a:xfrm>
+              <a:prstGeom prst="line">
+                <a:avLst/>
+              </a:prstGeom>
+              <a:ln w="19050">
+                <a:solidFill>
+                  <a:schemeClr val="tx1"/>
+                </a:solidFill>
+              </a:ln>
+            </p:spPr>
+            <p:style>
+              <a:lnRef idx="1">
+                <a:schemeClr val="accent1"/>
+              </a:lnRef>
+              <a:fillRef idx="0">
+                <a:schemeClr val="accent1"/>
+              </a:fillRef>
+              <a:effectRef idx="0">
+                <a:schemeClr val="accent1"/>
+              </a:effectRef>
+              <a:fontRef idx="minor">
+                <a:schemeClr val="tx1"/>
+              </a:fontRef>
+            </p:style>
+          </p:cxnSp>
+          <p:sp>
+            <p:nvSpPr>
+              <p:cNvPr id="33" name="Bogen 32"/>
+              <p:cNvSpPr/>
+              <p:nvPr/>
+            </p:nvSpPr>
+            <p:spPr>
+              <a:xfrm>
+                <a:off x="2357422" y="1285860"/>
+                <a:ext cx="1071570" cy="1428760"/>
+              </a:xfrm>
+              <a:prstGeom prst="arc">
+                <a:avLst>
+                  <a:gd name="adj1" fmla="val 16200000"/>
+                  <a:gd name="adj2" fmla="val 5300590"/>
+                </a:avLst>
+              </a:prstGeom>
+              <a:ln w="19050">
+                <a:solidFill>
+                  <a:schemeClr val="tx1"/>
+                </a:solidFill>
+              </a:ln>
+            </p:spPr>
+            <p:style>
+              <a:lnRef idx="1">
+                <a:schemeClr val="accent1"/>
+              </a:lnRef>
+              <a:fillRef idx="0">
+                <a:schemeClr val="accent1"/>
+              </a:fillRef>
+              <a:effectRef idx="0">
+                <a:schemeClr val="accent1"/>
+              </a:effectRef>
+              <a:fontRef idx="minor">
+                <a:schemeClr val="tx1"/>
+              </a:fontRef>
+            </p:style>
+            <p:txBody>
+              <a:bodyPr rtlCol="0" anchor="ctr"/>
+              <a:lstStyle/>
+              <a:p>
+                <a:pPr algn="ctr"/>
+                <a:endParaRPr lang="de-DE"/>
+              </a:p>
+            </p:txBody>
+          </p:sp>
+          <p:cxnSp>
+            <p:nvCxnSpPr>
+              <p:cNvPr id="34" name="Gerade Verbindung 33"/>
+              <p:cNvCxnSpPr/>
+              <p:nvPr/>
+            </p:nvCxnSpPr>
+            <p:spPr>
+              <a:xfrm>
+                <a:off x="3428992" y="2000240"/>
+                <a:ext cx="2214578" cy="1588"/>
+              </a:xfrm>
+              <a:prstGeom prst="line">
+                <a:avLst/>
+              </a:prstGeom>
+              <a:ln w="19050">
+                <a:solidFill>
+                  <a:schemeClr val="tx1"/>
+                </a:solidFill>
+              </a:ln>
+            </p:spPr>
+            <p:style>
+              <a:lnRef idx="1">
+                <a:schemeClr val="accent1"/>
+              </a:lnRef>
+              <a:fillRef idx="0">
+                <a:schemeClr val="accent1"/>
+              </a:fillRef>
+              <a:effectRef idx="0">
+                <a:schemeClr val="accent1"/>
+              </a:effectRef>
+              <a:fontRef idx="minor">
+                <a:schemeClr val="tx1"/>
+              </a:fontRef>
+            </p:style>
+          </p:cxnSp>
+        </p:grpSp>
+      </p:grpSp>
+      <p:grpSp>
+        <p:nvGrpSpPr>
+          <p:cNvPr id="71" name="Gruppieren 70"/>
+          <p:cNvGrpSpPr/>
+          <p:nvPr/>
+        </p:nvGrpSpPr>
+        <p:grpSpPr>
+          <a:xfrm>
+            <a:off x="4151894" y="2214554"/>
+            <a:ext cx="2310286" cy="1732714"/>
+            <a:chOff x="0" y="0"/>
+            <a:chExt cx="9144000" cy="6858000"/>
+          </a:xfrm>
+        </p:grpSpPr>
+        <p:sp>
+          <p:nvSpPr>
+            <p:cNvPr id="72" name="Ellipse 71"/>
+            <p:cNvSpPr/>
+            <p:nvPr/>
+          </p:nvSpPr>
+          <p:spPr>
+            <a:xfrm>
+              <a:off x="4500562" y="3286124"/>
+              <a:ext cx="285752" cy="285752"/>
+            </a:xfrm>
+            <a:prstGeom prst="ellipse">
+              <a:avLst/>
+            </a:prstGeom>
+            <a:solidFill>
+              <a:schemeClr val="bg1">
+                <a:lumMod val="75000"/>
+              </a:schemeClr>
+            </a:solidFill>
+            <a:ln>
+              <a:noFill/>
+            </a:ln>
+          </p:spPr>
+          <p:style>
+            <a:lnRef idx="2">
+              <a:schemeClr val="accent1">
+                <a:shade val="50000"/>
+              </a:schemeClr>
+            </a:lnRef>
+            <a:fillRef idx="1">
+              <a:schemeClr val="accent1"/>
+            </a:fillRef>
+            <a:effectRef idx="0">
+              <a:schemeClr val="accent1"/>
+            </a:effectRef>
+            <a:fontRef idx="minor">
+              <a:schemeClr val="lt1"/>
+            </a:fontRef>
+          </p:style>
+          <p:txBody>
+            <a:bodyPr rtlCol="0" anchor="ctr"/>
+            <a:lstStyle/>
+            <a:p>
+              <a:pPr algn="ctr"/>
+              <a:endParaRPr lang="de-DE"/>
+            </a:p>
+          </p:txBody>
+        </p:sp>
+        <p:sp>
+          <p:nvSpPr>
+            <p:cNvPr id="73" name="Ellipse 72"/>
+            <p:cNvSpPr/>
+            <p:nvPr/>
+          </p:nvSpPr>
+          <p:spPr>
+            <a:xfrm>
+              <a:off x="1714480" y="3786190"/>
+              <a:ext cx="285752" cy="285752"/>
+            </a:xfrm>
+            <a:prstGeom prst="ellipse">
+              <a:avLst/>
+            </a:prstGeom>
+            <a:solidFill>
+              <a:schemeClr val="bg1">
+                <a:lumMod val="75000"/>
+              </a:schemeClr>
+            </a:solidFill>
+            <a:ln>
+              <a:noFill/>
+            </a:ln>
+          </p:spPr>
+          <p:style>
+            <a:lnRef idx="2">
+              <a:schemeClr val="accent1">
+                <a:shade val="50000"/>
+              </a:schemeClr>
+            </a:lnRef>
+            <a:fillRef idx="1">
+              <a:schemeClr val="accent1"/>
+            </a:fillRef>
+            <a:effectRef idx="0">
+              <a:schemeClr val="accent1"/>
+            </a:effectRef>
+            <a:fontRef idx="minor">
+              <a:schemeClr val="lt1"/>
+            </a:fontRef>
+          </p:style>
+          <p:txBody>
+            <a:bodyPr rtlCol="0" anchor="ctr"/>
+            <a:lstStyle/>
+            <a:p>
+              <a:pPr algn="ctr"/>
+              <a:endParaRPr lang="de-DE"/>
+            </a:p>
+          </p:txBody>
+        </p:sp>
+        <p:sp>
+          <p:nvSpPr>
+            <p:cNvPr id="74" name="Ellipse 73"/>
+            <p:cNvSpPr/>
+            <p:nvPr/>
+          </p:nvSpPr>
+          <p:spPr>
+            <a:xfrm>
+              <a:off x="2714612" y="5214950"/>
+              <a:ext cx="285752" cy="285752"/>
+            </a:xfrm>
+            <a:prstGeom prst="ellipse">
+              <a:avLst/>
+            </a:prstGeom>
+            <a:solidFill>
+              <a:schemeClr val="bg1">
+                <a:lumMod val="75000"/>
+              </a:schemeClr>
+            </a:solidFill>
+            <a:ln>
+              <a:noFill/>
+            </a:ln>
+          </p:spPr>
+          <p:style>
+            <a:lnRef idx="2">
+              <a:schemeClr val="accent1">
+                <a:shade val="50000"/>
+              </a:schemeClr>
+            </a:lnRef>
+            <a:fillRef idx="1">
+              <a:schemeClr val="accent1"/>
+            </a:fillRef>
+            <a:effectRef idx="0">
+              <a:schemeClr val="accent1"/>
+            </a:effectRef>
+            <a:fontRef idx="minor">
+              <a:schemeClr val="lt1"/>
+            </a:fontRef>
+          </p:style>
+          <p:txBody>
+            <a:bodyPr rtlCol="0" anchor="ctr"/>
+            <a:lstStyle/>
+            <a:p>
+              <a:pPr algn="ctr"/>
+              <a:endParaRPr lang="de-DE"/>
+            </a:p>
+          </p:txBody>
+        </p:sp>
+        <p:sp>
+          <p:nvSpPr>
+            <p:cNvPr id="75" name="Ellipse 74"/>
+            <p:cNvSpPr/>
+            <p:nvPr/>
+          </p:nvSpPr>
+          <p:spPr>
+            <a:xfrm>
+              <a:off x="5072066" y="857232"/>
+              <a:ext cx="285752" cy="285752"/>
+            </a:xfrm>
+            <a:prstGeom prst="ellipse">
+              <a:avLst/>
+            </a:prstGeom>
+            <a:solidFill>
+              <a:schemeClr val="bg1">
+                <a:lumMod val="75000"/>
+              </a:schemeClr>
+            </a:solidFill>
+            <a:ln>
+              <a:noFill/>
+            </a:ln>
+          </p:spPr>
+          <p:style>
+            <a:lnRef idx="2">
+              <a:schemeClr val="accent1">
+                <a:shade val="50000"/>
+              </a:schemeClr>
+            </a:lnRef>
+            <a:fillRef idx="1">
+              <a:schemeClr val="accent1"/>
+            </a:fillRef>
+            <a:effectRef idx="0">
+              <a:schemeClr val="accent1"/>
+            </a:effectRef>
+            <a:fontRef idx="minor">
+              <a:schemeClr val="lt1"/>
+            </a:fontRef>
+          </p:style>
+          <p:txBody>
+            <a:bodyPr rtlCol="0" anchor="ctr"/>
+            <a:lstStyle/>
+            <a:p>
+              <a:pPr algn="ctr"/>
+              <a:endParaRPr lang="de-DE"/>
+            </a:p>
+          </p:txBody>
+        </p:sp>
+        <p:sp>
+          <p:nvSpPr>
+            <p:cNvPr id="76" name="Ellipse 75"/>
+            <p:cNvSpPr/>
+            <p:nvPr/>
+          </p:nvSpPr>
+          <p:spPr>
+            <a:xfrm>
+              <a:off x="5500694" y="5214950"/>
+              <a:ext cx="285752" cy="285752"/>
+            </a:xfrm>
+            <a:prstGeom prst="ellipse">
+              <a:avLst/>
+            </a:prstGeom>
+            <a:solidFill>
+              <a:schemeClr val="bg1">
+                <a:lumMod val="75000"/>
+              </a:schemeClr>
+            </a:solidFill>
+            <a:ln>
+              <a:noFill/>
+            </a:ln>
+          </p:spPr>
+          <p:style>
+            <a:lnRef idx="2">
+              <a:schemeClr val="accent1">
+                <a:shade val="50000"/>
+              </a:schemeClr>
+            </a:lnRef>
+            <a:fillRef idx="1">
+              <a:schemeClr val="accent1"/>
+            </a:fillRef>
+            <a:effectRef idx="0">
+              <a:schemeClr val="accent1"/>
+            </a:effectRef>
+            <a:fontRef idx="minor">
+              <a:schemeClr val="lt1"/>
+            </a:fontRef>
+          </p:style>
+          <p:txBody>
+            <a:bodyPr rtlCol="0" anchor="ctr"/>
+            <a:lstStyle/>
+            <a:p>
+              <a:pPr algn="ctr"/>
+              <a:endParaRPr lang="de-DE"/>
+            </a:p>
+          </p:txBody>
+        </p:sp>
+        <p:sp>
+          <p:nvSpPr>
+            <p:cNvPr id="77" name="Ellipse 76"/>
+            <p:cNvSpPr/>
+            <p:nvPr/>
+          </p:nvSpPr>
+          <p:spPr>
+            <a:xfrm>
+              <a:off x="7643834" y="2571744"/>
+              <a:ext cx="285752" cy="285752"/>
+            </a:xfrm>
+            <a:prstGeom prst="ellipse">
+              <a:avLst/>
+            </a:prstGeom>
+            <a:solidFill>
+              <a:schemeClr val="bg1">
+                <a:lumMod val="75000"/>
+              </a:schemeClr>
+            </a:solidFill>
+            <a:ln>
+              <a:noFill/>
+            </a:ln>
+          </p:spPr>
+          <p:style>
+            <a:lnRef idx="2">
+              <a:schemeClr val="accent1">
+                <a:shade val="50000"/>
+              </a:schemeClr>
+            </a:lnRef>
+            <a:fillRef idx="1">
+              <a:schemeClr val="accent1"/>
+            </a:fillRef>
+            <a:effectRef idx="0">
+              <a:schemeClr val="accent1"/>
+            </a:effectRef>
+            <a:fontRef idx="minor">
+              <a:schemeClr val="lt1"/>
+            </a:fontRef>
+          </p:style>
+          <p:txBody>
+            <a:bodyPr rtlCol="0" anchor="ctr"/>
+            <a:lstStyle/>
+            <a:p>
+              <a:pPr algn="ctr"/>
+              <a:endParaRPr lang="de-DE"/>
+            </a:p>
+          </p:txBody>
+        </p:sp>
+        <p:sp>
+          <p:nvSpPr>
+            <p:cNvPr id="78" name="Rechteck 77"/>
+            <p:cNvSpPr/>
+            <p:nvPr/>
+          </p:nvSpPr>
+          <p:spPr>
+            <a:xfrm>
+              <a:off x="0" y="0"/>
+              <a:ext cx="9144000" cy="6858000"/>
+            </a:xfrm>
+            <a:prstGeom prst="rect">
+              <a:avLst/>
+            </a:prstGeom>
+            <a:noFill/>
+            <a:ln>
+              <a:solidFill>
+                <a:schemeClr val="tx1"/>
+              </a:solidFill>
+            </a:ln>
+          </p:spPr>
+          <p:style>
+            <a:lnRef idx="2">
+              <a:schemeClr val="accent1">
+                <a:shade val="50000"/>
+              </a:schemeClr>
+            </a:lnRef>
+            <a:fillRef idx="1">
+              <a:schemeClr val="accent1"/>
+            </a:fillRef>
+            <a:effectRef idx="0">
+              <a:schemeClr val="accent1"/>
+            </a:effectRef>
+            <a:fontRef idx="minor">
+              <a:schemeClr val="lt1"/>
+            </a:fontRef>
+          </p:style>
+          <p:txBody>
+            <a:bodyPr rtlCol="0" anchor="ctr"/>
+            <a:lstStyle/>
+            <a:p>
+              <a:pPr algn="ctr"/>
+              <a:endParaRPr lang="de-DE"/>
+            </a:p>
+          </p:txBody>
+        </p:sp>
+        <p:grpSp>
+          <p:nvGrpSpPr>
+            <p:cNvPr id="79" name="Gruppieren 14"/>
+            <p:cNvGrpSpPr/>
+            <p:nvPr/>
+          </p:nvGrpSpPr>
+          <p:grpSpPr>
+            <a:xfrm flipH="1">
+              <a:off x="5429256" y="3929067"/>
+              <a:ext cx="2000264" cy="833444"/>
+              <a:chOff x="2357422" y="1285860"/>
+              <a:chExt cx="3286148" cy="1428760"/>
+            </a:xfrm>
+            <a:scene3d>
+              <a:camera prst="isometricRightUp">
+                <a:rot lat="1980000" lon="2700000" rev="0"/>
+              </a:camera>
+              <a:lightRig rig="threePt" dir="t"/>
+            </a:scene3d>
+          </p:grpSpPr>
+          <p:cxnSp>
+            <p:nvCxnSpPr>
+              <p:cNvPr id="130" name="Gerade Verbindung 15"/>
+              <p:cNvCxnSpPr/>
+              <p:nvPr/>
+            </p:nvCxnSpPr>
+            <p:spPr>
+              <a:xfrm flipV="1">
+                <a:off x="2357422" y="1285860"/>
+                <a:ext cx="1500198" cy="714380"/>
+              </a:xfrm>
+              <a:prstGeom prst="line">
+                <a:avLst/>
+              </a:prstGeom>
+              <a:ln w="19050">
+                <a:solidFill>
+                  <a:schemeClr val="tx1"/>
+                </a:solidFill>
+              </a:ln>
+            </p:spPr>
+            <p:style>
+              <a:lnRef idx="1">
+                <a:schemeClr val="accent1"/>
+              </a:lnRef>
+              <a:fillRef idx="0">
+                <a:schemeClr val="accent1"/>
+              </a:fillRef>
+              <a:effectRef idx="0">
+                <a:schemeClr val="accent1"/>
+              </a:effectRef>
+              <a:fontRef idx="minor">
+                <a:schemeClr val="tx1"/>
+              </a:fontRef>
+            </p:style>
+          </p:cxnSp>
+          <p:cxnSp>
+            <p:nvCxnSpPr>
+              <p:cNvPr id="131" name="Gerade Verbindung 16"/>
+              <p:cNvCxnSpPr/>
+              <p:nvPr/>
+            </p:nvCxnSpPr>
+            <p:spPr>
+              <a:xfrm>
+                <a:off x="2357422" y="2000240"/>
+                <a:ext cx="1500198" cy="714380"/>
+              </a:xfrm>
+              <a:prstGeom prst="line">
+                <a:avLst/>
+              </a:prstGeom>
+              <a:ln w="19050">
+                <a:solidFill>
+                  <a:schemeClr val="tx1"/>
+                </a:solidFill>
+              </a:ln>
+            </p:spPr>
+            <p:style>
+              <a:lnRef idx="1">
+                <a:schemeClr val="accent1"/>
+              </a:lnRef>
+              <a:fillRef idx="0">
+                <a:schemeClr val="accent1"/>
+              </a:fillRef>
+              <a:effectRef idx="0">
+                <a:schemeClr val="accent1"/>
+              </a:effectRef>
+              <a:fontRef idx="minor">
+                <a:schemeClr val="tx1"/>
+              </a:fontRef>
+            </p:style>
+          </p:cxnSp>
+          <p:sp>
+            <p:nvSpPr>
+              <p:cNvPr id="132" name="Bogen 17"/>
+              <p:cNvSpPr/>
+              <p:nvPr/>
+            </p:nvSpPr>
+            <p:spPr>
+              <a:xfrm>
+                <a:off x="2357422" y="1285860"/>
+                <a:ext cx="1071570" cy="1428760"/>
+              </a:xfrm>
+              <a:prstGeom prst="arc">
+                <a:avLst>
+                  <a:gd name="adj1" fmla="val 16200000"/>
+                  <a:gd name="adj2" fmla="val 5300590"/>
+                </a:avLst>
+              </a:prstGeom>
+              <a:ln w="19050">
+                <a:solidFill>
+                  <a:schemeClr val="tx1"/>
+                </a:solidFill>
+              </a:ln>
+            </p:spPr>
+            <p:style>
+              <a:lnRef idx="1">
+                <a:schemeClr val="accent1"/>
+              </a:lnRef>
+              <a:fillRef idx="0">
+                <a:schemeClr val="accent1"/>
+              </a:fillRef>
+              <a:effectRef idx="0">
+                <a:schemeClr val="accent1"/>
+              </a:effectRef>
+              <a:fontRef idx="minor">
+                <a:schemeClr val="tx1"/>
+              </a:fontRef>
+            </p:style>
+            <p:txBody>
+              <a:bodyPr rtlCol="0" anchor="ctr"/>
+              <a:lstStyle/>
+              <a:p>
+                <a:pPr algn="ctr"/>
+                <a:endParaRPr lang="de-DE"/>
+              </a:p>
+            </p:txBody>
+          </p:sp>
+          <p:cxnSp>
+            <p:nvCxnSpPr>
+              <p:cNvPr id="133" name="Gerade Verbindung 18"/>
+              <p:cNvCxnSpPr/>
+              <p:nvPr/>
+            </p:nvCxnSpPr>
+            <p:spPr>
+              <a:xfrm>
+                <a:off x="3428992" y="2000240"/>
+                <a:ext cx="2214578" cy="1588"/>
+              </a:xfrm>
+              <a:prstGeom prst="line">
+                <a:avLst/>
+              </a:prstGeom>
+              <a:ln w="19050">
+                <a:solidFill>
+                  <a:schemeClr val="tx1"/>
+                </a:solidFill>
+              </a:ln>
+            </p:spPr>
+            <p:style>
+              <a:lnRef idx="1">
+                <a:schemeClr val="accent1"/>
+              </a:lnRef>
+              <a:fillRef idx="0">
+                <a:schemeClr val="accent1"/>
+              </a:fillRef>
+              <a:effectRef idx="0">
+                <a:schemeClr val="accent1"/>
+              </a:effectRef>
+              <a:fontRef idx="minor">
+                <a:schemeClr val="tx1"/>
+              </a:fontRef>
+            </p:style>
+          </p:cxnSp>
+        </p:grpSp>
+        <p:sp>
+          <p:nvSpPr>
+            <p:cNvPr id="80" name="Ellipse 79"/>
+            <p:cNvSpPr/>
+            <p:nvPr/>
+          </p:nvSpPr>
+          <p:spPr>
+            <a:xfrm>
+              <a:off x="2000232" y="1785926"/>
+              <a:ext cx="285752" cy="285752"/>
+            </a:xfrm>
+            <a:prstGeom prst="ellipse">
+              <a:avLst/>
+            </a:prstGeom>
+            <a:solidFill>
+              <a:schemeClr val="bg1">
+                <a:lumMod val="75000"/>
+              </a:schemeClr>
+            </a:solidFill>
+            <a:ln>
+              <a:noFill/>
+            </a:ln>
+          </p:spPr>
+          <p:style>
+            <a:lnRef idx="2">
+              <a:schemeClr val="accent1">
+                <a:shade val="50000"/>
+              </a:schemeClr>
+            </a:lnRef>
+            <a:fillRef idx="1">
+              <a:schemeClr val="accent1"/>
+            </a:fillRef>
+            <a:effectRef idx="0">
+              <a:schemeClr val="accent1"/>
+            </a:effectRef>
+            <a:fontRef idx="minor">
+              <a:schemeClr val="lt1"/>
+            </a:fontRef>
+          </p:style>
+          <p:txBody>
+            <a:bodyPr rtlCol="0" anchor="ctr"/>
+            <a:lstStyle/>
+            <a:p>
+              <a:pPr algn="ctr"/>
+              <a:endParaRPr lang="de-DE"/>
+            </a:p>
+          </p:txBody>
+        </p:sp>
+        <p:grpSp>
+          <p:nvGrpSpPr>
+            <p:cNvPr id="81" name="Gruppieren 24"/>
+            <p:cNvGrpSpPr/>
+            <p:nvPr/>
+          </p:nvGrpSpPr>
+          <p:grpSpPr>
+            <a:xfrm>
+              <a:off x="1731218" y="1319014"/>
+              <a:ext cx="857256" cy="1193463"/>
+              <a:chOff x="2571736" y="1246041"/>
+              <a:chExt cx="857256" cy="1193463"/>
+            </a:xfrm>
+          </p:grpSpPr>
+          <p:sp>
+            <p:nvSpPr>
+              <p:cNvPr id="124" name="Rechteck 123"/>
+              <p:cNvSpPr/>
+              <p:nvPr/>
+            </p:nvSpPr>
+            <p:spPr>
+              <a:xfrm>
+                <a:off x="2571736" y="1428736"/>
+                <a:ext cx="857256" cy="857256"/>
+              </a:xfrm>
+              <a:prstGeom prst="rect">
+                <a:avLst/>
+              </a:prstGeom>
+              <a:noFill/>
+              <a:ln>
+                <a:solidFill>
+                  <a:schemeClr val="tx1"/>
+                </a:solidFill>
+                <a:prstDash val="solid"/>
+              </a:ln>
+              <a:scene3d>
+                <a:camera prst="isometricRightUp"/>
+                <a:lightRig rig="threePt" dir="t"/>
+              </a:scene3d>
+            </p:spPr>
+            <p:style>
+              <a:lnRef idx="2">
+                <a:schemeClr val="accent1">
+                  <a:shade val="50000"/>
+                </a:schemeClr>
+              </a:lnRef>
+              <a:fillRef idx="1">
+                <a:schemeClr val="accent1"/>
+              </a:fillRef>
+              <a:effectRef idx="0">
+                <a:schemeClr val="accent1"/>
+              </a:effectRef>
+              <a:fontRef idx="minor">
+                <a:schemeClr val="lt1"/>
+              </a:fontRef>
+            </p:style>
+            <p:txBody>
+              <a:bodyPr rtlCol="0" anchor="ctr"/>
+              <a:lstStyle/>
+              <a:p>
+                <a:pPr algn="ctr"/>
+                <a:endParaRPr lang="de-DE"/>
+              </a:p>
+            </p:txBody>
+          </p:sp>
+          <p:sp>
+            <p:nvSpPr>
+              <p:cNvPr id="125" name="Ellipse 124"/>
+              <p:cNvSpPr/>
+              <p:nvPr/>
+            </p:nvSpPr>
+            <p:spPr>
+              <a:xfrm flipH="1" flipV="1">
+                <a:off x="3221061" y="1246041"/>
+                <a:ext cx="142876" cy="142876"/>
+              </a:xfrm>
+              <a:prstGeom prst="ellipse">
+                <a:avLst/>
+              </a:prstGeom>
+              <a:solidFill>
+                <a:schemeClr val="tx1"/>
+              </a:solidFill>
+              <a:ln>
+                <a:noFill/>
+              </a:ln>
+            </p:spPr>
+            <p:style>
+              <a:lnRef idx="2">
+                <a:schemeClr val="accent1">
+                  <a:shade val="50000"/>
+                </a:schemeClr>
+              </a:lnRef>
+              <a:fillRef idx="1">
+                <a:schemeClr val="accent1"/>
+              </a:fillRef>
+              <a:effectRef idx="0">
+                <a:schemeClr val="accent1"/>
+              </a:effectRef>
+              <a:fontRef idx="minor">
+                <a:schemeClr val="lt1"/>
+              </a:fontRef>
+            </p:style>
+            <p:txBody>
+              <a:bodyPr rtlCol="0" anchor="ctr"/>
+              <a:lstStyle/>
+              <a:p>
+                <a:pPr algn="ctr"/>
+                <a:endParaRPr lang="de-DE"/>
+              </a:p>
+            </p:txBody>
+          </p:sp>
+          <p:sp>
+            <p:nvSpPr>
+              <p:cNvPr id="126" name="Ellipse 125"/>
+              <p:cNvSpPr/>
+              <p:nvPr/>
+            </p:nvSpPr>
+            <p:spPr>
+              <a:xfrm flipH="1" flipV="1">
+                <a:off x="2617946" y="2296628"/>
+                <a:ext cx="142876" cy="142876"/>
+              </a:xfrm>
+              <a:prstGeom prst="ellipse">
+                <a:avLst/>
+              </a:prstGeom>
+              <a:solidFill>
+                <a:schemeClr val="tx1"/>
+              </a:solidFill>
+              <a:ln>
+                <a:noFill/>
+              </a:ln>
+            </p:spPr>
+            <p:style>
+              <a:lnRef idx="2">
+                <a:schemeClr val="accent1">
+                  <a:shade val="50000"/>
+                </a:schemeClr>
+              </a:lnRef>
+              <a:fillRef idx="1">
+                <a:schemeClr val="accent1"/>
+              </a:fillRef>
+              <a:effectRef idx="0">
+                <a:schemeClr val="accent1"/>
+              </a:effectRef>
+              <a:fontRef idx="minor">
+                <a:schemeClr val="lt1"/>
+              </a:fontRef>
+            </p:style>
+            <p:txBody>
+              <a:bodyPr rtlCol="0" anchor="ctr"/>
+              <a:lstStyle/>
+              <a:p>
+                <a:pPr algn="ctr"/>
+                <a:endParaRPr lang="de-DE"/>
+              </a:p>
+            </p:txBody>
+          </p:sp>
+          <p:sp>
+            <p:nvSpPr>
+              <p:cNvPr id="127" name="Ellipse 126"/>
+              <p:cNvSpPr/>
+              <p:nvPr/>
+            </p:nvSpPr>
+            <p:spPr>
+              <a:xfrm flipH="1" flipV="1">
+                <a:off x="3230789" y="1956160"/>
+                <a:ext cx="142876" cy="142876"/>
+              </a:xfrm>
+              <a:prstGeom prst="ellipse">
+                <a:avLst/>
+              </a:prstGeom>
+              <a:solidFill>
+                <a:schemeClr val="tx1"/>
+              </a:solidFill>
+              <a:ln>
+                <a:noFill/>
+              </a:ln>
+            </p:spPr>
+            <p:style>
+              <a:lnRef idx="2">
+                <a:schemeClr val="accent1">
+                  <a:shade val="50000"/>
+                </a:schemeClr>
+              </a:lnRef>
+              <a:fillRef idx="1">
+                <a:schemeClr val="accent1"/>
+              </a:fillRef>
+              <a:effectRef idx="0">
+                <a:schemeClr val="accent1"/>
+              </a:effectRef>
+              <a:fontRef idx="minor">
+                <a:schemeClr val="lt1"/>
+              </a:fontRef>
+            </p:style>
+            <p:txBody>
+              <a:bodyPr rtlCol="0" anchor="ctr"/>
+              <a:lstStyle/>
+              <a:p>
+                <a:pPr algn="ctr"/>
+                <a:endParaRPr lang="de-DE"/>
+              </a:p>
+            </p:txBody>
+          </p:sp>
+          <p:sp>
+            <p:nvSpPr>
+              <p:cNvPr id="128" name="Ellipse 127"/>
+              <p:cNvSpPr/>
+              <p:nvPr/>
+            </p:nvSpPr>
+            <p:spPr>
+              <a:xfrm flipH="1" flipV="1">
+                <a:off x="2608219" y="1605964"/>
+                <a:ext cx="142876" cy="142876"/>
+              </a:xfrm>
+              <a:prstGeom prst="ellipse">
+                <a:avLst/>
+              </a:prstGeom>
+              <a:solidFill>
+                <a:schemeClr val="tx1"/>
+              </a:solidFill>
+              <a:ln>
+                <a:noFill/>
+              </a:ln>
+            </p:spPr>
+            <p:style>
+              <a:lnRef idx="2">
+                <a:schemeClr val="accent1">
+                  <a:shade val="50000"/>
+                </a:schemeClr>
+              </a:lnRef>
+              <a:fillRef idx="1">
+                <a:schemeClr val="accent1"/>
+              </a:fillRef>
+              <a:effectRef idx="0">
+                <a:schemeClr val="accent1"/>
+              </a:effectRef>
+              <a:fontRef idx="minor">
+                <a:schemeClr val="lt1"/>
+              </a:fontRef>
+            </p:style>
+            <p:txBody>
+              <a:bodyPr rtlCol="0" anchor="ctr"/>
+              <a:lstStyle/>
+              <a:p>
+                <a:pPr algn="ctr"/>
+                <a:endParaRPr lang="de-DE"/>
+              </a:p>
+            </p:txBody>
+          </p:sp>
+          <p:cxnSp>
+            <p:nvCxnSpPr>
+              <p:cNvPr id="129" name="Gerade Verbindung 128"/>
+              <p:cNvCxnSpPr/>
+              <p:nvPr/>
+            </p:nvCxnSpPr>
+            <p:spPr>
+              <a:xfrm rot="5400000" flipH="1" flipV="1">
+                <a:off x="2461097" y="1527244"/>
+                <a:ext cx="1070045" cy="642026"/>
+              </a:xfrm>
+              <a:prstGeom prst="line">
+                <a:avLst/>
+              </a:prstGeom>
+              <a:ln w="19050">
+                <a:solidFill>
+                  <a:schemeClr val="tx1"/>
+                </a:solidFill>
+              </a:ln>
+            </p:spPr>
+            <p:style>
+              <a:lnRef idx="1">
+                <a:schemeClr val="accent1"/>
+              </a:lnRef>
+              <a:fillRef idx="0">
+                <a:schemeClr val="accent1"/>
+              </a:fillRef>
+              <a:effectRef idx="0">
+                <a:schemeClr val="accent1"/>
+              </a:effectRef>
+              <a:fontRef idx="minor">
+                <a:schemeClr val="tx1"/>
+              </a:fontRef>
+            </p:style>
+          </p:cxnSp>
+        </p:grpSp>
+        <p:grpSp>
+          <p:nvGrpSpPr>
+            <p:cNvPr id="82" name="Gruppieren 55"/>
+            <p:cNvGrpSpPr/>
+            <p:nvPr/>
+          </p:nvGrpSpPr>
+          <p:grpSpPr>
+            <a:xfrm>
+              <a:off x="4811542" y="375729"/>
+              <a:ext cx="857256" cy="1193463"/>
+              <a:chOff x="2571736" y="1246041"/>
+              <a:chExt cx="857256" cy="1193463"/>
+            </a:xfrm>
+          </p:grpSpPr>
+          <p:sp>
+            <p:nvSpPr>
+              <p:cNvPr id="118" name="Rechteck 117"/>
+              <p:cNvSpPr/>
+              <p:nvPr/>
+            </p:nvSpPr>
+            <p:spPr>
+              <a:xfrm>
+                <a:off x="2571736" y="1428736"/>
+                <a:ext cx="857256" cy="857256"/>
+              </a:xfrm>
+              <a:prstGeom prst="rect">
+                <a:avLst/>
+              </a:prstGeom>
+              <a:noFill/>
+              <a:ln>
+                <a:solidFill>
+                  <a:schemeClr val="tx1"/>
+                </a:solidFill>
+                <a:prstDash val="solid"/>
+              </a:ln>
+              <a:scene3d>
+                <a:camera prst="isometricRightUp"/>
+                <a:lightRig rig="threePt" dir="t"/>
+              </a:scene3d>
+            </p:spPr>
+            <p:style>
+              <a:lnRef idx="2">
+                <a:schemeClr val="accent1">
+                  <a:shade val="50000"/>
+                </a:schemeClr>
+              </a:lnRef>
+              <a:fillRef idx="1">
+                <a:schemeClr val="accent1"/>
+              </a:fillRef>
+              <a:effectRef idx="0">
+                <a:schemeClr val="accent1"/>
+              </a:effectRef>
+              <a:fontRef idx="minor">
+                <a:schemeClr val="lt1"/>
+              </a:fontRef>
+            </p:style>
+            <p:txBody>
+              <a:bodyPr rtlCol="0" anchor="ctr"/>
+              <a:lstStyle/>
+              <a:p>
+                <a:pPr algn="ctr"/>
+                <a:endParaRPr lang="de-DE"/>
+              </a:p>
+            </p:txBody>
+          </p:sp>
+          <p:sp>
+            <p:nvSpPr>
+              <p:cNvPr id="119" name="Ellipse 118"/>
+              <p:cNvSpPr/>
+              <p:nvPr/>
+            </p:nvSpPr>
+            <p:spPr>
+              <a:xfrm flipH="1" flipV="1">
+                <a:off x="3221061" y="1246041"/>
+                <a:ext cx="142876" cy="142876"/>
+              </a:xfrm>
+              <a:prstGeom prst="ellipse">
+                <a:avLst/>
+              </a:prstGeom>
+              <a:solidFill>
+                <a:schemeClr val="tx1"/>
+              </a:solidFill>
+              <a:ln>
+                <a:noFill/>
+              </a:ln>
+            </p:spPr>
+            <p:style>
+              <a:lnRef idx="2">
+                <a:schemeClr val="accent1">
+                  <a:shade val="50000"/>
+                </a:schemeClr>
+              </a:lnRef>
+              <a:fillRef idx="1">
+                <a:schemeClr val="accent1"/>
+              </a:fillRef>
+              <a:effectRef idx="0">
+                <a:schemeClr val="accent1"/>
+              </a:effectRef>
+              <a:fontRef idx="minor">
+                <a:schemeClr val="lt1"/>
+              </a:fontRef>
+            </p:style>
+            <p:txBody>
+              <a:bodyPr rtlCol="0" anchor="ctr"/>
+              <a:lstStyle/>
+              <a:p>
+                <a:pPr algn="ctr"/>
+                <a:endParaRPr lang="de-DE"/>
+              </a:p>
+            </p:txBody>
+          </p:sp>
+          <p:sp>
+            <p:nvSpPr>
+              <p:cNvPr id="120" name="Ellipse 119"/>
+              <p:cNvSpPr/>
+              <p:nvPr/>
+            </p:nvSpPr>
+            <p:spPr>
+              <a:xfrm flipH="1" flipV="1">
+                <a:off x="2617946" y="2296628"/>
+                <a:ext cx="142876" cy="142876"/>
+              </a:xfrm>
+              <a:prstGeom prst="ellipse">
+                <a:avLst/>
+              </a:prstGeom>
+              <a:solidFill>
+                <a:schemeClr val="tx1"/>
+              </a:solidFill>
+              <a:ln>
+                <a:noFill/>
+              </a:ln>
+            </p:spPr>
+            <p:style>
+              <a:lnRef idx="2">
+                <a:schemeClr val="accent1">
+                  <a:shade val="50000"/>
+                </a:schemeClr>
+              </a:lnRef>
+              <a:fillRef idx="1">
+                <a:schemeClr val="accent1"/>
+              </a:fillRef>
+              <a:effectRef idx="0">
+                <a:schemeClr val="accent1"/>
+              </a:effectRef>
+              <a:fontRef idx="minor">
+                <a:schemeClr val="lt1"/>
+              </a:fontRef>
+            </p:style>
+            <p:txBody>
+              <a:bodyPr rtlCol="0" anchor="ctr"/>
+              <a:lstStyle/>
+              <a:p>
+                <a:pPr algn="ctr"/>
+                <a:endParaRPr lang="de-DE"/>
+              </a:p>
+            </p:txBody>
+          </p:sp>
+          <p:sp>
+            <p:nvSpPr>
+              <p:cNvPr id="121" name="Ellipse 120"/>
+              <p:cNvSpPr/>
+              <p:nvPr/>
+            </p:nvSpPr>
+            <p:spPr>
+              <a:xfrm flipH="1" flipV="1">
+                <a:off x="3230789" y="1956160"/>
+                <a:ext cx="142876" cy="142876"/>
+              </a:xfrm>
+              <a:prstGeom prst="ellipse">
+                <a:avLst/>
+              </a:prstGeom>
+              <a:solidFill>
+                <a:schemeClr val="tx1"/>
+              </a:solidFill>
+              <a:ln>
+                <a:noFill/>
+              </a:ln>
+            </p:spPr>
+            <p:style>
+              <a:lnRef idx="2">
+                <a:schemeClr val="accent1">
+                  <a:shade val="50000"/>
+                </a:schemeClr>
+              </a:lnRef>
+              <a:fillRef idx="1">
+                <a:schemeClr val="accent1"/>
+              </a:fillRef>
+              <a:effectRef idx="0">
+                <a:schemeClr val="accent1"/>
+              </a:effectRef>
+              <a:fontRef idx="minor">
+                <a:schemeClr val="lt1"/>
+              </a:fontRef>
+            </p:style>
+            <p:txBody>
+              <a:bodyPr rtlCol="0" anchor="ctr"/>
+              <a:lstStyle/>
+              <a:p>
+                <a:pPr algn="ctr"/>
+                <a:endParaRPr lang="de-DE"/>
+              </a:p>
+            </p:txBody>
+          </p:sp>
+          <p:sp>
+            <p:nvSpPr>
+              <p:cNvPr id="122" name="Ellipse 121"/>
+              <p:cNvSpPr/>
+              <p:nvPr/>
+            </p:nvSpPr>
+            <p:spPr>
+              <a:xfrm flipH="1" flipV="1">
+                <a:off x="2608219" y="1605964"/>
+                <a:ext cx="142876" cy="142876"/>
+              </a:xfrm>
+              <a:prstGeom prst="ellipse">
+                <a:avLst/>
+              </a:prstGeom>
+              <a:solidFill>
+                <a:schemeClr val="tx1"/>
+              </a:solidFill>
+              <a:ln>
+                <a:noFill/>
+              </a:ln>
+            </p:spPr>
+            <p:style>
+              <a:lnRef idx="2">
+                <a:schemeClr val="accent1">
+                  <a:shade val="50000"/>
+                </a:schemeClr>
+              </a:lnRef>
+              <a:fillRef idx="1">
+                <a:schemeClr val="accent1"/>
+              </a:fillRef>
+              <a:effectRef idx="0">
+                <a:schemeClr val="accent1"/>
+              </a:effectRef>
+              <a:fontRef idx="minor">
+                <a:schemeClr val="lt1"/>
+              </a:fontRef>
+            </p:style>
+            <p:txBody>
+              <a:bodyPr rtlCol="0" anchor="ctr"/>
+              <a:lstStyle/>
+              <a:p>
+                <a:pPr algn="ctr"/>
+                <a:endParaRPr lang="de-DE"/>
+              </a:p>
+            </p:txBody>
+          </p:sp>
+          <p:cxnSp>
+            <p:nvCxnSpPr>
+              <p:cNvPr id="123" name="Gerade Verbindung 122"/>
+              <p:cNvCxnSpPr/>
+              <p:nvPr/>
+            </p:nvCxnSpPr>
+            <p:spPr>
+              <a:xfrm rot="5400000" flipH="1" flipV="1">
+                <a:off x="2461097" y="1527244"/>
+                <a:ext cx="1070045" cy="642026"/>
+              </a:xfrm>
+              <a:prstGeom prst="line">
+                <a:avLst/>
+              </a:prstGeom>
+              <a:ln w="19050">
+                <a:solidFill>
+                  <a:schemeClr val="tx1"/>
+                </a:solidFill>
+              </a:ln>
+            </p:spPr>
+            <p:style>
+              <a:lnRef idx="1">
+                <a:schemeClr val="accent1"/>
+              </a:lnRef>
+              <a:fillRef idx="0">
+                <a:schemeClr val="accent1"/>
+              </a:fillRef>
+              <a:effectRef idx="0">
+                <a:schemeClr val="accent1"/>
+              </a:effectRef>
+              <a:fontRef idx="minor">
+                <a:schemeClr val="tx1"/>
+              </a:fontRef>
+            </p:style>
+          </p:cxnSp>
+        </p:grpSp>
+        <p:grpSp>
+          <p:nvGrpSpPr>
+            <p:cNvPr id="83" name="Gruppieren 62"/>
+            <p:cNvGrpSpPr/>
+            <p:nvPr/>
+          </p:nvGrpSpPr>
+          <p:grpSpPr>
+            <a:xfrm>
+              <a:off x="7350461" y="2087797"/>
+              <a:ext cx="857256" cy="1193463"/>
+              <a:chOff x="2571736" y="1246041"/>
+              <a:chExt cx="857256" cy="1193463"/>
+            </a:xfrm>
+          </p:grpSpPr>
+          <p:sp>
+            <p:nvSpPr>
+              <p:cNvPr id="112" name="Rechteck 111"/>
+              <p:cNvSpPr/>
+              <p:nvPr/>
+            </p:nvSpPr>
+            <p:spPr>
+              <a:xfrm>
+                <a:off x="2571736" y="1428736"/>
+                <a:ext cx="857256" cy="857256"/>
+              </a:xfrm>
+              <a:prstGeom prst="rect">
+                <a:avLst/>
+              </a:prstGeom>
+              <a:noFill/>
+              <a:ln>
+                <a:solidFill>
+                  <a:schemeClr val="tx1"/>
+                </a:solidFill>
+                <a:prstDash val="solid"/>
+              </a:ln>
+              <a:scene3d>
+                <a:camera prst="isometricRightUp"/>
+                <a:lightRig rig="threePt" dir="t"/>
+              </a:scene3d>
+            </p:spPr>
+            <p:style>
+              <a:lnRef idx="2">
+                <a:schemeClr val="accent1">
+                  <a:shade val="50000"/>
+                </a:schemeClr>
+              </a:lnRef>
+              <a:fillRef idx="1">
+                <a:schemeClr val="accent1"/>
+              </a:fillRef>
+              <a:effectRef idx="0">
+                <a:schemeClr val="accent1"/>
+              </a:effectRef>
+              <a:fontRef idx="minor">
+                <a:schemeClr val="lt1"/>
+              </a:fontRef>
+            </p:style>
+            <p:txBody>
+              <a:bodyPr rtlCol="0" anchor="ctr"/>
+              <a:lstStyle/>
+              <a:p>
+                <a:pPr algn="ctr"/>
+                <a:endParaRPr lang="de-DE"/>
+              </a:p>
+            </p:txBody>
+          </p:sp>
+          <p:sp>
+            <p:nvSpPr>
+              <p:cNvPr id="113" name="Ellipse 112"/>
+              <p:cNvSpPr/>
+              <p:nvPr/>
+            </p:nvSpPr>
+            <p:spPr>
+              <a:xfrm flipH="1" flipV="1">
+                <a:off x="3221061" y="1246041"/>
+                <a:ext cx="142876" cy="142876"/>
+              </a:xfrm>
+              <a:prstGeom prst="ellipse">
+                <a:avLst/>
+              </a:prstGeom>
+              <a:solidFill>
+                <a:schemeClr val="tx1"/>
+              </a:solidFill>
+              <a:ln>
+                <a:noFill/>
+              </a:ln>
+            </p:spPr>
+            <p:style>
+              <a:lnRef idx="2">
+                <a:schemeClr val="accent1">
+                  <a:shade val="50000"/>
+                </a:schemeClr>
+              </a:lnRef>
+              <a:fillRef idx="1">
+                <a:schemeClr val="accent1"/>
+              </a:fillRef>
+              <a:effectRef idx="0">
+                <a:schemeClr val="accent1"/>
+              </a:effectRef>
+              <a:fontRef idx="minor">
+                <a:schemeClr val="lt1"/>
+              </a:fontRef>
+            </p:style>
+            <p:txBody>
+              <a:bodyPr rtlCol="0" anchor="ctr"/>
+              <a:lstStyle/>
+              <a:p>
+                <a:pPr algn="ctr"/>
+                <a:endParaRPr lang="de-DE"/>
+              </a:p>
+            </p:txBody>
+          </p:sp>
+          <p:sp>
+            <p:nvSpPr>
+              <p:cNvPr id="114" name="Ellipse 113"/>
+              <p:cNvSpPr/>
+              <p:nvPr/>
+            </p:nvSpPr>
+            <p:spPr>
+              <a:xfrm flipH="1" flipV="1">
+                <a:off x="2617946" y="2296628"/>
+                <a:ext cx="142876" cy="142876"/>
+              </a:xfrm>
+              <a:prstGeom prst="ellipse">
+                <a:avLst/>
+              </a:prstGeom>
+              <a:solidFill>
+                <a:schemeClr val="tx1"/>
+              </a:solidFill>
+              <a:ln>
+                <a:noFill/>
+              </a:ln>
+            </p:spPr>
+            <p:style>
+              <a:lnRef idx="2">
+                <a:schemeClr val="accent1">
+                  <a:shade val="50000"/>
+                </a:schemeClr>
+              </a:lnRef>
+              <a:fillRef idx="1">
+                <a:schemeClr val="accent1"/>
+              </a:fillRef>
+              <a:effectRef idx="0">
+                <a:schemeClr val="accent1"/>
+              </a:effectRef>
+              <a:fontRef idx="minor">
+                <a:schemeClr val="lt1"/>
+              </a:fontRef>
+            </p:style>
+            <p:txBody>
+              <a:bodyPr rtlCol="0" anchor="ctr"/>
+              <a:lstStyle/>
+              <a:p>
+                <a:pPr algn="ctr"/>
+                <a:endParaRPr lang="de-DE"/>
+              </a:p>
+            </p:txBody>
+          </p:sp>
+          <p:sp>
+            <p:nvSpPr>
+              <p:cNvPr id="115" name="Ellipse 114"/>
+              <p:cNvSpPr/>
+              <p:nvPr/>
+            </p:nvSpPr>
+            <p:spPr>
+              <a:xfrm flipH="1" flipV="1">
+                <a:off x="3230789" y="1956160"/>
+                <a:ext cx="142876" cy="142876"/>
+              </a:xfrm>
+              <a:prstGeom prst="ellipse">
+                <a:avLst/>
+              </a:prstGeom>
+              <a:solidFill>
+                <a:schemeClr val="tx1"/>
+              </a:solidFill>
+              <a:ln>
+                <a:noFill/>
+              </a:ln>
+            </p:spPr>
+            <p:style>
+              <a:lnRef idx="2">
+                <a:schemeClr val="accent1">
+                  <a:shade val="50000"/>
+                </a:schemeClr>
+              </a:lnRef>
+              <a:fillRef idx="1">
+                <a:schemeClr val="accent1"/>
+              </a:fillRef>
+              <a:effectRef idx="0">
+                <a:schemeClr val="accent1"/>
+              </a:effectRef>
+              <a:fontRef idx="minor">
+                <a:schemeClr val="lt1"/>
+              </a:fontRef>
+            </p:style>
+            <p:txBody>
+              <a:bodyPr rtlCol="0" anchor="ctr"/>
+              <a:lstStyle/>
+              <a:p>
+                <a:pPr algn="ctr"/>
+                <a:endParaRPr lang="de-DE"/>
+              </a:p>
+            </p:txBody>
+          </p:sp>
+          <p:sp>
+            <p:nvSpPr>
+              <p:cNvPr id="116" name="Ellipse 115"/>
+              <p:cNvSpPr/>
+              <p:nvPr/>
+            </p:nvSpPr>
+            <p:spPr>
+              <a:xfrm flipH="1" flipV="1">
+                <a:off x="2608219" y="1605964"/>
+                <a:ext cx="142876" cy="142876"/>
+              </a:xfrm>
+              <a:prstGeom prst="ellipse">
+                <a:avLst/>
+              </a:prstGeom>
+              <a:solidFill>
+                <a:schemeClr val="tx1"/>
+              </a:solidFill>
+              <a:ln>
+                <a:noFill/>
+              </a:ln>
+            </p:spPr>
+            <p:style>
+              <a:lnRef idx="2">
+                <a:schemeClr val="accent1">
+                  <a:shade val="50000"/>
+                </a:schemeClr>
+              </a:lnRef>
+              <a:fillRef idx="1">
+                <a:schemeClr val="accent1"/>
+              </a:fillRef>
+              <a:effectRef idx="0">
+                <a:schemeClr val="accent1"/>
+              </a:effectRef>
+              <a:fontRef idx="minor">
+                <a:schemeClr val="lt1"/>
+              </a:fontRef>
+            </p:style>
+            <p:txBody>
+              <a:bodyPr rtlCol="0" anchor="ctr"/>
+              <a:lstStyle/>
+              <a:p>
+                <a:pPr algn="ctr"/>
+                <a:endParaRPr lang="de-DE"/>
+              </a:p>
+            </p:txBody>
+          </p:sp>
+          <p:cxnSp>
+            <p:nvCxnSpPr>
+              <p:cNvPr id="117" name="Gerade Verbindung 116"/>
+              <p:cNvCxnSpPr/>
+              <p:nvPr/>
+            </p:nvCxnSpPr>
+            <p:spPr>
+              <a:xfrm rot="5400000" flipH="1" flipV="1">
+                <a:off x="2461097" y="1527244"/>
+                <a:ext cx="1070045" cy="642026"/>
+              </a:xfrm>
+              <a:prstGeom prst="line">
+                <a:avLst/>
+              </a:prstGeom>
+              <a:ln w="19050">
+                <a:solidFill>
+                  <a:schemeClr val="tx1"/>
+                </a:solidFill>
+              </a:ln>
+            </p:spPr>
+            <p:style>
+              <a:lnRef idx="1">
+                <a:schemeClr val="accent1"/>
+              </a:lnRef>
+              <a:fillRef idx="0">
+                <a:schemeClr val="accent1"/>
+              </a:fillRef>
+              <a:effectRef idx="0">
+                <a:schemeClr val="accent1"/>
+              </a:effectRef>
+              <a:fontRef idx="minor">
+                <a:schemeClr val="tx1"/>
+              </a:fontRef>
+            </p:style>
+          </p:cxnSp>
+        </p:grpSp>
+        <p:grpSp>
+          <p:nvGrpSpPr>
+            <p:cNvPr id="84" name="Gruppieren 69"/>
+            <p:cNvGrpSpPr/>
+            <p:nvPr/>
+          </p:nvGrpSpPr>
+          <p:grpSpPr>
+            <a:xfrm>
+              <a:off x="4232127" y="2820419"/>
+              <a:ext cx="857256" cy="1193463"/>
+              <a:chOff x="2571736" y="1246041"/>
+              <a:chExt cx="857256" cy="1193463"/>
+            </a:xfrm>
+          </p:grpSpPr>
+          <p:sp>
+            <p:nvSpPr>
+              <p:cNvPr id="106" name="Rechteck 105"/>
+              <p:cNvSpPr/>
+              <p:nvPr/>
+            </p:nvSpPr>
+            <p:spPr>
+              <a:xfrm>
+                <a:off x="2571736" y="1428736"/>
+                <a:ext cx="857256" cy="857256"/>
+              </a:xfrm>
+              <a:prstGeom prst="rect">
+                <a:avLst/>
+              </a:prstGeom>
+              <a:noFill/>
+              <a:ln>
+                <a:solidFill>
+                  <a:schemeClr val="tx1"/>
+                </a:solidFill>
+                <a:prstDash val="solid"/>
+              </a:ln>
+              <a:scene3d>
+                <a:camera prst="isometricRightUp"/>
+                <a:lightRig rig="threePt" dir="t"/>
+              </a:scene3d>
+            </p:spPr>
+            <p:style>
+              <a:lnRef idx="2">
+                <a:schemeClr val="accent1">
+                  <a:shade val="50000"/>
+                </a:schemeClr>
+              </a:lnRef>
+              <a:fillRef idx="1">
+                <a:schemeClr val="accent1"/>
+              </a:fillRef>
+              <a:effectRef idx="0">
+                <a:schemeClr val="accent1"/>
+              </a:effectRef>
+              <a:fontRef idx="minor">
+                <a:schemeClr val="lt1"/>
+              </a:fontRef>
+            </p:style>
+            <p:txBody>
+              <a:bodyPr rtlCol="0" anchor="ctr"/>
+              <a:lstStyle/>
+              <a:p>
+                <a:pPr algn="ctr"/>
+                <a:endParaRPr lang="de-DE"/>
+              </a:p>
+            </p:txBody>
+          </p:sp>
+          <p:sp>
+            <p:nvSpPr>
+              <p:cNvPr id="107" name="Ellipse 106"/>
+              <p:cNvSpPr/>
+              <p:nvPr/>
+            </p:nvSpPr>
+            <p:spPr>
+              <a:xfrm flipH="1" flipV="1">
+                <a:off x="3221061" y="1246041"/>
+                <a:ext cx="142876" cy="142876"/>
+              </a:xfrm>
+              <a:prstGeom prst="ellipse">
+                <a:avLst/>
+              </a:prstGeom>
+              <a:solidFill>
+                <a:schemeClr val="tx1"/>
+              </a:solidFill>
+              <a:ln>
+                <a:noFill/>
+              </a:ln>
+            </p:spPr>
+            <p:style>
+              <a:lnRef idx="2">
+                <a:schemeClr val="accent1">
+                  <a:shade val="50000"/>
+                </a:schemeClr>
+              </a:lnRef>
+              <a:fillRef idx="1">
+                <a:schemeClr val="accent1"/>
+              </a:fillRef>
+              <a:effectRef idx="0">
+                <a:schemeClr val="accent1"/>
+              </a:effectRef>
+              <a:fontRef idx="minor">
+                <a:schemeClr val="lt1"/>
+              </a:fontRef>
+            </p:style>
+            <p:txBody>
+              <a:bodyPr rtlCol="0" anchor="ctr"/>
+              <a:lstStyle/>
+              <a:p>
+                <a:pPr algn="ctr"/>
+                <a:endParaRPr lang="de-DE"/>
+              </a:p>
+            </p:txBody>
+          </p:sp>
+          <p:sp>
+            <p:nvSpPr>
+              <p:cNvPr id="108" name="Ellipse 107"/>
+              <p:cNvSpPr/>
+              <p:nvPr/>
+            </p:nvSpPr>
+            <p:spPr>
+              <a:xfrm flipH="1" flipV="1">
+                <a:off x="2617946" y="2296628"/>
+                <a:ext cx="142876" cy="142876"/>
+              </a:xfrm>
+              <a:prstGeom prst="ellipse">
+                <a:avLst/>
+              </a:prstGeom>
+              <a:solidFill>
+                <a:schemeClr val="tx1"/>
+              </a:solidFill>
+              <a:ln>
+                <a:noFill/>
+              </a:ln>
+            </p:spPr>
+            <p:style>
+              <a:lnRef idx="2">
+                <a:schemeClr val="accent1">
+                  <a:shade val="50000"/>
+                </a:schemeClr>
+              </a:lnRef>
+              <a:fillRef idx="1">
+                <a:schemeClr val="accent1"/>
+              </a:fillRef>
+              <a:effectRef idx="0">
+                <a:schemeClr val="accent1"/>
+              </a:effectRef>
+              <a:fontRef idx="minor">
+                <a:schemeClr val="lt1"/>
+              </a:fontRef>
+            </p:style>
+            <p:txBody>
+              <a:bodyPr rtlCol="0" anchor="ctr"/>
+              <a:lstStyle/>
+              <a:p>
+                <a:pPr algn="ctr"/>
+                <a:endParaRPr lang="de-DE"/>
+              </a:p>
+            </p:txBody>
+          </p:sp>
+          <p:sp>
+            <p:nvSpPr>
+              <p:cNvPr id="109" name="Ellipse 108"/>
+              <p:cNvSpPr/>
+              <p:nvPr/>
+            </p:nvSpPr>
+            <p:spPr>
+              <a:xfrm flipH="1" flipV="1">
+                <a:off x="3230789" y="1956160"/>
+                <a:ext cx="142876" cy="142876"/>
+              </a:xfrm>
+              <a:prstGeom prst="ellipse">
+                <a:avLst/>
+              </a:prstGeom>
+              <a:solidFill>
+                <a:schemeClr val="tx1"/>
+              </a:solidFill>
+              <a:ln>
+                <a:noFill/>
+              </a:ln>
+            </p:spPr>
+            <p:style>
+              <a:lnRef idx="2">
+                <a:schemeClr val="accent1">
+                  <a:shade val="50000"/>
+                </a:schemeClr>
+              </a:lnRef>
+              <a:fillRef idx="1">
+                <a:schemeClr val="accent1"/>
+              </a:fillRef>
+              <a:effectRef idx="0">
+                <a:schemeClr val="accent1"/>
+              </a:effectRef>
+              <a:fontRef idx="minor">
+                <a:schemeClr val="lt1"/>
+              </a:fontRef>
+            </p:style>
+            <p:txBody>
+              <a:bodyPr rtlCol="0" anchor="ctr"/>
+              <a:lstStyle/>
+              <a:p>
+                <a:pPr algn="ctr"/>
+                <a:endParaRPr lang="de-DE"/>
+              </a:p>
+            </p:txBody>
+          </p:sp>
+          <p:sp>
+            <p:nvSpPr>
+              <p:cNvPr id="110" name="Ellipse 109"/>
+              <p:cNvSpPr/>
+              <p:nvPr/>
+            </p:nvSpPr>
+            <p:spPr>
+              <a:xfrm flipH="1" flipV="1">
+                <a:off x="2608219" y="1605964"/>
+                <a:ext cx="142876" cy="142876"/>
+              </a:xfrm>
+              <a:prstGeom prst="ellipse">
+                <a:avLst/>
+              </a:prstGeom>
+              <a:solidFill>
+                <a:schemeClr val="tx1"/>
+              </a:solidFill>
+              <a:ln>
+                <a:noFill/>
+              </a:ln>
+            </p:spPr>
+            <p:style>
+              <a:lnRef idx="2">
+                <a:schemeClr val="accent1">
+                  <a:shade val="50000"/>
+                </a:schemeClr>
+              </a:lnRef>
+              <a:fillRef idx="1">
+                <a:schemeClr val="accent1"/>
+              </a:fillRef>
+              <a:effectRef idx="0">
+                <a:schemeClr val="accent1"/>
+              </a:effectRef>
+              <a:fontRef idx="minor">
+                <a:schemeClr val="lt1"/>
+              </a:fontRef>
+            </p:style>
+            <p:txBody>
+              <a:bodyPr rtlCol="0" anchor="ctr"/>
+              <a:lstStyle/>
+              <a:p>
+                <a:pPr algn="ctr"/>
+                <a:endParaRPr lang="de-DE"/>
+              </a:p>
+            </p:txBody>
+          </p:sp>
+          <p:cxnSp>
+            <p:nvCxnSpPr>
+              <p:cNvPr id="111" name="Gerade Verbindung 110"/>
+              <p:cNvCxnSpPr/>
+              <p:nvPr/>
+            </p:nvCxnSpPr>
+            <p:spPr>
+              <a:xfrm rot="5400000" flipH="1" flipV="1">
+                <a:off x="2461097" y="1527244"/>
+                <a:ext cx="1070045" cy="642026"/>
+              </a:xfrm>
+              <a:prstGeom prst="line">
+                <a:avLst/>
+              </a:prstGeom>
+              <a:ln w="19050">
+                <a:solidFill>
+                  <a:schemeClr val="tx1"/>
+                </a:solidFill>
+              </a:ln>
+            </p:spPr>
+            <p:style>
+              <a:lnRef idx="1">
+                <a:schemeClr val="accent1"/>
+              </a:lnRef>
+              <a:fillRef idx="0">
+                <a:schemeClr val="accent1"/>
+              </a:fillRef>
+              <a:effectRef idx="0">
+                <a:schemeClr val="accent1"/>
+              </a:effectRef>
+              <a:fontRef idx="minor">
+                <a:schemeClr val="tx1"/>
+              </a:fontRef>
+            </p:style>
+          </p:cxnSp>
+        </p:grpSp>
+        <p:grpSp>
+          <p:nvGrpSpPr>
+            <p:cNvPr id="85" name="Gruppieren 76"/>
+            <p:cNvGrpSpPr/>
+            <p:nvPr/>
+          </p:nvGrpSpPr>
+          <p:grpSpPr>
+            <a:xfrm>
+              <a:off x="5236214" y="4733720"/>
+              <a:ext cx="857256" cy="1193463"/>
+              <a:chOff x="2571736" y="1246041"/>
+              <a:chExt cx="857256" cy="1193463"/>
+            </a:xfrm>
+          </p:grpSpPr>
+          <p:sp>
+            <p:nvSpPr>
+              <p:cNvPr id="100" name="Rechteck 99"/>
+              <p:cNvSpPr/>
+              <p:nvPr/>
+            </p:nvSpPr>
+            <p:spPr>
+              <a:xfrm>
+                <a:off x="2571736" y="1428736"/>
+                <a:ext cx="857256" cy="857256"/>
+              </a:xfrm>
+              <a:prstGeom prst="rect">
+                <a:avLst/>
+              </a:prstGeom>
+              <a:noFill/>
+              <a:ln>
+                <a:solidFill>
+                  <a:schemeClr val="tx1"/>
+                </a:solidFill>
+                <a:prstDash val="solid"/>
+              </a:ln>
+              <a:scene3d>
+                <a:camera prst="isometricRightUp"/>
+                <a:lightRig rig="threePt" dir="t"/>
+              </a:scene3d>
+            </p:spPr>
+            <p:style>
+              <a:lnRef idx="2">
+                <a:schemeClr val="accent1">
+                  <a:shade val="50000"/>
+                </a:schemeClr>
+              </a:lnRef>
+              <a:fillRef idx="1">
+                <a:schemeClr val="accent1"/>
+              </a:fillRef>
+              <a:effectRef idx="0">
+                <a:schemeClr val="accent1"/>
+              </a:effectRef>
+              <a:fontRef idx="minor">
+                <a:schemeClr val="lt1"/>
+              </a:fontRef>
+            </p:style>
+            <p:txBody>
+              <a:bodyPr rtlCol="0" anchor="ctr"/>
+              <a:lstStyle/>
+              <a:p>
+                <a:pPr algn="ctr"/>
+                <a:endParaRPr lang="de-DE"/>
+              </a:p>
+            </p:txBody>
+          </p:sp>
+          <p:sp>
+            <p:nvSpPr>
+              <p:cNvPr id="101" name="Ellipse 100"/>
+              <p:cNvSpPr/>
+              <p:nvPr/>
+            </p:nvSpPr>
+            <p:spPr>
+              <a:xfrm flipH="1" flipV="1">
+                <a:off x="3221061" y="1246041"/>
+                <a:ext cx="142876" cy="142876"/>
+              </a:xfrm>
+              <a:prstGeom prst="ellipse">
+                <a:avLst/>
+              </a:prstGeom>
+              <a:solidFill>
+                <a:schemeClr val="tx1"/>
+              </a:solidFill>
+              <a:ln>
+                <a:noFill/>
+              </a:ln>
+            </p:spPr>
+            <p:style>
+              <a:lnRef idx="2">
+                <a:schemeClr val="accent1">
+                  <a:shade val="50000"/>
+                </a:schemeClr>
+              </a:lnRef>
+              <a:fillRef idx="1">
+                <a:schemeClr val="accent1"/>
+              </a:fillRef>
+              <a:effectRef idx="0">
+                <a:schemeClr val="accent1"/>
+              </a:effectRef>
+              <a:fontRef idx="minor">
+                <a:schemeClr val="lt1"/>
+              </a:fontRef>
+            </p:style>
+            <p:txBody>
+              <a:bodyPr rtlCol="0" anchor="ctr"/>
+              <a:lstStyle/>
+              <a:p>
+                <a:pPr algn="ctr"/>
+                <a:endParaRPr lang="de-DE"/>
+              </a:p>
+            </p:txBody>
+          </p:sp>
+          <p:sp>
+            <p:nvSpPr>
+              <p:cNvPr id="102" name="Ellipse 101"/>
+              <p:cNvSpPr/>
+              <p:nvPr/>
+            </p:nvSpPr>
+            <p:spPr>
+              <a:xfrm flipH="1" flipV="1">
+                <a:off x="2617946" y="2296628"/>
+                <a:ext cx="142876" cy="142876"/>
+              </a:xfrm>
+              <a:prstGeom prst="ellipse">
+                <a:avLst/>
+              </a:prstGeom>
+              <a:solidFill>
+                <a:schemeClr val="tx1"/>
+              </a:solidFill>
+              <a:ln>
+                <a:noFill/>
+              </a:ln>
+            </p:spPr>
+            <p:style>
+              <a:lnRef idx="2">
+                <a:schemeClr val="accent1">
+                  <a:shade val="50000"/>
+                </a:schemeClr>
+              </a:lnRef>
+              <a:fillRef idx="1">
+                <a:schemeClr val="accent1"/>
+              </a:fillRef>
+              <a:effectRef idx="0">
+                <a:schemeClr val="accent1"/>
+              </a:effectRef>
+              <a:fontRef idx="minor">
+                <a:schemeClr val="lt1"/>
+              </a:fontRef>
+            </p:style>
+            <p:txBody>
+              <a:bodyPr rtlCol="0" anchor="ctr"/>
+              <a:lstStyle/>
+              <a:p>
+                <a:pPr algn="ctr"/>
+                <a:endParaRPr lang="de-DE"/>
+              </a:p>
+            </p:txBody>
+          </p:sp>
+          <p:sp>
+            <p:nvSpPr>
+              <p:cNvPr id="103" name="Ellipse 102"/>
+              <p:cNvSpPr/>
+              <p:nvPr/>
+            </p:nvSpPr>
+            <p:spPr>
+              <a:xfrm flipH="1" flipV="1">
+                <a:off x="3230789" y="1956160"/>
+                <a:ext cx="142876" cy="142876"/>
+              </a:xfrm>
+              <a:prstGeom prst="ellipse">
+                <a:avLst/>
+              </a:prstGeom>
+              <a:solidFill>
+                <a:schemeClr val="tx1"/>
+              </a:solidFill>
+              <a:ln>
+                <a:noFill/>
+              </a:ln>
+            </p:spPr>
+            <p:style>
+              <a:lnRef idx="2">
+                <a:schemeClr val="accent1">
+                  <a:shade val="50000"/>
+                </a:schemeClr>
+              </a:lnRef>
+              <a:fillRef idx="1">
+                <a:schemeClr val="accent1"/>
+              </a:fillRef>
+              <a:effectRef idx="0">
+                <a:schemeClr val="accent1"/>
+              </a:effectRef>
+              <a:fontRef idx="minor">
+                <a:schemeClr val="lt1"/>
+              </a:fontRef>
+            </p:style>
+            <p:txBody>
+              <a:bodyPr rtlCol="0" anchor="ctr"/>
+              <a:lstStyle/>
+              <a:p>
+                <a:pPr algn="ctr"/>
+                <a:endParaRPr lang="de-DE"/>
+              </a:p>
+            </p:txBody>
+          </p:sp>
+          <p:sp>
+            <p:nvSpPr>
+              <p:cNvPr id="104" name="Ellipse 103"/>
+              <p:cNvSpPr/>
+              <p:nvPr/>
+            </p:nvSpPr>
+            <p:spPr>
+              <a:xfrm flipH="1" flipV="1">
+                <a:off x="2608219" y="1605964"/>
+                <a:ext cx="142876" cy="142876"/>
+              </a:xfrm>
+              <a:prstGeom prst="ellipse">
+                <a:avLst/>
+              </a:prstGeom>
+              <a:solidFill>
+                <a:schemeClr val="tx1"/>
+              </a:solidFill>
+              <a:ln>
+                <a:noFill/>
+              </a:ln>
+            </p:spPr>
+            <p:style>
+              <a:lnRef idx="2">
+                <a:schemeClr val="accent1">
+                  <a:shade val="50000"/>
+                </a:schemeClr>
+              </a:lnRef>
+              <a:fillRef idx="1">
+                <a:schemeClr val="accent1"/>
+              </a:fillRef>
+              <a:effectRef idx="0">
+                <a:schemeClr val="accent1"/>
+              </a:effectRef>
+              <a:fontRef idx="minor">
+                <a:schemeClr val="lt1"/>
+              </a:fontRef>
+            </p:style>
+            <p:txBody>
+              <a:bodyPr rtlCol="0" anchor="ctr"/>
+              <a:lstStyle/>
+              <a:p>
+                <a:pPr algn="ctr"/>
+                <a:endParaRPr lang="de-DE"/>
+              </a:p>
+            </p:txBody>
+          </p:sp>
+          <p:cxnSp>
+            <p:nvCxnSpPr>
+              <p:cNvPr id="105" name="Gerade Verbindung 104"/>
+              <p:cNvCxnSpPr/>
+              <p:nvPr/>
+            </p:nvCxnSpPr>
+            <p:spPr>
+              <a:xfrm rot="5400000" flipH="1" flipV="1">
+                <a:off x="2461097" y="1527244"/>
+                <a:ext cx="1070045" cy="642026"/>
+              </a:xfrm>
+              <a:prstGeom prst="line">
+                <a:avLst/>
+              </a:prstGeom>
+              <a:ln w="19050">
+                <a:solidFill>
+                  <a:schemeClr val="tx1"/>
+                </a:solidFill>
+              </a:ln>
+            </p:spPr>
+            <p:style>
+              <a:lnRef idx="1">
+                <a:schemeClr val="accent1"/>
+              </a:lnRef>
+              <a:fillRef idx="0">
+                <a:schemeClr val="accent1"/>
+              </a:fillRef>
+              <a:effectRef idx="0">
+                <a:schemeClr val="accent1"/>
+              </a:effectRef>
+              <a:fontRef idx="minor">
+                <a:schemeClr val="tx1"/>
+              </a:fontRef>
+            </p:style>
+          </p:cxnSp>
+        </p:grpSp>
+        <p:grpSp>
+          <p:nvGrpSpPr>
+            <p:cNvPr id="86" name="Gruppieren 83"/>
+            <p:cNvGrpSpPr/>
+            <p:nvPr/>
+          </p:nvGrpSpPr>
+          <p:grpSpPr>
+            <a:xfrm>
+              <a:off x="2441032" y="4746792"/>
+              <a:ext cx="857256" cy="1193463"/>
+              <a:chOff x="2571736" y="1246041"/>
+              <a:chExt cx="857256" cy="1193463"/>
+            </a:xfrm>
+          </p:grpSpPr>
+          <p:sp>
+            <p:nvSpPr>
+              <p:cNvPr id="94" name="Rechteck 93"/>
+              <p:cNvSpPr/>
+              <p:nvPr/>
+            </p:nvSpPr>
+            <p:spPr>
+              <a:xfrm>
+                <a:off x="2571736" y="1428736"/>
+                <a:ext cx="857256" cy="857256"/>
+              </a:xfrm>
+              <a:prstGeom prst="rect">
+                <a:avLst/>
+              </a:prstGeom>
+              <a:noFill/>
+              <a:ln>
+                <a:solidFill>
+                  <a:schemeClr val="tx1"/>
+                </a:solidFill>
+                <a:prstDash val="solid"/>
+              </a:ln>
+              <a:scene3d>
+                <a:camera prst="isometricRightUp"/>
+                <a:lightRig rig="threePt" dir="t"/>
+              </a:scene3d>
+            </p:spPr>
+            <p:style>
+              <a:lnRef idx="2">
+                <a:schemeClr val="accent1">
+                  <a:shade val="50000"/>
+                </a:schemeClr>
+              </a:lnRef>
+              <a:fillRef idx="1">
+                <a:schemeClr val="accent1"/>
+              </a:fillRef>
+              <a:effectRef idx="0">
+                <a:schemeClr val="accent1"/>
+              </a:effectRef>
+              <a:fontRef idx="minor">
+                <a:schemeClr val="lt1"/>
+              </a:fontRef>
+            </p:style>
+            <p:txBody>
+              <a:bodyPr rtlCol="0" anchor="ctr"/>
+              <a:lstStyle/>
+              <a:p>
+                <a:pPr algn="ctr"/>
+                <a:endParaRPr lang="de-DE"/>
+              </a:p>
+            </p:txBody>
+          </p:sp>
+          <p:sp>
+            <p:nvSpPr>
+              <p:cNvPr id="95" name="Ellipse 94"/>
+              <p:cNvSpPr/>
+              <p:nvPr/>
+            </p:nvSpPr>
+            <p:spPr>
+              <a:xfrm flipH="1" flipV="1">
+                <a:off x="3221061" y="1246041"/>
+                <a:ext cx="142876" cy="142876"/>
+              </a:xfrm>
+              <a:prstGeom prst="ellipse">
+                <a:avLst/>
+              </a:prstGeom>
+              <a:solidFill>
+                <a:schemeClr val="tx1"/>
+              </a:solidFill>
+              <a:ln>
+                <a:noFill/>
+              </a:ln>
+            </p:spPr>
+            <p:style>
+              <a:lnRef idx="2">
+                <a:schemeClr val="accent1">
+                  <a:shade val="50000"/>
+                </a:schemeClr>
+              </a:lnRef>
+              <a:fillRef idx="1">
+                <a:schemeClr val="accent1"/>
+              </a:fillRef>
+              <a:effectRef idx="0">
+                <a:schemeClr val="accent1"/>
+              </a:effectRef>
+              <a:fontRef idx="minor">
+                <a:schemeClr val="lt1"/>
+              </a:fontRef>
+            </p:style>
+            <p:txBody>
+              <a:bodyPr rtlCol="0" anchor="ctr"/>
+              <a:lstStyle/>
+              <a:p>
+                <a:pPr algn="ctr"/>
+                <a:endParaRPr lang="de-DE"/>
+              </a:p>
+            </p:txBody>
+          </p:sp>
+          <p:sp>
+            <p:nvSpPr>
+              <p:cNvPr id="96" name="Ellipse 95"/>
+              <p:cNvSpPr/>
+              <p:nvPr/>
+            </p:nvSpPr>
+            <p:spPr>
+              <a:xfrm flipH="1" flipV="1">
+                <a:off x="2617946" y="2296628"/>
+                <a:ext cx="142876" cy="142876"/>
+              </a:xfrm>
+              <a:prstGeom prst="ellipse">
+                <a:avLst/>
+              </a:prstGeom>
+              <a:solidFill>
+                <a:schemeClr val="tx1"/>
+              </a:solidFill>
+              <a:ln>
+                <a:noFill/>
+              </a:ln>
+            </p:spPr>
+            <p:style>
+              <a:lnRef idx="2">
+                <a:schemeClr val="accent1">
+                  <a:shade val="50000"/>
+                </a:schemeClr>
+              </a:lnRef>
+              <a:fillRef idx="1">
+                <a:schemeClr val="accent1"/>
+              </a:fillRef>
+              <a:effectRef idx="0">
+                <a:schemeClr val="accent1"/>
+              </a:effectRef>
+              <a:fontRef idx="minor">
+                <a:schemeClr val="lt1"/>
+              </a:fontRef>
+            </p:style>
+            <p:txBody>
+              <a:bodyPr rtlCol="0" anchor="ctr"/>
+              <a:lstStyle/>
+              <a:p>
+                <a:pPr algn="ctr"/>
+                <a:endParaRPr lang="de-DE"/>
+              </a:p>
+            </p:txBody>
+          </p:sp>
+          <p:sp>
+            <p:nvSpPr>
+              <p:cNvPr id="97" name="Ellipse 96"/>
+              <p:cNvSpPr/>
+              <p:nvPr/>
+            </p:nvSpPr>
+            <p:spPr>
+              <a:xfrm flipH="1" flipV="1">
+                <a:off x="3230789" y="1956160"/>
+                <a:ext cx="142876" cy="142876"/>
+              </a:xfrm>
+              <a:prstGeom prst="ellipse">
+                <a:avLst/>
+              </a:prstGeom>
+              <a:solidFill>
+                <a:schemeClr val="tx1"/>
+              </a:solidFill>
+              <a:ln>
+                <a:noFill/>
+              </a:ln>
+            </p:spPr>
+            <p:style>
+              <a:lnRef idx="2">
+                <a:schemeClr val="accent1">
+                  <a:shade val="50000"/>
+                </a:schemeClr>
+              </a:lnRef>
+              <a:fillRef idx="1">
+                <a:schemeClr val="accent1"/>
+              </a:fillRef>
+              <a:effectRef idx="0">
+                <a:schemeClr val="accent1"/>
+              </a:effectRef>
+              <a:fontRef idx="minor">
+                <a:schemeClr val="lt1"/>
+              </a:fontRef>
+            </p:style>
+            <p:txBody>
+              <a:bodyPr rtlCol="0" anchor="ctr"/>
+              <a:lstStyle/>
+              <a:p>
+                <a:pPr algn="ctr"/>
+                <a:endParaRPr lang="de-DE"/>
+              </a:p>
+            </p:txBody>
+          </p:sp>
+          <p:sp>
+            <p:nvSpPr>
+              <p:cNvPr id="98" name="Ellipse 97"/>
+              <p:cNvSpPr/>
+              <p:nvPr/>
+            </p:nvSpPr>
+            <p:spPr>
+              <a:xfrm flipH="1" flipV="1">
+                <a:off x="2608219" y="1605964"/>
+                <a:ext cx="142876" cy="142876"/>
+              </a:xfrm>
+              <a:prstGeom prst="ellipse">
+                <a:avLst/>
+              </a:prstGeom>
+              <a:solidFill>
+                <a:schemeClr val="tx1"/>
+              </a:solidFill>
+              <a:ln>
+                <a:noFill/>
+              </a:ln>
+            </p:spPr>
+            <p:style>
+              <a:lnRef idx="2">
+                <a:schemeClr val="accent1">
+                  <a:shade val="50000"/>
+                </a:schemeClr>
+              </a:lnRef>
+              <a:fillRef idx="1">
+                <a:schemeClr val="accent1"/>
+              </a:fillRef>
+              <a:effectRef idx="0">
+                <a:schemeClr val="accent1"/>
+              </a:effectRef>
+              <a:fontRef idx="minor">
+                <a:schemeClr val="lt1"/>
+              </a:fontRef>
+            </p:style>
+            <p:txBody>
+              <a:bodyPr rtlCol="0" anchor="ctr"/>
+              <a:lstStyle/>
+              <a:p>
+                <a:pPr algn="ctr"/>
+                <a:endParaRPr lang="de-DE"/>
+              </a:p>
+            </p:txBody>
+          </p:sp>
+          <p:cxnSp>
+            <p:nvCxnSpPr>
+              <p:cNvPr id="99" name="Gerade Verbindung 98"/>
+              <p:cNvCxnSpPr/>
+              <p:nvPr/>
+            </p:nvCxnSpPr>
+            <p:spPr>
+              <a:xfrm rot="5400000" flipH="1" flipV="1">
+                <a:off x="2461097" y="1527244"/>
+                <a:ext cx="1070045" cy="642026"/>
+              </a:xfrm>
+              <a:prstGeom prst="line">
+                <a:avLst/>
+              </a:prstGeom>
+              <a:ln w="19050">
+                <a:solidFill>
+                  <a:schemeClr val="tx1"/>
+                </a:solidFill>
+              </a:ln>
+            </p:spPr>
+            <p:style>
+              <a:lnRef idx="1">
+                <a:schemeClr val="accent1"/>
+              </a:lnRef>
+              <a:fillRef idx="0">
+                <a:schemeClr val="accent1"/>
+              </a:fillRef>
+              <a:effectRef idx="0">
+                <a:schemeClr val="accent1"/>
+              </a:effectRef>
+              <a:fontRef idx="minor">
+                <a:schemeClr val="tx1"/>
+              </a:fontRef>
+            </p:style>
+          </p:cxnSp>
+        </p:grpSp>
+        <p:grpSp>
+          <p:nvGrpSpPr>
+            <p:cNvPr id="87" name="Gruppieren 90"/>
+            <p:cNvGrpSpPr/>
+            <p:nvPr/>
+          </p:nvGrpSpPr>
+          <p:grpSpPr>
+            <a:xfrm>
+              <a:off x="1428728" y="3357562"/>
+              <a:ext cx="857256" cy="1193463"/>
+              <a:chOff x="2571736" y="1246041"/>
+              <a:chExt cx="857256" cy="1193463"/>
+            </a:xfrm>
+          </p:grpSpPr>
+          <p:sp>
+            <p:nvSpPr>
+              <p:cNvPr id="88" name="Rechteck 87"/>
+              <p:cNvSpPr/>
+              <p:nvPr/>
+            </p:nvSpPr>
+            <p:spPr>
+              <a:xfrm>
+                <a:off x="2571736" y="1428736"/>
+                <a:ext cx="857256" cy="857256"/>
+              </a:xfrm>
+              <a:prstGeom prst="rect">
+                <a:avLst/>
+              </a:prstGeom>
+              <a:noFill/>
+              <a:ln>
+                <a:solidFill>
+                  <a:schemeClr val="tx1"/>
+                </a:solidFill>
+                <a:prstDash val="solid"/>
+              </a:ln>
+              <a:scene3d>
+                <a:camera prst="isometricRightUp"/>
+                <a:lightRig rig="threePt" dir="t"/>
+              </a:scene3d>
+            </p:spPr>
+            <p:style>
+              <a:lnRef idx="2">
+                <a:schemeClr val="accent1">
+                  <a:shade val="50000"/>
+                </a:schemeClr>
+              </a:lnRef>
+              <a:fillRef idx="1">
+                <a:schemeClr val="accent1"/>
+              </a:fillRef>
+              <a:effectRef idx="0">
+                <a:schemeClr val="accent1"/>
+              </a:effectRef>
+              <a:fontRef idx="minor">
+                <a:schemeClr val="lt1"/>
+              </a:fontRef>
+            </p:style>
+            <p:txBody>
+              <a:bodyPr rtlCol="0" anchor="ctr"/>
+              <a:lstStyle/>
+              <a:p>
+                <a:pPr algn="ctr"/>
+                <a:endParaRPr lang="de-DE"/>
+              </a:p>
+            </p:txBody>
+          </p:sp>
+          <p:sp>
+            <p:nvSpPr>
+              <p:cNvPr id="89" name="Ellipse 88"/>
+              <p:cNvSpPr/>
+              <p:nvPr/>
+            </p:nvSpPr>
+            <p:spPr>
+              <a:xfrm flipH="1" flipV="1">
+                <a:off x="3221061" y="1246041"/>
+                <a:ext cx="142876" cy="142876"/>
+              </a:xfrm>
+              <a:prstGeom prst="ellipse">
+                <a:avLst/>
+              </a:prstGeom>
+              <a:solidFill>
+                <a:schemeClr val="tx1"/>
+              </a:solidFill>
+              <a:ln>
+                <a:noFill/>
+              </a:ln>
+            </p:spPr>
+            <p:style>
+              <a:lnRef idx="2">
+                <a:schemeClr val="accent1">
+                  <a:shade val="50000"/>
+                </a:schemeClr>
+              </a:lnRef>
+              <a:fillRef idx="1">
+                <a:schemeClr val="accent1"/>
+              </a:fillRef>
+              <a:effectRef idx="0">
+                <a:schemeClr val="accent1"/>
+              </a:effectRef>
+              <a:fontRef idx="minor">
+                <a:schemeClr val="lt1"/>
+              </a:fontRef>
+            </p:style>
+            <p:txBody>
+              <a:bodyPr rtlCol="0" anchor="ctr"/>
+              <a:lstStyle/>
+              <a:p>
+                <a:pPr algn="ctr"/>
+                <a:endParaRPr lang="de-DE"/>
+              </a:p>
+            </p:txBody>
+          </p:sp>
+          <p:sp>
+            <p:nvSpPr>
+              <p:cNvPr id="90" name="Ellipse 89"/>
+              <p:cNvSpPr/>
+              <p:nvPr/>
+            </p:nvSpPr>
+            <p:spPr>
+              <a:xfrm flipH="1" flipV="1">
+                <a:off x="2617946" y="2296628"/>
+                <a:ext cx="142876" cy="142876"/>
+              </a:xfrm>
+              <a:prstGeom prst="ellipse">
+                <a:avLst/>
+              </a:prstGeom>
+              <a:solidFill>
+                <a:schemeClr val="tx1"/>
+              </a:solidFill>
+              <a:ln>
+                <a:noFill/>
+              </a:ln>
+            </p:spPr>
+            <p:style>
+              <a:lnRef idx="2">
+                <a:schemeClr val="accent1">
+                  <a:shade val="50000"/>
+                </a:schemeClr>
+              </a:lnRef>
+              <a:fillRef idx="1">
+                <a:schemeClr val="accent1"/>
+              </a:fillRef>
+              <a:effectRef idx="0">
+                <a:schemeClr val="accent1"/>
+              </a:effectRef>
+              <a:fontRef idx="minor">
+                <a:schemeClr val="lt1"/>
+              </a:fontRef>
+            </p:style>
+            <p:txBody>
+              <a:bodyPr rtlCol="0" anchor="ctr"/>
+              <a:lstStyle/>
+              <a:p>
+                <a:pPr algn="ctr"/>
+                <a:endParaRPr lang="de-DE"/>
+              </a:p>
+            </p:txBody>
+          </p:sp>
+          <p:sp>
+            <p:nvSpPr>
+              <p:cNvPr id="91" name="Ellipse 90"/>
+              <p:cNvSpPr/>
+              <p:nvPr/>
+            </p:nvSpPr>
+            <p:spPr>
+              <a:xfrm flipH="1" flipV="1">
+                <a:off x="3230789" y="1956160"/>
+                <a:ext cx="142876" cy="142876"/>
+              </a:xfrm>
+              <a:prstGeom prst="ellipse">
+                <a:avLst/>
+              </a:prstGeom>
+              <a:solidFill>
+                <a:schemeClr val="tx1"/>
+              </a:solidFill>
+              <a:ln>
+                <a:noFill/>
+              </a:ln>
+            </p:spPr>
+            <p:style>
+              <a:lnRef idx="2">
+                <a:schemeClr val="accent1">
+                  <a:shade val="50000"/>
+                </a:schemeClr>
+              </a:lnRef>
+              <a:fillRef idx="1">
+                <a:schemeClr val="accent1"/>
+              </a:fillRef>
+              <a:effectRef idx="0">
+                <a:schemeClr val="accent1"/>
+              </a:effectRef>
+              <a:fontRef idx="minor">
+                <a:schemeClr val="lt1"/>
+              </a:fontRef>
+            </p:style>
+            <p:txBody>
+              <a:bodyPr rtlCol="0" anchor="ctr"/>
+              <a:lstStyle/>
+              <a:p>
+                <a:pPr algn="ctr"/>
+                <a:endParaRPr lang="de-DE"/>
+              </a:p>
+            </p:txBody>
+          </p:sp>
+          <p:sp>
+            <p:nvSpPr>
+              <p:cNvPr id="92" name="Ellipse 91"/>
+              <p:cNvSpPr/>
+              <p:nvPr/>
+            </p:nvSpPr>
+            <p:spPr>
+              <a:xfrm flipH="1" flipV="1">
+                <a:off x="2608219" y="1605964"/>
+                <a:ext cx="142876" cy="142876"/>
+              </a:xfrm>
+              <a:prstGeom prst="ellipse">
+                <a:avLst/>
+              </a:prstGeom>
+              <a:solidFill>
+                <a:schemeClr val="tx1"/>
+              </a:solidFill>
+              <a:ln>
+                <a:noFill/>
+              </a:ln>
+            </p:spPr>
+            <p:style>
+              <a:lnRef idx="2">
+                <a:schemeClr val="accent1">
+                  <a:shade val="50000"/>
+                </a:schemeClr>
+              </a:lnRef>
+              <a:fillRef idx="1">
+                <a:schemeClr val="accent1"/>
+              </a:fillRef>
+              <a:effectRef idx="0">
+                <a:schemeClr val="accent1"/>
+              </a:effectRef>
+              <a:fontRef idx="minor">
+                <a:schemeClr val="lt1"/>
+              </a:fontRef>
+            </p:style>
+            <p:txBody>
+              <a:bodyPr rtlCol="0" anchor="ctr"/>
+              <a:lstStyle/>
+              <a:p>
+                <a:pPr algn="ctr"/>
+                <a:endParaRPr lang="de-DE"/>
+              </a:p>
+            </p:txBody>
+          </p:sp>
+          <p:cxnSp>
+            <p:nvCxnSpPr>
+              <p:cNvPr id="93" name="Gerade Verbindung 92"/>
+              <p:cNvCxnSpPr/>
+              <p:nvPr/>
+            </p:nvCxnSpPr>
+            <p:spPr>
+              <a:xfrm rot="5400000" flipH="1" flipV="1">
+                <a:off x="2461097" y="1527244"/>
+                <a:ext cx="1070045" cy="642026"/>
+              </a:xfrm>
+              <a:prstGeom prst="line">
+                <a:avLst/>
+              </a:prstGeom>
+              <a:ln w="19050">
+                <a:solidFill>
+                  <a:schemeClr val="tx1"/>
+                </a:solidFill>
+              </a:ln>
+            </p:spPr>
+            <p:style>
+              <a:lnRef idx="1">
+                <a:schemeClr val="accent1"/>
+              </a:lnRef>
+              <a:fillRef idx="0">
+                <a:schemeClr val="accent1"/>
+              </a:fillRef>
+              <a:effectRef idx="0">
+                <a:schemeClr val="accent1"/>
+              </a:effectRef>
+              <a:fontRef idx="minor">
+                <a:schemeClr val="tx1"/>
+              </a:fontRef>
+            </p:style>
+          </p:cxnSp>
+        </p:grpSp>
+      </p:grpSp>
+      <p:grpSp>
+        <p:nvGrpSpPr>
+          <p:cNvPr id="154" name="Gruppieren 153"/>
+          <p:cNvGrpSpPr/>
+          <p:nvPr/>
+        </p:nvGrpSpPr>
+        <p:grpSpPr>
+          <a:xfrm>
+            <a:off x="2571736" y="2357430"/>
+            <a:ext cx="1500198" cy="1450467"/>
+            <a:chOff x="1214414" y="928670"/>
+            <a:chExt cx="5172114" cy="5000660"/>
+          </a:xfrm>
+        </p:grpSpPr>
+        <p:sp>
+          <p:nvSpPr>
+            <p:cNvPr id="155" name="Rechteck 154"/>
+            <p:cNvSpPr/>
+            <p:nvPr/>
+          </p:nvSpPr>
+          <p:spPr>
+            <a:xfrm>
+              <a:off x="1214414" y="928670"/>
+              <a:ext cx="5000660" cy="5000660"/>
+            </a:xfrm>
+            <a:prstGeom prst="rect">
+              <a:avLst/>
+            </a:prstGeom>
+            <a:noFill/>
+            <a:ln>
+              <a:solidFill>
+                <a:schemeClr val="tx1"/>
+              </a:solidFill>
+            </a:ln>
+          </p:spPr>
+          <p:style>
+            <a:lnRef idx="2">
+              <a:schemeClr val="accent1">
+                <a:shade val="50000"/>
+              </a:schemeClr>
+            </a:lnRef>
+            <a:fillRef idx="1">
+              <a:schemeClr val="accent1"/>
+            </a:fillRef>
+            <a:effectRef idx="0">
+              <a:schemeClr val="accent1"/>
+            </a:effectRef>
+            <a:fontRef idx="minor">
+              <a:schemeClr val="lt1"/>
+            </a:fontRef>
+          </p:style>
+          <p:txBody>
+            <a:bodyPr rtlCol="0" anchor="ctr"/>
+            <a:lstStyle/>
+            <a:p>
+              <a:pPr algn="ctr"/>
+              <a:endParaRPr lang="de-DE"/>
+            </a:p>
+          </p:txBody>
+        </p:sp>
+        <p:sp>
+          <p:nvSpPr>
+            <p:cNvPr id="156" name="Ellipse 155"/>
+            <p:cNvSpPr/>
+            <p:nvPr/>
+          </p:nvSpPr>
+          <p:spPr>
+            <a:xfrm>
+              <a:off x="2357422" y="3286124"/>
+              <a:ext cx="285752" cy="285752"/>
+            </a:xfrm>
+            <a:prstGeom prst="ellipse">
+              <a:avLst/>
+            </a:prstGeom>
+            <a:solidFill>
+              <a:schemeClr val="tx1"/>
+            </a:solidFill>
+            <a:ln>
+              <a:noFill/>
+            </a:ln>
+          </p:spPr>
+          <p:style>
+            <a:lnRef idx="2">
+              <a:schemeClr val="accent1">
+                <a:shade val="50000"/>
+              </a:schemeClr>
+            </a:lnRef>
+            <a:fillRef idx="1">
+              <a:schemeClr val="accent1"/>
+            </a:fillRef>
+            <a:effectRef idx="0">
+              <a:schemeClr val="accent1"/>
+            </a:effectRef>
+            <a:fontRef idx="minor">
+              <a:schemeClr val="lt1"/>
+            </a:fontRef>
+          </p:style>
+          <p:txBody>
+            <a:bodyPr rtlCol="0" anchor="ctr"/>
+            <a:lstStyle/>
+            <a:p>
+              <a:pPr algn="ctr"/>
+              <a:endParaRPr lang="de-DE"/>
+            </a:p>
+          </p:txBody>
+        </p:sp>
+        <p:grpSp>
+          <p:nvGrpSpPr>
+            <p:cNvPr id="157" name="Gruppieren 66"/>
+            <p:cNvGrpSpPr/>
+            <p:nvPr/>
+          </p:nvGrpSpPr>
+          <p:grpSpPr>
+            <a:xfrm>
+              <a:off x="4071934" y="2285994"/>
+              <a:ext cx="2314594" cy="2188016"/>
+              <a:chOff x="3743316" y="3877994"/>
+              <a:chExt cx="2314594" cy="2188016"/>
+            </a:xfrm>
+          </p:grpSpPr>
+          <p:grpSp>
+            <p:nvGrpSpPr>
+              <p:cNvPr id="159" name="Gruppieren 18"/>
+              <p:cNvGrpSpPr/>
+              <p:nvPr/>
+            </p:nvGrpSpPr>
+            <p:grpSpPr>
+              <a:xfrm flipH="1">
+                <a:off x="4857752" y="5286388"/>
+                <a:ext cx="1200158" cy="500066"/>
+                <a:chOff x="2357421" y="1286207"/>
+                <a:chExt cx="3286149" cy="1429146"/>
+              </a:xfrm>
+              <a:scene3d>
+                <a:camera prst="isometricRightUp">
+                  <a:rot lat="1980000" lon="2700000" rev="0"/>
+                </a:camera>
+                <a:lightRig rig="threePt" dir="t"/>
+              </a:scene3d>
+            </p:grpSpPr>
+            <p:cxnSp>
+              <p:nvCxnSpPr>
+                <p:cNvPr id="169" name="Gerade Verbindung 168"/>
+                <p:cNvCxnSpPr/>
+                <p:nvPr/>
+              </p:nvCxnSpPr>
+              <p:spPr>
+                <a:xfrm flipV="1">
+                  <a:off x="2357421" y="1286207"/>
+                  <a:ext cx="1500198" cy="714573"/>
+                </a:xfrm>
+                <a:prstGeom prst="line">
+                  <a:avLst/>
+                </a:prstGeom>
+                <a:ln w="19050">
+                  <a:solidFill>
+                    <a:schemeClr val="tx1">
+                      <a:lumMod val="50000"/>
+                      <a:lumOff val="50000"/>
+                    </a:schemeClr>
+                  </a:solidFill>
+                  <a:prstDash val="dash"/>
+                </a:ln>
+              </p:spPr>
+              <p:style>
+                <a:lnRef idx="1">
+                  <a:schemeClr val="accent1"/>
+                </a:lnRef>
+                <a:fillRef idx="0">
+                  <a:schemeClr val="accent1"/>
+                </a:fillRef>
+                <a:effectRef idx="0">
+                  <a:schemeClr val="accent1"/>
+                </a:effectRef>
+                <a:fontRef idx="minor">
+                  <a:schemeClr val="tx1"/>
+                </a:fontRef>
+              </p:style>
+            </p:cxnSp>
+            <p:cxnSp>
+              <p:nvCxnSpPr>
+                <p:cNvPr id="170" name="Gerade Verbindung 169"/>
+                <p:cNvCxnSpPr/>
+                <p:nvPr/>
+              </p:nvCxnSpPr>
+              <p:spPr>
+                <a:xfrm>
+                  <a:off x="2357421" y="2000780"/>
+                  <a:ext cx="1500198" cy="714573"/>
+                </a:xfrm>
+                <a:prstGeom prst="line">
+                  <a:avLst/>
+                </a:prstGeom>
+                <a:ln w="19050">
+                  <a:solidFill>
+                    <a:schemeClr val="tx1">
+                      <a:lumMod val="50000"/>
+                      <a:lumOff val="50000"/>
+                    </a:schemeClr>
+                  </a:solidFill>
+                  <a:prstDash val="dash"/>
+                </a:ln>
+              </p:spPr>
+              <p:style>
+                <a:lnRef idx="1">
+                  <a:schemeClr val="accent1"/>
+                </a:lnRef>
+                <a:fillRef idx="0">
+                  <a:schemeClr val="accent1"/>
+                </a:fillRef>
+                <a:effectRef idx="0">
+                  <a:schemeClr val="accent1"/>
+                </a:effectRef>
+                <a:fontRef idx="minor">
+                  <a:schemeClr val="tx1"/>
+                </a:fontRef>
+              </p:style>
+            </p:cxnSp>
+            <p:sp>
+              <p:nvSpPr>
+                <p:cNvPr id="171" name="Bogen 170"/>
+                <p:cNvSpPr/>
+                <p:nvPr/>
+              </p:nvSpPr>
+              <p:spPr>
+                <a:xfrm>
+                  <a:off x="2357421" y="1286207"/>
+                  <a:ext cx="1071571" cy="1429145"/>
+                </a:xfrm>
+                <a:prstGeom prst="arc">
+                  <a:avLst>
+                    <a:gd name="adj1" fmla="val 16200000"/>
+                    <a:gd name="adj2" fmla="val 5300590"/>
+                  </a:avLst>
+                </a:prstGeom>
+                <a:ln w="19050">
+                  <a:solidFill>
+                    <a:schemeClr val="tx1">
+                      <a:lumMod val="50000"/>
+                      <a:lumOff val="50000"/>
+                    </a:schemeClr>
+                  </a:solidFill>
+                  <a:prstDash val="dash"/>
+                </a:ln>
+              </p:spPr>
+              <p:style>
+                <a:lnRef idx="1">
+                  <a:schemeClr val="accent1"/>
+                </a:lnRef>
+                <a:fillRef idx="0">
+                  <a:schemeClr val="accent1"/>
+                </a:fillRef>
+                <a:effectRef idx="0">
+                  <a:schemeClr val="accent1"/>
+                </a:effectRef>
+                <a:fontRef idx="minor">
+                  <a:schemeClr val="tx1"/>
+                </a:fontRef>
+              </p:style>
+              <p:txBody>
+                <a:bodyPr rtlCol="0" anchor="ctr"/>
+                <a:lstStyle/>
+                <a:p>
+                  <a:pPr algn="ctr"/>
+                  <a:endParaRPr lang="de-DE"/>
+                </a:p>
+              </p:txBody>
+            </p:sp>
+            <p:cxnSp>
+              <p:nvCxnSpPr>
+                <p:cNvPr id="172" name="Gerade Verbindung 171"/>
+                <p:cNvCxnSpPr/>
+                <p:nvPr/>
+              </p:nvCxnSpPr>
+              <p:spPr>
+                <a:xfrm>
+                  <a:off x="3428992" y="2000240"/>
+                  <a:ext cx="2214578" cy="1589"/>
+                </a:xfrm>
+                <a:prstGeom prst="line">
+                  <a:avLst/>
+                </a:prstGeom>
+                <a:ln w="19050">
+                  <a:solidFill>
+                    <a:schemeClr val="tx1">
+                      <a:lumMod val="50000"/>
+                      <a:lumOff val="50000"/>
+                    </a:schemeClr>
+                  </a:solidFill>
+                  <a:prstDash val="dash"/>
+                </a:ln>
+              </p:spPr>
+              <p:style>
+                <a:lnRef idx="1">
+                  <a:schemeClr val="accent1"/>
+                </a:lnRef>
+                <a:fillRef idx="0">
+                  <a:schemeClr val="accent1"/>
+                </a:fillRef>
+                <a:effectRef idx="0">
+                  <a:schemeClr val="accent1"/>
+                </a:effectRef>
+                <a:fontRef idx="minor">
+                  <a:schemeClr val="tx1"/>
+                </a:fontRef>
+              </p:style>
+            </p:cxnSp>
+          </p:grpSp>
+          <p:grpSp>
+            <p:nvGrpSpPr>
+              <p:cNvPr id="160" name="Gruppieren 59"/>
+              <p:cNvGrpSpPr/>
+              <p:nvPr/>
+            </p:nvGrpSpPr>
+            <p:grpSpPr>
+              <a:xfrm>
+                <a:off x="3743316" y="3877994"/>
+                <a:ext cx="1571636" cy="2188016"/>
+                <a:chOff x="4214810" y="2857496"/>
+                <a:chExt cx="857256" cy="1193463"/>
+              </a:xfrm>
+            </p:grpSpPr>
+            <p:sp>
+              <p:nvSpPr>
+                <p:cNvPr id="161" name="Rechteck 6"/>
+                <p:cNvSpPr/>
+                <p:nvPr/>
+              </p:nvSpPr>
+              <p:spPr>
+                <a:xfrm>
+                  <a:off x="4214810" y="3040191"/>
+                  <a:ext cx="857256" cy="857256"/>
+                </a:xfrm>
+                <a:prstGeom prst="rect">
+                  <a:avLst/>
+                </a:prstGeom>
+                <a:noFill/>
+                <a:ln>
+                  <a:solidFill>
+                    <a:schemeClr val="tx1">
+                      <a:lumMod val="50000"/>
+                      <a:lumOff val="50000"/>
+                    </a:schemeClr>
+                  </a:solidFill>
+                  <a:prstDash val="dash"/>
+                </a:ln>
+                <a:scene3d>
+                  <a:camera prst="isometricRightUp"/>
+                  <a:lightRig rig="threePt" dir="t"/>
+                </a:scene3d>
+              </p:spPr>
+              <p:style>
+                <a:lnRef idx="2">
+                  <a:schemeClr val="accent1">
+                    <a:shade val="50000"/>
+                  </a:schemeClr>
+                </a:lnRef>
+                <a:fillRef idx="1">
+                  <a:schemeClr val="accent1"/>
+                </a:fillRef>
+                <a:effectRef idx="0">
+                  <a:schemeClr val="accent1"/>
+                </a:effectRef>
+                <a:fontRef idx="minor">
+                  <a:schemeClr val="lt1"/>
+                </a:fontRef>
+              </p:style>
+              <p:txBody>
+                <a:bodyPr rtlCol="0" anchor="ctr"/>
+                <a:lstStyle/>
+                <a:p>
+                  <a:pPr algn="ctr"/>
+                  <a:endParaRPr lang="de-DE"/>
+                </a:p>
+              </p:txBody>
+            </p:sp>
+            <p:sp>
+              <p:nvSpPr>
+                <p:cNvPr id="162" name="Ellipse 161"/>
+                <p:cNvSpPr/>
+                <p:nvPr/>
+              </p:nvSpPr>
+              <p:spPr>
+                <a:xfrm flipH="1" flipV="1">
+                  <a:off x="4864135" y="2857496"/>
+                  <a:ext cx="142876" cy="142876"/>
+                </a:xfrm>
+                <a:prstGeom prst="ellipse">
+                  <a:avLst/>
+                </a:prstGeom>
+                <a:solidFill>
+                  <a:schemeClr val="tx1"/>
+                </a:solidFill>
+                <a:ln>
+                  <a:noFill/>
+                </a:ln>
+              </p:spPr>
+              <p:style>
+                <a:lnRef idx="2">
+                  <a:schemeClr val="accent1">
+                    <a:shade val="50000"/>
+                  </a:schemeClr>
+                </a:lnRef>
+                <a:fillRef idx="1">
+                  <a:schemeClr val="accent1"/>
+                </a:fillRef>
+                <a:effectRef idx="0">
+                  <a:schemeClr val="accent1"/>
+                </a:effectRef>
+                <a:fontRef idx="minor">
+                  <a:schemeClr val="lt1"/>
+                </a:fontRef>
+              </p:style>
+              <p:txBody>
+                <a:bodyPr rtlCol="0" anchor="ctr"/>
+                <a:lstStyle/>
+                <a:p>
+                  <a:pPr algn="ctr"/>
+                  <a:endParaRPr lang="de-DE"/>
+                </a:p>
+              </p:txBody>
+            </p:sp>
+            <p:sp>
+              <p:nvSpPr>
+                <p:cNvPr id="163" name="Ellipse 162"/>
+                <p:cNvSpPr/>
+                <p:nvPr/>
+              </p:nvSpPr>
+              <p:spPr>
+                <a:xfrm flipH="1" flipV="1">
+                  <a:off x="4261020" y="3908083"/>
+                  <a:ext cx="142876" cy="142876"/>
+                </a:xfrm>
+                <a:prstGeom prst="ellipse">
+                  <a:avLst/>
+                </a:prstGeom>
+                <a:solidFill>
+                  <a:schemeClr val="tx1"/>
+                </a:solidFill>
+                <a:ln>
+                  <a:noFill/>
+                </a:ln>
+              </p:spPr>
+              <p:style>
+                <a:lnRef idx="2">
+                  <a:schemeClr val="accent1">
+                    <a:shade val="50000"/>
+                  </a:schemeClr>
+                </a:lnRef>
+                <a:fillRef idx="1">
+                  <a:schemeClr val="accent1"/>
+                </a:fillRef>
+                <a:effectRef idx="0">
+                  <a:schemeClr val="accent1"/>
+                </a:effectRef>
+                <a:fontRef idx="minor">
+                  <a:schemeClr val="lt1"/>
+                </a:fontRef>
+              </p:style>
+              <p:txBody>
+                <a:bodyPr rtlCol="0" anchor="ctr"/>
+                <a:lstStyle/>
+                <a:p>
+                  <a:pPr algn="ctr"/>
+                  <a:endParaRPr lang="de-DE"/>
+                </a:p>
+              </p:txBody>
+            </p:sp>
+            <p:sp>
+              <p:nvSpPr>
+                <p:cNvPr id="164" name="Ellipse 163"/>
+                <p:cNvSpPr/>
+                <p:nvPr/>
+              </p:nvSpPr>
+              <p:spPr>
+                <a:xfrm flipH="1" flipV="1">
+                  <a:off x="4873863" y="3567615"/>
+                  <a:ext cx="142876" cy="142876"/>
+                </a:xfrm>
+                <a:prstGeom prst="ellipse">
+                  <a:avLst/>
+                </a:prstGeom>
+                <a:solidFill>
+                  <a:schemeClr val="tx1"/>
+                </a:solidFill>
+                <a:ln>
+                  <a:noFill/>
+                </a:ln>
+              </p:spPr>
+              <p:style>
+                <a:lnRef idx="2">
+                  <a:schemeClr val="accent1">
+                    <a:shade val="50000"/>
+                  </a:schemeClr>
+                </a:lnRef>
+                <a:fillRef idx="1">
+                  <a:schemeClr val="accent1"/>
+                </a:fillRef>
+                <a:effectRef idx="0">
+                  <a:schemeClr val="accent1"/>
+                </a:effectRef>
+                <a:fontRef idx="minor">
+                  <a:schemeClr val="lt1"/>
+                </a:fontRef>
+              </p:style>
+              <p:txBody>
+                <a:bodyPr rtlCol="0" anchor="ctr"/>
+                <a:lstStyle/>
+                <a:p>
+                  <a:pPr algn="ctr"/>
+                  <a:endParaRPr lang="de-DE"/>
+                </a:p>
+              </p:txBody>
+            </p:sp>
+            <p:sp>
+              <p:nvSpPr>
+                <p:cNvPr id="165" name="Ellipse 164"/>
+                <p:cNvSpPr/>
+                <p:nvPr/>
+              </p:nvSpPr>
+              <p:spPr>
+                <a:xfrm flipH="1" flipV="1">
+                  <a:off x="4251293" y="3217419"/>
+                  <a:ext cx="142876" cy="142876"/>
+                </a:xfrm>
+                <a:prstGeom prst="ellipse">
+                  <a:avLst/>
+                </a:prstGeom>
+                <a:solidFill>
+                  <a:schemeClr val="tx1"/>
+                </a:solidFill>
+                <a:ln>
+                  <a:noFill/>
+                </a:ln>
+              </p:spPr>
+              <p:style>
+                <a:lnRef idx="2">
+                  <a:schemeClr val="accent1">
+                    <a:shade val="50000"/>
+                  </a:schemeClr>
+                </a:lnRef>
+                <a:fillRef idx="1">
+                  <a:schemeClr val="accent1"/>
+                </a:fillRef>
+                <a:effectRef idx="0">
+                  <a:schemeClr val="accent1"/>
+                </a:effectRef>
+                <a:fontRef idx="minor">
+                  <a:schemeClr val="lt1"/>
+                </a:fontRef>
+              </p:style>
+              <p:txBody>
+                <a:bodyPr rtlCol="0" anchor="ctr"/>
+                <a:lstStyle/>
+                <a:p>
+                  <a:pPr algn="ctr"/>
+                  <a:endParaRPr lang="de-DE"/>
+                </a:p>
+              </p:txBody>
+            </p:sp>
+            <p:cxnSp>
+              <p:nvCxnSpPr>
+                <p:cNvPr id="166" name="Gerade Verbindung mit Pfeil 165"/>
+                <p:cNvCxnSpPr/>
+                <p:nvPr/>
+              </p:nvCxnSpPr>
+              <p:spPr>
+                <a:xfrm rot="5400000">
+                  <a:off x="4167725" y="3199240"/>
+                  <a:ext cx="933852" cy="529934"/>
+                </a:xfrm>
+                <a:prstGeom prst="straightConnector1">
+                  <a:avLst/>
+                </a:prstGeom>
+                <a:ln>
+                  <a:solidFill>
+                    <a:schemeClr val="tx1"/>
+                  </a:solidFill>
+                  <a:headEnd type="triangle"/>
+                  <a:tailEnd type="triangle"/>
+                </a:ln>
+              </p:spPr>
+              <p:style>
+                <a:lnRef idx="1">
+                  <a:schemeClr val="accent1"/>
+                </a:lnRef>
+                <a:fillRef idx="0">
+                  <a:schemeClr val="accent1"/>
+                </a:fillRef>
+                <a:effectRef idx="0">
+                  <a:schemeClr val="accent1"/>
+                </a:effectRef>
+                <a:fontRef idx="minor">
+                  <a:schemeClr val="tx1"/>
+                </a:fontRef>
+              </p:style>
+            </p:cxnSp>
+            <p:cxnSp>
+              <p:nvCxnSpPr>
+                <p:cNvPr id="167" name="Gerade Verbindung mit Pfeil 166"/>
+                <p:cNvCxnSpPr/>
+                <p:nvPr/>
+              </p:nvCxnSpPr>
+              <p:spPr>
+                <a:xfrm>
+                  <a:off x="4380295" y="3326248"/>
+                  <a:ext cx="493458" cy="281218"/>
+                </a:xfrm>
+                <a:prstGeom prst="straightConnector1">
+                  <a:avLst/>
+                </a:prstGeom>
+                <a:ln>
+                  <a:solidFill>
+                    <a:schemeClr val="tx1"/>
+                  </a:solidFill>
+                  <a:headEnd type="triangle"/>
+                  <a:tailEnd type="triangle"/>
+                </a:ln>
+              </p:spPr>
+              <p:style>
+                <a:lnRef idx="1">
+                  <a:schemeClr val="accent1"/>
+                </a:lnRef>
+                <a:fillRef idx="0">
+                  <a:schemeClr val="accent1"/>
+                </a:fillRef>
+                <a:effectRef idx="0">
+                  <a:schemeClr val="accent1"/>
+                </a:effectRef>
+                <a:fontRef idx="minor">
+                  <a:schemeClr val="tx1"/>
+                </a:fontRef>
+              </p:style>
+            </p:cxnSp>
+            <p:sp>
+              <p:nvSpPr>
+                <p:cNvPr id="168" name="Ellipse 167"/>
+                <p:cNvSpPr/>
+                <p:nvPr/>
+              </p:nvSpPr>
+              <p:spPr>
+                <a:xfrm flipH="1" flipV="1">
+                  <a:off x="4607512" y="3439708"/>
+                  <a:ext cx="71438" cy="71438"/>
+                </a:xfrm>
+                <a:prstGeom prst="ellipse">
+                  <a:avLst/>
+                </a:prstGeom>
+                <a:solidFill>
+                  <a:schemeClr val="tx1"/>
+                </a:solidFill>
+                <a:ln>
+                  <a:noFill/>
+                </a:ln>
+              </p:spPr>
+              <p:style>
+                <a:lnRef idx="2">
+                  <a:schemeClr val="accent1">
+                    <a:shade val="50000"/>
+                  </a:schemeClr>
+                </a:lnRef>
+                <a:fillRef idx="1">
+                  <a:schemeClr val="accent1"/>
+                </a:fillRef>
+                <a:effectRef idx="0">
+                  <a:schemeClr val="accent1"/>
+                </a:effectRef>
+                <a:fontRef idx="minor">
+                  <a:schemeClr val="lt1"/>
+                </a:fontRef>
+              </p:style>
+              <p:txBody>
+                <a:bodyPr rtlCol="0" anchor="ctr"/>
+                <a:lstStyle/>
+                <a:p>
+                  <a:pPr algn="ctr"/>
+                  <a:endParaRPr lang="de-DE"/>
+                </a:p>
+              </p:txBody>
+            </p:sp>
+          </p:grpSp>
+        </p:grpSp>
+        <p:sp>
+          <p:nvSpPr>
+            <p:cNvPr id="158" name="Kreuz 157"/>
+            <p:cNvSpPr/>
+            <p:nvPr/>
+          </p:nvSpPr>
+          <p:spPr>
+            <a:xfrm>
+              <a:off x="3357554" y="3143248"/>
+              <a:ext cx="571504" cy="571504"/>
+            </a:xfrm>
+            <a:prstGeom prst="plus">
+              <a:avLst>
+                <a:gd name="adj" fmla="val 40319"/>
+              </a:avLst>
+            </a:prstGeom>
+            <a:solidFill>
+              <a:schemeClr val="tx1"/>
+            </a:solidFill>
+            <a:ln>
+              <a:noFill/>
+            </a:ln>
+          </p:spPr>
+          <p:style>
+            <a:lnRef idx="2">
+              <a:schemeClr val="accent1">
+                <a:shade val="50000"/>
+              </a:schemeClr>
+            </a:lnRef>
+            <a:fillRef idx="1">
+              <a:schemeClr val="accent1"/>
+            </a:fillRef>
+            <a:effectRef idx="0">
+              <a:schemeClr val="accent1"/>
+            </a:effectRef>
+            <a:fontRef idx="minor">
+              <a:schemeClr val="lt1"/>
+            </a:fontRef>
+          </p:style>
+          <p:txBody>
+            <a:bodyPr rtlCol="0" anchor="ctr"/>
+            <a:lstStyle/>
+            <a:p>
+              <a:pPr algn="ctr"/>
+              <a:endParaRPr lang="de-DE"/>
+            </a:p>
+          </p:txBody>
+        </p:sp>
+      </p:grpSp>
+      <p:sp>
+        <p:nvSpPr>
+          <p:cNvPr id="173" name="Textfeld 172"/>
+          <p:cNvSpPr txBox="1"/>
+          <p:nvPr/>
+        </p:nvSpPr>
+        <p:spPr>
+          <a:xfrm>
+            <a:off x="428596" y="1571612"/>
+            <a:ext cx="1795684" cy="646331"/>
+          </a:xfrm>
+          <a:prstGeom prst="rect">
+            <a:avLst/>
+          </a:prstGeom>
+          <a:noFill/>
+        </p:spPr>
+        <p:txBody>
+          <a:bodyPr wrap="none" rtlCol="0">
+            <a:spAutoFit/>
+          </a:bodyPr>
+          <a:lstStyle/>
+          <a:p>
+            <a:pPr algn="ctr"/>
+            <a:r>
+              <a:rPr lang="de-DE" dirty="0" err="1" smtClean="0"/>
+              <a:t>world</a:t>
+            </a:r>
+            <a:r>
+              <a:rPr lang="de-DE" dirty="0" smtClean="0"/>
+              <a:t> </a:t>
+            </a:r>
+            <a:r>
+              <a:rPr lang="de-DE" dirty="0" err="1" smtClean="0"/>
+              <a:t>space</a:t>
+            </a:r>
+            <a:r>
+              <a:rPr lang="de-DE" dirty="0" smtClean="0"/>
+              <a:t/>
+            </a:r>
+            <a:br>
+              <a:rPr lang="de-DE" dirty="0" smtClean="0"/>
+            </a:br>
+            <a:r>
+              <a:rPr lang="de-DE" dirty="0" err="1" smtClean="0"/>
+              <a:t>particle</a:t>
+            </a:r>
+            <a:r>
+              <a:rPr lang="de-DE" dirty="0" smtClean="0"/>
+              <a:t> </a:t>
+            </a:r>
+            <a:r>
+              <a:rPr lang="de-DE" dirty="0" err="1" smtClean="0"/>
+              <a:t>positions</a:t>
+            </a:r>
+            <a:endParaRPr lang="de-DE" dirty="0"/>
+          </a:p>
+        </p:txBody>
+      </p:sp>
+      <p:sp>
+        <p:nvSpPr>
+          <p:cNvPr id="174" name="Textfeld 173"/>
+          <p:cNvSpPr txBox="1"/>
+          <p:nvPr/>
+        </p:nvSpPr>
+        <p:spPr>
+          <a:xfrm>
+            <a:off x="2571736" y="1571612"/>
+            <a:ext cx="1481111" cy="646331"/>
+          </a:xfrm>
+          <a:prstGeom prst="rect">
+            <a:avLst/>
+          </a:prstGeom>
+          <a:noFill/>
+        </p:spPr>
+        <p:txBody>
+          <a:bodyPr wrap="none" rtlCol="0">
+            <a:spAutoFit/>
+          </a:bodyPr>
+          <a:lstStyle/>
+          <a:p>
+            <a:pPr algn="ctr"/>
+            <a:r>
+              <a:rPr lang="de-DE" dirty="0" err="1" smtClean="0"/>
+              <a:t>world</a:t>
+            </a:r>
+            <a:r>
+              <a:rPr lang="de-DE" dirty="0" smtClean="0"/>
+              <a:t> </a:t>
+            </a:r>
+            <a:r>
+              <a:rPr lang="de-DE" dirty="0" err="1" smtClean="0"/>
+              <a:t>space</a:t>
+            </a:r>
+            <a:r>
+              <a:rPr lang="de-DE" dirty="0" smtClean="0"/>
+              <a:t/>
+            </a:r>
+            <a:br>
+              <a:rPr lang="de-DE" dirty="0" smtClean="0"/>
+            </a:br>
+            <a:r>
+              <a:rPr lang="de-DE" dirty="0" err="1" smtClean="0"/>
+              <a:t>corner</a:t>
+            </a:r>
+            <a:r>
+              <a:rPr lang="de-DE" dirty="0" smtClean="0"/>
+              <a:t> </a:t>
+            </a:r>
+            <a:r>
+              <a:rPr lang="de-DE" dirty="0" err="1" smtClean="0"/>
+              <a:t>offsets</a:t>
+            </a:r>
+            <a:endParaRPr lang="de-DE" dirty="0"/>
+          </a:p>
+        </p:txBody>
+      </p:sp>
+      <p:sp>
+        <p:nvSpPr>
+          <p:cNvPr id="175" name="Textfeld 174"/>
+          <p:cNvSpPr txBox="1"/>
+          <p:nvPr/>
+        </p:nvSpPr>
+        <p:spPr>
+          <a:xfrm>
+            <a:off x="4286248" y="1571612"/>
+            <a:ext cx="2113143" cy="646331"/>
+          </a:xfrm>
+          <a:prstGeom prst="rect">
+            <a:avLst/>
+          </a:prstGeom>
+          <a:noFill/>
+        </p:spPr>
+        <p:txBody>
+          <a:bodyPr wrap="none" rtlCol="0">
+            <a:spAutoFit/>
+          </a:bodyPr>
+          <a:lstStyle/>
+          <a:p>
+            <a:pPr algn="ctr"/>
+            <a:r>
+              <a:rPr lang="de-DE" dirty="0" err="1" smtClean="0"/>
+              <a:t>world</a:t>
+            </a:r>
+            <a:r>
+              <a:rPr lang="de-DE" dirty="0" smtClean="0"/>
+              <a:t> </a:t>
+            </a:r>
+            <a:r>
+              <a:rPr lang="de-DE" dirty="0" err="1" smtClean="0"/>
+              <a:t>space</a:t>
+            </a:r>
+            <a:r>
+              <a:rPr lang="de-DE" dirty="0" smtClean="0"/>
+              <a:t/>
+            </a:r>
+            <a:br>
+              <a:rPr lang="de-DE" dirty="0" smtClean="0"/>
+            </a:br>
+            <a:r>
+              <a:rPr lang="de-DE" dirty="0" err="1" smtClean="0"/>
+              <a:t>billboards</a:t>
+            </a:r>
+            <a:r>
+              <a:rPr lang="de-DE" dirty="0" smtClean="0"/>
+              <a:t> / </a:t>
+            </a:r>
+            <a:r>
+              <a:rPr lang="de-DE" dirty="0" err="1" smtClean="0"/>
+              <a:t>triangles</a:t>
+            </a:r>
+            <a:endParaRPr lang="de-DE" dirty="0"/>
+          </a:p>
+        </p:txBody>
+      </p:sp>
+      <p:sp>
+        <p:nvSpPr>
+          <p:cNvPr id="176" name="Textfeld 175"/>
+          <p:cNvSpPr txBox="1"/>
+          <p:nvPr/>
+        </p:nvSpPr>
+        <p:spPr>
+          <a:xfrm>
+            <a:off x="7215206" y="1571612"/>
+            <a:ext cx="1098378" cy="646331"/>
+          </a:xfrm>
+          <a:prstGeom prst="rect">
+            <a:avLst/>
+          </a:prstGeom>
+          <a:noFill/>
+        </p:spPr>
+        <p:txBody>
+          <a:bodyPr wrap="none" rtlCol="0">
+            <a:spAutoFit/>
+          </a:bodyPr>
+          <a:lstStyle/>
+          <a:p>
+            <a:pPr algn="ctr"/>
+            <a:r>
+              <a:rPr lang="de-DE" dirty="0" err="1" smtClean="0"/>
+              <a:t>clip</a:t>
+            </a:r>
+            <a:r>
+              <a:rPr lang="de-DE" dirty="0" smtClean="0"/>
+              <a:t> </a:t>
+            </a:r>
+            <a:r>
+              <a:rPr lang="de-DE" dirty="0" err="1" smtClean="0"/>
+              <a:t>space</a:t>
+            </a:r>
+            <a:r>
+              <a:rPr lang="de-DE" dirty="0" smtClean="0"/>
+              <a:t/>
+            </a:r>
+            <a:br>
+              <a:rPr lang="de-DE" dirty="0" smtClean="0"/>
+            </a:br>
+            <a:r>
+              <a:rPr lang="de-DE" dirty="0" err="1" smtClean="0"/>
+              <a:t>billboards</a:t>
+            </a:r>
+            <a:endParaRPr lang="de-DE" dirty="0"/>
+          </a:p>
+        </p:txBody>
+      </p:sp>
+      <p:grpSp>
+        <p:nvGrpSpPr>
+          <p:cNvPr id="177" name="Gruppieren 176"/>
+          <p:cNvGrpSpPr/>
+          <p:nvPr/>
+        </p:nvGrpSpPr>
+        <p:grpSpPr>
+          <a:xfrm>
+            <a:off x="6572264" y="2214554"/>
+            <a:ext cx="2286016" cy="1714711"/>
+            <a:chOff x="0" y="0"/>
+            <a:chExt cx="9144000" cy="6858794"/>
+          </a:xfrm>
+        </p:grpSpPr>
+        <p:grpSp>
+          <p:nvGrpSpPr>
+            <p:cNvPr id="178" name="Gruppieren 23"/>
+            <p:cNvGrpSpPr/>
+            <p:nvPr/>
+          </p:nvGrpSpPr>
+          <p:grpSpPr>
+            <a:xfrm>
+              <a:off x="0" y="0"/>
+              <a:ext cx="9144000" cy="6858000"/>
+              <a:chOff x="0" y="0"/>
+              <a:chExt cx="9144000" cy="6858000"/>
+            </a:xfrm>
+          </p:grpSpPr>
+          <p:grpSp>
+            <p:nvGrpSpPr>
+              <p:cNvPr id="187" name="Gruppieren 7"/>
+              <p:cNvGrpSpPr/>
+              <p:nvPr/>
+            </p:nvGrpSpPr>
+            <p:grpSpPr>
+              <a:xfrm>
+                <a:off x="4286248" y="2643182"/>
+                <a:ext cx="1714512" cy="1714512"/>
+                <a:chOff x="4071934" y="2714620"/>
+                <a:chExt cx="1714512" cy="1714512"/>
+              </a:xfrm>
+            </p:grpSpPr>
+            <p:sp>
+              <p:nvSpPr>
+                <p:cNvPr id="195" name="Rechteck 194"/>
+                <p:cNvSpPr/>
+                <p:nvPr/>
+              </p:nvSpPr>
+              <p:spPr>
+                <a:xfrm>
+                  <a:off x="4071934" y="2714620"/>
+                  <a:ext cx="1714512" cy="1714512"/>
+                </a:xfrm>
+                <a:prstGeom prst="rect">
+                  <a:avLst/>
+                </a:prstGeom>
+                <a:noFill/>
+                <a:ln>
+                  <a:solidFill>
+                    <a:schemeClr val="tx1"/>
+                  </a:solidFill>
+                </a:ln>
+              </p:spPr>
+              <p:style>
+                <a:lnRef idx="2">
+                  <a:schemeClr val="accent1">
+                    <a:shade val="50000"/>
+                  </a:schemeClr>
+                </a:lnRef>
+                <a:fillRef idx="1">
+                  <a:schemeClr val="accent1"/>
+                </a:fillRef>
+                <a:effectRef idx="0">
+                  <a:schemeClr val="accent1"/>
+                </a:effectRef>
+                <a:fontRef idx="minor">
+                  <a:schemeClr val="lt1"/>
+                </a:fontRef>
+              </p:style>
+              <p:txBody>
+                <a:bodyPr rtlCol="0" anchor="ctr"/>
+                <a:lstStyle/>
+                <a:p>
+                  <a:pPr algn="ctr"/>
+                  <a:endParaRPr lang="de-DE"/>
+                </a:p>
+              </p:txBody>
+            </p:sp>
+            <p:cxnSp>
+              <p:nvCxnSpPr>
+                <p:cNvPr id="196" name="Gerade Verbindung 195"/>
+                <p:cNvCxnSpPr/>
+                <p:nvPr/>
+              </p:nvCxnSpPr>
+              <p:spPr>
+                <a:xfrm rot="5400000" flipH="1" flipV="1">
+                  <a:off x="4071934" y="2714620"/>
+                  <a:ext cx="1714512" cy="1714512"/>
+                </a:xfrm>
+                <a:prstGeom prst="line">
+                  <a:avLst/>
+                </a:prstGeom>
+                <a:ln w="28575">
+                  <a:solidFill>
+                    <a:schemeClr val="tx1"/>
+                  </a:solidFill>
+                </a:ln>
+              </p:spPr>
+              <p:style>
+                <a:lnRef idx="1">
+                  <a:schemeClr val="accent1"/>
+                </a:lnRef>
+                <a:fillRef idx="0">
+                  <a:schemeClr val="accent1"/>
+                </a:fillRef>
+                <a:effectRef idx="0">
+                  <a:schemeClr val="accent1"/>
+                </a:effectRef>
+                <a:fontRef idx="minor">
+                  <a:schemeClr val="tx1"/>
+                </a:fontRef>
+              </p:style>
+            </p:cxnSp>
+          </p:grpSp>
+          <p:grpSp>
+            <p:nvGrpSpPr>
+              <p:cNvPr id="188" name="Gruppieren 8"/>
+              <p:cNvGrpSpPr/>
+              <p:nvPr/>
+            </p:nvGrpSpPr>
+            <p:grpSpPr>
+              <a:xfrm>
+                <a:off x="142844" y="5000636"/>
+                <a:ext cx="1714512" cy="1714512"/>
+                <a:chOff x="4071934" y="2714620"/>
+                <a:chExt cx="1714512" cy="1714512"/>
+              </a:xfrm>
+            </p:grpSpPr>
+            <p:sp>
+              <p:nvSpPr>
+                <p:cNvPr id="193" name="Rechteck 192"/>
+                <p:cNvSpPr/>
+                <p:nvPr/>
+              </p:nvSpPr>
+              <p:spPr>
+                <a:xfrm>
+                  <a:off x="4071934" y="2714620"/>
+                  <a:ext cx="1714512" cy="1714512"/>
+                </a:xfrm>
+                <a:prstGeom prst="rect">
+                  <a:avLst/>
+                </a:prstGeom>
+                <a:noFill/>
+                <a:ln>
+                  <a:solidFill>
+                    <a:schemeClr val="tx1"/>
+                  </a:solidFill>
+                </a:ln>
+              </p:spPr>
+              <p:style>
+                <a:lnRef idx="2">
+                  <a:schemeClr val="accent1">
+                    <a:shade val="50000"/>
+                  </a:schemeClr>
+                </a:lnRef>
+                <a:fillRef idx="1">
+                  <a:schemeClr val="accent1"/>
+                </a:fillRef>
+                <a:effectRef idx="0">
+                  <a:schemeClr val="accent1"/>
+                </a:effectRef>
+                <a:fontRef idx="minor">
+                  <a:schemeClr val="lt1"/>
+                </a:fontRef>
+              </p:style>
+              <p:txBody>
+                <a:bodyPr rtlCol="0" anchor="ctr"/>
+                <a:lstStyle/>
+                <a:p>
+                  <a:pPr algn="ctr"/>
+                  <a:endParaRPr lang="de-DE"/>
+                </a:p>
+              </p:txBody>
+            </p:sp>
+            <p:cxnSp>
+              <p:nvCxnSpPr>
+                <p:cNvPr id="194" name="Gerade Verbindung 193"/>
+                <p:cNvCxnSpPr/>
+                <p:nvPr/>
+              </p:nvCxnSpPr>
+              <p:spPr>
+                <a:xfrm rot="5400000" flipH="1" flipV="1">
+                  <a:off x="4071934" y="2714620"/>
+                  <a:ext cx="1714512" cy="1714512"/>
+                </a:xfrm>
+                <a:prstGeom prst="line">
+                  <a:avLst/>
+                </a:prstGeom>
+                <a:ln w="28575">
+                  <a:solidFill>
+                    <a:schemeClr val="tx1"/>
+                  </a:solidFill>
+                </a:ln>
+              </p:spPr>
+              <p:style>
+                <a:lnRef idx="1">
+                  <a:schemeClr val="accent1"/>
+                </a:lnRef>
+                <a:fillRef idx="0">
+                  <a:schemeClr val="accent1"/>
+                </a:fillRef>
+                <a:effectRef idx="0">
+                  <a:schemeClr val="accent1"/>
+                </a:effectRef>
+                <a:fontRef idx="minor">
+                  <a:schemeClr val="tx1"/>
+                </a:fontRef>
+              </p:style>
+            </p:cxnSp>
+          </p:grpSp>
+          <p:grpSp>
+            <p:nvGrpSpPr>
+              <p:cNvPr id="189" name="Gruppieren 14"/>
+              <p:cNvGrpSpPr/>
+              <p:nvPr/>
+            </p:nvGrpSpPr>
+            <p:grpSpPr>
+              <a:xfrm>
+                <a:off x="2428860" y="1571612"/>
+                <a:ext cx="928694" cy="928694"/>
+                <a:chOff x="4071934" y="2714620"/>
+                <a:chExt cx="1714512" cy="1714512"/>
+              </a:xfrm>
+            </p:grpSpPr>
+            <p:sp>
+              <p:nvSpPr>
+                <p:cNvPr id="191" name="Rechteck 190"/>
+                <p:cNvSpPr/>
+                <p:nvPr/>
+              </p:nvSpPr>
+              <p:spPr>
+                <a:xfrm>
+                  <a:off x="4071934" y="2714620"/>
+                  <a:ext cx="1714512" cy="1714512"/>
+                </a:xfrm>
+                <a:prstGeom prst="rect">
+                  <a:avLst/>
+                </a:prstGeom>
+                <a:noFill/>
+                <a:ln>
+                  <a:solidFill>
+                    <a:schemeClr val="tx1"/>
+                  </a:solidFill>
+                </a:ln>
+              </p:spPr>
+              <p:style>
+                <a:lnRef idx="2">
+                  <a:schemeClr val="accent1">
+                    <a:shade val="50000"/>
+                  </a:schemeClr>
+                </a:lnRef>
+                <a:fillRef idx="1">
+                  <a:schemeClr val="accent1"/>
+                </a:fillRef>
+                <a:effectRef idx="0">
+                  <a:schemeClr val="accent1"/>
+                </a:effectRef>
+                <a:fontRef idx="minor">
+                  <a:schemeClr val="lt1"/>
+                </a:fontRef>
+              </p:style>
+              <p:txBody>
+                <a:bodyPr rtlCol="0" anchor="ctr"/>
+                <a:lstStyle/>
+                <a:p>
+                  <a:pPr algn="ctr"/>
+                  <a:endParaRPr lang="de-DE"/>
+                </a:p>
+              </p:txBody>
+            </p:sp>
+            <p:cxnSp>
+              <p:nvCxnSpPr>
+                <p:cNvPr id="192" name="Gerade Verbindung 191"/>
+                <p:cNvCxnSpPr/>
+                <p:nvPr/>
+              </p:nvCxnSpPr>
+              <p:spPr>
+                <a:xfrm rot="5400000" flipH="1" flipV="1">
+                  <a:off x="4071934" y="2714620"/>
+                  <a:ext cx="1714512" cy="1714512"/>
+                </a:xfrm>
+                <a:prstGeom prst="line">
+                  <a:avLst/>
+                </a:prstGeom>
+                <a:ln w="28575">
+                  <a:solidFill>
+                    <a:schemeClr val="tx1"/>
+                  </a:solidFill>
+                </a:ln>
+              </p:spPr>
+              <p:style>
+                <a:lnRef idx="1">
+                  <a:schemeClr val="accent1"/>
+                </a:lnRef>
+                <a:fillRef idx="0">
+                  <a:schemeClr val="accent1"/>
+                </a:fillRef>
+                <a:effectRef idx="0">
+                  <a:schemeClr val="accent1"/>
+                </a:effectRef>
+                <a:fontRef idx="minor">
+                  <a:schemeClr val="tx1"/>
+                </a:fontRef>
+              </p:style>
+            </p:cxnSp>
+          </p:grpSp>
+          <p:sp>
+            <p:nvSpPr>
+              <p:cNvPr id="190" name="Rechteck 189"/>
+              <p:cNvSpPr/>
+              <p:nvPr/>
+            </p:nvSpPr>
+            <p:spPr>
+              <a:xfrm>
+                <a:off x="0" y="0"/>
+                <a:ext cx="9144000" cy="6858000"/>
+              </a:xfrm>
+              <a:prstGeom prst="rect">
+                <a:avLst/>
+              </a:prstGeom>
+              <a:noFill/>
+              <a:ln>
+                <a:solidFill>
+                  <a:schemeClr val="tx1"/>
+                </a:solidFill>
+              </a:ln>
+            </p:spPr>
+            <p:style>
+              <a:lnRef idx="2">
+                <a:schemeClr val="accent1">
+                  <a:shade val="50000"/>
+                </a:schemeClr>
+              </a:lnRef>
+              <a:fillRef idx="1">
+                <a:schemeClr val="accent1"/>
+              </a:fillRef>
+              <a:effectRef idx="0">
+                <a:schemeClr val="accent1"/>
+              </a:effectRef>
+              <a:fontRef idx="minor">
+                <a:schemeClr val="lt1"/>
+              </a:fontRef>
+            </p:style>
+            <p:txBody>
+              <a:bodyPr rtlCol="0" anchor="ctr"/>
+              <a:lstStyle/>
+              <a:p>
+                <a:pPr algn="ctr"/>
+                <a:endParaRPr lang="de-DE"/>
+              </a:p>
+            </p:txBody>
+          </p:sp>
+        </p:grpSp>
+        <p:cxnSp>
+          <p:nvCxnSpPr>
+            <p:cNvPr id="179" name="Gerade Verbindung 178"/>
+            <p:cNvCxnSpPr/>
+            <p:nvPr/>
+          </p:nvCxnSpPr>
+          <p:spPr>
+            <a:xfrm>
+              <a:off x="3571868" y="5786454"/>
+              <a:ext cx="4286280" cy="1588"/>
+            </a:xfrm>
+            <a:prstGeom prst="line">
+              <a:avLst/>
+            </a:prstGeom>
+            <a:ln w="28575">
+              <a:solidFill>
+                <a:schemeClr val="tx1"/>
+              </a:solidFill>
+            </a:ln>
+          </p:spPr>
+          <p:style>
+            <a:lnRef idx="1">
+              <a:schemeClr val="accent1"/>
+            </a:lnRef>
+            <a:fillRef idx="0">
+              <a:schemeClr val="accent1"/>
+            </a:fillRef>
+            <a:effectRef idx="0">
+              <a:schemeClr val="accent1"/>
+            </a:effectRef>
+            <a:fontRef idx="minor">
+              <a:schemeClr val="tx1"/>
+            </a:fontRef>
+          </p:style>
+        </p:cxnSp>
+        <p:cxnSp>
+          <p:nvCxnSpPr>
+            <p:cNvPr id="180" name="Gerade Verbindung 179"/>
+            <p:cNvCxnSpPr/>
+            <p:nvPr/>
+          </p:nvCxnSpPr>
+          <p:spPr>
+            <a:xfrm rot="5400000">
+              <a:off x="3036095" y="6322227"/>
+              <a:ext cx="1071546" cy="1588"/>
+            </a:xfrm>
+            <a:prstGeom prst="line">
+              <a:avLst/>
+            </a:prstGeom>
+            <a:ln w="28575">
+              <a:solidFill>
+                <a:schemeClr val="tx1"/>
+              </a:solidFill>
+            </a:ln>
+          </p:spPr>
+          <p:style>
+            <a:lnRef idx="1">
+              <a:schemeClr val="accent1"/>
+            </a:lnRef>
+            <a:fillRef idx="0">
+              <a:schemeClr val="accent1"/>
+            </a:fillRef>
+            <a:effectRef idx="0">
+              <a:schemeClr val="accent1"/>
+            </a:effectRef>
+            <a:fontRef idx="minor">
+              <a:schemeClr val="tx1"/>
+            </a:fontRef>
+          </p:style>
+        </p:cxnSp>
+        <p:cxnSp>
+          <p:nvCxnSpPr>
+            <p:cNvPr id="181" name="Gerade Verbindung 180"/>
+            <p:cNvCxnSpPr/>
+            <p:nvPr/>
+          </p:nvCxnSpPr>
+          <p:spPr>
+            <a:xfrm rot="5400000">
+              <a:off x="7322375" y="6322227"/>
+              <a:ext cx="1071546" cy="1588"/>
+            </a:xfrm>
+            <a:prstGeom prst="line">
+              <a:avLst/>
+            </a:prstGeom>
+            <a:ln w="28575">
+              <a:solidFill>
+                <a:schemeClr val="tx1"/>
+              </a:solidFill>
+            </a:ln>
+          </p:spPr>
+          <p:style>
+            <a:lnRef idx="1">
+              <a:schemeClr val="accent1"/>
+            </a:lnRef>
+            <a:fillRef idx="0">
+              <a:schemeClr val="accent1"/>
+            </a:fillRef>
+            <a:effectRef idx="0">
+              <a:schemeClr val="accent1"/>
+            </a:effectRef>
+            <a:fontRef idx="minor">
+              <a:schemeClr val="tx1"/>
+            </a:fontRef>
+          </p:style>
+        </p:cxnSp>
+        <p:cxnSp>
+          <p:nvCxnSpPr>
+            <p:cNvPr id="182" name="Gerade Verbindung 181"/>
+            <p:cNvCxnSpPr/>
+            <p:nvPr/>
+          </p:nvCxnSpPr>
+          <p:spPr>
+            <a:xfrm rot="10800000" flipV="1">
+              <a:off x="6786578" y="5786454"/>
+              <a:ext cx="1071570" cy="1071546"/>
+            </a:xfrm>
+            <a:prstGeom prst="line">
+              <a:avLst/>
+            </a:prstGeom>
+            <a:ln w="28575">
+              <a:solidFill>
+                <a:schemeClr val="tx1"/>
+              </a:solidFill>
+            </a:ln>
+          </p:spPr>
+          <p:style>
+            <a:lnRef idx="1">
+              <a:schemeClr val="accent1"/>
+            </a:lnRef>
+            <a:fillRef idx="0">
+              <a:schemeClr val="accent1"/>
+            </a:fillRef>
+            <a:effectRef idx="0">
+              <a:schemeClr val="accent1"/>
+            </a:effectRef>
+            <a:fontRef idx="minor">
+              <a:schemeClr val="tx1"/>
+            </a:fontRef>
+          </p:style>
+        </p:cxnSp>
+        <p:cxnSp>
+          <p:nvCxnSpPr>
+            <p:cNvPr id="183" name="Gerade Verbindung 182"/>
+            <p:cNvCxnSpPr/>
+            <p:nvPr/>
+          </p:nvCxnSpPr>
+          <p:spPr>
+            <a:xfrm rot="10800000">
+              <a:off x="0" y="1928802"/>
+              <a:ext cx="714348" cy="1588"/>
+            </a:xfrm>
+            <a:prstGeom prst="line">
+              <a:avLst/>
+            </a:prstGeom>
+            <a:ln w="28575">
+              <a:solidFill>
+                <a:schemeClr val="tx1"/>
+              </a:solidFill>
+            </a:ln>
+          </p:spPr>
+          <p:style>
+            <a:lnRef idx="1">
+              <a:schemeClr val="accent1"/>
+            </a:lnRef>
+            <a:fillRef idx="0">
+              <a:schemeClr val="accent1"/>
+            </a:fillRef>
+            <a:effectRef idx="0">
+              <a:schemeClr val="accent1"/>
+            </a:effectRef>
+            <a:fontRef idx="minor">
+              <a:schemeClr val="tx1"/>
+            </a:fontRef>
+          </p:style>
+        </p:cxnSp>
+        <p:cxnSp>
+          <p:nvCxnSpPr>
+            <p:cNvPr id="184" name="Gerade Verbindung 183"/>
+            <p:cNvCxnSpPr/>
+            <p:nvPr/>
+          </p:nvCxnSpPr>
+          <p:spPr>
+            <a:xfrm rot="5400000" flipH="1" flipV="1">
+              <a:off x="-35751" y="2678901"/>
+              <a:ext cx="1500198" cy="1588"/>
+            </a:xfrm>
+            <a:prstGeom prst="line">
+              <a:avLst/>
+            </a:prstGeom>
+            <a:ln w="28575">
+              <a:solidFill>
+                <a:schemeClr val="tx1"/>
+              </a:solidFill>
+            </a:ln>
+          </p:spPr>
+          <p:style>
+            <a:lnRef idx="1">
+              <a:schemeClr val="accent1"/>
+            </a:lnRef>
+            <a:fillRef idx="0">
+              <a:schemeClr val="accent1"/>
+            </a:fillRef>
+            <a:effectRef idx="0">
+              <a:schemeClr val="accent1"/>
+            </a:effectRef>
+            <a:fontRef idx="minor">
+              <a:schemeClr val="tx1"/>
+            </a:fontRef>
+          </p:style>
+        </p:cxnSp>
+        <p:cxnSp>
+          <p:nvCxnSpPr>
+            <p:cNvPr id="185" name="Gerade Verbindung 184"/>
+            <p:cNvCxnSpPr>
+              <a:endCxn id="190" idx="1"/>
+            </p:cNvCxnSpPr>
+            <p:nvPr/>
+          </p:nvCxnSpPr>
+          <p:spPr>
+            <a:xfrm rot="10800000">
+              <a:off x="0" y="3429000"/>
+              <a:ext cx="714348" cy="1588"/>
+            </a:xfrm>
+            <a:prstGeom prst="line">
+              <a:avLst/>
+            </a:prstGeom>
+            <a:ln w="28575">
+              <a:solidFill>
+                <a:schemeClr val="tx1"/>
+              </a:solidFill>
+            </a:ln>
+          </p:spPr>
+          <p:style>
+            <a:lnRef idx="1">
+              <a:schemeClr val="accent1"/>
+            </a:lnRef>
+            <a:fillRef idx="0">
+              <a:schemeClr val="accent1"/>
+            </a:fillRef>
+            <a:effectRef idx="0">
+              <a:schemeClr val="accent1"/>
+            </a:effectRef>
+            <a:fontRef idx="minor">
+              <a:schemeClr val="tx1"/>
+            </a:fontRef>
+          </p:style>
+        </p:cxnSp>
+        <p:cxnSp>
+          <p:nvCxnSpPr>
+            <p:cNvPr id="186" name="Gerade Verbindung 185"/>
+            <p:cNvCxnSpPr/>
+            <p:nvPr/>
+          </p:nvCxnSpPr>
+          <p:spPr>
+            <a:xfrm rot="5400000">
+              <a:off x="-35735" y="1964537"/>
+              <a:ext cx="785818" cy="714348"/>
+            </a:xfrm>
+            <a:prstGeom prst="line">
+              <a:avLst/>
+            </a:prstGeom>
+            <a:ln w="28575">
+              <a:solidFill>
+                <a:schemeClr val="tx1"/>
+              </a:solidFill>
+            </a:ln>
+          </p:spPr>
+          <p:style>
+            <a:lnRef idx="1">
+              <a:schemeClr val="accent1"/>
+            </a:lnRef>
+            <a:fillRef idx="0">
+              <a:schemeClr val="accent1"/>
+            </a:fillRef>
+            <a:effectRef idx="0">
+              <a:schemeClr val="accent1"/>
+            </a:effectRef>
+            <a:fontRef idx="minor">
+              <a:schemeClr val="tx1"/>
+            </a:fontRef>
+          </p:style>
+        </p:cxnSp>
+      </p:grpSp>
+    </p:spTree>
+  </p:cSld>
+  <p:clrMapOvr>
+    <a:masterClrMapping/>
+  </p:clrMapOvr>
+</p:sld>
+</file>
+
 <file path=ppt/theme/theme1.xml><?xml version="1.0" encoding="utf-8"?>
 <a:theme xmlns:a="http://schemas.openxmlformats.org/drawingml/2006/main" name="Larissa-Design">
   <a:themeElements>
